--- a/PP/Bản sao của Minimal Illustrative Digital Marketing Proposal Presentation.pptx
+++ b/PP/Bản sao của Minimal Illustrative Digital Marketing Proposal Presentation.pptx
@@ -14,36 +14,35 @@
     <p:sldId id="272" r:id="rId8"/>
     <p:sldId id="276" r:id="rId9"/>
     <p:sldId id="273" r:id="rId10"/>
-    <p:sldId id="275" r:id="rId11"/>
   </p:sldIdLst>
   <p:sldSz cx="18288000" cy="10287000"/>
   <p:notesSz cx="6858000" cy="9144000"/>
   <p:embeddedFontLst>
     <p:embeddedFont>
       <p:font typeface="Calibri" panose="020F0502020204030204" pitchFamily="34" charset="0"/>
-      <p:regular r:id="rId12"/>
-      <p:bold r:id="rId13"/>
-      <p:italic r:id="rId14"/>
-      <p:boldItalic r:id="rId15"/>
+      <p:regular r:id="rId11"/>
+      <p:bold r:id="rId12"/>
+      <p:italic r:id="rId13"/>
+      <p:boldItalic r:id="rId14"/>
     </p:embeddedFont>
     <p:embeddedFont>
       <p:font typeface="Gill Sans Bold" panose="020B0604020202020204" charset="0"/>
-      <p:regular r:id="rId16"/>
+      <p:regular r:id="rId15"/>
     </p:embeddedFont>
     <p:embeddedFont>
       <p:font typeface="IBM Plex Sans" panose="020B0503050203000203" pitchFamily="34" charset="0"/>
-      <p:regular r:id="rId17"/>
-      <p:bold r:id="rId18"/>
-      <p:italic r:id="rId19"/>
-      <p:boldItalic r:id="rId20"/>
+      <p:regular r:id="rId16"/>
+      <p:bold r:id="rId17"/>
+      <p:italic r:id="rId18"/>
+      <p:boldItalic r:id="rId19"/>
     </p:embeddedFont>
     <p:embeddedFont>
       <p:font typeface="Public Sans" panose="020B0604020202020204" charset="0"/>
-      <p:regular r:id="rId21"/>
+      <p:regular r:id="rId20"/>
     </p:embeddedFont>
     <p:embeddedFont>
       <p:font typeface="Public Sans Bold" panose="020B0604020202020204" charset="0"/>
-      <p:regular r:id="rId22"/>
+      <p:regular r:id="rId21"/>
     </p:embeddedFont>
   </p:embeddedFontLst>
   <p:defaultTextStyle>
@@ -340,7 +339,7 @@
             <a:fld id="{1D8BD707-D9CF-40AE-B4C6-C98DA3205C09}" type="datetimeFigureOut">
               <a:rPr lang="en-US" smtClean="0"/>
               <a:pPr/>
-              <a:t>3/14/2025</a:t>
+              <a:t>3/15/2025</a:t>
             </a:fld>
             <a:endParaRPr lang="en-US"/>
           </a:p>
@@ -517,7 +516,7 @@
             <a:fld id="{1D8BD707-D9CF-40AE-B4C6-C98DA3205C09}" type="datetimeFigureOut">
               <a:rPr lang="en-US" smtClean="0"/>
               <a:pPr/>
-              <a:t>3/14/2025</a:t>
+              <a:t>3/15/2025</a:t>
             </a:fld>
             <a:endParaRPr lang="en-US"/>
           </a:p>
@@ -704,7 +703,7 @@
             <a:fld id="{1D8BD707-D9CF-40AE-B4C6-C98DA3205C09}" type="datetimeFigureOut">
               <a:rPr lang="en-US" smtClean="0"/>
               <a:pPr/>
-              <a:t>3/14/2025</a:t>
+              <a:t>3/15/2025</a:t>
             </a:fld>
             <a:endParaRPr lang="en-US"/>
           </a:p>
@@ -881,7 +880,7 @@
             <a:fld id="{1D8BD707-D9CF-40AE-B4C6-C98DA3205C09}" type="datetimeFigureOut">
               <a:rPr lang="en-US" smtClean="0"/>
               <a:pPr/>
-              <a:t>3/14/2025</a:t>
+              <a:t>3/15/2025</a:t>
             </a:fld>
             <a:endParaRPr lang="en-US"/>
           </a:p>
@@ -1135,7 +1134,7 @@
             <a:fld id="{1D8BD707-D9CF-40AE-B4C6-C98DA3205C09}" type="datetimeFigureOut">
               <a:rPr lang="en-US" smtClean="0"/>
               <a:pPr/>
-              <a:t>3/14/2025</a:t>
+              <a:t>3/15/2025</a:t>
             </a:fld>
             <a:endParaRPr lang="en-US"/>
           </a:p>
@@ -1429,7 +1428,7 @@
             <a:fld id="{1D8BD707-D9CF-40AE-B4C6-C98DA3205C09}" type="datetimeFigureOut">
               <a:rPr lang="en-US" smtClean="0"/>
               <a:pPr/>
-              <a:t>3/14/2025</a:t>
+              <a:t>3/15/2025</a:t>
             </a:fld>
             <a:endParaRPr lang="en-US"/>
           </a:p>
@@ -1857,7 +1856,7 @@
             <a:fld id="{1D8BD707-D9CF-40AE-B4C6-C98DA3205C09}" type="datetimeFigureOut">
               <a:rPr lang="en-US" smtClean="0"/>
               <a:pPr/>
-              <a:t>3/14/2025</a:t>
+              <a:t>3/15/2025</a:t>
             </a:fld>
             <a:endParaRPr lang="en-US"/>
           </a:p>
@@ -1983,7 +1982,7 @@
             <a:fld id="{1D8BD707-D9CF-40AE-B4C6-C98DA3205C09}" type="datetimeFigureOut">
               <a:rPr lang="en-US" smtClean="0"/>
               <a:pPr/>
-              <a:t>3/14/2025</a:t>
+              <a:t>3/15/2025</a:t>
             </a:fld>
             <a:endParaRPr lang="en-US"/>
           </a:p>
@@ -2087,7 +2086,7 @@
             <a:fld id="{1D8BD707-D9CF-40AE-B4C6-C98DA3205C09}" type="datetimeFigureOut">
               <a:rPr lang="en-US" smtClean="0"/>
               <a:pPr/>
-              <a:t>3/14/2025</a:t>
+              <a:t>3/15/2025</a:t>
             </a:fld>
             <a:endParaRPr lang="en-US"/>
           </a:p>
@@ -2371,7 +2370,7 @@
             <a:fld id="{1D8BD707-D9CF-40AE-B4C6-C98DA3205C09}" type="datetimeFigureOut">
               <a:rPr lang="en-US" smtClean="0"/>
               <a:pPr/>
-              <a:t>3/14/2025</a:t>
+              <a:t>3/15/2025</a:t>
             </a:fld>
             <a:endParaRPr lang="en-US"/>
           </a:p>
@@ -2632,7 +2631,7 @@
             <a:fld id="{1D8BD707-D9CF-40AE-B4C6-C98DA3205C09}" type="datetimeFigureOut">
               <a:rPr lang="en-US" smtClean="0"/>
               <a:pPr/>
-              <a:t>3/14/2025</a:t>
+              <a:t>3/15/2025</a:t>
             </a:fld>
             <a:endParaRPr lang="en-US"/>
           </a:p>
@@ -2852,7 +2851,7 @@
             <a:fld id="{1D8BD707-D9CF-40AE-B4C6-C98DA3205C09}" type="datetimeFigureOut">
               <a:rPr lang="en-US" smtClean="0"/>
               <a:pPr/>
-              <a:t>3/14/2025</a:t>
+              <a:t>3/15/2025</a:t>
             </a:fld>
             <a:endParaRPr lang="en-US"/>
           </a:p>
@@ -3594,48 +3593,6 @@
         </p:spPr>
       </p:sp>
     </p:spTree>
-  </p:cSld>
-  <p:clrMapOvr>
-    <a:masterClrMapping/>
-  </p:clrMapOvr>
-  <mc:AlternateContent xmlns:mc="http://schemas.openxmlformats.org/markup-compatibility/2006" xmlns:p159="http://schemas.microsoft.com/office/powerpoint/2015/09/main">
-    <mc:Choice Requires="p159">
-      <p:transition xmlns:p14="http://schemas.microsoft.com/office/powerpoint/2010/main" spd="slow" p14:dur="2000">
-        <p159:morph option="byObject"/>
-      </p:transition>
-    </mc:Choice>
-    <mc:Fallback xmlns="">
-      <p:transition spd="slow">
-        <p:fade/>
-      </p:transition>
-    </mc:Fallback>
-  </mc:AlternateContent>
-</p:sld>
-</file>
-
-<file path=ppt/slides/slide10.xml><?xml version="1.0" encoding="utf-8"?>
-<p:sld xmlns:a="http://schemas.openxmlformats.org/drawingml/2006/main" xmlns:r="http://schemas.openxmlformats.org/officeDocument/2006/relationships" xmlns:p="http://schemas.openxmlformats.org/presentationml/2006/main">
-  <p:cSld>
-    <p:spTree>
-      <p:nvGrpSpPr>
-        <p:cNvPr id="1" name=""/>
-        <p:cNvGrpSpPr/>
-        <p:nvPr/>
-      </p:nvGrpSpPr>
-      <p:grpSpPr>
-        <a:xfrm>
-          <a:off x="0" y="0"/>
-          <a:ext cx="0" cy="0"/>
-          <a:chOff x="0" y="0"/>
-          <a:chExt cx="0" cy="0"/>
-        </a:xfrm>
-      </p:grpSpPr>
-    </p:spTree>
-    <p:extLst>
-      <p:ext uri="{BB962C8B-B14F-4D97-AF65-F5344CB8AC3E}">
-        <p14:creationId xmlns:p14="http://schemas.microsoft.com/office/powerpoint/2010/main" val="3204815939"/>
-      </p:ext>
-    </p:extLst>
   </p:cSld>
   <p:clrMapOvr>
     <a:masterClrMapping/>

--- a/PP/Bản sao của Minimal Illustrative Digital Marketing Proposal Presentation.pptx
+++ b/PP/Bản sao của Minimal Illustrative Digital Marketing Proposal Presentation.pptx
@@ -75,14 +75,14 @@
             <a:noAutofit/>
           </a:bodyPr>
           <a:p>
-            <a:pPr indent="0">
+            <a:pPr indent="0" algn="ctr">
               <a:buNone/>
             </a:pPr>
-            <a:endParaRPr b="0" lang="en-US" sz="1800" spc="-1" strike="noStrike">
-              <a:solidFill>
-                <a:schemeClr val="dk1"/>
-              </a:solidFill>
-              <a:latin typeface="Calibri"/>
+            <a:endParaRPr b="0" lang="vi-VN" sz="4400" spc="-1" strike="noStrike">
+              <a:solidFill>
+                <a:srgbClr val="000000"/>
+              </a:solidFill>
+              <a:latin typeface="Arial"/>
             </a:endParaRPr>
           </a:p>
         </p:txBody>
@@ -134,7 +134,7 @@
             <a:spLocks noGrp="1"/>
           </p:cNvSpPr>
           <p:nvPr>
-            <p:ph type="ftr" idx="2"/>
+            <p:ph type="ftr" idx="1"/>
           </p:nvPr>
         </p:nvSpPr>
         <p:spPr/>
@@ -154,14 +154,14 @@
             <a:spLocks noGrp="1"/>
           </p:cNvSpPr>
           <p:nvPr>
-            <p:ph type="sldNum" idx="3"/>
+            <p:ph type="sldNum" idx="2"/>
           </p:nvPr>
         </p:nvSpPr>
         <p:spPr/>
         <p:txBody>
           <a:bodyPr/>
           <a:p>
-            <a:fld id="{3A439AF4-A1EF-4B80-80FA-5EBA59DA8C9A}" type="slidenum">
+            <a:fld id="{95664B0A-5164-4D58-B10D-873C683D3227}" type="slidenum">
               <a:t>&lt;#&gt;</a:t>
             </a:fld>
           </a:p>
@@ -174,7 +174,7 @@
             <a:spLocks noGrp="1"/>
           </p:cNvSpPr>
           <p:nvPr>
-            <p:ph type="dt" idx="1"/>
+            <p:ph type="dt" idx="3"/>
           </p:nvPr>
         </p:nvSpPr>
         <p:spPr/>
@@ -217,7 +217,7 @@
             <a:spLocks noGrp="1"/>
           </p:cNvSpPr>
           <p:nvPr>
-            <p:ph type="ftr" idx="29"/>
+            <p:ph type="ftr" idx="28"/>
           </p:nvPr>
         </p:nvSpPr>
         <p:spPr/>
@@ -237,14 +237,14 @@
             <a:spLocks noGrp="1"/>
           </p:cNvSpPr>
           <p:nvPr>
-            <p:ph type="sldNum" idx="30"/>
+            <p:ph type="sldNum" idx="29"/>
           </p:nvPr>
         </p:nvSpPr>
         <p:spPr/>
         <p:txBody>
           <a:bodyPr/>
           <a:p>
-            <a:fld id="{6638B537-6783-4C55-8E24-D819BC244F2E}" type="slidenum">
+            <a:fld id="{55520BB2-924F-4870-858B-199B5F9F08AB}" type="slidenum">
               <a:t>&lt;#&gt;</a:t>
             </a:fld>
           </a:p>
@@ -257,7 +257,7 @@
             <a:spLocks noGrp="1"/>
           </p:cNvSpPr>
           <p:nvPr>
-            <p:ph type="dt" idx="28"/>
+            <p:ph type="dt" idx="30"/>
           </p:nvPr>
         </p:nvSpPr>
         <p:spPr/>
@@ -300,7 +300,7 @@
             <a:spLocks noGrp="1"/>
           </p:cNvSpPr>
           <p:nvPr>
-            <p:ph type="ftr" idx="32"/>
+            <p:ph type="ftr" idx="31"/>
           </p:nvPr>
         </p:nvSpPr>
         <p:spPr/>
@@ -320,14 +320,14 @@
             <a:spLocks noGrp="1"/>
           </p:cNvSpPr>
           <p:nvPr>
-            <p:ph type="sldNum" idx="33"/>
+            <p:ph type="sldNum" idx="32"/>
           </p:nvPr>
         </p:nvSpPr>
         <p:spPr/>
         <p:txBody>
           <a:bodyPr/>
           <a:p>
-            <a:fld id="{3DD6E516-83D7-4AF6-B5C0-E1A0E731F81D}" type="slidenum">
+            <a:fld id="{8CB930BB-7B13-47A8-9A29-D4BC8D110C79}" type="slidenum">
               <a:t>&lt;#&gt;</a:t>
             </a:fld>
           </a:p>
@@ -340,7 +340,7 @@
             <a:spLocks noGrp="1"/>
           </p:cNvSpPr>
           <p:nvPr>
-            <p:ph type="dt" idx="31"/>
+            <p:ph type="dt" idx="33"/>
           </p:nvPr>
         </p:nvSpPr>
         <p:spPr/>
@@ -383,7 +383,7 @@
             <a:spLocks noGrp="1"/>
           </p:cNvSpPr>
           <p:nvPr>
-            <p:ph type="ftr" idx="5"/>
+            <p:ph type="ftr" idx="4"/>
           </p:nvPr>
         </p:nvSpPr>
         <p:spPr/>
@@ -403,14 +403,14 @@
             <a:spLocks noGrp="1"/>
           </p:cNvSpPr>
           <p:nvPr>
-            <p:ph type="sldNum" idx="6"/>
+            <p:ph type="sldNum" idx="5"/>
           </p:nvPr>
         </p:nvSpPr>
         <p:spPr/>
         <p:txBody>
           <a:bodyPr/>
           <a:p>
-            <a:fld id="{F6BDD6CE-FB7A-4E2C-9112-551AF1BC63A8}" type="slidenum">
+            <a:fld id="{B8C405F9-82A2-4A5A-9460-B9B45E506A8C}" type="slidenum">
               <a:t>&lt;#&gt;</a:t>
             </a:fld>
           </a:p>
@@ -423,7 +423,7 @@
             <a:spLocks noGrp="1"/>
           </p:cNvSpPr>
           <p:nvPr>
-            <p:ph type="dt" idx="4"/>
+            <p:ph type="dt" idx="6"/>
           </p:nvPr>
         </p:nvSpPr>
         <p:spPr/>
@@ -466,7 +466,7 @@
             <a:spLocks noGrp="1"/>
           </p:cNvSpPr>
           <p:nvPr>
-            <p:ph type="ftr" idx="8"/>
+            <p:ph type="ftr" idx="7"/>
           </p:nvPr>
         </p:nvSpPr>
         <p:spPr/>
@@ -486,14 +486,14 @@
             <a:spLocks noGrp="1"/>
           </p:cNvSpPr>
           <p:nvPr>
-            <p:ph type="sldNum" idx="9"/>
+            <p:ph type="sldNum" idx="8"/>
           </p:nvPr>
         </p:nvSpPr>
         <p:spPr/>
         <p:txBody>
           <a:bodyPr/>
           <a:p>
-            <a:fld id="{1E7A0F74-45B2-42FB-847E-5873A41D62A2}" type="slidenum">
+            <a:fld id="{7ABBE4A6-C41B-4830-8F45-C4EB9F65FA32}" type="slidenum">
               <a:t>&lt;#&gt;</a:t>
             </a:fld>
           </a:p>
@@ -506,7 +506,7 @@
             <a:spLocks noGrp="1"/>
           </p:cNvSpPr>
           <p:nvPr>
-            <p:ph type="dt" idx="7"/>
+            <p:ph type="dt" idx="9"/>
           </p:nvPr>
         </p:nvSpPr>
         <p:spPr/>
@@ -544,7 +544,7 @@
       </p:grpSpPr>
       <p:sp>
         <p:nvSpPr>
-          <p:cNvPr id="21" name="PlaceHolder 1"/>
+          <p:cNvPr id="17" name="PlaceHolder 1"/>
           <p:cNvSpPr>
             <a:spLocks noGrp="1"/>
           </p:cNvSpPr>
@@ -570,21 +570,21 @@
             <a:noAutofit/>
           </a:bodyPr>
           <a:p>
-            <a:pPr indent="0">
+            <a:pPr indent="0" algn="ctr">
               <a:buNone/>
             </a:pPr>
-            <a:endParaRPr b="0" lang="en-US" sz="1800" spc="-1" strike="noStrike">
-              <a:solidFill>
-                <a:schemeClr val="dk1"/>
-              </a:solidFill>
-              <a:latin typeface="Calibri"/>
+            <a:endParaRPr b="0" lang="vi-VN" sz="4400" spc="-1" strike="noStrike">
+              <a:solidFill>
+                <a:srgbClr val="000000"/>
+              </a:solidFill>
+              <a:latin typeface="Arial"/>
             </a:endParaRPr>
           </a:p>
         </p:txBody>
       </p:sp>
       <p:sp>
         <p:nvSpPr>
-          <p:cNvPr id="22" name="PlaceHolder 2"/>
+          <p:cNvPr id="18" name="PlaceHolder 2"/>
           <p:cNvSpPr>
             <a:spLocks noGrp="1"/>
           </p:cNvSpPr>
@@ -616,11 +616,11 @@
               </a:spcBef>
               <a:buNone/>
             </a:pPr>
-            <a:endParaRPr b="0" lang="en-US" sz="3200" spc="-1" strike="noStrike">
-              <a:solidFill>
-                <a:schemeClr val="dk1"/>
-              </a:solidFill>
-              <a:latin typeface="Calibri"/>
+            <a:endParaRPr b="0" lang="vi-VN" sz="3200" spc="-1" strike="noStrike">
+              <a:solidFill>
+                <a:srgbClr val="000000"/>
+              </a:solidFill>
+              <a:latin typeface="Arial"/>
             </a:endParaRPr>
           </a:p>
         </p:txBody>
@@ -632,7 +632,7 @@
             <a:spLocks noGrp="1"/>
           </p:cNvSpPr>
           <p:nvPr>
-            <p:ph type="ftr" idx="11"/>
+            <p:ph type="ftr" idx="10"/>
           </p:nvPr>
         </p:nvSpPr>
         <p:spPr/>
@@ -652,14 +652,14 @@
             <a:spLocks noGrp="1"/>
           </p:cNvSpPr>
           <p:nvPr>
-            <p:ph type="sldNum" idx="12"/>
+            <p:ph type="sldNum" idx="11"/>
           </p:nvPr>
         </p:nvSpPr>
         <p:spPr/>
         <p:txBody>
           <a:bodyPr/>
           <a:p>
-            <a:fld id="{10418B2F-253D-48FD-9728-AB1B2DBD4F8C}" type="slidenum">
+            <a:fld id="{4CA45A92-60EA-4798-9B75-F5AA2BB7540D}" type="slidenum">
               <a:t>&lt;#&gt;</a:t>
             </a:fld>
           </a:p>
@@ -672,7 +672,7 @@
             <a:spLocks noGrp="1"/>
           </p:cNvSpPr>
           <p:nvPr>
-            <p:ph type="dt" idx="10"/>
+            <p:ph type="dt" idx="12"/>
           </p:nvPr>
         </p:nvSpPr>
         <p:spPr/>
@@ -715,7 +715,7 @@
             <a:spLocks noGrp="1"/>
           </p:cNvSpPr>
           <p:nvPr>
-            <p:ph type="ftr" idx="14"/>
+            <p:ph type="ftr" idx="13"/>
           </p:nvPr>
         </p:nvSpPr>
         <p:spPr/>
@@ -735,14 +735,14 @@
             <a:spLocks noGrp="1"/>
           </p:cNvSpPr>
           <p:nvPr>
-            <p:ph type="sldNum" idx="15"/>
+            <p:ph type="sldNum" idx="14"/>
           </p:nvPr>
         </p:nvSpPr>
         <p:spPr/>
         <p:txBody>
           <a:bodyPr/>
           <a:p>
-            <a:fld id="{30E909C8-D71B-41C8-8A20-3056B710B2DB}" type="slidenum">
+            <a:fld id="{AF23DD0C-D8E2-496D-933D-77DC6139F460}" type="slidenum">
               <a:t>&lt;#&gt;</a:t>
             </a:fld>
           </a:p>
@@ -755,7 +755,7 @@
             <a:spLocks noGrp="1"/>
           </p:cNvSpPr>
           <p:nvPr>
-            <p:ph type="dt" idx="13"/>
+            <p:ph type="dt" idx="15"/>
           </p:nvPr>
         </p:nvSpPr>
         <p:spPr/>
@@ -793,7 +793,7 @@
       </p:grpSpPr>
       <p:sp>
         <p:nvSpPr>
-          <p:cNvPr id="34" name="PlaceHolder 1"/>
+          <p:cNvPr id="28" name="PlaceHolder 1"/>
           <p:cNvSpPr>
             <a:spLocks noGrp="1"/>
           </p:cNvSpPr>
@@ -819,21 +819,21 @@
             <a:noAutofit/>
           </a:bodyPr>
           <a:p>
-            <a:pPr indent="0">
+            <a:pPr indent="0" algn="ctr">
               <a:buNone/>
             </a:pPr>
-            <a:endParaRPr b="0" lang="en-US" sz="1800" spc="-1" strike="noStrike">
-              <a:solidFill>
-                <a:schemeClr val="dk1"/>
-              </a:solidFill>
-              <a:latin typeface="Calibri"/>
+            <a:endParaRPr b="0" lang="vi-VN" sz="4400" spc="-1" strike="noStrike">
+              <a:solidFill>
+                <a:srgbClr val="000000"/>
+              </a:solidFill>
+              <a:latin typeface="Arial"/>
             </a:endParaRPr>
           </a:p>
         </p:txBody>
       </p:sp>
       <p:sp>
         <p:nvSpPr>
-          <p:cNvPr id="35" name="PlaceHolder 2"/>
+          <p:cNvPr id="29" name="PlaceHolder 2"/>
           <p:cNvSpPr>
             <a:spLocks noGrp="1"/>
           </p:cNvSpPr>
@@ -865,18 +865,18 @@
               </a:spcBef>
               <a:buNone/>
             </a:pPr>
-            <a:endParaRPr b="0" lang="en-US" sz="3200" spc="-1" strike="noStrike">
-              <a:solidFill>
-                <a:schemeClr val="dk1"/>
-              </a:solidFill>
-              <a:latin typeface="Calibri"/>
+            <a:endParaRPr b="0" lang="vi-VN" sz="3200" spc="-1" strike="noStrike">
+              <a:solidFill>
+                <a:srgbClr val="000000"/>
+              </a:solidFill>
+              <a:latin typeface="Arial"/>
             </a:endParaRPr>
           </a:p>
         </p:txBody>
       </p:sp>
       <p:sp>
         <p:nvSpPr>
-          <p:cNvPr id="36" name="PlaceHolder 3"/>
+          <p:cNvPr id="30" name="PlaceHolder 3"/>
           <p:cNvSpPr>
             <a:spLocks noGrp="1"/>
           </p:cNvSpPr>
@@ -908,11 +908,11 @@
               </a:spcBef>
               <a:buNone/>
             </a:pPr>
-            <a:endParaRPr b="0" lang="en-US" sz="3200" spc="-1" strike="noStrike">
-              <a:solidFill>
-                <a:schemeClr val="dk1"/>
-              </a:solidFill>
-              <a:latin typeface="Calibri"/>
+            <a:endParaRPr b="0" lang="vi-VN" sz="3200" spc="-1" strike="noStrike">
+              <a:solidFill>
+                <a:srgbClr val="000000"/>
+              </a:solidFill>
+              <a:latin typeface="Arial"/>
             </a:endParaRPr>
           </a:p>
         </p:txBody>
@@ -924,7 +924,7 @@
             <a:spLocks noGrp="1"/>
           </p:cNvSpPr>
           <p:nvPr>
-            <p:ph type="ftr" idx="17"/>
+            <p:ph type="ftr" idx="16"/>
           </p:nvPr>
         </p:nvSpPr>
         <p:spPr/>
@@ -944,14 +944,14 @@
             <a:spLocks noGrp="1"/>
           </p:cNvSpPr>
           <p:nvPr>
-            <p:ph type="sldNum" idx="18"/>
+            <p:ph type="sldNum" idx="17"/>
           </p:nvPr>
         </p:nvSpPr>
         <p:spPr/>
         <p:txBody>
           <a:bodyPr/>
           <a:p>
-            <a:fld id="{0B99594D-12A4-4787-A4AD-0BEAA2F9433F}" type="slidenum">
+            <a:fld id="{DD12A452-E316-4880-8863-D2753ABDBC34}" type="slidenum">
               <a:t>&lt;#&gt;</a:t>
             </a:fld>
           </a:p>
@@ -964,7 +964,7 @@
             <a:spLocks noGrp="1"/>
           </p:cNvSpPr>
           <p:nvPr>
-            <p:ph type="dt" idx="16"/>
+            <p:ph type="dt" idx="18"/>
           </p:nvPr>
         </p:nvSpPr>
         <p:spPr/>
@@ -1007,7 +1007,7 @@
             <a:spLocks noGrp="1"/>
           </p:cNvSpPr>
           <p:nvPr>
-            <p:ph type="ftr" idx="20"/>
+            <p:ph type="ftr" idx="19"/>
           </p:nvPr>
         </p:nvSpPr>
         <p:spPr/>
@@ -1027,14 +1027,14 @@
             <a:spLocks noGrp="1"/>
           </p:cNvSpPr>
           <p:nvPr>
-            <p:ph type="sldNum" idx="21"/>
+            <p:ph type="sldNum" idx="20"/>
           </p:nvPr>
         </p:nvSpPr>
         <p:spPr/>
         <p:txBody>
           <a:bodyPr/>
           <a:p>
-            <a:fld id="{2B43B671-2178-4C61-A623-E729F122521A}" type="slidenum">
+            <a:fld id="{2D9582C8-9B9E-4DBA-96AC-4954277207A0}" type="slidenum">
               <a:t>&lt;#&gt;</a:t>
             </a:fld>
           </a:p>
@@ -1047,7 +1047,7 @@
             <a:spLocks noGrp="1"/>
           </p:cNvSpPr>
           <p:nvPr>
-            <p:ph type="dt" idx="19"/>
+            <p:ph type="dt" idx="21"/>
           </p:nvPr>
         </p:nvSpPr>
         <p:spPr/>
@@ -1085,7 +1085,7 @@
       </p:grpSpPr>
       <p:sp>
         <p:nvSpPr>
-          <p:cNvPr id="49" name="PlaceHolder 1"/>
+          <p:cNvPr id="38" name="PlaceHolder 1"/>
           <p:cNvSpPr>
             <a:spLocks noGrp="1"/>
           </p:cNvSpPr>
@@ -1111,14 +1111,14 @@
             <a:noAutofit/>
           </a:bodyPr>
           <a:p>
-            <a:pPr indent="0">
+            <a:pPr indent="0" algn="ctr">
               <a:buNone/>
             </a:pPr>
-            <a:endParaRPr b="0" lang="en-US" sz="1800" spc="-1" strike="noStrike">
-              <a:solidFill>
-                <a:schemeClr val="dk1"/>
-              </a:solidFill>
-              <a:latin typeface="Calibri"/>
+            <a:endParaRPr b="0" lang="vi-VN" sz="4400" spc="-1" strike="noStrike">
+              <a:solidFill>
+                <a:srgbClr val="000000"/>
+              </a:solidFill>
+              <a:latin typeface="Arial"/>
             </a:endParaRPr>
           </a:p>
         </p:txBody>
@@ -1130,7 +1130,7 @@
             <a:spLocks noGrp="1"/>
           </p:cNvSpPr>
           <p:nvPr>
-            <p:ph type="ftr" idx="23"/>
+            <p:ph type="ftr" idx="22"/>
           </p:nvPr>
         </p:nvSpPr>
         <p:spPr/>
@@ -1150,14 +1150,14 @@
             <a:spLocks noGrp="1"/>
           </p:cNvSpPr>
           <p:nvPr>
-            <p:ph type="sldNum" idx="24"/>
+            <p:ph type="sldNum" idx="23"/>
           </p:nvPr>
         </p:nvSpPr>
         <p:spPr/>
         <p:txBody>
           <a:bodyPr/>
           <a:p>
-            <a:fld id="{C6A920FF-3C37-408F-81D9-64C27C60918E}" type="slidenum">
+            <a:fld id="{42B460ED-7DC7-43F1-BA7D-AB92D26FD41B}" type="slidenum">
               <a:t>&lt;#&gt;</a:t>
             </a:fld>
           </a:p>
@@ -1170,7 +1170,7 @@
             <a:spLocks noGrp="1"/>
           </p:cNvSpPr>
           <p:nvPr>
-            <p:ph type="dt" idx="22"/>
+            <p:ph type="dt" idx="24"/>
           </p:nvPr>
         </p:nvSpPr>
         <p:spPr/>
@@ -1213,7 +1213,7 @@
             <a:spLocks noGrp="1"/>
           </p:cNvSpPr>
           <p:nvPr>
-            <p:ph type="ftr" idx="26"/>
+            <p:ph type="ftr" idx="25"/>
           </p:nvPr>
         </p:nvSpPr>
         <p:spPr/>
@@ -1233,14 +1233,14 @@
             <a:spLocks noGrp="1"/>
           </p:cNvSpPr>
           <p:nvPr>
-            <p:ph type="sldNum" idx="27"/>
+            <p:ph type="sldNum" idx="26"/>
           </p:nvPr>
         </p:nvSpPr>
         <p:spPr/>
         <p:txBody>
           <a:bodyPr/>
           <a:p>
-            <a:fld id="{228514A9-073A-4838-94B5-FA58A72A6330}" type="slidenum">
+            <a:fld id="{CE9359FE-0AC7-43F4-9442-3B840184FCA8}" type="slidenum">
               <a:t>&lt;#&gt;</a:t>
             </a:fld>
           </a:p>
@@ -1253,7 +1253,7 @@
             <a:spLocks noGrp="1"/>
           </p:cNvSpPr>
           <p:nvPr>
-            <p:ph type="dt" idx="25"/>
+            <p:ph type="dt" idx="27"/>
           </p:nvPr>
         </p:nvSpPr>
         <p:spPr/>
@@ -1308,8 +1308,8 @@
         </p:nvSpPr>
         <p:spPr>
           <a:xfrm>
-            <a:off x="685800" y="2130480"/>
-            <a:ext cx="7772040" cy="1469520"/>
+            <a:off x="914400" y="410400"/>
+            <a:ext cx="16458480" cy="1717200"/>
           </a:xfrm>
           <a:prstGeom prst="rect">
             <a:avLst/>
@@ -1320,30 +1320,27 @@
           </a:ln>
         </p:spPr>
         <p:txBody>
-          <a:bodyPr lIns="91440" rIns="91440" tIns="45720" bIns="45720" anchor="ctr">
+          <a:bodyPr lIns="0" rIns="0" tIns="0" bIns="0" anchor="ctr">
             <a:noAutofit/>
           </a:bodyPr>
           <a:p>
-            <a:pPr indent="0" algn="ctr" defTabSz="914400">
-              <a:lnSpc>
-                <a:spcPct val="100000"/>
-              </a:lnSpc>
+            <a:pPr indent="0">
               <a:buNone/>
             </a:pPr>
             <a:r>
-              <a:rPr b="0" lang="en-US" sz="4400" spc="-1" strike="noStrike">
-                <a:solidFill>
-                  <a:schemeClr val="dk1"/>
-                </a:solidFill>
-                <a:latin typeface="Calibri"/>
+              <a:rPr b="0" lang="vi-VN" sz="1800" spc="-1" strike="noStrike">
+                <a:solidFill>
+                  <a:srgbClr val="000000"/>
+                </a:solidFill>
+                <a:latin typeface="Arial"/>
               </a:rPr>
-              <a:t>Click to edit Master title style</a:t>
-            </a:r>
-            <a:endParaRPr b="0" lang="en-US" sz="4400" spc="-1" strike="noStrike">
-              <a:solidFill>
-                <a:schemeClr val="dk1"/>
-              </a:solidFill>
-              <a:latin typeface="Calibri"/>
+              <a:t>Nhấn để chỉnh sửa định dạng cho tiêu đề</a:t>
+            </a:r>
+            <a:endParaRPr b="0" lang="vi-VN" sz="1800" spc="-1" strike="noStrike">
+              <a:solidFill>
+                <a:srgbClr val="000000"/>
+              </a:solidFill>
+              <a:latin typeface="Arial"/>
             </a:endParaRPr>
           </a:p>
         </p:txBody>
@@ -1355,83 +1352,13 @@
             <a:spLocks noGrp="1"/>
           </p:cNvSpPr>
           <p:nvPr>
-            <p:ph type="dt" idx="1"/>
-          </p:nvPr>
-        </p:nvSpPr>
-        <p:spPr>
-          <a:xfrm>
-            <a:off x="457200" y="6356520"/>
-            <a:ext cx="2133360" cy="364680"/>
-          </a:xfrm>
-          <a:prstGeom prst="rect">
-            <a:avLst/>
-          </a:prstGeom>
-          <a:noFill/>
-          <a:ln w="0">
-            <a:noFill/>
-          </a:ln>
-        </p:spPr>
-        <p:txBody>
-          <a:bodyPr lIns="91440" rIns="91440" tIns="45720" bIns="45720" anchor="ctr">
-            <a:noAutofit/>
-          </a:bodyPr>
-          <a:lstStyle>
-            <a:lvl1pPr indent="0" defTabSz="914400">
-              <a:lnSpc>
-                <a:spcPct val="100000"/>
-              </a:lnSpc>
-              <a:buNone/>
-              <a:defRPr b="0" lang="en-US" sz="1200" spc="-1" strike="noStrike">
-                <a:solidFill>
-                  <a:schemeClr val="dk1">
-                    <a:tint val="75000"/>
-                  </a:schemeClr>
-                </a:solidFill>
-                <a:latin typeface="Calibri"/>
-              </a:defRPr>
-            </a:lvl1pPr>
-          </a:lstStyle>
-          <a:p>
-            <a:pPr indent="0" defTabSz="914400">
-              <a:lnSpc>
-                <a:spcPct val="100000"/>
-              </a:lnSpc>
-              <a:buNone/>
-            </a:pPr>
-            <a:r>
-              <a:rPr b="0" lang="en-US" sz="1200" spc="-1" strike="noStrike">
-                <a:solidFill>
-                  <a:schemeClr val="dk1">
-                    <a:tint val="75000"/>
-                  </a:schemeClr>
-                </a:solidFill>
-                <a:latin typeface="Calibri"/>
-              </a:rPr>
-              <a:t>&lt;ngày/giờ&gt;</a:t>
-            </a:r>
-            <a:endParaRPr b="0" lang="vi-VN" sz="1200" spc="-1" strike="noStrike">
-              <a:solidFill>
-                <a:srgbClr val="000000"/>
-              </a:solidFill>
-              <a:latin typeface="Times New Roman"/>
-            </a:endParaRPr>
-          </a:p>
-        </p:txBody>
-      </p:sp>
-      <p:sp>
-        <p:nvSpPr>
-          <p:cNvPr id="2" name="PlaceHolder 3"/>
-          <p:cNvSpPr>
-            <a:spLocks noGrp="1"/>
-          </p:cNvSpPr>
-          <p:nvPr>
-            <p:ph type="ftr" idx="2"/>
+            <p:ph type="ftr" idx="1"/>
           </p:nvPr>
         </p:nvSpPr>
         <p:spPr>
           <a:xfrm>
             <a:off x="3124080" y="6356520"/>
-            <a:ext cx="2895120" cy="364680"/>
+            <a:ext cx="2894760" cy="364320"/>
           </a:xfrm>
           <a:prstGeom prst="rect">
             <a:avLst/>
@@ -1447,7 +1374,13 @@
           </a:bodyPr>
           <a:lstStyle>
             <a:lvl1pPr indent="0" algn="ctr">
+              <a:lnSpc>
+                <a:spcPct val="100000"/>
+              </a:lnSpc>
               <a:buNone/>
+              <a:tabLst>
+                <a:tab algn="l" pos="0"/>
+              </a:tabLst>
               <a:defRPr b="0" lang="vi-VN" sz="1400" spc="-1" strike="noStrike">
                 <a:solidFill>
                   <a:srgbClr val="000000"/>
@@ -1458,7 +1391,13 @@
           </a:lstStyle>
           <a:p>
             <a:pPr indent="0" algn="ctr">
+              <a:lnSpc>
+                <a:spcPct val="100000"/>
+              </a:lnSpc>
               <a:buNone/>
+              <a:tabLst>
+                <a:tab algn="l" pos="0"/>
+              </a:tabLst>
             </a:pPr>
             <a:r>
               <a:rPr b="0" lang="vi-VN" sz="1400" spc="-1" strike="noStrike">
@@ -1480,18 +1419,18 @@
       </p:sp>
       <p:sp>
         <p:nvSpPr>
-          <p:cNvPr id="3" name="PlaceHolder 4"/>
+          <p:cNvPr id="2" name="PlaceHolder 3"/>
           <p:cNvSpPr>
             <a:spLocks noGrp="1"/>
           </p:cNvSpPr>
           <p:nvPr>
-            <p:ph type="sldNum" idx="3"/>
+            <p:ph type="sldNum" idx="2"/>
           </p:nvPr>
         </p:nvSpPr>
         <p:spPr>
           <a:xfrm>
             <a:off x="6553080" y="6356520"/>
-            <a:ext cx="2133360" cy="364680"/>
+            <a:ext cx="2133000" cy="364320"/>
           </a:xfrm>
           <a:prstGeom prst="rect">
             <a:avLst/>
@@ -1511,6 +1450,9 @@
                 <a:spcPct val="100000"/>
               </a:lnSpc>
               <a:buNone/>
+              <a:tabLst>
+                <a:tab algn="l" pos="0"/>
+              </a:tabLst>
               <a:defRPr b="0" lang="en-US" sz="1200" spc="-1" strike="noStrike">
                 <a:solidFill>
                   <a:schemeClr val="dk1">
@@ -1527,8 +1469,11 @@
                 <a:spcPct val="100000"/>
               </a:lnSpc>
               <a:buNone/>
-            </a:pPr>
-            <a:fld id="{ABD96C6B-8F43-4A29-A012-232C597152FC}" type="slidenum">
+              <a:tabLst>
+                <a:tab algn="l" pos="0"/>
+              </a:tabLst>
+            </a:pPr>
+            <a:fld id="{EB972296-0F62-4C79-B9D5-693C5575126C}" type="slidenum">
               <a:rPr b="0" lang="en-US" sz="1200" spc="-1" strike="noStrike">
                 <a:solidFill>
                   <a:schemeClr val="dk1">
@@ -1540,6 +1485,66 @@
               <a:t>&lt;số&gt;</a:t>
             </a:fld>
             <a:endParaRPr b="0" lang="vi-VN" sz="1200" spc="-1" strike="noStrike">
+              <a:solidFill>
+                <a:srgbClr val="000000"/>
+              </a:solidFill>
+              <a:latin typeface="Times New Roman"/>
+            </a:endParaRPr>
+          </a:p>
+        </p:txBody>
+      </p:sp>
+      <p:sp>
+        <p:nvSpPr>
+          <p:cNvPr id="3" name="PlaceHolder 4"/>
+          <p:cNvSpPr>
+            <a:spLocks noGrp="1"/>
+          </p:cNvSpPr>
+          <p:nvPr>
+            <p:ph type="dt" idx="3"/>
+          </p:nvPr>
+        </p:nvSpPr>
+        <p:spPr>
+          <a:xfrm>
+            <a:off x="457200" y="6356520"/>
+            <a:ext cx="2133000" cy="364320"/>
+          </a:xfrm>
+          <a:prstGeom prst="rect">
+            <a:avLst/>
+          </a:prstGeom>
+          <a:noFill/>
+          <a:ln w="0">
+            <a:noFill/>
+          </a:ln>
+        </p:spPr>
+        <p:txBody>
+          <a:bodyPr lIns="91440" rIns="91440" tIns="45720" bIns="45720" anchor="ctr">
+            <a:noAutofit/>
+          </a:bodyPr>
+          <a:lstStyle>
+            <a:lvl1pPr indent="0">
+              <a:buNone/>
+              <a:defRPr b="0" lang="vi-VN" sz="1400" spc="-1" strike="noStrike">
+                <a:solidFill>
+                  <a:srgbClr val="000000"/>
+                </a:solidFill>
+                <a:latin typeface="Times New Roman"/>
+              </a:defRPr>
+            </a:lvl1pPr>
+          </a:lstStyle>
+          <a:p>
+            <a:pPr indent="0">
+              <a:buNone/>
+            </a:pPr>
+            <a:r>
+              <a:rPr b="0" lang="vi-VN" sz="1400" spc="-1" strike="noStrike">
+                <a:solidFill>
+                  <a:srgbClr val="000000"/>
+                </a:solidFill>
+                <a:latin typeface="Times New Roman"/>
+              </a:rPr>
+              <a:t>&lt;ngày/giờ&gt;</a:t>
+            </a:r>
+            <a:endParaRPr b="0" lang="vi-VN" sz="1400" spc="-1" strike="noStrike">
               <a:solidFill>
                 <a:srgbClr val="000000"/>
               </a:solidFill>
@@ -1583,377 +1588,18 @@
       </p:grpSpPr>
       <p:sp>
         <p:nvSpPr>
-          <p:cNvPr id="55" name="PlaceHolder 1"/>
+          <p:cNvPr id="44" name="PlaceHolder 1"/>
           <p:cNvSpPr>
             <a:spLocks noGrp="1"/>
           </p:cNvSpPr>
           <p:nvPr>
-            <p:ph type="title"/>
-          </p:nvPr>
-        </p:nvSpPr>
-        <p:spPr>
-          <a:xfrm>
-            <a:off x="457200" y="272880"/>
-            <a:ext cx="3007800" cy="1161720"/>
-          </a:xfrm>
-          <a:prstGeom prst="rect">
-            <a:avLst/>
-          </a:prstGeom>
-          <a:noFill/>
-          <a:ln w="0">
-            <a:noFill/>
-          </a:ln>
-        </p:spPr>
-        <p:txBody>
-          <a:bodyPr lIns="91440" rIns="91440" tIns="45720" bIns="45720" anchor="b">
-            <a:noAutofit/>
-          </a:bodyPr>
-          <a:p>
-            <a:pPr indent="0" defTabSz="914400">
-              <a:lnSpc>
-                <a:spcPct val="100000"/>
-              </a:lnSpc>
-              <a:buNone/>
-            </a:pPr>
-            <a:r>
-              <a:rPr b="1" lang="en-US" sz="2000" spc="-1" strike="noStrike">
-                <a:solidFill>
-                  <a:schemeClr val="dk1"/>
-                </a:solidFill>
-                <a:latin typeface="Calibri"/>
-              </a:rPr>
-              <a:t>Click to edit Master title style</a:t>
-            </a:r>
-            <a:endParaRPr b="0" lang="en-US" sz="2000" spc="-1" strike="noStrike">
-              <a:solidFill>
-                <a:schemeClr val="dk1"/>
-              </a:solidFill>
-              <a:latin typeface="Calibri"/>
-            </a:endParaRPr>
-          </a:p>
-        </p:txBody>
-      </p:sp>
-      <p:sp>
-        <p:nvSpPr>
-          <p:cNvPr id="56" name="PlaceHolder 2"/>
-          <p:cNvSpPr>
-            <a:spLocks noGrp="1"/>
-          </p:cNvSpPr>
-          <p:nvPr>
-            <p:ph type="body"/>
-          </p:nvPr>
-        </p:nvSpPr>
-        <p:spPr>
-          <a:xfrm>
-            <a:off x="3575160" y="272880"/>
-            <a:ext cx="5111280" cy="5852880"/>
-          </a:xfrm>
-          <a:prstGeom prst="rect">
-            <a:avLst/>
-          </a:prstGeom>
-          <a:noFill/>
-          <a:ln w="0">
-            <a:noFill/>
-          </a:ln>
-        </p:spPr>
-        <p:txBody>
-          <a:bodyPr lIns="91440" rIns="91440" tIns="45720" bIns="45720" anchor="t">
-            <a:noAutofit/>
-          </a:bodyPr>
-          <a:p>
-            <a:pPr marL="343080" indent="-343080" defTabSz="914400">
-              <a:lnSpc>
-                <a:spcPct val="100000"/>
-              </a:lnSpc>
-              <a:spcBef>
-                <a:spcPts val="641"/>
-              </a:spcBef>
-              <a:buClr>
-                <a:srgbClr val="000000"/>
-              </a:buClr>
-              <a:buFont typeface="Arial"/>
-              <a:buChar char="•"/>
-            </a:pPr>
-            <a:r>
-              <a:rPr b="0" lang="en-US" sz="3200" spc="-1" strike="noStrike">
-                <a:solidFill>
-                  <a:schemeClr val="dk1"/>
-                </a:solidFill>
-                <a:latin typeface="Calibri"/>
-              </a:rPr>
-              <a:t>Click to edit Master text styles</a:t>
-            </a:r>
-            <a:endParaRPr b="0" lang="en-US" sz="3200" spc="-1" strike="noStrike">
-              <a:solidFill>
-                <a:schemeClr val="dk1"/>
-              </a:solidFill>
-              <a:latin typeface="Calibri"/>
-            </a:endParaRPr>
-          </a:p>
-          <a:p>
-            <a:pPr lvl="1" marL="743040" indent="-285840" defTabSz="914400">
-              <a:lnSpc>
-                <a:spcPct val="100000"/>
-              </a:lnSpc>
-              <a:spcBef>
-                <a:spcPts val="561"/>
-              </a:spcBef>
-              <a:buClr>
-                <a:srgbClr val="000000"/>
-              </a:buClr>
-              <a:buFont typeface="Arial"/>
-              <a:buChar char="–"/>
-            </a:pPr>
-            <a:r>
-              <a:rPr b="0" lang="en-US" sz="2800" spc="-1" strike="noStrike">
-                <a:solidFill>
-                  <a:schemeClr val="dk1"/>
-                </a:solidFill>
-                <a:latin typeface="Calibri"/>
-              </a:rPr>
-              <a:t>Second level</a:t>
-            </a:r>
-            <a:endParaRPr b="0" lang="en-US" sz="2800" spc="-1" strike="noStrike">
-              <a:solidFill>
-                <a:schemeClr val="dk1"/>
-              </a:solidFill>
-              <a:latin typeface="Calibri"/>
-            </a:endParaRPr>
-          </a:p>
-          <a:p>
-            <a:pPr lvl="2" marL="1143000" indent="-228600" defTabSz="914400">
-              <a:lnSpc>
-                <a:spcPct val="100000"/>
-              </a:lnSpc>
-              <a:spcBef>
-                <a:spcPts val="479"/>
-              </a:spcBef>
-              <a:buClr>
-                <a:srgbClr val="000000"/>
-              </a:buClr>
-              <a:buFont typeface="Arial"/>
-              <a:buChar char="•"/>
-            </a:pPr>
-            <a:r>
-              <a:rPr b="0" lang="en-US" sz="2400" spc="-1" strike="noStrike">
-                <a:solidFill>
-                  <a:schemeClr val="dk1"/>
-                </a:solidFill>
-                <a:latin typeface="Calibri"/>
-              </a:rPr>
-              <a:t>Third level</a:t>
-            </a:r>
-            <a:endParaRPr b="0" lang="en-US" sz="2400" spc="-1" strike="noStrike">
-              <a:solidFill>
-                <a:schemeClr val="dk1"/>
-              </a:solidFill>
-              <a:latin typeface="Calibri"/>
-            </a:endParaRPr>
-          </a:p>
-          <a:p>
-            <a:pPr lvl="3" marL="1600200" indent="-228600" defTabSz="914400">
-              <a:lnSpc>
-                <a:spcPct val="100000"/>
-              </a:lnSpc>
-              <a:spcBef>
-                <a:spcPts val="400"/>
-              </a:spcBef>
-              <a:buClr>
-                <a:srgbClr val="000000"/>
-              </a:buClr>
-              <a:buFont typeface="Arial"/>
-              <a:buChar char="–"/>
-            </a:pPr>
-            <a:r>
-              <a:rPr b="0" lang="en-US" sz="2000" spc="-1" strike="noStrike">
-                <a:solidFill>
-                  <a:schemeClr val="dk1"/>
-                </a:solidFill>
-                <a:latin typeface="Calibri"/>
-              </a:rPr>
-              <a:t>Fourth level</a:t>
-            </a:r>
-            <a:endParaRPr b="0" lang="en-US" sz="2000" spc="-1" strike="noStrike">
-              <a:solidFill>
-                <a:schemeClr val="dk1"/>
-              </a:solidFill>
-              <a:latin typeface="Calibri"/>
-            </a:endParaRPr>
-          </a:p>
-          <a:p>
-            <a:pPr lvl="4" marL="2057400" indent="-228600" defTabSz="914400">
-              <a:lnSpc>
-                <a:spcPct val="100000"/>
-              </a:lnSpc>
-              <a:spcBef>
-                <a:spcPts val="400"/>
-              </a:spcBef>
-              <a:buClr>
-                <a:srgbClr val="000000"/>
-              </a:buClr>
-              <a:buFont typeface="Arial"/>
-              <a:buChar char="»"/>
-            </a:pPr>
-            <a:r>
-              <a:rPr b="0" lang="en-US" sz="2000" spc="-1" strike="noStrike">
-                <a:solidFill>
-                  <a:schemeClr val="dk1"/>
-                </a:solidFill>
-                <a:latin typeface="Calibri"/>
-              </a:rPr>
-              <a:t>Fifth level</a:t>
-            </a:r>
-            <a:endParaRPr b="0" lang="en-US" sz="2000" spc="-1" strike="noStrike">
-              <a:solidFill>
-                <a:schemeClr val="dk1"/>
-              </a:solidFill>
-              <a:latin typeface="Calibri"/>
-            </a:endParaRPr>
-          </a:p>
-        </p:txBody>
-      </p:sp>
-      <p:sp>
-        <p:nvSpPr>
-          <p:cNvPr id="57" name="PlaceHolder 3"/>
-          <p:cNvSpPr>
-            <a:spLocks noGrp="1"/>
-          </p:cNvSpPr>
-          <p:nvPr>
-            <p:ph type="body"/>
-          </p:nvPr>
-        </p:nvSpPr>
-        <p:spPr>
-          <a:xfrm>
-            <a:off x="457200" y="1434960"/>
-            <a:ext cx="3007800" cy="4690800"/>
-          </a:xfrm>
-          <a:prstGeom prst="rect">
-            <a:avLst/>
-          </a:prstGeom>
-          <a:noFill/>
-          <a:ln w="0">
-            <a:noFill/>
-          </a:ln>
-        </p:spPr>
-        <p:txBody>
-          <a:bodyPr lIns="91440" rIns="91440" tIns="45720" bIns="45720" anchor="t">
-            <a:noAutofit/>
-          </a:bodyPr>
-          <a:p>
-            <a:pPr indent="0" defTabSz="914400">
-              <a:lnSpc>
-                <a:spcPct val="100000"/>
-              </a:lnSpc>
-              <a:spcBef>
-                <a:spcPts val="281"/>
-              </a:spcBef>
-              <a:buNone/>
-              <a:tabLst>
-                <a:tab algn="l" pos="0"/>
-              </a:tabLst>
-            </a:pPr>
-            <a:r>
-              <a:rPr b="0" lang="en-US" sz="1400" spc="-1" strike="noStrike">
-                <a:solidFill>
-                  <a:schemeClr val="dk1"/>
-                </a:solidFill>
-                <a:latin typeface="Calibri"/>
-              </a:rPr>
-              <a:t>Click to edit Master text styles</a:t>
-            </a:r>
-            <a:endParaRPr b="0" lang="en-US" sz="1400" spc="-1" strike="noStrike">
-              <a:solidFill>
-                <a:schemeClr val="dk1"/>
-              </a:solidFill>
-              <a:latin typeface="Calibri"/>
-            </a:endParaRPr>
-          </a:p>
-        </p:txBody>
-      </p:sp>
-      <p:sp>
-        <p:nvSpPr>
-          <p:cNvPr id="58" name="PlaceHolder 4"/>
-          <p:cNvSpPr>
-            <a:spLocks noGrp="1"/>
-          </p:cNvSpPr>
-          <p:nvPr>
-            <p:ph type="dt" idx="28"/>
-          </p:nvPr>
-        </p:nvSpPr>
-        <p:spPr>
-          <a:xfrm>
-            <a:off x="457200" y="6356520"/>
-            <a:ext cx="2133360" cy="364680"/>
-          </a:xfrm>
-          <a:prstGeom prst="rect">
-            <a:avLst/>
-          </a:prstGeom>
-          <a:noFill/>
-          <a:ln w="0">
-            <a:noFill/>
-          </a:ln>
-        </p:spPr>
-        <p:txBody>
-          <a:bodyPr lIns="91440" rIns="91440" tIns="45720" bIns="45720" anchor="ctr">
-            <a:noAutofit/>
-          </a:bodyPr>
-          <a:lstStyle>
-            <a:lvl1pPr indent="0" defTabSz="914400">
-              <a:lnSpc>
-                <a:spcPct val="100000"/>
-              </a:lnSpc>
-              <a:buNone/>
-              <a:defRPr b="0" lang="en-US" sz="1200" spc="-1" strike="noStrike">
-                <a:solidFill>
-                  <a:schemeClr val="dk1">
-                    <a:tint val="75000"/>
-                  </a:schemeClr>
-                </a:solidFill>
-                <a:latin typeface="Calibri"/>
-              </a:defRPr>
-            </a:lvl1pPr>
-          </a:lstStyle>
-          <a:p>
-            <a:pPr indent="0" defTabSz="914400">
-              <a:lnSpc>
-                <a:spcPct val="100000"/>
-              </a:lnSpc>
-              <a:buNone/>
-            </a:pPr>
-            <a:r>
-              <a:rPr b="0" lang="en-US" sz="1200" spc="-1" strike="noStrike">
-                <a:solidFill>
-                  <a:schemeClr val="dk1">
-                    <a:tint val="75000"/>
-                  </a:schemeClr>
-                </a:solidFill>
-                <a:latin typeface="Calibri"/>
-              </a:rPr>
-              <a:t>&lt;ngày/giờ&gt;</a:t>
-            </a:r>
-            <a:endParaRPr b="0" lang="vi-VN" sz="1200" spc="-1" strike="noStrike">
-              <a:solidFill>
-                <a:srgbClr val="000000"/>
-              </a:solidFill>
-              <a:latin typeface="Times New Roman"/>
-            </a:endParaRPr>
-          </a:p>
-        </p:txBody>
-      </p:sp>
-      <p:sp>
-        <p:nvSpPr>
-          <p:cNvPr id="59" name="PlaceHolder 5"/>
-          <p:cNvSpPr>
-            <a:spLocks noGrp="1"/>
-          </p:cNvSpPr>
-          <p:nvPr>
-            <p:ph type="ftr" idx="29"/>
+            <p:ph type="ftr" idx="28"/>
           </p:nvPr>
         </p:nvSpPr>
         <p:spPr>
           <a:xfrm>
             <a:off x="3124080" y="6356520"/>
-            <a:ext cx="2895120" cy="364680"/>
+            <a:ext cx="2894760" cy="364320"/>
           </a:xfrm>
           <a:prstGeom prst="rect">
             <a:avLst/>
@@ -1969,7 +1615,13 @@
           </a:bodyPr>
           <a:lstStyle>
             <a:lvl1pPr indent="0" algn="ctr">
+              <a:lnSpc>
+                <a:spcPct val="100000"/>
+              </a:lnSpc>
               <a:buNone/>
+              <a:tabLst>
+                <a:tab algn="l" pos="0"/>
+              </a:tabLst>
               <a:defRPr b="0" lang="vi-VN" sz="1400" spc="-1" strike="noStrike">
                 <a:solidFill>
                   <a:srgbClr val="000000"/>
@@ -1980,7 +1632,13 @@
           </a:lstStyle>
           <a:p>
             <a:pPr indent="0" algn="ctr">
+              <a:lnSpc>
+                <a:spcPct val="100000"/>
+              </a:lnSpc>
               <a:buNone/>
+              <a:tabLst>
+                <a:tab algn="l" pos="0"/>
+              </a:tabLst>
             </a:pPr>
             <a:r>
               <a:rPr b="0" lang="vi-VN" sz="1400" spc="-1" strike="noStrike">
@@ -2002,18 +1660,18 @@
       </p:sp>
       <p:sp>
         <p:nvSpPr>
-          <p:cNvPr id="60" name="PlaceHolder 6"/>
+          <p:cNvPr id="45" name="PlaceHolder 2"/>
           <p:cNvSpPr>
             <a:spLocks noGrp="1"/>
           </p:cNvSpPr>
           <p:nvPr>
-            <p:ph type="sldNum" idx="30"/>
+            <p:ph type="sldNum" idx="29"/>
           </p:nvPr>
         </p:nvSpPr>
         <p:spPr>
           <a:xfrm>
             <a:off x="6553080" y="6356520"/>
-            <a:ext cx="2133360" cy="364680"/>
+            <a:ext cx="2133000" cy="364320"/>
           </a:xfrm>
           <a:prstGeom prst="rect">
             <a:avLst/>
@@ -2033,6 +1691,9 @@
                 <a:spcPct val="100000"/>
               </a:lnSpc>
               <a:buNone/>
+              <a:tabLst>
+                <a:tab algn="l" pos="0"/>
+              </a:tabLst>
               <a:defRPr b="0" lang="en-US" sz="1200" spc="-1" strike="noStrike">
                 <a:solidFill>
                   <a:schemeClr val="dk1">
@@ -2049,8 +1710,11 @@
                 <a:spcPct val="100000"/>
               </a:lnSpc>
               <a:buNone/>
-            </a:pPr>
-            <a:fld id="{EBB2534C-D353-4EE8-A2D9-DF63081D0989}" type="slidenum">
+              <a:tabLst>
+                <a:tab algn="l" pos="0"/>
+              </a:tabLst>
+            </a:pPr>
+            <a:fld id="{D7A2945E-204B-44F0-A515-0245AD066727}" type="slidenum">
               <a:rPr b="0" lang="en-US" sz="1200" spc="-1" strike="noStrike">
                 <a:solidFill>
                   <a:schemeClr val="dk1">
@@ -2062,6 +1726,66 @@
               <a:t>&lt;số&gt;</a:t>
             </a:fld>
             <a:endParaRPr b="0" lang="vi-VN" sz="1200" spc="-1" strike="noStrike">
+              <a:solidFill>
+                <a:srgbClr val="000000"/>
+              </a:solidFill>
+              <a:latin typeface="Times New Roman"/>
+            </a:endParaRPr>
+          </a:p>
+        </p:txBody>
+      </p:sp>
+      <p:sp>
+        <p:nvSpPr>
+          <p:cNvPr id="46" name="PlaceHolder 3"/>
+          <p:cNvSpPr>
+            <a:spLocks noGrp="1"/>
+          </p:cNvSpPr>
+          <p:nvPr>
+            <p:ph type="dt" idx="30"/>
+          </p:nvPr>
+        </p:nvSpPr>
+        <p:spPr>
+          <a:xfrm>
+            <a:off x="457200" y="6356520"/>
+            <a:ext cx="2133000" cy="364320"/>
+          </a:xfrm>
+          <a:prstGeom prst="rect">
+            <a:avLst/>
+          </a:prstGeom>
+          <a:noFill/>
+          <a:ln w="0">
+            <a:noFill/>
+          </a:ln>
+        </p:spPr>
+        <p:txBody>
+          <a:bodyPr lIns="91440" rIns="91440" tIns="45720" bIns="45720" anchor="ctr">
+            <a:noAutofit/>
+          </a:bodyPr>
+          <a:lstStyle>
+            <a:lvl1pPr indent="0">
+              <a:buNone/>
+              <a:defRPr b="0" lang="vi-VN" sz="1400" spc="-1" strike="noStrike">
+                <a:solidFill>
+                  <a:srgbClr val="000000"/>
+                </a:solidFill>
+                <a:latin typeface="Times New Roman"/>
+              </a:defRPr>
+            </a:lvl1pPr>
+          </a:lstStyle>
+          <a:p>
+            <a:pPr indent="0">
+              <a:buNone/>
+            </a:pPr>
+            <a:r>
+              <a:rPr b="0" lang="vi-VN" sz="1400" spc="-1" strike="noStrike">
+                <a:solidFill>
+                  <a:srgbClr val="000000"/>
+                </a:solidFill>
+                <a:latin typeface="Times New Roman"/>
+              </a:rPr>
+              <a:t>&lt;ngày/giờ&gt;</a:t>
+            </a:r>
+            <a:endParaRPr b="0" lang="vi-VN" sz="1400" spc="-1" strike="noStrike">
               <a:solidFill>
                 <a:srgbClr val="000000"/>
               </a:solidFill>
@@ -2105,423 +1829,18 @@
       </p:grpSpPr>
       <p:sp>
         <p:nvSpPr>
-          <p:cNvPr id="61" name="PlaceHolder 1"/>
+          <p:cNvPr id="47" name="PlaceHolder 1"/>
           <p:cNvSpPr>
             <a:spLocks noGrp="1"/>
           </p:cNvSpPr>
           <p:nvPr>
-            <p:ph type="title"/>
-          </p:nvPr>
-        </p:nvSpPr>
-        <p:spPr>
-          <a:xfrm>
-            <a:off x="1792440" y="4800600"/>
-            <a:ext cx="5486040" cy="566280"/>
-          </a:xfrm>
-          <a:prstGeom prst="rect">
-            <a:avLst/>
-          </a:prstGeom>
-          <a:noFill/>
-          <a:ln w="0">
-            <a:noFill/>
-          </a:ln>
-        </p:spPr>
-        <p:txBody>
-          <a:bodyPr lIns="91440" rIns="91440" tIns="45720" bIns="45720" anchor="b">
-            <a:noAutofit/>
-          </a:bodyPr>
-          <a:p>
-            <a:pPr indent="0" defTabSz="914400">
-              <a:lnSpc>
-                <a:spcPct val="100000"/>
-              </a:lnSpc>
-              <a:buNone/>
-            </a:pPr>
-            <a:r>
-              <a:rPr b="1" lang="en-US" sz="2000" spc="-1" strike="noStrike">
-                <a:solidFill>
-                  <a:schemeClr val="dk1"/>
-                </a:solidFill>
-                <a:latin typeface="Calibri"/>
-              </a:rPr>
-              <a:t>Click to edit Master title style</a:t>
-            </a:r>
-            <a:endParaRPr b="0" lang="en-US" sz="2000" spc="-1" strike="noStrike">
-              <a:solidFill>
-                <a:schemeClr val="dk1"/>
-              </a:solidFill>
-              <a:latin typeface="Calibri"/>
-            </a:endParaRPr>
-          </a:p>
-        </p:txBody>
-      </p:sp>
-      <p:sp>
-        <p:nvSpPr>
-          <p:cNvPr id="62" name="PlaceHolder 2"/>
-          <p:cNvSpPr>
-            <a:spLocks noGrp="1"/>
-          </p:cNvSpPr>
-          <p:nvPr>
-            <p:ph type="body"/>
-          </p:nvPr>
-        </p:nvSpPr>
-        <p:spPr>
-          <a:xfrm>
-            <a:off x="1792440" y="612720"/>
-            <a:ext cx="5486040" cy="4114440"/>
-          </a:xfrm>
-          <a:prstGeom prst="rect">
-            <a:avLst/>
-          </a:prstGeom>
-          <a:noFill/>
-          <a:ln w="0">
-            <a:noFill/>
-          </a:ln>
-        </p:spPr>
-        <p:txBody>
-          <a:bodyPr lIns="90000" rIns="90000" tIns="45000" bIns="45000" anchor="t">
-            <a:noAutofit/>
-          </a:bodyPr>
-          <a:p>
-            <a:pPr marL="432000" indent="-324000">
-              <a:spcBef>
-                <a:spcPts val="1417"/>
-              </a:spcBef>
-              <a:buClr>
-                <a:srgbClr val="000000"/>
-              </a:buClr>
-              <a:buSzPct val="45000"/>
-              <a:buFont typeface="Wingdings" charset="2"/>
-              <a:buChar char=""/>
-            </a:pPr>
-            <a:r>
-              <a:rPr b="0" lang="en-US" sz="3200" spc="-1" strike="noStrike">
-                <a:solidFill>
-                  <a:schemeClr val="dk1"/>
-                </a:solidFill>
-                <a:latin typeface="Calibri"/>
-              </a:rPr>
-              <a:t>Nhấn để chỉnh sửa định dạng văn bản phác thảo</a:t>
-            </a:r>
-            <a:endParaRPr b="0" lang="en-US" sz="3200" spc="-1" strike="noStrike">
-              <a:solidFill>
-                <a:schemeClr val="dk1"/>
-              </a:solidFill>
-              <a:latin typeface="Calibri"/>
-            </a:endParaRPr>
-          </a:p>
-          <a:p>
-            <a:pPr lvl="1" marL="864000" indent="-324000">
-              <a:spcBef>
-                <a:spcPts val="1134"/>
-              </a:spcBef>
-              <a:buClr>
-                <a:srgbClr val="000000"/>
-              </a:buClr>
-              <a:buSzPct val="75000"/>
-              <a:buFont typeface="Symbol" charset="2"/>
-              <a:buChar char=""/>
-            </a:pPr>
-            <a:r>
-              <a:rPr b="0" lang="en-US" sz="3200" spc="-1" strike="noStrike">
-                <a:solidFill>
-                  <a:schemeClr val="dk1"/>
-                </a:solidFill>
-                <a:latin typeface="Calibri"/>
-              </a:rPr>
-              <a:t>Cấp phác thảo thứ hai</a:t>
-            </a:r>
-            <a:endParaRPr b="0" lang="en-US" sz="3200" spc="-1" strike="noStrike">
-              <a:solidFill>
-                <a:schemeClr val="dk1"/>
-              </a:solidFill>
-              <a:latin typeface="Calibri"/>
-            </a:endParaRPr>
-          </a:p>
-          <a:p>
-            <a:pPr lvl="2" marL="1296000" indent="-288000">
-              <a:spcBef>
-                <a:spcPts val="850"/>
-              </a:spcBef>
-              <a:buClr>
-                <a:srgbClr val="000000"/>
-              </a:buClr>
-              <a:buSzPct val="45000"/>
-              <a:buFont typeface="Wingdings" charset="2"/>
-              <a:buChar char=""/>
-            </a:pPr>
-            <a:r>
-              <a:rPr b="0" lang="en-US" sz="3200" spc="-1" strike="noStrike">
-                <a:solidFill>
-                  <a:schemeClr val="dk1"/>
-                </a:solidFill>
-                <a:latin typeface="Calibri"/>
-              </a:rPr>
-              <a:t>Cấp phác thảo thứ ba</a:t>
-            </a:r>
-            <a:endParaRPr b="0" lang="en-US" sz="3200" spc="-1" strike="noStrike">
-              <a:solidFill>
-                <a:schemeClr val="dk1"/>
-              </a:solidFill>
-              <a:latin typeface="Calibri"/>
-            </a:endParaRPr>
-          </a:p>
-          <a:p>
-            <a:pPr lvl="3" marL="1728000" indent="-216000">
-              <a:spcBef>
-                <a:spcPts val="567"/>
-              </a:spcBef>
-              <a:buClr>
-                <a:srgbClr val="000000"/>
-              </a:buClr>
-              <a:buSzPct val="75000"/>
-              <a:buFont typeface="Symbol" charset="2"/>
-              <a:buChar char=""/>
-            </a:pPr>
-            <a:r>
-              <a:rPr b="0" lang="en-US" sz="3200" spc="-1" strike="noStrike">
-                <a:solidFill>
-                  <a:schemeClr val="dk1"/>
-                </a:solidFill>
-                <a:latin typeface="Calibri"/>
-              </a:rPr>
-              <a:t>Cấp phác thảo thứ tư</a:t>
-            </a:r>
-            <a:endParaRPr b="0" lang="en-US" sz="3200" spc="-1" strike="noStrike">
-              <a:solidFill>
-                <a:schemeClr val="dk1"/>
-              </a:solidFill>
-              <a:latin typeface="Calibri"/>
-            </a:endParaRPr>
-          </a:p>
-          <a:p>
-            <a:pPr lvl="4" marL="2160000" indent="-216000">
-              <a:spcBef>
-                <a:spcPts val="283"/>
-              </a:spcBef>
-              <a:buClr>
-                <a:srgbClr val="000000"/>
-              </a:buClr>
-              <a:buSzPct val="45000"/>
-              <a:buFont typeface="Wingdings" charset="2"/>
-              <a:buChar char=""/>
-            </a:pPr>
-            <a:r>
-              <a:rPr b="0" lang="en-US" sz="3200" spc="-1" strike="noStrike">
-                <a:solidFill>
-                  <a:schemeClr val="dk1"/>
-                </a:solidFill>
-                <a:latin typeface="Calibri"/>
-              </a:rPr>
-              <a:t>Cấp phác thảo thứ năm</a:t>
-            </a:r>
-            <a:endParaRPr b="0" lang="en-US" sz="3200" spc="-1" strike="noStrike">
-              <a:solidFill>
-                <a:schemeClr val="dk1"/>
-              </a:solidFill>
-              <a:latin typeface="Calibri"/>
-            </a:endParaRPr>
-          </a:p>
-          <a:p>
-            <a:pPr lvl="5" marL="2592000" indent="-216000">
-              <a:spcBef>
-                <a:spcPts val="283"/>
-              </a:spcBef>
-              <a:buClr>
-                <a:srgbClr val="000000"/>
-              </a:buClr>
-              <a:buSzPct val="45000"/>
-              <a:buFont typeface="Wingdings" charset="2"/>
-              <a:buChar char=""/>
-            </a:pPr>
-            <a:r>
-              <a:rPr b="0" lang="en-US" sz="3200" spc="-1" strike="noStrike">
-                <a:solidFill>
-                  <a:schemeClr val="dk1"/>
-                </a:solidFill>
-                <a:latin typeface="Calibri"/>
-              </a:rPr>
-              <a:t>Cấp phác thảo thứ sáu</a:t>
-            </a:r>
-            <a:endParaRPr b="0" lang="en-US" sz="3200" spc="-1" strike="noStrike">
-              <a:solidFill>
-                <a:schemeClr val="dk1"/>
-              </a:solidFill>
-              <a:latin typeface="Calibri"/>
-            </a:endParaRPr>
-          </a:p>
-          <a:p>
-            <a:pPr lvl="6" marL="3024000" indent="-216000">
-              <a:spcBef>
-                <a:spcPts val="283"/>
-              </a:spcBef>
-              <a:buClr>
-                <a:srgbClr val="000000"/>
-              </a:buClr>
-              <a:buSzPct val="45000"/>
-              <a:buFont typeface="Wingdings" charset="2"/>
-              <a:buChar char=""/>
-            </a:pPr>
-            <a:r>
-              <a:rPr b="0" lang="en-US" sz="3200" spc="-1" strike="noStrike">
-                <a:solidFill>
-                  <a:schemeClr val="dk1"/>
-                </a:solidFill>
-                <a:latin typeface="Calibri"/>
-              </a:rPr>
-              <a:t>Cấp phác thảo thứ bảy</a:t>
-            </a:r>
-            <a:endParaRPr b="0" lang="en-US" sz="3200" spc="-1" strike="noStrike">
-              <a:solidFill>
-                <a:schemeClr val="dk1"/>
-              </a:solidFill>
-              <a:latin typeface="Calibri"/>
-            </a:endParaRPr>
-          </a:p>
-        </p:txBody>
-      </p:sp>
-      <p:sp>
-        <p:nvSpPr>
-          <p:cNvPr id="63" name="PlaceHolder 3"/>
-          <p:cNvSpPr>
-            <a:spLocks noGrp="1"/>
-          </p:cNvSpPr>
-          <p:nvPr>
-            <p:ph type="body"/>
-          </p:nvPr>
-        </p:nvSpPr>
-        <p:spPr>
-          <a:xfrm>
-            <a:off x="1792440" y="5367240"/>
-            <a:ext cx="5486040" cy="804600"/>
-          </a:xfrm>
-          <a:prstGeom prst="rect">
-            <a:avLst/>
-          </a:prstGeom>
-          <a:noFill/>
-          <a:ln w="0">
-            <a:noFill/>
-          </a:ln>
-        </p:spPr>
-        <p:txBody>
-          <a:bodyPr lIns="91440" rIns="91440" tIns="45720" bIns="45720" anchor="t">
-            <a:noAutofit/>
-          </a:bodyPr>
-          <a:p>
-            <a:pPr indent="0" defTabSz="914400">
-              <a:lnSpc>
-                <a:spcPct val="100000"/>
-              </a:lnSpc>
-              <a:spcBef>
-                <a:spcPts val="281"/>
-              </a:spcBef>
-              <a:buNone/>
-              <a:tabLst>
-                <a:tab algn="l" pos="0"/>
-              </a:tabLst>
-            </a:pPr>
-            <a:r>
-              <a:rPr b="0" lang="en-US" sz="1400" spc="-1" strike="noStrike">
-                <a:solidFill>
-                  <a:schemeClr val="dk1"/>
-                </a:solidFill>
-                <a:latin typeface="Calibri"/>
-              </a:rPr>
-              <a:t>Click to edit Master text styles</a:t>
-            </a:r>
-            <a:endParaRPr b="0" lang="en-US" sz="1400" spc="-1" strike="noStrike">
-              <a:solidFill>
-                <a:schemeClr val="dk1"/>
-              </a:solidFill>
-              <a:latin typeface="Calibri"/>
-            </a:endParaRPr>
-          </a:p>
-        </p:txBody>
-      </p:sp>
-      <p:sp>
-        <p:nvSpPr>
-          <p:cNvPr id="64" name="PlaceHolder 4"/>
-          <p:cNvSpPr>
-            <a:spLocks noGrp="1"/>
-          </p:cNvSpPr>
-          <p:nvPr>
-            <p:ph type="dt" idx="31"/>
-          </p:nvPr>
-        </p:nvSpPr>
-        <p:spPr>
-          <a:xfrm>
-            <a:off x="457200" y="6356520"/>
-            <a:ext cx="2133360" cy="364680"/>
-          </a:xfrm>
-          <a:prstGeom prst="rect">
-            <a:avLst/>
-          </a:prstGeom>
-          <a:noFill/>
-          <a:ln w="0">
-            <a:noFill/>
-          </a:ln>
-        </p:spPr>
-        <p:txBody>
-          <a:bodyPr lIns="91440" rIns="91440" tIns="45720" bIns="45720" anchor="ctr">
-            <a:noAutofit/>
-          </a:bodyPr>
-          <a:lstStyle>
-            <a:lvl1pPr indent="0" defTabSz="914400">
-              <a:lnSpc>
-                <a:spcPct val="100000"/>
-              </a:lnSpc>
-              <a:buNone/>
-              <a:defRPr b="0" lang="en-US" sz="1200" spc="-1" strike="noStrike">
-                <a:solidFill>
-                  <a:schemeClr val="dk1">
-                    <a:tint val="75000"/>
-                  </a:schemeClr>
-                </a:solidFill>
-                <a:latin typeface="Calibri"/>
-              </a:defRPr>
-            </a:lvl1pPr>
-          </a:lstStyle>
-          <a:p>
-            <a:pPr indent="0" defTabSz="914400">
-              <a:lnSpc>
-                <a:spcPct val="100000"/>
-              </a:lnSpc>
-              <a:buNone/>
-            </a:pPr>
-            <a:r>
-              <a:rPr b="0" lang="en-US" sz="1200" spc="-1" strike="noStrike">
-                <a:solidFill>
-                  <a:schemeClr val="dk1">
-                    <a:tint val="75000"/>
-                  </a:schemeClr>
-                </a:solidFill>
-                <a:latin typeface="Calibri"/>
-              </a:rPr>
-              <a:t>&lt;ngày/giờ&gt;</a:t>
-            </a:r>
-            <a:endParaRPr b="0" lang="vi-VN" sz="1200" spc="-1" strike="noStrike">
-              <a:solidFill>
-                <a:srgbClr val="000000"/>
-              </a:solidFill>
-              <a:latin typeface="Times New Roman"/>
-            </a:endParaRPr>
-          </a:p>
-        </p:txBody>
-      </p:sp>
-      <p:sp>
-        <p:nvSpPr>
-          <p:cNvPr id="65" name="PlaceHolder 5"/>
-          <p:cNvSpPr>
-            <a:spLocks noGrp="1"/>
-          </p:cNvSpPr>
-          <p:nvPr>
-            <p:ph type="ftr" idx="32"/>
+            <p:ph type="ftr" idx="31"/>
           </p:nvPr>
         </p:nvSpPr>
         <p:spPr>
           <a:xfrm>
             <a:off x="3124080" y="6356520"/>
-            <a:ext cx="2895120" cy="364680"/>
+            <a:ext cx="2894760" cy="364320"/>
           </a:xfrm>
           <a:prstGeom prst="rect">
             <a:avLst/>
@@ -2537,7 +1856,13 @@
           </a:bodyPr>
           <a:lstStyle>
             <a:lvl1pPr indent="0" algn="ctr">
+              <a:lnSpc>
+                <a:spcPct val="100000"/>
+              </a:lnSpc>
               <a:buNone/>
+              <a:tabLst>
+                <a:tab algn="l" pos="0"/>
+              </a:tabLst>
               <a:defRPr b="0" lang="vi-VN" sz="1400" spc="-1" strike="noStrike">
                 <a:solidFill>
                   <a:srgbClr val="000000"/>
@@ -2548,7 +1873,13 @@
           </a:lstStyle>
           <a:p>
             <a:pPr indent="0" algn="ctr">
+              <a:lnSpc>
+                <a:spcPct val="100000"/>
+              </a:lnSpc>
               <a:buNone/>
+              <a:tabLst>
+                <a:tab algn="l" pos="0"/>
+              </a:tabLst>
             </a:pPr>
             <a:r>
               <a:rPr b="0" lang="vi-VN" sz="1400" spc="-1" strike="noStrike">
@@ -2570,18 +1901,18 @@
       </p:sp>
       <p:sp>
         <p:nvSpPr>
-          <p:cNvPr id="66" name="PlaceHolder 6"/>
+          <p:cNvPr id="48" name="PlaceHolder 2"/>
           <p:cNvSpPr>
             <a:spLocks noGrp="1"/>
           </p:cNvSpPr>
           <p:nvPr>
-            <p:ph type="sldNum" idx="33"/>
+            <p:ph type="sldNum" idx="32"/>
           </p:nvPr>
         </p:nvSpPr>
         <p:spPr>
           <a:xfrm>
             <a:off x="6553080" y="6356520"/>
-            <a:ext cx="2133360" cy="364680"/>
+            <a:ext cx="2133000" cy="364320"/>
           </a:xfrm>
           <a:prstGeom prst="rect">
             <a:avLst/>
@@ -2601,6 +1932,9 @@
                 <a:spcPct val="100000"/>
               </a:lnSpc>
               <a:buNone/>
+              <a:tabLst>
+                <a:tab algn="l" pos="0"/>
+              </a:tabLst>
               <a:defRPr b="0" lang="en-US" sz="1200" spc="-1" strike="noStrike">
                 <a:solidFill>
                   <a:schemeClr val="dk1">
@@ -2617,8 +1951,11 @@
                 <a:spcPct val="100000"/>
               </a:lnSpc>
               <a:buNone/>
-            </a:pPr>
-            <a:fld id="{EC475F58-59DB-4F44-BCB0-7951788599F7}" type="slidenum">
+              <a:tabLst>
+                <a:tab algn="l" pos="0"/>
+              </a:tabLst>
+            </a:pPr>
+            <a:fld id="{A3F68C0B-B65A-4932-9454-9AEE32E69A59}" type="slidenum">
               <a:rPr b="0" lang="en-US" sz="1200" spc="-1" strike="noStrike">
                 <a:solidFill>
                   <a:schemeClr val="dk1">
@@ -2630,6 +1967,66 @@
               <a:t>&lt;số&gt;</a:t>
             </a:fld>
             <a:endParaRPr b="0" lang="vi-VN" sz="1200" spc="-1" strike="noStrike">
+              <a:solidFill>
+                <a:srgbClr val="000000"/>
+              </a:solidFill>
+              <a:latin typeface="Times New Roman"/>
+            </a:endParaRPr>
+          </a:p>
+        </p:txBody>
+      </p:sp>
+      <p:sp>
+        <p:nvSpPr>
+          <p:cNvPr id="49" name="PlaceHolder 3"/>
+          <p:cNvSpPr>
+            <a:spLocks noGrp="1"/>
+          </p:cNvSpPr>
+          <p:nvPr>
+            <p:ph type="dt" idx="33"/>
+          </p:nvPr>
+        </p:nvSpPr>
+        <p:spPr>
+          <a:xfrm>
+            <a:off x="457200" y="6356520"/>
+            <a:ext cx="2133000" cy="364320"/>
+          </a:xfrm>
+          <a:prstGeom prst="rect">
+            <a:avLst/>
+          </a:prstGeom>
+          <a:noFill/>
+          <a:ln w="0">
+            <a:noFill/>
+          </a:ln>
+        </p:spPr>
+        <p:txBody>
+          <a:bodyPr lIns="91440" rIns="91440" tIns="45720" bIns="45720" anchor="ctr">
+            <a:noAutofit/>
+          </a:bodyPr>
+          <a:lstStyle>
+            <a:lvl1pPr indent="0">
+              <a:buNone/>
+              <a:defRPr b="0" lang="vi-VN" sz="1400" spc="-1" strike="noStrike">
+                <a:solidFill>
+                  <a:srgbClr val="000000"/>
+                </a:solidFill>
+                <a:latin typeface="Times New Roman"/>
+              </a:defRPr>
+            </a:lvl1pPr>
+          </a:lstStyle>
+          <a:p>
+            <a:pPr indent="0">
+              <a:buNone/>
+            </a:pPr>
+            <a:r>
+              <a:rPr b="0" lang="vi-VN" sz="1400" spc="-1" strike="noStrike">
+                <a:solidFill>
+                  <a:srgbClr val="000000"/>
+                </a:solidFill>
+                <a:latin typeface="Times New Roman"/>
+              </a:rPr>
+              <a:t>&lt;ngày/giờ&gt;</a:t>
+            </a:r>
+            <a:endParaRPr b="0" lang="vi-VN" sz="1400" spc="-1" strike="noStrike">
               <a:solidFill>
                 <a:srgbClr val="000000"/>
               </a:solidFill>
@@ -2678,314 +2075,13 @@
             <a:spLocks noGrp="1"/>
           </p:cNvSpPr>
           <p:nvPr>
-            <p:ph type="title"/>
-          </p:nvPr>
-        </p:nvSpPr>
-        <p:spPr>
-          <a:xfrm>
-            <a:off x="457200" y="274680"/>
-            <a:ext cx="8229240" cy="1142640"/>
-          </a:xfrm>
-          <a:prstGeom prst="rect">
-            <a:avLst/>
-          </a:prstGeom>
-          <a:noFill/>
-          <a:ln w="0">
-            <a:noFill/>
-          </a:ln>
-        </p:spPr>
-        <p:txBody>
-          <a:bodyPr lIns="91440" rIns="91440" tIns="45720" bIns="45720" anchor="ctr">
-            <a:noAutofit/>
-          </a:bodyPr>
-          <a:p>
-            <a:pPr indent="0" algn="ctr" defTabSz="914400">
-              <a:lnSpc>
-                <a:spcPct val="100000"/>
-              </a:lnSpc>
-              <a:buNone/>
-            </a:pPr>
-            <a:r>
-              <a:rPr b="0" lang="en-US" sz="4400" spc="-1" strike="noStrike">
-                <a:solidFill>
-                  <a:schemeClr val="dk1"/>
-                </a:solidFill>
-                <a:latin typeface="Calibri"/>
-              </a:rPr>
-              <a:t>Click to edit Master title style</a:t>
-            </a:r>
-            <a:endParaRPr b="0" lang="en-US" sz="4400" spc="-1" strike="noStrike">
-              <a:solidFill>
-                <a:schemeClr val="dk1"/>
-              </a:solidFill>
-              <a:latin typeface="Calibri"/>
-            </a:endParaRPr>
-          </a:p>
-        </p:txBody>
-      </p:sp>
-      <p:sp>
-        <p:nvSpPr>
-          <p:cNvPr id="7" name="PlaceHolder 2"/>
-          <p:cNvSpPr>
-            <a:spLocks noGrp="1"/>
-          </p:cNvSpPr>
-          <p:nvPr>
-            <p:ph type="body"/>
-          </p:nvPr>
-        </p:nvSpPr>
-        <p:spPr>
-          <a:xfrm>
-            <a:off x="457200" y="1600200"/>
-            <a:ext cx="8229240" cy="4525560"/>
-          </a:xfrm>
-          <a:prstGeom prst="rect">
-            <a:avLst/>
-          </a:prstGeom>
-          <a:noFill/>
-          <a:ln w="0">
-            <a:noFill/>
-          </a:ln>
-        </p:spPr>
-        <p:txBody>
-          <a:bodyPr lIns="91440" rIns="91440" tIns="45720" bIns="45720" anchor="t" vert="eaVert">
-            <a:noAutofit/>
-          </a:bodyPr>
-          <a:p>
-            <a:pPr marL="343080" indent="-343080" defTabSz="914400">
-              <a:lnSpc>
-                <a:spcPct val="100000"/>
-              </a:lnSpc>
-              <a:spcBef>
-                <a:spcPts val="641"/>
-              </a:spcBef>
-              <a:buClr>
-                <a:srgbClr val="000000"/>
-              </a:buClr>
-              <a:buFont typeface="Arial"/>
-              <a:buChar char="•"/>
-            </a:pPr>
-            <a:r>
-              <a:rPr b="0" lang="en-US" sz="3200" spc="-1" strike="noStrike">
-                <a:solidFill>
-                  <a:schemeClr val="dk1"/>
-                </a:solidFill>
-                <a:latin typeface="Calibri"/>
-              </a:rPr>
-              <a:t>Click to edit Master text styles</a:t>
-            </a:r>
-            <a:endParaRPr b="0" lang="en-US" sz="3200" spc="-1" strike="noStrike">
-              <a:solidFill>
-                <a:schemeClr val="dk1"/>
-              </a:solidFill>
-              <a:latin typeface="Calibri"/>
-            </a:endParaRPr>
-          </a:p>
-          <a:p>
-            <a:pPr lvl="1" marL="743040" indent="-285840" defTabSz="914400">
-              <a:lnSpc>
-                <a:spcPct val="100000"/>
-              </a:lnSpc>
-              <a:spcBef>
-                <a:spcPts val="561"/>
-              </a:spcBef>
-              <a:buClr>
-                <a:srgbClr val="000000"/>
-              </a:buClr>
-              <a:buFont typeface="Arial"/>
-              <a:buChar char="–"/>
-            </a:pPr>
-            <a:r>
-              <a:rPr b="0" lang="en-US" sz="2800" spc="-1" strike="noStrike">
-                <a:solidFill>
-                  <a:schemeClr val="dk1"/>
-                </a:solidFill>
-                <a:latin typeface="Calibri"/>
-              </a:rPr>
-              <a:t>Second level</a:t>
-            </a:r>
-            <a:endParaRPr b="0" lang="en-US" sz="2800" spc="-1" strike="noStrike">
-              <a:solidFill>
-                <a:schemeClr val="dk1"/>
-              </a:solidFill>
-              <a:latin typeface="Calibri"/>
-            </a:endParaRPr>
-          </a:p>
-          <a:p>
-            <a:pPr lvl="2" marL="1143000" indent="-228600" defTabSz="914400">
-              <a:lnSpc>
-                <a:spcPct val="100000"/>
-              </a:lnSpc>
-              <a:spcBef>
-                <a:spcPts val="479"/>
-              </a:spcBef>
-              <a:buClr>
-                <a:srgbClr val="000000"/>
-              </a:buClr>
-              <a:buFont typeface="Arial"/>
-              <a:buChar char="•"/>
-            </a:pPr>
-            <a:r>
-              <a:rPr b="0" lang="en-US" sz="2400" spc="-1" strike="noStrike">
-                <a:solidFill>
-                  <a:schemeClr val="dk1"/>
-                </a:solidFill>
-                <a:latin typeface="Calibri"/>
-              </a:rPr>
-              <a:t>Third level</a:t>
-            </a:r>
-            <a:endParaRPr b="0" lang="en-US" sz="2400" spc="-1" strike="noStrike">
-              <a:solidFill>
-                <a:schemeClr val="dk1"/>
-              </a:solidFill>
-              <a:latin typeface="Calibri"/>
-            </a:endParaRPr>
-          </a:p>
-          <a:p>
-            <a:pPr lvl="3" marL="1600200" indent="-228600" defTabSz="914400">
-              <a:lnSpc>
-                <a:spcPct val="100000"/>
-              </a:lnSpc>
-              <a:spcBef>
-                <a:spcPts val="400"/>
-              </a:spcBef>
-              <a:buClr>
-                <a:srgbClr val="000000"/>
-              </a:buClr>
-              <a:buFont typeface="Arial"/>
-              <a:buChar char="–"/>
-            </a:pPr>
-            <a:r>
-              <a:rPr b="0" lang="en-US" sz="2000" spc="-1" strike="noStrike">
-                <a:solidFill>
-                  <a:schemeClr val="dk1"/>
-                </a:solidFill>
-                <a:latin typeface="Calibri"/>
-              </a:rPr>
-              <a:t>Fourth level</a:t>
-            </a:r>
-            <a:endParaRPr b="0" lang="en-US" sz="2000" spc="-1" strike="noStrike">
-              <a:solidFill>
-                <a:schemeClr val="dk1"/>
-              </a:solidFill>
-              <a:latin typeface="Calibri"/>
-            </a:endParaRPr>
-          </a:p>
-          <a:p>
-            <a:pPr lvl="4" marL="2057400" indent="-228600" defTabSz="914400">
-              <a:lnSpc>
-                <a:spcPct val="100000"/>
-              </a:lnSpc>
-              <a:spcBef>
-                <a:spcPts val="400"/>
-              </a:spcBef>
-              <a:buClr>
-                <a:srgbClr val="000000"/>
-              </a:buClr>
-              <a:buFont typeface="Arial"/>
-              <a:buChar char="»"/>
-            </a:pPr>
-            <a:r>
-              <a:rPr b="0" lang="en-US" sz="2000" spc="-1" strike="noStrike">
-                <a:solidFill>
-                  <a:schemeClr val="dk1"/>
-                </a:solidFill>
-                <a:latin typeface="Calibri"/>
-              </a:rPr>
-              <a:t>Fifth level</a:t>
-            </a:r>
-            <a:endParaRPr b="0" lang="en-US" sz="2000" spc="-1" strike="noStrike">
-              <a:solidFill>
-                <a:schemeClr val="dk1"/>
-              </a:solidFill>
-              <a:latin typeface="Calibri"/>
-            </a:endParaRPr>
-          </a:p>
-        </p:txBody>
-      </p:sp>
-      <p:sp>
-        <p:nvSpPr>
-          <p:cNvPr id="8" name="PlaceHolder 3"/>
-          <p:cNvSpPr>
-            <a:spLocks noGrp="1"/>
-          </p:cNvSpPr>
-          <p:nvPr>
-            <p:ph type="dt" idx="4"/>
-          </p:nvPr>
-        </p:nvSpPr>
-        <p:spPr>
-          <a:xfrm>
-            <a:off x="457200" y="6356520"/>
-            <a:ext cx="2133360" cy="364680"/>
-          </a:xfrm>
-          <a:prstGeom prst="rect">
-            <a:avLst/>
-          </a:prstGeom>
-          <a:noFill/>
-          <a:ln w="0">
-            <a:noFill/>
-          </a:ln>
-        </p:spPr>
-        <p:txBody>
-          <a:bodyPr lIns="91440" rIns="91440" tIns="45720" bIns="45720" anchor="ctr">
-            <a:noAutofit/>
-          </a:bodyPr>
-          <a:lstStyle>
-            <a:lvl1pPr indent="0" defTabSz="914400">
-              <a:lnSpc>
-                <a:spcPct val="100000"/>
-              </a:lnSpc>
-              <a:buNone/>
-              <a:defRPr b="0" lang="en-US" sz="1200" spc="-1" strike="noStrike">
-                <a:solidFill>
-                  <a:schemeClr val="dk1">
-                    <a:tint val="75000"/>
-                  </a:schemeClr>
-                </a:solidFill>
-                <a:latin typeface="Calibri"/>
-              </a:defRPr>
-            </a:lvl1pPr>
-          </a:lstStyle>
-          <a:p>
-            <a:pPr indent="0" defTabSz="914400">
-              <a:lnSpc>
-                <a:spcPct val="100000"/>
-              </a:lnSpc>
-              <a:buNone/>
-            </a:pPr>
-            <a:r>
-              <a:rPr b="0" lang="en-US" sz="1200" spc="-1" strike="noStrike">
-                <a:solidFill>
-                  <a:schemeClr val="dk1">
-                    <a:tint val="75000"/>
-                  </a:schemeClr>
-                </a:solidFill>
-                <a:latin typeface="Calibri"/>
-              </a:rPr>
-              <a:t>&lt;ngày/giờ&gt;</a:t>
-            </a:r>
-            <a:endParaRPr b="0" lang="vi-VN" sz="1200" spc="-1" strike="noStrike">
-              <a:solidFill>
-                <a:srgbClr val="000000"/>
-              </a:solidFill>
-              <a:latin typeface="Times New Roman"/>
-            </a:endParaRPr>
-          </a:p>
-        </p:txBody>
-      </p:sp>
-      <p:sp>
-        <p:nvSpPr>
-          <p:cNvPr id="9" name="PlaceHolder 4"/>
-          <p:cNvSpPr>
-            <a:spLocks noGrp="1"/>
-          </p:cNvSpPr>
-          <p:nvPr>
-            <p:ph type="ftr" idx="5"/>
+            <p:ph type="ftr" idx="4"/>
           </p:nvPr>
         </p:nvSpPr>
         <p:spPr>
           <a:xfrm>
             <a:off x="3124080" y="6356520"/>
-            <a:ext cx="2895120" cy="364680"/>
+            <a:ext cx="2894760" cy="364320"/>
           </a:xfrm>
           <a:prstGeom prst="rect">
             <a:avLst/>
@@ -3001,7 +2097,13 @@
           </a:bodyPr>
           <a:lstStyle>
             <a:lvl1pPr indent="0" algn="ctr">
+              <a:lnSpc>
+                <a:spcPct val="100000"/>
+              </a:lnSpc>
               <a:buNone/>
+              <a:tabLst>
+                <a:tab algn="l" pos="0"/>
+              </a:tabLst>
               <a:defRPr b="0" lang="vi-VN" sz="1400" spc="-1" strike="noStrike">
                 <a:solidFill>
                   <a:srgbClr val="000000"/>
@@ -3012,7 +2114,13 @@
           </a:lstStyle>
           <a:p>
             <a:pPr indent="0" algn="ctr">
+              <a:lnSpc>
+                <a:spcPct val="100000"/>
+              </a:lnSpc>
               <a:buNone/>
+              <a:tabLst>
+                <a:tab algn="l" pos="0"/>
+              </a:tabLst>
             </a:pPr>
             <a:r>
               <a:rPr b="0" lang="vi-VN" sz="1400" spc="-1" strike="noStrike">
@@ -3034,18 +2142,18 @@
       </p:sp>
       <p:sp>
         <p:nvSpPr>
-          <p:cNvPr id="10" name="PlaceHolder 5"/>
+          <p:cNvPr id="7" name="PlaceHolder 2"/>
           <p:cNvSpPr>
             <a:spLocks noGrp="1"/>
           </p:cNvSpPr>
           <p:nvPr>
-            <p:ph type="sldNum" idx="6"/>
+            <p:ph type="sldNum" idx="5"/>
           </p:nvPr>
         </p:nvSpPr>
         <p:spPr>
           <a:xfrm>
             <a:off x="6553080" y="6356520"/>
-            <a:ext cx="2133360" cy="364680"/>
+            <a:ext cx="2133000" cy="364320"/>
           </a:xfrm>
           <a:prstGeom prst="rect">
             <a:avLst/>
@@ -3065,6 +2173,9 @@
                 <a:spcPct val="100000"/>
               </a:lnSpc>
               <a:buNone/>
+              <a:tabLst>
+                <a:tab algn="l" pos="0"/>
+              </a:tabLst>
               <a:defRPr b="0" lang="en-US" sz="1200" spc="-1" strike="noStrike">
                 <a:solidFill>
                   <a:schemeClr val="dk1">
@@ -3081,8 +2192,11 @@
                 <a:spcPct val="100000"/>
               </a:lnSpc>
               <a:buNone/>
-            </a:pPr>
-            <a:fld id="{27DA5DF8-5C57-4354-A949-CDCFFD546449}" type="slidenum">
+              <a:tabLst>
+                <a:tab algn="l" pos="0"/>
+              </a:tabLst>
+            </a:pPr>
+            <a:fld id="{D03CEBF6-118D-46CF-B153-4AD32E95141E}" type="slidenum">
               <a:rPr b="0" lang="en-US" sz="1200" spc="-1" strike="noStrike">
                 <a:solidFill>
                   <a:schemeClr val="dk1">
@@ -3094,6 +2208,66 @@
               <a:t>&lt;số&gt;</a:t>
             </a:fld>
             <a:endParaRPr b="0" lang="vi-VN" sz="1200" spc="-1" strike="noStrike">
+              <a:solidFill>
+                <a:srgbClr val="000000"/>
+              </a:solidFill>
+              <a:latin typeface="Times New Roman"/>
+            </a:endParaRPr>
+          </a:p>
+        </p:txBody>
+      </p:sp>
+      <p:sp>
+        <p:nvSpPr>
+          <p:cNvPr id="8" name="PlaceHolder 3"/>
+          <p:cNvSpPr>
+            <a:spLocks noGrp="1"/>
+          </p:cNvSpPr>
+          <p:nvPr>
+            <p:ph type="dt" idx="6"/>
+          </p:nvPr>
+        </p:nvSpPr>
+        <p:spPr>
+          <a:xfrm>
+            <a:off x="457200" y="6356520"/>
+            <a:ext cx="2133000" cy="364320"/>
+          </a:xfrm>
+          <a:prstGeom prst="rect">
+            <a:avLst/>
+          </a:prstGeom>
+          <a:noFill/>
+          <a:ln w="0">
+            <a:noFill/>
+          </a:ln>
+        </p:spPr>
+        <p:txBody>
+          <a:bodyPr lIns="91440" rIns="91440" tIns="45720" bIns="45720" anchor="ctr">
+            <a:noAutofit/>
+          </a:bodyPr>
+          <a:lstStyle>
+            <a:lvl1pPr indent="0">
+              <a:buNone/>
+              <a:defRPr b="0" lang="vi-VN" sz="1400" spc="-1" strike="noStrike">
+                <a:solidFill>
+                  <a:srgbClr val="000000"/>
+                </a:solidFill>
+                <a:latin typeface="Times New Roman"/>
+              </a:defRPr>
+            </a:lvl1pPr>
+          </a:lstStyle>
+          <a:p>
+            <a:pPr indent="0">
+              <a:buNone/>
+            </a:pPr>
+            <a:r>
+              <a:rPr b="0" lang="vi-VN" sz="1400" spc="-1" strike="noStrike">
+                <a:solidFill>
+                  <a:srgbClr val="000000"/>
+                </a:solidFill>
+                <a:latin typeface="Times New Roman"/>
+              </a:rPr>
+              <a:t>&lt;ngày/giờ&gt;</a:t>
+            </a:r>
+            <a:endParaRPr b="0" lang="vi-VN" sz="1400" spc="-1" strike="noStrike">
               <a:solidFill>
                 <a:srgbClr val="000000"/>
               </a:solidFill>
@@ -3137,319 +2311,18 @@
       </p:grpSpPr>
       <p:sp>
         <p:nvSpPr>
-          <p:cNvPr id="11" name="PlaceHolder 1"/>
+          <p:cNvPr id="9" name="PlaceHolder 1"/>
           <p:cNvSpPr>
             <a:spLocks noGrp="1"/>
           </p:cNvSpPr>
           <p:nvPr>
-            <p:ph type="title"/>
-          </p:nvPr>
-        </p:nvSpPr>
-        <p:spPr>
-          <a:xfrm>
-            <a:off x="6629400" y="274680"/>
-            <a:ext cx="2057040" cy="5851080"/>
-          </a:xfrm>
-          <a:prstGeom prst="rect">
-            <a:avLst/>
-          </a:prstGeom>
-          <a:noFill/>
-          <a:ln w="0">
-            <a:noFill/>
-          </a:ln>
-        </p:spPr>
-        <p:txBody>
-          <a:bodyPr lIns="91440" rIns="91440" tIns="45720" bIns="45720" anchor="ctr" vert="eaVert">
-            <a:noAutofit/>
-          </a:bodyPr>
-          <a:p>
-            <a:pPr indent="0" algn="ctr" defTabSz="914400">
-              <a:lnSpc>
-                <a:spcPct val="100000"/>
-              </a:lnSpc>
-              <a:buNone/>
-            </a:pPr>
-            <a:r>
-              <a:rPr b="0" lang="en-US" sz="4400" spc="-1" strike="noStrike">
-                <a:solidFill>
-                  <a:schemeClr val="dk1"/>
-                </a:solidFill>
-                <a:latin typeface="Calibri"/>
-              </a:rPr>
-              <a:t>Click to edit Master title style</a:t>
-            </a:r>
-            <a:endParaRPr b="0" lang="en-US" sz="4400" spc="-1" strike="noStrike">
-              <a:solidFill>
-                <a:schemeClr val="dk1"/>
-              </a:solidFill>
-              <a:latin typeface="Calibri"/>
-            </a:endParaRPr>
-          </a:p>
-        </p:txBody>
-      </p:sp>
-      <p:sp>
-        <p:nvSpPr>
-          <p:cNvPr id="12" name="PlaceHolder 2"/>
-          <p:cNvSpPr>
-            <a:spLocks noGrp="1"/>
-          </p:cNvSpPr>
-          <p:nvPr>
-            <p:ph type="body"/>
-          </p:nvPr>
-        </p:nvSpPr>
-        <p:spPr>
-          <a:xfrm>
-            <a:off x="457200" y="274680"/>
-            <a:ext cx="6019560" cy="5851080"/>
-          </a:xfrm>
-          <a:prstGeom prst="rect">
-            <a:avLst/>
-          </a:prstGeom>
-          <a:noFill/>
-          <a:ln w="0">
-            <a:noFill/>
-          </a:ln>
-        </p:spPr>
-        <p:txBody>
-          <a:bodyPr lIns="91440" rIns="91440" tIns="45720" bIns="45720" anchor="t" vert="eaVert">
-            <a:noAutofit/>
-          </a:bodyPr>
-          <a:p>
-            <a:pPr marL="343080" indent="-343080" defTabSz="914400">
-              <a:lnSpc>
-                <a:spcPct val="100000"/>
-              </a:lnSpc>
-              <a:spcBef>
-                <a:spcPts val="641"/>
-              </a:spcBef>
-              <a:buClr>
-                <a:srgbClr val="000000"/>
-              </a:buClr>
-              <a:buFont typeface="Arial"/>
-              <a:buChar char="•"/>
-            </a:pPr>
-            <a:r>
-              <a:rPr b="0" lang="en-US" sz="3200" spc="-1" strike="noStrike">
-                <a:solidFill>
-                  <a:schemeClr val="dk1"/>
-                </a:solidFill>
-                <a:latin typeface="Calibri"/>
-              </a:rPr>
-              <a:t>Click to edit Master text styles</a:t>
-            </a:r>
-            <a:endParaRPr b="0" lang="en-US" sz="3200" spc="-1" strike="noStrike">
-              <a:solidFill>
-                <a:schemeClr val="dk1"/>
-              </a:solidFill>
-              <a:latin typeface="Calibri"/>
-            </a:endParaRPr>
-          </a:p>
-          <a:p>
-            <a:pPr lvl="1" marL="743040" indent="-285840" defTabSz="914400">
-              <a:lnSpc>
-                <a:spcPct val="100000"/>
-              </a:lnSpc>
-              <a:spcBef>
-                <a:spcPts val="561"/>
-              </a:spcBef>
-              <a:buClr>
-                <a:srgbClr val="000000"/>
-              </a:buClr>
-              <a:buFont typeface="Arial"/>
-              <a:buChar char="–"/>
-            </a:pPr>
-            <a:r>
-              <a:rPr b="0" lang="en-US" sz="2800" spc="-1" strike="noStrike">
-                <a:solidFill>
-                  <a:schemeClr val="dk1"/>
-                </a:solidFill>
-                <a:latin typeface="Calibri"/>
-              </a:rPr>
-              <a:t>Second level</a:t>
-            </a:r>
-            <a:endParaRPr b="0" lang="en-US" sz="2800" spc="-1" strike="noStrike">
-              <a:solidFill>
-                <a:schemeClr val="dk1"/>
-              </a:solidFill>
-              <a:latin typeface="Calibri"/>
-            </a:endParaRPr>
-          </a:p>
-          <a:p>
-            <a:pPr lvl="2" marL="1143000" indent="-228600" defTabSz="914400">
-              <a:lnSpc>
-                <a:spcPct val="100000"/>
-              </a:lnSpc>
-              <a:spcBef>
-                <a:spcPts val="479"/>
-              </a:spcBef>
-              <a:buClr>
-                <a:srgbClr val="000000"/>
-              </a:buClr>
-              <a:buFont typeface="Arial"/>
-              <a:buChar char="•"/>
-            </a:pPr>
-            <a:r>
-              <a:rPr b="0" lang="en-US" sz="2400" spc="-1" strike="noStrike">
-                <a:solidFill>
-                  <a:schemeClr val="dk1"/>
-                </a:solidFill>
-                <a:latin typeface="Calibri"/>
-              </a:rPr>
-              <a:t>Third level</a:t>
-            </a:r>
-            <a:endParaRPr b="0" lang="en-US" sz="2400" spc="-1" strike="noStrike">
-              <a:solidFill>
-                <a:schemeClr val="dk1"/>
-              </a:solidFill>
-              <a:latin typeface="Calibri"/>
-            </a:endParaRPr>
-          </a:p>
-          <a:p>
-            <a:pPr lvl="3" marL="1600200" indent="-228600" defTabSz="914400">
-              <a:lnSpc>
-                <a:spcPct val="100000"/>
-              </a:lnSpc>
-              <a:spcBef>
-                <a:spcPts val="400"/>
-              </a:spcBef>
-              <a:buClr>
-                <a:srgbClr val="000000"/>
-              </a:buClr>
-              <a:buFont typeface="Arial"/>
-              <a:buChar char="–"/>
-            </a:pPr>
-            <a:r>
-              <a:rPr b="0" lang="en-US" sz="2000" spc="-1" strike="noStrike">
-                <a:solidFill>
-                  <a:schemeClr val="dk1"/>
-                </a:solidFill>
-                <a:latin typeface="Calibri"/>
-              </a:rPr>
-              <a:t>Fourth level</a:t>
-            </a:r>
-            <a:endParaRPr b="0" lang="en-US" sz="2000" spc="-1" strike="noStrike">
-              <a:solidFill>
-                <a:schemeClr val="dk1"/>
-              </a:solidFill>
-              <a:latin typeface="Calibri"/>
-            </a:endParaRPr>
-          </a:p>
-          <a:p>
-            <a:pPr lvl="4" marL="2057400" indent="-228600" defTabSz="914400">
-              <a:lnSpc>
-                <a:spcPct val="100000"/>
-              </a:lnSpc>
-              <a:spcBef>
-                <a:spcPts val="400"/>
-              </a:spcBef>
-              <a:buClr>
-                <a:srgbClr val="000000"/>
-              </a:buClr>
-              <a:buFont typeface="Arial"/>
-              <a:buChar char="»"/>
-            </a:pPr>
-            <a:r>
-              <a:rPr b="0" lang="en-US" sz="2000" spc="-1" strike="noStrike">
-                <a:solidFill>
-                  <a:schemeClr val="dk1"/>
-                </a:solidFill>
-                <a:latin typeface="Calibri"/>
-              </a:rPr>
-              <a:t>Fifth level</a:t>
-            </a:r>
-            <a:endParaRPr b="0" lang="en-US" sz="2000" spc="-1" strike="noStrike">
-              <a:solidFill>
-                <a:schemeClr val="dk1"/>
-              </a:solidFill>
-              <a:latin typeface="Calibri"/>
-            </a:endParaRPr>
-          </a:p>
-        </p:txBody>
-      </p:sp>
-      <p:sp>
-        <p:nvSpPr>
-          <p:cNvPr id="13" name="PlaceHolder 3"/>
-          <p:cNvSpPr>
-            <a:spLocks noGrp="1"/>
-          </p:cNvSpPr>
-          <p:nvPr>
-            <p:ph type="dt" idx="7"/>
-          </p:nvPr>
-        </p:nvSpPr>
-        <p:spPr>
-          <a:xfrm>
-            <a:off x="457200" y="6356520"/>
-            <a:ext cx="2133360" cy="364680"/>
-          </a:xfrm>
-          <a:prstGeom prst="rect">
-            <a:avLst/>
-          </a:prstGeom>
-          <a:noFill/>
-          <a:ln w="0">
-            <a:noFill/>
-          </a:ln>
-        </p:spPr>
-        <p:txBody>
-          <a:bodyPr lIns="91440" rIns="91440" tIns="45720" bIns="45720" anchor="ctr">
-            <a:noAutofit/>
-          </a:bodyPr>
-          <a:lstStyle>
-            <a:lvl1pPr indent="0" defTabSz="914400">
-              <a:lnSpc>
-                <a:spcPct val="100000"/>
-              </a:lnSpc>
-              <a:buNone/>
-              <a:defRPr b="0" lang="en-US" sz="1200" spc="-1" strike="noStrike">
-                <a:solidFill>
-                  <a:schemeClr val="dk1">
-                    <a:tint val="75000"/>
-                  </a:schemeClr>
-                </a:solidFill>
-                <a:latin typeface="Calibri"/>
-              </a:defRPr>
-            </a:lvl1pPr>
-          </a:lstStyle>
-          <a:p>
-            <a:pPr indent="0" defTabSz="914400">
-              <a:lnSpc>
-                <a:spcPct val="100000"/>
-              </a:lnSpc>
-              <a:buNone/>
-            </a:pPr>
-            <a:r>
-              <a:rPr b="0" lang="en-US" sz="1200" spc="-1" strike="noStrike">
-                <a:solidFill>
-                  <a:schemeClr val="dk1">
-                    <a:tint val="75000"/>
-                  </a:schemeClr>
-                </a:solidFill>
-                <a:latin typeface="Calibri"/>
-              </a:rPr>
-              <a:t>&lt;ngày/giờ&gt;</a:t>
-            </a:r>
-            <a:endParaRPr b="0" lang="vi-VN" sz="1200" spc="-1" strike="noStrike">
-              <a:solidFill>
-                <a:srgbClr val="000000"/>
-              </a:solidFill>
-              <a:latin typeface="Times New Roman"/>
-            </a:endParaRPr>
-          </a:p>
-        </p:txBody>
-      </p:sp>
-      <p:sp>
-        <p:nvSpPr>
-          <p:cNvPr id="14" name="PlaceHolder 4"/>
-          <p:cNvSpPr>
-            <a:spLocks noGrp="1"/>
-          </p:cNvSpPr>
-          <p:nvPr>
-            <p:ph type="ftr" idx="8"/>
+            <p:ph type="ftr" idx="7"/>
           </p:nvPr>
         </p:nvSpPr>
         <p:spPr>
           <a:xfrm>
             <a:off x="3124080" y="6356520"/>
-            <a:ext cx="2895120" cy="364680"/>
+            <a:ext cx="2894760" cy="364320"/>
           </a:xfrm>
           <a:prstGeom prst="rect">
             <a:avLst/>
@@ -3465,7 +2338,13 @@
           </a:bodyPr>
           <a:lstStyle>
             <a:lvl1pPr indent="0" algn="ctr">
+              <a:lnSpc>
+                <a:spcPct val="100000"/>
+              </a:lnSpc>
               <a:buNone/>
+              <a:tabLst>
+                <a:tab algn="l" pos="0"/>
+              </a:tabLst>
               <a:defRPr b="0" lang="vi-VN" sz="1400" spc="-1" strike="noStrike">
                 <a:solidFill>
                   <a:srgbClr val="000000"/>
@@ -3476,7 +2355,13 @@
           </a:lstStyle>
           <a:p>
             <a:pPr indent="0" algn="ctr">
+              <a:lnSpc>
+                <a:spcPct val="100000"/>
+              </a:lnSpc>
               <a:buNone/>
+              <a:tabLst>
+                <a:tab algn="l" pos="0"/>
+              </a:tabLst>
             </a:pPr>
             <a:r>
               <a:rPr b="0" lang="vi-VN" sz="1400" spc="-1" strike="noStrike">
@@ -3498,18 +2383,18 @@
       </p:sp>
       <p:sp>
         <p:nvSpPr>
-          <p:cNvPr id="15" name="PlaceHolder 5"/>
+          <p:cNvPr id="10" name="PlaceHolder 2"/>
           <p:cNvSpPr>
             <a:spLocks noGrp="1"/>
           </p:cNvSpPr>
           <p:nvPr>
-            <p:ph type="sldNum" idx="9"/>
+            <p:ph type="sldNum" idx="8"/>
           </p:nvPr>
         </p:nvSpPr>
         <p:spPr>
           <a:xfrm>
             <a:off x="6553080" y="6356520"/>
-            <a:ext cx="2133360" cy="364680"/>
+            <a:ext cx="2133000" cy="364320"/>
           </a:xfrm>
           <a:prstGeom prst="rect">
             <a:avLst/>
@@ -3529,6 +2414,9 @@
                 <a:spcPct val="100000"/>
               </a:lnSpc>
               <a:buNone/>
+              <a:tabLst>
+                <a:tab algn="l" pos="0"/>
+              </a:tabLst>
               <a:defRPr b="0" lang="en-US" sz="1200" spc="-1" strike="noStrike">
                 <a:solidFill>
                   <a:schemeClr val="dk1">
@@ -3545,8 +2433,11 @@
                 <a:spcPct val="100000"/>
               </a:lnSpc>
               <a:buNone/>
-            </a:pPr>
-            <a:fld id="{5F0F4F40-E92E-4A5F-AAE2-1D181C99871E}" type="slidenum">
+              <a:tabLst>
+                <a:tab algn="l" pos="0"/>
+              </a:tabLst>
+            </a:pPr>
+            <a:fld id="{8D5E24C6-ADF6-4836-8346-B827256A9826}" type="slidenum">
               <a:rPr b="0" lang="en-US" sz="1200" spc="-1" strike="noStrike">
                 <a:solidFill>
                   <a:schemeClr val="dk1">
@@ -3558,6 +2449,66 @@
               <a:t>&lt;số&gt;</a:t>
             </a:fld>
             <a:endParaRPr b="0" lang="vi-VN" sz="1200" spc="-1" strike="noStrike">
+              <a:solidFill>
+                <a:srgbClr val="000000"/>
+              </a:solidFill>
+              <a:latin typeface="Times New Roman"/>
+            </a:endParaRPr>
+          </a:p>
+        </p:txBody>
+      </p:sp>
+      <p:sp>
+        <p:nvSpPr>
+          <p:cNvPr id="11" name="PlaceHolder 3"/>
+          <p:cNvSpPr>
+            <a:spLocks noGrp="1"/>
+          </p:cNvSpPr>
+          <p:nvPr>
+            <p:ph type="dt" idx="9"/>
+          </p:nvPr>
+        </p:nvSpPr>
+        <p:spPr>
+          <a:xfrm>
+            <a:off x="457200" y="6356520"/>
+            <a:ext cx="2133000" cy="364320"/>
+          </a:xfrm>
+          <a:prstGeom prst="rect">
+            <a:avLst/>
+          </a:prstGeom>
+          <a:noFill/>
+          <a:ln w="0">
+            <a:noFill/>
+          </a:ln>
+        </p:spPr>
+        <p:txBody>
+          <a:bodyPr lIns="91440" rIns="91440" tIns="45720" bIns="45720" anchor="ctr">
+            <a:noAutofit/>
+          </a:bodyPr>
+          <a:lstStyle>
+            <a:lvl1pPr indent="0">
+              <a:buNone/>
+              <a:defRPr b="0" lang="vi-VN" sz="1400" spc="-1" strike="noStrike">
+                <a:solidFill>
+                  <a:srgbClr val="000000"/>
+                </a:solidFill>
+                <a:latin typeface="Times New Roman"/>
+              </a:defRPr>
+            </a:lvl1pPr>
+          </a:lstStyle>
+          <a:p>
+            <a:pPr indent="0">
+              <a:buNone/>
+            </a:pPr>
+            <a:r>
+              <a:rPr b="0" lang="vi-VN" sz="1400" spc="-1" strike="noStrike">
+                <a:solidFill>
+                  <a:srgbClr val="000000"/>
+                </a:solidFill>
+                <a:latin typeface="Times New Roman"/>
+              </a:rPr>
+              <a:t>&lt;ngày/giờ&gt;</a:t>
+            </a:r>
+            <a:endParaRPr b="0" lang="vi-VN" sz="1400" spc="-1" strike="noStrike">
               <a:solidFill>
                 <a:srgbClr val="000000"/>
               </a:solidFill>
@@ -3601,7 +2552,7 @@
       </p:grpSpPr>
       <p:sp>
         <p:nvSpPr>
-          <p:cNvPr id="16" name="PlaceHolder 1"/>
+          <p:cNvPr id="12" name="PlaceHolder 1"/>
           <p:cNvSpPr>
             <a:spLocks noGrp="1"/>
           </p:cNvSpPr>
@@ -3611,8 +2562,8 @@
         </p:nvSpPr>
         <p:spPr>
           <a:xfrm>
-            <a:off x="457200" y="274680"/>
-            <a:ext cx="8229240" cy="1142640"/>
+            <a:off x="914400" y="410400"/>
+            <a:ext cx="16458480" cy="1717200"/>
           </a:xfrm>
           <a:prstGeom prst="rect">
             <a:avLst/>
@@ -3623,37 +2574,34 @@
           </a:ln>
         </p:spPr>
         <p:txBody>
-          <a:bodyPr lIns="91440" rIns="91440" tIns="45720" bIns="45720" anchor="ctr">
+          <a:bodyPr lIns="0" rIns="0" tIns="0" bIns="0" anchor="ctr">
             <a:noAutofit/>
           </a:bodyPr>
           <a:p>
-            <a:pPr indent="0" algn="ctr" defTabSz="914400">
-              <a:lnSpc>
-                <a:spcPct val="100000"/>
-              </a:lnSpc>
+            <a:pPr indent="0">
               <a:buNone/>
             </a:pPr>
             <a:r>
-              <a:rPr b="0" lang="en-US" sz="4400" spc="-1" strike="noStrike">
-                <a:solidFill>
-                  <a:schemeClr val="dk1"/>
-                </a:solidFill>
-                <a:latin typeface="Calibri"/>
+              <a:rPr b="0" lang="vi-VN" sz="1800" spc="-1" strike="noStrike">
+                <a:solidFill>
+                  <a:srgbClr val="000000"/>
+                </a:solidFill>
+                <a:latin typeface="Arial"/>
               </a:rPr>
-              <a:t>Click to edit Master title style</a:t>
-            </a:r>
-            <a:endParaRPr b="0" lang="en-US" sz="4400" spc="-1" strike="noStrike">
-              <a:solidFill>
-                <a:schemeClr val="dk1"/>
-              </a:solidFill>
-              <a:latin typeface="Calibri"/>
+              <a:t>Nhấn để chỉnh sửa định dạng cho tiêu đề</a:t>
+            </a:r>
+            <a:endParaRPr b="0" lang="vi-VN" sz="1800" spc="-1" strike="noStrike">
+              <a:solidFill>
+                <a:srgbClr val="000000"/>
+              </a:solidFill>
+              <a:latin typeface="Arial"/>
             </a:endParaRPr>
           </a:p>
         </p:txBody>
       </p:sp>
       <p:sp>
         <p:nvSpPr>
-          <p:cNvPr id="17" name="PlaceHolder 2"/>
+          <p:cNvPr id="13" name="PlaceHolder 2"/>
           <p:cNvSpPr>
             <a:spLocks noGrp="1"/>
           </p:cNvSpPr>
@@ -3663,8 +2611,8 @@
         </p:nvSpPr>
         <p:spPr>
           <a:xfrm>
-            <a:off x="457200" y="1600200"/>
-            <a:ext cx="8229240" cy="4525560"/>
+            <a:off x="914400" y="2406960"/>
+            <a:ext cx="16458480" cy="5965560"/>
           </a:xfrm>
           <a:prstGeom prst="rect">
             <a:avLst/>
@@ -3675,245 +2623,221 @@
           </a:ln>
         </p:spPr>
         <p:txBody>
-          <a:bodyPr lIns="91440" rIns="91440" tIns="45720" bIns="45720" anchor="t">
-            <a:noAutofit/>
+          <a:bodyPr lIns="0" rIns="0" tIns="0" bIns="0" anchor="t">
+            <a:normAutofit/>
           </a:bodyPr>
           <a:p>
-            <a:pPr marL="343080" indent="-343080" defTabSz="914400">
-              <a:lnSpc>
-                <a:spcPct val="100000"/>
-              </a:lnSpc>
+            <a:pPr marL="432000" indent="-324000">
               <a:spcBef>
-                <a:spcPts val="641"/>
+                <a:spcPts val="1417"/>
               </a:spcBef>
               <a:buClr>
                 <a:srgbClr val="000000"/>
               </a:buClr>
-              <a:buFont typeface="Arial"/>
-              <a:buChar char="•"/>
-            </a:pPr>
-            <a:r>
-              <a:rPr b="0" lang="en-US" sz="3200" spc="-1" strike="noStrike">
-                <a:solidFill>
-                  <a:schemeClr val="dk1"/>
-                </a:solidFill>
-                <a:latin typeface="Calibri"/>
+              <a:buSzPct val="45000"/>
+              <a:buFont typeface="Wingdings" charset="2"/>
+              <a:buChar char=""/>
+            </a:pPr>
+            <a:r>
+              <a:rPr b="0" lang="vi-VN" sz="1800" spc="-1" strike="noStrike">
+                <a:solidFill>
+                  <a:srgbClr val="000000"/>
+                </a:solidFill>
+                <a:latin typeface="Arial"/>
               </a:rPr>
-              <a:t>Click to edit Master text styles</a:t>
-            </a:r>
-            <a:endParaRPr b="0" lang="en-US" sz="3200" spc="-1" strike="noStrike">
-              <a:solidFill>
-                <a:schemeClr val="dk1"/>
-              </a:solidFill>
-              <a:latin typeface="Calibri"/>
-            </a:endParaRPr>
-          </a:p>
-          <a:p>
-            <a:pPr lvl="1" marL="743040" indent="-285840" defTabSz="914400">
-              <a:lnSpc>
-                <a:spcPct val="100000"/>
-              </a:lnSpc>
+              <a:t>Nhấn để chỉnh sửa định dạng văn bản phác thảo</a:t>
+            </a:r>
+            <a:endParaRPr b="0" lang="vi-VN" sz="1800" spc="-1" strike="noStrike">
+              <a:solidFill>
+                <a:srgbClr val="000000"/>
+              </a:solidFill>
+              <a:latin typeface="Arial"/>
+            </a:endParaRPr>
+          </a:p>
+          <a:p>
+            <a:pPr lvl="1" marL="864000" indent="-324000">
               <a:spcBef>
-                <a:spcPts val="561"/>
+                <a:spcPts val="1134"/>
               </a:spcBef>
               <a:buClr>
                 <a:srgbClr val="000000"/>
               </a:buClr>
-              <a:buFont typeface="Arial"/>
-              <a:buChar char="–"/>
-            </a:pPr>
-            <a:r>
-              <a:rPr b="0" lang="en-US" sz="2800" spc="-1" strike="noStrike">
-                <a:solidFill>
-                  <a:schemeClr val="dk1"/>
-                </a:solidFill>
-                <a:latin typeface="Calibri"/>
+              <a:buSzPct val="75000"/>
+              <a:buFont typeface="Symbol" charset="2"/>
+              <a:buChar char=""/>
+            </a:pPr>
+            <a:r>
+              <a:rPr b="0" lang="vi-VN" sz="1800" spc="-1" strike="noStrike">
+                <a:solidFill>
+                  <a:srgbClr val="000000"/>
+                </a:solidFill>
+                <a:latin typeface="Arial"/>
               </a:rPr>
-              <a:t>Second level</a:t>
-            </a:r>
-            <a:endParaRPr b="0" lang="en-US" sz="2800" spc="-1" strike="noStrike">
-              <a:solidFill>
-                <a:schemeClr val="dk1"/>
-              </a:solidFill>
-              <a:latin typeface="Calibri"/>
-            </a:endParaRPr>
-          </a:p>
-          <a:p>
-            <a:pPr lvl="2" marL="1143000" indent="-228600" defTabSz="914400">
-              <a:lnSpc>
-                <a:spcPct val="100000"/>
-              </a:lnSpc>
+              <a:t>Cấp phác thảo thứ hai</a:t>
+            </a:r>
+            <a:endParaRPr b="0" lang="vi-VN" sz="1800" spc="-1" strike="noStrike">
+              <a:solidFill>
+                <a:srgbClr val="000000"/>
+              </a:solidFill>
+              <a:latin typeface="Arial"/>
+            </a:endParaRPr>
+          </a:p>
+          <a:p>
+            <a:pPr lvl="2" marL="1296000" indent="-288000">
               <a:spcBef>
-                <a:spcPts val="479"/>
+                <a:spcPts val="850"/>
               </a:spcBef>
               <a:buClr>
                 <a:srgbClr val="000000"/>
               </a:buClr>
-              <a:buFont typeface="Arial"/>
-              <a:buChar char="•"/>
-            </a:pPr>
-            <a:r>
-              <a:rPr b="0" lang="en-US" sz="2400" spc="-1" strike="noStrike">
-                <a:solidFill>
-                  <a:schemeClr val="dk1"/>
-                </a:solidFill>
-                <a:latin typeface="Calibri"/>
+              <a:buSzPct val="45000"/>
+              <a:buFont typeface="Wingdings" charset="2"/>
+              <a:buChar char=""/>
+            </a:pPr>
+            <a:r>
+              <a:rPr b="0" lang="vi-VN" sz="1800" spc="-1" strike="noStrike">
+                <a:solidFill>
+                  <a:srgbClr val="000000"/>
+                </a:solidFill>
+                <a:latin typeface="Arial"/>
               </a:rPr>
-              <a:t>Third level</a:t>
-            </a:r>
-            <a:endParaRPr b="0" lang="en-US" sz="2400" spc="-1" strike="noStrike">
-              <a:solidFill>
-                <a:schemeClr val="dk1"/>
-              </a:solidFill>
-              <a:latin typeface="Calibri"/>
-            </a:endParaRPr>
-          </a:p>
-          <a:p>
-            <a:pPr lvl="3" marL="1600200" indent="-228600" defTabSz="914400">
-              <a:lnSpc>
-                <a:spcPct val="100000"/>
-              </a:lnSpc>
+              <a:t>Cấp phác thảo thứ ba</a:t>
+            </a:r>
+            <a:endParaRPr b="0" lang="vi-VN" sz="1800" spc="-1" strike="noStrike">
+              <a:solidFill>
+                <a:srgbClr val="000000"/>
+              </a:solidFill>
+              <a:latin typeface="Arial"/>
+            </a:endParaRPr>
+          </a:p>
+          <a:p>
+            <a:pPr lvl="3" marL="1728000" indent="-216000">
               <a:spcBef>
-                <a:spcPts val="400"/>
+                <a:spcPts val="567"/>
               </a:spcBef>
               <a:buClr>
                 <a:srgbClr val="000000"/>
               </a:buClr>
-              <a:buFont typeface="Arial"/>
-              <a:buChar char="–"/>
-            </a:pPr>
-            <a:r>
-              <a:rPr b="0" lang="en-US" sz="2000" spc="-1" strike="noStrike">
-                <a:solidFill>
-                  <a:schemeClr val="dk1"/>
-                </a:solidFill>
-                <a:latin typeface="Calibri"/>
+              <a:buSzPct val="75000"/>
+              <a:buFont typeface="Symbol" charset="2"/>
+              <a:buChar char=""/>
+            </a:pPr>
+            <a:r>
+              <a:rPr b="0" lang="vi-VN" sz="1800" spc="-1" strike="noStrike">
+                <a:solidFill>
+                  <a:srgbClr val="000000"/>
+                </a:solidFill>
+                <a:latin typeface="Arial"/>
               </a:rPr>
-              <a:t>Fourth level</a:t>
-            </a:r>
-            <a:endParaRPr b="0" lang="en-US" sz="2000" spc="-1" strike="noStrike">
-              <a:solidFill>
-                <a:schemeClr val="dk1"/>
-              </a:solidFill>
-              <a:latin typeface="Calibri"/>
-            </a:endParaRPr>
-          </a:p>
-          <a:p>
-            <a:pPr lvl="4" marL="2057400" indent="-228600" defTabSz="914400">
-              <a:lnSpc>
-                <a:spcPct val="100000"/>
-              </a:lnSpc>
+              <a:t>Cấp phác thảo thứ tư</a:t>
+            </a:r>
+            <a:endParaRPr b="0" lang="vi-VN" sz="1800" spc="-1" strike="noStrike">
+              <a:solidFill>
+                <a:srgbClr val="000000"/>
+              </a:solidFill>
+              <a:latin typeface="Arial"/>
+            </a:endParaRPr>
+          </a:p>
+          <a:p>
+            <a:pPr lvl="4" marL="2160000" indent="-216000">
               <a:spcBef>
-                <a:spcPts val="400"/>
+                <a:spcPts val="283"/>
               </a:spcBef>
               <a:buClr>
                 <a:srgbClr val="000000"/>
               </a:buClr>
-              <a:buFont typeface="Arial"/>
-              <a:buChar char="»"/>
-            </a:pPr>
-            <a:r>
-              <a:rPr b="0" lang="en-US" sz="2000" spc="-1" strike="noStrike">
-                <a:solidFill>
-                  <a:schemeClr val="dk1"/>
-                </a:solidFill>
-                <a:latin typeface="Calibri"/>
+              <a:buSzPct val="45000"/>
+              <a:buFont typeface="Wingdings" charset="2"/>
+              <a:buChar char=""/>
+            </a:pPr>
+            <a:r>
+              <a:rPr b="0" lang="vi-VN" sz="1800" spc="-1" strike="noStrike">
+                <a:solidFill>
+                  <a:srgbClr val="000000"/>
+                </a:solidFill>
+                <a:latin typeface="Arial"/>
               </a:rPr>
-              <a:t>Fifth level</a:t>
-            </a:r>
-            <a:endParaRPr b="0" lang="en-US" sz="2000" spc="-1" strike="noStrike">
-              <a:solidFill>
-                <a:schemeClr val="dk1"/>
-              </a:solidFill>
-              <a:latin typeface="Calibri"/>
+              <a:t>Cấp phác thảo thứ năm</a:t>
+            </a:r>
+            <a:endParaRPr b="0" lang="vi-VN" sz="1800" spc="-1" strike="noStrike">
+              <a:solidFill>
+                <a:srgbClr val="000000"/>
+              </a:solidFill>
+              <a:latin typeface="Arial"/>
+            </a:endParaRPr>
+          </a:p>
+          <a:p>
+            <a:pPr lvl="5" marL="2592000" indent="-216000">
+              <a:spcBef>
+                <a:spcPts val="283"/>
+              </a:spcBef>
+              <a:buClr>
+                <a:srgbClr val="000000"/>
+              </a:buClr>
+              <a:buSzPct val="45000"/>
+              <a:buFont typeface="Wingdings" charset="2"/>
+              <a:buChar char=""/>
+            </a:pPr>
+            <a:r>
+              <a:rPr b="0" lang="vi-VN" sz="1800" spc="-1" strike="noStrike">
+                <a:solidFill>
+                  <a:srgbClr val="000000"/>
+                </a:solidFill>
+                <a:latin typeface="Arial"/>
+              </a:rPr>
+              <a:t>Cấp phác thảo thứ sáu</a:t>
+            </a:r>
+            <a:endParaRPr b="0" lang="vi-VN" sz="1800" spc="-1" strike="noStrike">
+              <a:solidFill>
+                <a:srgbClr val="000000"/>
+              </a:solidFill>
+              <a:latin typeface="Arial"/>
+            </a:endParaRPr>
+          </a:p>
+          <a:p>
+            <a:pPr lvl="6" marL="3024000" indent="-216000">
+              <a:spcBef>
+                <a:spcPts val="283"/>
+              </a:spcBef>
+              <a:buClr>
+                <a:srgbClr val="000000"/>
+              </a:buClr>
+              <a:buSzPct val="45000"/>
+              <a:buFont typeface="Wingdings" charset="2"/>
+              <a:buChar char=""/>
+            </a:pPr>
+            <a:r>
+              <a:rPr b="0" lang="vi-VN" sz="1800" spc="-1" strike="noStrike">
+                <a:solidFill>
+                  <a:srgbClr val="000000"/>
+                </a:solidFill>
+                <a:latin typeface="Arial"/>
+              </a:rPr>
+              <a:t>Cấp phác thảo thứ bảy</a:t>
+            </a:r>
+            <a:endParaRPr b="0" lang="vi-VN" sz="1800" spc="-1" strike="noStrike">
+              <a:solidFill>
+                <a:srgbClr val="000000"/>
+              </a:solidFill>
+              <a:latin typeface="Arial"/>
             </a:endParaRPr>
           </a:p>
         </p:txBody>
       </p:sp>
       <p:sp>
         <p:nvSpPr>
-          <p:cNvPr id="18" name="PlaceHolder 3"/>
+          <p:cNvPr id="14" name="PlaceHolder 3"/>
           <p:cNvSpPr>
             <a:spLocks noGrp="1"/>
           </p:cNvSpPr>
           <p:nvPr>
-            <p:ph type="dt" idx="10"/>
-          </p:nvPr>
-        </p:nvSpPr>
-        <p:spPr>
-          <a:xfrm>
-            <a:off x="457200" y="6356520"/>
-            <a:ext cx="2133360" cy="364680"/>
-          </a:xfrm>
-          <a:prstGeom prst="rect">
-            <a:avLst/>
-          </a:prstGeom>
-          <a:noFill/>
-          <a:ln w="0">
-            <a:noFill/>
-          </a:ln>
-        </p:spPr>
-        <p:txBody>
-          <a:bodyPr lIns="91440" rIns="91440" tIns="45720" bIns="45720" anchor="ctr">
-            <a:noAutofit/>
-          </a:bodyPr>
-          <a:lstStyle>
-            <a:lvl1pPr indent="0" defTabSz="914400">
-              <a:lnSpc>
-                <a:spcPct val="100000"/>
-              </a:lnSpc>
-              <a:buNone/>
-              <a:defRPr b="0" lang="en-US" sz="1200" spc="-1" strike="noStrike">
-                <a:solidFill>
-                  <a:schemeClr val="dk1">
-                    <a:tint val="75000"/>
-                  </a:schemeClr>
-                </a:solidFill>
-                <a:latin typeface="Calibri"/>
-              </a:defRPr>
-            </a:lvl1pPr>
-          </a:lstStyle>
-          <a:p>
-            <a:pPr indent="0" defTabSz="914400">
-              <a:lnSpc>
-                <a:spcPct val="100000"/>
-              </a:lnSpc>
-              <a:buNone/>
-            </a:pPr>
-            <a:r>
-              <a:rPr b="0" lang="en-US" sz="1200" spc="-1" strike="noStrike">
-                <a:solidFill>
-                  <a:schemeClr val="dk1">
-                    <a:tint val="75000"/>
-                  </a:schemeClr>
-                </a:solidFill>
-                <a:latin typeface="Calibri"/>
-              </a:rPr>
-              <a:t>&lt;ngày/giờ&gt;</a:t>
-            </a:r>
-            <a:endParaRPr b="0" lang="vi-VN" sz="1200" spc="-1" strike="noStrike">
-              <a:solidFill>
-                <a:srgbClr val="000000"/>
-              </a:solidFill>
-              <a:latin typeface="Times New Roman"/>
-            </a:endParaRPr>
-          </a:p>
-        </p:txBody>
-      </p:sp>
-      <p:sp>
-        <p:nvSpPr>
-          <p:cNvPr id="19" name="PlaceHolder 4"/>
-          <p:cNvSpPr>
-            <a:spLocks noGrp="1"/>
-          </p:cNvSpPr>
-          <p:nvPr>
-            <p:ph type="ftr" idx="11"/>
+            <p:ph type="ftr" idx="10"/>
           </p:nvPr>
         </p:nvSpPr>
         <p:spPr>
           <a:xfrm>
             <a:off x="3124080" y="6356520"/>
-            <a:ext cx="2895120" cy="364680"/>
+            <a:ext cx="2894760" cy="364320"/>
           </a:xfrm>
           <a:prstGeom prst="rect">
             <a:avLst/>
@@ -3929,7 +2853,13 @@
           </a:bodyPr>
           <a:lstStyle>
             <a:lvl1pPr indent="0" algn="ctr">
+              <a:lnSpc>
+                <a:spcPct val="100000"/>
+              </a:lnSpc>
               <a:buNone/>
+              <a:tabLst>
+                <a:tab algn="l" pos="0"/>
+              </a:tabLst>
               <a:defRPr b="0" lang="vi-VN" sz="1400" spc="-1" strike="noStrike">
                 <a:solidFill>
                   <a:srgbClr val="000000"/>
@@ -3940,7 +2870,13 @@
           </a:lstStyle>
           <a:p>
             <a:pPr indent="0" algn="ctr">
+              <a:lnSpc>
+                <a:spcPct val="100000"/>
+              </a:lnSpc>
               <a:buNone/>
+              <a:tabLst>
+                <a:tab algn="l" pos="0"/>
+              </a:tabLst>
             </a:pPr>
             <a:r>
               <a:rPr b="0" lang="vi-VN" sz="1400" spc="-1" strike="noStrike">
@@ -3962,18 +2898,18 @@
       </p:sp>
       <p:sp>
         <p:nvSpPr>
-          <p:cNvPr id="20" name="PlaceHolder 5"/>
+          <p:cNvPr id="15" name="PlaceHolder 4"/>
           <p:cNvSpPr>
             <a:spLocks noGrp="1"/>
           </p:cNvSpPr>
           <p:nvPr>
-            <p:ph type="sldNum" idx="12"/>
+            <p:ph type="sldNum" idx="11"/>
           </p:nvPr>
         </p:nvSpPr>
         <p:spPr>
           <a:xfrm>
             <a:off x="6553080" y="6356520"/>
-            <a:ext cx="2133360" cy="364680"/>
+            <a:ext cx="2133000" cy="364320"/>
           </a:xfrm>
           <a:prstGeom prst="rect">
             <a:avLst/>
@@ -3993,6 +2929,9 @@
                 <a:spcPct val="100000"/>
               </a:lnSpc>
               <a:buNone/>
+              <a:tabLst>
+                <a:tab algn="l" pos="0"/>
+              </a:tabLst>
               <a:defRPr b="0" lang="en-US" sz="1200" spc="-1" strike="noStrike">
                 <a:solidFill>
                   <a:schemeClr val="dk1">
@@ -4009,8 +2948,11 @@
                 <a:spcPct val="100000"/>
               </a:lnSpc>
               <a:buNone/>
-            </a:pPr>
-            <a:fld id="{1F219226-617F-4E0F-BC88-259483711511}" type="slidenum">
+              <a:tabLst>
+                <a:tab algn="l" pos="0"/>
+              </a:tabLst>
+            </a:pPr>
+            <a:fld id="{8B862EC2-F97F-46D5-BD7E-1A6377BE9BA6}" type="slidenum">
               <a:rPr b="0" lang="en-US" sz="1200" spc="-1" strike="noStrike">
                 <a:solidFill>
                   <a:schemeClr val="dk1">
@@ -4022,6 +2964,66 @@
               <a:t>&lt;số&gt;</a:t>
             </a:fld>
             <a:endParaRPr b="0" lang="vi-VN" sz="1200" spc="-1" strike="noStrike">
+              <a:solidFill>
+                <a:srgbClr val="000000"/>
+              </a:solidFill>
+              <a:latin typeface="Times New Roman"/>
+            </a:endParaRPr>
+          </a:p>
+        </p:txBody>
+      </p:sp>
+      <p:sp>
+        <p:nvSpPr>
+          <p:cNvPr id="16" name="PlaceHolder 5"/>
+          <p:cNvSpPr>
+            <a:spLocks noGrp="1"/>
+          </p:cNvSpPr>
+          <p:nvPr>
+            <p:ph type="dt" idx="12"/>
+          </p:nvPr>
+        </p:nvSpPr>
+        <p:spPr>
+          <a:xfrm>
+            <a:off x="457200" y="6356520"/>
+            <a:ext cx="2133000" cy="364320"/>
+          </a:xfrm>
+          <a:prstGeom prst="rect">
+            <a:avLst/>
+          </a:prstGeom>
+          <a:noFill/>
+          <a:ln w="0">
+            <a:noFill/>
+          </a:ln>
+        </p:spPr>
+        <p:txBody>
+          <a:bodyPr lIns="91440" rIns="91440" tIns="45720" bIns="45720" anchor="ctr">
+            <a:noAutofit/>
+          </a:bodyPr>
+          <a:lstStyle>
+            <a:lvl1pPr indent="0">
+              <a:buNone/>
+              <a:defRPr b="0" lang="vi-VN" sz="1400" spc="-1" strike="noStrike">
+                <a:solidFill>
+                  <a:srgbClr val="000000"/>
+                </a:solidFill>
+                <a:latin typeface="Times New Roman"/>
+              </a:defRPr>
+            </a:lvl1pPr>
+          </a:lstStyle>
+          <a:p>
+            <a:pPr indent="0">
+              <a:buNone/>
+            </a:pPr>
+            <a:r>
+              <a:rPr b="0" lang="vi-VN" sz="1400" spc="-1" strike="noStrike">
+                <a:solidFill>
+                  <a:srgbClr val="000000"/>
+                </a:solidFill>
+                <a:latin typeface="Times New Roman"/>
+              </a:rPr>
+              <a:t>&lt;ngày/giờ&gt;</a:t>
+            </a:r>
+            <a:endParaRPr b="0" lang="vi-VN" sz="1400" spc="-1" strike="noStrike">
               <a:solidFill>
                 <a:srgbClr val="000000"/>
               </a:solidFill>
@@ -4065,200 +3067,18 @@
       </p:grpSpPr>
       <p:sp>
         <p:nvSpPr>
-          <p:cNvPr id="23" name="PlaceHolder 1"/>
+          <p:cNvPr id="19" name="PlaceHolder 1"/>
           <p:cNvSpPr>
             <a:spLocks noGrp="1"/>
           </p:cNvSpPr>
           <p:nvPr>
-            <p:ph type="title"/>
-          </p:nvPr>
-        </p:nvSpPr>
-        <p:spPr>
-          <a:xfrm>
-            <a:off x="722160" y="4406760"/>
-            <a:ext cx="7772040" cy="1361880"/>
-          </a:xfrm>
-          <a:prstGeom prst="rect">
-            <a:avLst/>
-          </a:prstGeom>
-          <a:noFill/>
-          <a:ln w="0">
-            <a:noFill/>
-          </a:ln>
-        </p:spPr>
-        <p:txBody>
-          <a:bodyPr lIns="91440" rIns="91440" tIns="45720" bIns="45720" anchor="t">
-            <a:noAutofit/>
-          </a:bodyPr>
-          <a:p>
-            <a:pPr indent="0" defTabSz="914400">
-              <a:lnSpc>
-                <a:spcPct val="100000"/>
-              </a:lnSpc>
-              <a:buNone/>
-            </a:pPr>
-            <a:r>
-              <a:rPr b="1" lang="en-US" sz="4000" spc="-1" strike="noStrike" cap="all">
-                <a:solidFill>
-                  <a:schemeClr val="dk1"/>
-                </a:solidFill>
-                <a:latin typeface="Calibri"/>
-              </a:rPr>
-              <a:t>Click to edit Master title style</a:t>
-            </a:r>
-            <a:endParaRPr b="0" lang="en-US" sz="4000" spc="-1" strike="noStrike">
-              <a:solidFill>
-                <a:schemeClr val="dk1"/>
-              </a:solidFill>
-              <a:latin typeface="Calibri"/>
-            </a:endParaRPr>
-          </a:p>
-        </p:txBody>
-      </p:sp>
-      <p:sp>
-        <p:nvSpPr>
-          <p:cNvPr id="24" name="PlaceHolder 2"/>
-          <p:cNvSpPr>
-            <a:spLocks noGrp="1"/>
-          </p:cNvSpPr>
-          <p:nvPr>
-            <p:ph type="body"/>
-          </p:nvPr>
-        </p:nvSpPr>
-        <p:spPr>
-          <a:xfrm>
-            <a:off x="722160" y="2906640"/>
-            <a:ext cx="7772040" cy="1499760"/>
-          </a:xfrm>
-          <a:prstGeom prst="rect">
-            <a:avLst/>
-          </a:prstGeom>
-          <a:noFill/>
-          <a:ln w="0">
-            <a:noFill/>
-          </a:ln>
-        </p:spPr>
-        <p:txBody>
-          <a:bodyPr lIns="91440" rIns="91440" tIns="45720" bIns="45720" anchor="b">
-            <a:noAutofit/>
-          </a:bodyPr>
-          <a:p>
-            <a:pPr indent="0" defTabSz="914400">
-              <a:lnSpc>
-                <a:spcPct val="100000"/>
-              </a:lnSpc>
-              <a:spcBef>
-                <a:spcPts val="400"/>
-              </a:spcBef>
-              <a:buNone/>
-              <a:tabLst>
-                <a:tab algn="l" pos="0"/>
-              </a:tabLst>
-            </a:pPr>
-            <a:r>
-              <a:rPr b="0" lang="en-US" sz="2000" spc="-1" strike="noStrike">
-                <a:solidFill>
-                  <a:schemeClr val="dk1">
-                    <a:tint val="75000"/>
-                  </a:schemeClr>
-                </a:solidFill>
-                <a:latin typeface="Calibri"/>
-              </a:rPr>
-              <a:t>Click to edit Master text styles</a:t>
-            </a:r>
-            <a:endParaRPr b="0" lang="en-US" sz="2000" spc="-1" strike="noStrike">
-              <a:solidFill>
-                <a:schemeClr val="dk1"/>
-              </a:solidFill>
-              <a:latin typeface="Calibri"/>
-            </a:endParaRPr>
-          </a:p>
-        </p:txBody>
-      </p:sp>
-      <p:sp>
-        <p:nvSpPr>
-          <p:cNvPr id="25" name="PlaceHolder 3"/>
-          <p:cNvSpPr>
-            <a:spLocks noGrp="1"/>
-          </p:cNvSpPr>
-          <p:nvPr>
-            <p:ph type="dt" idx="13"/>
-          </p:nvPr>
-        </p:nvSpPr>
-        <p:spPr>
-          <a:xfrm>
-            <a:off x="457200" y="6356520"/>
-            <a:ext cx="2133360" cy="364680"/>
-          </a:xfrm>
-          <a:prstGeom prst="rect">
-            <a:avLst/>
-          </a:prstGeom>
-          <a:noFill/>
-          <a:ln w="0">
-            <a:noFill/>
-          </a:ln>
-        </p:spPr>
-        <p:txBody>
-          <a:bodyPr lIns="91440" rIns="91440" tIns="45720" bIns="45720" anchor="ctr">
-            <a:noAutofit/>
-          </a:bodyPr>
-          <a:lstStyle>
-            <a:lvl1pPr indent="0" defTabSz="914400">
-              <a:lnSpc>
-                <a:spcPct val="100000"/>
-              </a:lnSpc>
-              <a:buNone/>
-              <a:defRPr b="0" lang="en-US" sz="1200" spc="-1" strike="noStrike">
-                <a:solidFill>
-                  <a:schemeClr val="dk1">
-                    <a:tint val="75000"/>
-                  </a:schemeClr>
-                </a:solidFill>
-                <a:latin typeface="Calibri"/>
-              </a:defRPr>
-            </a:lvl1pPr>
-          </a:lstStyle>
-          <a:p>
-            <a:pPr indent="0" defTabSz="914400">
-              <a:lnSpc>
-                <a:spcPct val="100000"/>
-              </a:lnSpc>
-              <a:buNone/>
-            </a:pPr>
-            <a:r>
-              <a:rPr b="0" lang="en-US" sz="1200" spc="-1" strike="noStrike">
-                <a:solidFill>
-                  <a:schemeClr val="dk1">
-                    <a:tint val="75000"/>
-                  </a:schemeClr>
-                </a:solidFill>
-                <a:latin typeface="Calibri"/>
-              </a:rPr>
-              <a:t>&lt;ngày/giờ&gt;</a:t>
-            </a:r>
-            <a:endParaRPr b="0" lang="vi-VN" sz="1200" spc="-1" strike="noStrike">
-              <a:solidFill>
-                <a:srgbClr val="000000"/>
-              </a:solidFill>
-              <a:latin typeface="Times New Roman"/>
-            </a:endParaRPr>
-          </a:p>
-        </p:txBody>
-      </p:sp>
-      <p:sp>
-        <p:nvSpPr>
-          <p:cNvPr id="26" name="PlaceHolder 4"/>
-          <p:cNvSpPr>
-            <a:spLocks noGrp="1"/>
-          </p:cNvSpPr>
-          <p:nvPr>
-            <p:ph type="ftr" idx="14"/>
+            <p:ph type="ftr" idx="13"/>
           </p:nvPr>
         </p:nvSpPr>
         <p:spPr>
           <a:xfrm>
             <a:off x="3124080" y="6356520"/>
-            <a:ext cx="2895120" cy="364680"/>
+            <a:ext cx="2894760" cy="364320"/>
           </a:xfrm>
           <a:prstGeom prst="rect">
             <a:avLst/>
@@ -4274,7 +3094,13 @@
           </a:bodyPr>
           <a:lstStyle>
             <a:lvl1pPr indent="0" algn="ctr">
+              <a:lnSpc>
+                <a:spcPct val="100000"/>
+              </a:lnSpc>
               <a:buNone/>
+              <a:tabLst>
+                <a:tab algn="l" pos="0"/>
+              </a:tabLst>
               <a:defRPr b="0" lang="vi-VN" sz="1400" spc="-1" strike="noStrike">
                 <a:solidFill>
                   <a:srgbClr val="000000"/>
@@ -4285,7 +3111,13 @@
           </a:lstStyle>
           <a:p>
             <a:pPr indent="0" algn="ctr">
+              <a:lnSpc>
+                <a:spcPct val="100000"/>
+              </a:lnSpc>
               <a:buNone/>
+              <a:tabLst>
+                <a:tab algn="l" pos="0"/>
+              </a:tabLst>
             </a:pPr>
             <a:r>
               <a:rPr b="0" lang="vi-VN" sz="1400" spc="-1" strike="noStrike">
@@ -4307,18 +3139,18 @@
       </p:sp>
       <p:sp>
         <p:nvSpPr>
-          <p:cNvPr id="27" name="PlaceHolder 5"/>
+          <p:cNvPr id="20" name="PlaceHolder 2"/>
           <p:cNvSpPr>
             <a:spLocks noGrp="1"/>
           </p:cNvSpPr>
           <p:nvPr>
-            <p:ph type="sldNum" idx="15"/>
+            <p:ph type="sldNum" idx="14"/>
           </p:nvPr>
         </p:nvSpPr>
         <p:spPr>
           <a:xfrm>
             <a:off x="6553080" y="6356520"/>
-            <a:ext cx="2133360" cy="364680"/>
+            <a:ext cx="2133000" cy="364320"/>
           </a:xfrm>
           <a:prstGeom prst="rect">
             <a:avLst/>
@@ -4338,6 +3170,9 @@
                 <a:spcPct val="100000"/>
               </a:lnSpc>
               <a:buNone/>
+              <a:tabLst>
+                <a:tab algn="l" pos="0"/>
+              </a:tabLst>
               <a:defRPr b="0" lang="en-US" sz="1200" spc="-1" strike="noStrike">
                 <a:solidFill>
                   <a:schemeClr val="dk1">
@@ -4354,8 +3189,11 @@
                 <a:spcPct val="100000"/>
               </a:lnSpc>
               <a:buNone/>
-            </a:pPr>
-            <a:fld id="{5605D2C6-BC56-4494-ADCE-448F2722F16B}" type="slidenum">
+              <a:tabLst>
+                <a:tab algn="l" pos="0"/>
+              </a:tabLst>
+            </a:pPr>
+            <a:fld id="{964A0C8B-4DE2-4B78-AB73-CCCEF4AA895E}" type="slidenum">
               <a:rPr b="0" lang="en-US" sz="1200" spc="-1" strike="noStrike">
                 <a:solidFill>
                   <a:schemeClr val="dk1">
@@ -4367,6 +3205,66 @@
               <a:t>&lt;số&gt;</a:t>
             </a:fld>
             <a:endParaRPr b="0" lang="vi-VN" sz="1200" spc="-1" strike="noStrike">
+              <a:solidFill>
+                <a:srgbClr val="000000"/>
+              </a:solidFill>
+              <a:latin typeface="Times New Roman"/>
+            </a:endParaRPr>
+          </a:p>
+        </p:txBody>
+      </p:sp>
+      <p:sp>
+        <p:nvSpPr>
+          <p:cNvPr id="21" name="PlaceHolder 3"/>
+          <p:cNvSpPr>
+            <a:spLocks noGrp="1"/>
+          </p:cNvSpPr>
+          <p:nvPr>
+            <p:ph type="dt" idx="15"/>
+          </p:nvPr>
+        </p:nvSpPr>
+        <p:spPr>
+          <a:xfrm>
+            <a:off x="457200" y="6356520"/>
+            <a:ext cx="2133000" cy="364320"/>
+          </a:xfrm>
+          <a:prstGeom prst="rect">
+            <a:avLst/>
+          </a:prstGeom>
+          <a:noFill/>
+          <a:ln w="0">
+            <a:noFill/>
+          </a:ln>
+        </p:spPr>
+        <p:txBody>
+          <a:bodyPr lIns="91440" rIns="91440" tIns="45720" bIns="45720" anchor="ctr">
+            <a:noAutofit/>
+          </a:bodyPr>
+          <a:lstStyle>
+            <a:lvl1pPr indent="0">
+              <a:buNone/>
+              <a:defRPr b="0" lang="vi-VN" sz="1400" spc="-1" strike="noStrike">
+                <a:solidFill>
+                  <a:srgbClr val="000000"/>
+                </a:solidFill>
+                <a:latin typeface="Times New Roman"/>
+              </a:defRPr>
+            </a:lvl1pPr>
+          </a:lstStyle>
+          <a:p>
+            <a:pPr indent="0">
+              <a:buNone/>
+            </a:pPr>
+            <a:r>
+              <a:rPr b="0" lang="vi-VN" sz="1400" spc="-1" strike="noStrike">
+                <a:solidFill>
+                  <a:srgbClr val="000000"/>
+                </a:solidFill>
+                <a:latin typeface="Times New Roman"/>
+              </a:rPr>
+              <a:t>&lt;ngày/giờ&gt;</a:t>
+            </a:r>
+            <a:endParaRPr b="0" lang="vi-VN" sz="1400" spc="-1" strike="noStrike">
               <a:solidFill>
                 <a:srgbClr val="000000"/>
               </a:solidFill>
@@ -4410,7 +3308,7 @@
       </p:grpSpPr>
       <p:sp>
         <p:nvSpPr>
-          <p:cNvPr id="28" name="PlaceHolder 1"/>
+          <p:cNvPr id="22" name="PlaceHolder 1"/>
           <p:cNvSpPr>
             <a:spLocks noGrp="1"/>
           </p:cNvSpPr>
@@ -4420,8 +3318,8 @@
         </p:nvSpPr>
         <p:spPr>
           <a:xfrm>
-            <a:off x="457200" y="274680"/>
-            <a:ext cx="8229240" cy="1142640"/>
+            <a:off x="914400" y="410400"/>
+            <a:ext cx="16458480" cy="1717200"/>
           </a:xfrm>
           <a:prstGeom prst="rect">
             <a:avLst/>
@@ -4432,37 +3330,43 @@
           </a:ln>
         </p:spPr>
         <p:txBody>
-          <a:bodyPr lIns="91440" rIns="91440" tIns="45720" bIns="45720" anchor="ctr">
+          <a:bodyPr lIns="0" rIns="0" tIns="0" bIns="0" anchor="ctr">
             <a:noAutofit/>
           </a:bodyPr>
           <a:p>
-            <a:pPr indent="0" algn="ctr" defTabSz="914400">
-              <a:lnSpc>
-                <a:spcPct val="100000"/>
-              </a:lnSpc>
+            <a:pPr indent="0">
               <a:buNone/>
             </a:pPr>
             <a:r>
-              <a:rPr b="0" lang="en-US" sz="4400" spc="-1" strike="noStrike">
-                <a:solidFill>
-                  <a:schemeClr val="dk1"/>
-                </a:solidFill>
-                <a:latin typeface="Calibri"/>
+              <a:rPr b="0" lang="vi-VN" sz="1800" spc="-1" strike="noStrike">
+                <a:solidFill>
+                  <a:srgbClr val="000000"/>
+                </a:solidFill>
+                <a:latin typeface="Arial"/>
               </a:rPr>
-              <a:t>Click to edit Master title style</a:t>
-            </a:r>
-            <a:endParaRPr b="0" lang="en-US" sz="4400" spc="-1" strike="noStrike">
-              <a:solidFill>
-                <a:schemeClr val="dk1"/>
-              </a:solidFill>
-              <a:latin typeface="Calibri"/>
+              <a:t>Nhấn để chỉnh sửa định </a:t>
+            </a:r>
+            <a:r>
+              <a:rPr b="0" lang="vi-VN" sz="1800" spc="-1" strike="noStrike">
+                <a:solidFill>
+                  <a:srgbClr val="000000"/>
+                </a:solidFill>
+                <a:latin typeface="Arial"/>
+              </a:rPr>
+              <a:t>dạng cho tiêu đề</a:t>
+            </a:r>
+            <a:endParaRPr b="0" lang="vi-VN" sz="1800" spc="-1" strike="noStrike">
+              <a:solidFill>
+                <a:srgbClr val="000000"/>
+              </a:solidFill>
+              <a:latin typeface="Arial"/>
             </a:endParaRPr>
           </a:p>
         </p:txBody>
       </p:sp>
       <p:sp>
         <p:nvSpPr>
-          <p:cNvPr id="29" name="PlaceHolder 2"/>
+          <p:cNvPr id="23" name="PlaceHolder 2"/>
           <p:cNvSpPr>
             <a:spLocks noGrp="1"/>
           </p:cNvSpPr>
@@ -4472,8 +3376,8 @@
         </p:nvSpPr>
         <p:spPr>
           <a:xfrm>
-            <a:off x="457200" y="1600200"/>
-            <a:ext cx="4038120" cy="4525560"/>
+            <a:off x="914400" y="2406960"/>
+            <a:ext cx="8031240" cy="5965560"/>
           </a:xfrm>
           <a:prstGeom prst="rect">
             <a:avLst/>
@@ -4484,164 +3388,210 @@
           </a:ln>
         </p:spPr>
         <p:txBody>
-          <a:bodyPr lIns="91440" rIns="91440" tIns="45720" bIns="45720" anchor="t">
-            <a:noAutofit/>
+          <a:bodyPr lIns="0" rIns="0" tIns="0" bIns="0" anchor="t">
+            <a:normAutofit/>
           </a:bodyPr>
           <a:p>
-            <a:pPr marL="343080" indent="-343080" defTabSz="914400">
-              <a:lnSpc>
-                <a:spcPct val="100000"/>
-              </a:lnSpc>
+            <a:pPr marL="432000" indent="-324000">
               <a:spcBef>
-                <a:spcPts val="561"/>
+                <a:spcPts val="1417"/>
               </a:spcBef>
               <a:buClr>
                 <a:srgbClr val="000000"/>
               </a:buClr>
-              <a:buFont typeface="Arial"/>
-              <a:buChar char="•"/>
-            </a:pPr>
-            <a:r>
-              <a:rPr b="0" lang="en-US" sz="2800" spc="-1" strike="noStrike">
-                <a:solidFill>
-                  <a:schemeClr val="dk1"/>
-                </a:solidFill>
-                <a:latin typeface="Calibri"/>
+              <a:buSzPct val="45000"/>
+              <a:buFont typeface="Wingdings" charset="2"/>
+              <a:buChar char=""/>
+            </a:pPr>
+            <a:r>
+              <a:rPr b="0" lang="vi-VN" sz="1800" spc="-1" strike="noStrike">
+                <a:solidFill>
+                  <a:srgbClr val="000000"/>
+                </a:solidFill>
+                <a:latin typeface="Arial"/>
               </a:rPr>
-              <a:t>Click to edit Master text styles</a:t>
-            </a:r>
-            <a:endParaRPr b="0" lang="en-US" sz="2800" spc="-1" strike="noStrike">
-              <a:solidFill>
-                <a:schemeClr val="dk1"/>
-              </a:solidFill>
-              <a:latin typeface="Calibri"/>
-            </a:endParaRPr>
-          </a:p>
-          <a:p>
-            <a:pPr lvl="1" marL="743040" indent="-285840" defTabSz="914400">
-              <a:lnSpc>
-                <a:spcPct val="100000"/>
-              </a:lnSpc>
+              <a:t>Nhấn để chỉnh sửa định dạng văn bản phác thảo</a:t>
+            </a:r>
+            <a:endParaRPr b="0" lang="vi-VN" sz="1800" spc="-1" strike="noStrike">
+              <a:solidFill>
+                <a:srgbClr val="000000"/>
+              </a:solidFill>
+              <a:latin typeface="Arial"/>
+            </a:endParaRPr>
+          </a:p>
+          <a:p>
+            <a:pPr lvl="1" marL="864000" indent="-324000">
               <a:spcBef>
-                <a:spcPts val="479"/>
+                <a:spcPts val="1134"/>
               </a:spcBef>
               <a:buClr>
                 <a:srgbClr val="000000"/>
               </a:buClr>
-              <a:buFont typeface="Arial"/>
-              <a:buChar char="–"/>
-            </a:pPr>
-            <a:r>
-              <a:rPr b="0" lang="en-US" sz="2400" spc="-1" strike="noStrike">
-                <a:solidFill>
-                  <a:schemeClr val="dk1"/>
-                </a:solidFill>
-                <a:latin typeface="Calibri"/>
+              <a:buSzPct val="75000"/>
+              <a:buFont typeface="Symbol" charset="2"/>
+              <a:buChar char=""/>
+            </a:pPr>
+            <a:r>
+              <a:rPr b="0" lang="vi-VN" sz="1800" spc="-1" strike="noStrike">
+                <a:solidFill>
+                  <a:srgbClr val="000000"/>
+                </a:solidFill>
+                <a:latin typeface="Arial"/>
               </a:rPr>
-              <a:t>Second level</a:t>
-            </a:r>
-            <a:endParaRPr b="0" lang="en-US" sz="2400" spc="-1" strike="noStrike">
-              <a:solidFill>
-                <a:schemeClr val="dk1"/>
-              </a:solidFill>
-              <a:latin typeface="Calibri"/>
-            </a:endParaRPr>
-          </a:p>
-          <a:p>
-            <a:pPr lvl="2" marL="1143000" indent="-228600" defTabSz="914400">
-              <a:lnSpc>
-                <a:spcPct val="100000"/>
-              </a:lnSpc>
+              <a:t>Cấp phác thảo thứ hai</a:t>
+            </a:r>
+            <a:endParaRPr b="0" lang="vi-VN" sz="1800" spc="-1" strike="noStrike">
+              <a:solidFill>
+                <a:srgbClr val="000000"/>
+              </a:solidFill>
+              <a:latin typeface="Arial"/>
+            </a:endParaRPr>
+          </a:p>
+          <a:p>
+            <a:pPr lvl="2" marL="1296000" indent="-288000">
               <a:spcBef>
-                <a:spcPts val="400"/>
+                <a:spcPts val="850"/>
               </a:spcBef>
               <a:buClr>
                 <a:srgbClr val="000000"/>
               </a:buClr>
-              <a:buFont typeface="Arial"/>
-              <a:buChar char="•"/>
-            </a:pPr>
-            <a:r>
-              <a:rPr b="0" lang="en-US" sz="2000" spc="-1" strike="noStrike">
-                <a:solidFill>
-                  <a:schemeClr val="dk1"/>
-                </a:solidFill>
-                <a:latin typeface="Calibri"/>
+              <a:buSzPct val="45000"/>
+              <a:buFont typeface="Wingdings" charset="2"/>
+              <a:buChar char=""/>
+            </a:pPr>
+            <a:r>
+              <a:rPr b="0" lang="vi-VN" sz="1800" spc="-1" strike="noStrike">
+                <a:solidFill>
+                  <a:srgbClr val="000000"/>
+                </a:solidFill>
+                <a:latin typeface="Arial"/>
               </a:rPr>
-              <a:t>Third level</a:t>
-            </a:r>
-            <a:endParaRPr b="0" lang="en-US" sz="2000" spc="-1" strike="noStrike">
-              <a:solidFill>
-                <a:schemeClr val="dk1"/>
-              </a:solidFill>
-              <a:latin typeface="Calibri"/>
-            </a:endParaRPr>
-          </a:p>
-          <a:p>
-            <a:pPr lvl="3" marL="1600200" indent="-228600" defTabSz="914400">
-              <a:lnSpc>
-                <a:spcPct val="100000"/>
-              </a:lnSpc>
+              <a:t>Cấp phác thảo thứ ba</a:t>
+            </a:r>
+            <a:endParaRPr b="0" lang="vi-VN" sz="1800" spc="-1" strike="noStrike">
+              <a:solidFill>
+                <a:srgbClr val="000000"/>
+              </a:solidFill>
+              <a:latin typeface="Arial"/>
+            </a:endParaRPr>
+          </a:p>
+          <a:p>
+            <a:pPr lvl="3" marL="1728000" indent="-216000">
               <a:spcBef>
-                <a:spcPts val="360"/>
+                <a:spcPts val="567"/>
               </a:spcBef>
               <a:buClr>
                 <a:srgbClr val="000000"/>
               </a:buClr>
-              <a:buFont typeface="Arial"/>
-              <a:buChar char="–"/>
-            </a:pPr>
-            <a:r>
-              <a:rPr b="0" lang="en-US" sz="1800" spc="-1" strike="noStrike">
-                <a:solidFill>
-                  <a:schemeClr val="dk1"/>
-                </a:solidFill>
-                <a:latin typeface="Calibri"/>
+              <a:buSzPct val="75000"/>
+              <a:buFont typeface="Symbol" charset="2"/>
+              <a:buChar char=""/>
+            </a:pPr>
+            <a:r>
+              <a:rPr b="0" lang="vi-VN" sz="1800" spc="-1" strike="noStrike">
+                <a:solidFill>
+                  <a:srgbClr val="000000"/>
+                </a:solidFill>
+                <a:latin typeface="Arial"/>
               </a:rPr>
-              <a:t>Fourth level</a:t>
-            </a:r>
-            <a:endParaRPr b="0" lang="en-US" sz="1800" spc="-1" strike="noStrike">
-              <a:solidFill>
-                <a:schemeClr val="dk1"/>
-              </a:solidFill>
-              <a:latin typeface="Calibri"/>
-            </a:endParaRPr>
-          </a:p>
-          <a:p>
-            <a:pPr lvl="4" marL="2057400" indent="-228600" defTabSz="914400">
-              <a:lnSpc>
-                <a:spcPct val="100000"/>
-              </a:lnSpc>
+              <a:t>Cấp phác thảo thứ tư</a:t>
+            </a:r>
+            <a:endParaRPr b="0" lang="vi-VN" sz="1800" spc="-1" strike="noStrike">
+              <a:solidFill>
+                <a:srgbClr val="000000"/>
+              </a:solidFill>
+              <a:latin typeface="Arial"/>
+            </a:endParaRPr>
+          </a:p>
+          <a:p>
+            <a:pPr lvl="4" marL="2160000" indent="-216000">
               <a:spcBef>
-                <a:spcPts val="360"/>
+                <a:spcPts val="283"/>
               </a:spcBef>
               <a:buClr>
                 <a:srgbClr val="000000"/>
               </a:buClr>
-              <a:buFont typeface="Arial"/>
-              <a:buChar char="»"/>
-            </a:pPr>
-            <a:r>
-              <a:rPr b="0" lang="en-US" sz="1800" spc="-1" strike="noStrike">
-                <a:solidFill>
-                  <a:schemeClr val="dk1"/>
-                </a:solidFill>
-                <a:latin typeface="Calibri"/>
+              <a:buSzPct val="45000"/>
+              <a:buFont typeface="Wingdings" charset="2"/>
+              <a:buChar char=""/>
+            </a:pPr>
+            <a:r>
+              <a:rPr b="0" lang="vi-VN" sz="1800" spc="-1" strike="noStrike">
+                <a:solidFill>
+                  <a:srgbClr val="000000"/>
+                </a:solidFill>
+                <a:latin typeface="Arial"/>
               </a:rPr>
-              <a:t>Fifth level</a:t>
-            </a:r>
-            <a:endParaRPr b="0" lang="en-US" sz="1800" spc="-1" strike="noStrike">
-              <a:solidFill>
-                <a:schemeClr val="dk1"/>
-              </a:solidFill>
-              <a:latin typeface="Calibri"/>
+              <a:t>Cấp phác thảo thứ năm</a:t>
+            </a:r>
+            <a:endParaRPr b="0" lang="vi-VN" sz="1800" spc="-1" strike="noStrike">
+              <a:solidFill>
+                <a:srgbClr val="000000"/>
+              </a:solidFill>
+              <a:latin typeface="Arial"/>
+            </a:endParaRPr>
+          </a:p>
+          <a:p>
+            <a:pPr lvl="5" marL="2592000" indent="-216000">
+              <a:spcBef>
+                <a:spcPts val="283"/>
+              </a:spcBef>
+              <a:buClr>
+                <a:srgbClr val="000000"/>
+              </a:buClr>
+              <a:buSzPct val="45000"/>
+              <a:buFont typeface="Wingdings" charset="2"/>
+              <a:buChar char=""/>
+            </a:pPr>
+            <a:r>
+              <a:rPr b="0" lang="vi-VN" sz="1800" spc="-1" strike="noStrike">
+                <a:solidFill>
+                  <a:srgbClr val="000000"/>
+                </a:solidFill>
+                <a:latin typeface="Arial"/>
+              </a:rPr>
+              <a:t>Cấp phác thảo thứ sáu</a:t>
+            </a:r>
+            <a:endParaRPr b="0" lang="vi-VN" sz="1800" spc="-1" strike="noStrike">
+              <a:solidFill>
+                <a:srgbClr val="000000"/>
+              </a:solidFill>
+              <a:latin typeface="Arial"/>
+            </a:endParaRPr>
+          </a:p>
+          <a:p>
+            <a:pPr lvl="6" marL="3024000" indent="-216000">
+              <a:spcBef>
+                <a:spcPts val="283"/>
+              </a:spcBef>
+              <a:buClr>
+                <a:srgbClr val="000000"/>
+              </a:buClr>
+              <a:buSzPct val="45000"/>
+              <a:buFont typeface="Wingdings" charset="2"/>
+              <a:buChar char=""/>
+            </a:pPr>
+            <a:r>
+              <a:rPr b="0" lang="vi-VN" sz="1800" spc="-1" strike="noStrike">
+                <a:solidFill>
+                  <a:srgbClr val="000000"/>
+                </a:solidFill>
+                <a:latin typeface="Arial"/>
+              </a:rPr>
+              <a:t>Cấp phác thảo thứ bảy</a:t>
+            </a:r>
+            <a:endParaRPr b="0" lang="vi-VN" sz="1800" spc="-1" strike="noStrike">
+              <a:solidFill>
+                <a:srgbClr val="000000"/>
+              </a:solidFill>
+              <a:latin typeface="Arial"/>
             </a:endParaRPr>
           </a:p>
         </p:txBody>
       </p:sp>
       <p:sp>
         <p:nvSpPr>
-          <p:cNvPr id="30" name="PlaceHolder 3"/>
+          <p:cNvPr id="24" name="PlaceHolder 3"/>
           <p:cNvSpPr>
             <a:spLocks noGrp="1"/>
           </p:cNvSpPr>
@@ -4651,8 +3601,8 @@
         </p:nvSpPr>
         <p:spPr>
           <a:xfrm>
-            <a:off x="4648320" y="1600200"/>
-            <a:ext cx="4038120" cy="4525560"/>
+            <a:off x="9348120" y="2406960"/>
+            <a:ext cx="8031240" cy="5965560"/>
           </a:xfrm>
           <a:prstGeom prst="rect">
             <a:avLst/>
@@ -4663,245 +3613,221 @@
           </a:ln>
         </p:spPr>
         <p:txBody>
-          <a:bodyPr lIns="91440" rIns="91440" tIns="45720" bIns="45720" anchor="t">
-            <a:noAutofit/>
+          <a:bodyPr lIns="0" rIns="0" tIns="0" bIns="0" anchor="t">
+            <a:normAutofit/>
           </a:bodyPr>
           <a:p>
-            <a:pPr marL="343080" indent="-343080" defTabSz="914400">
-              <a:lnSpc>
-                <a:spcPct val="100000"/>
-              </a:lnSpc>
+            <a:pPr marL="432000" indent="-324000">
               <a:spcBef>
-                <a:spcPts val="561"/>
+                <a:spcPts val="1417"/>
               </a:spcBef>
               <a:buClr>
                 <a:srgbClr val="000000"/>
               </a:buClr>
-              <a:buFont typeface="Arial"/>
-              <a:buChar char="•"/>
-            </a:pPr>
-            <a:r>
-              <a:rPr b="0" lang="en-US" sz="2800" spc="-1" strike="noStrike">
-                <a:solidFill>
-                  <a:schemeClr val="dk1"/>
-                </a:solidFill>
-                <a:latin typeface="Calibri"/>
+              <a:buSzPct val="45000"/>
+              <a:buFont typeface="Wingdings" charset="2"/>
+              <a:buChar char=""/>
+            </a:pPr>
+            <a:r>
+              <a:rPr b="0" lang="vi-VN" sz="1800" spc="-1" strike="noStrike">
+                <a:solidFill>
+                  <a:srgbClr val="000000"/>
+                </a:solidFill>
+                <a:latin typeface="Arial"/>
               </a:rPr>
-              <a:t>Click to edit Master text styles</a:t>
-            </a:r>
-            <a:endParaRPr b="0" lang="en-US" sz="2800" spc="-1" strike="noStrike">
-              <a:solidFill>
-                <a:schemeClr val="dk1"/>
-              </a:solidFill>
-              <a:latin typeface="Calibri"/>
-            </a:endParaRPr>
-          </a:p>
-          <a:p>
-            <a:pPr lvl="1" marL="743040" indent="-285840" defTabSz="914400">
-              <a:lnSpc>
-                <a:spcPct val="100000"/>
-              </a:lnSpc>
+              <a:t>Nhấn để chỉnh sửa định dạng văn bản phác thảo</a:t>
+            </a:r>
+            <a:endParaRPr b="0" lang="vi-VN" sz="1800" spc="-1" strike="noStrike">
+              <a:solidFill>
+                <a:srgbClr val="000000"/>
+              </a:solidFill>
+              <a:latin typeface="Arial"/>
+            </a:endParaRPr>
+          </a:p>
+          <a:p>
+            <a:pPr lvl="1" marL="864000" indent="-324000">
               <a:spcBef>
-                <a:spcPts val="479"/>
+                <a:spcPts val="1134"/>
               </a:spcBef>
               <a:buClr>
                 <a:srgbClr val="000000"/>
               </a:buClr>
-              <a:buFont typeface="Arial"/>
-              <a:buChar char="–"/>
-            </a:pPr>
-            <a:r>
-              <a:rPr b="0" lang="en-US" sz="2400" spc="-1" strike="noStrike">
-                <a:solidFill>
-                  <a:schemeClr val="dk1"/>
-                </a:solidFill>
-                <a:latin typeface="Calibri"/>
+              <a:buSzPct val="75000"/>
+              <a:buFont typeface="Symbol" charset="2"/>
+              <a:buChar char=""/>
+            </a:pPr>
+            <a:r>
+              <a:rPr b="0" lang="vi-VN" sz="1800" spc="-1" strike="noStrike">
+                <a:solidFill>
+                  <a:srgbClr val="000000"/>
+                </a:solidFill>
+                <a:latin typeface="Arial"/>
               </a:rPr>
-              <a:t>Second level</a:t>
-            </a:r>
-            <a:endParaRPr b="0" lang="en-US" sz="2400" spc="-1" strike="noStrike">
-              <a:solidFill>
-                <a:schemeClr val="dk1"/>
-              </a:solidFill>
-              <a:latin typeface="Calibri"/>
-            </a:endParaRPr>
-          </a:p>
-          <a:p>
-            <a:pPr lvl="2" marL="1143000" indent="-228600" defTabSz="914400">
-              <a:lnSpc>
-                <a:spcPct val="100000"/>
-              </a:lnSpc>
+              <a:t>Cấp phác thảo thứ hai</a:t>
+            </a:r>
+            <a:endParaRPr b="0" lang="vi-VN" sz="1800" spc="-1" strike="noStrike">
+              <a:solidFill>
+                <a:srgbClr val="000000"/>
+              </a:solidFill>
+              <a:latin typeface="Arial"/>
+            </a:endParaRPr>
+          </a:p>
+          <a:p>
+            <a:pPr lvl="2" marL="1296000" indent="-288000">
               <a:spcBef>
-                <a:spcPts val="400"/>
+                <a:spcPts val="850"/>
               </a:spcBef>
               <a:buClr>
                 <a:srgbClr val="000000"/>
               </a:buClr>
-              <a:buFont typeface="Arial"/>
-              <a:buChar char="•"/>
-            </a:pPr>
-            <a:r>
-              <a:rPr b="0" lang="en-US" sz="2000" spc="-1" strike="noStrike">
-                <a:solidFill>
-                  <a:schemeClr val="dk1"/>
-                </a:solidFill>
-                <a:latin typeface="Calibri"/>
+              <a:buSzPct val="45000"/>
+              <a:buFont typeface="Wingdings" charset="2"/>
+              <a:buChar char=""/>
+            </a:pPr>
+            <a:r>
+              <a:rPr b="0" lang="vi-VN" sz="1800" spc="-1" strike="noStrike">
+                <a:solidFill>
+                  <a:srgbClr val="000000"/>
+                </a:solidFill>
+                <a:latin typeface="Arial"/>
               </a:rPr>
-              <a:t>Third level</a:t>
-            </a:r>
-            <a:endParaRPr b="0" lang="en-US" sz="2000" spc="-1" strike="noStrike">
-              <a:solidFill>
-                <a:schemeClr val="dk1"/>
-              </a:solidFill>
-              <a:latin typeface="Calibri"/>
-            </a:endParaRPr>
-          </a:p>
-          <a:p>
-            <a:pPr lvl="3" marL="1600200" indent="-228600" defTabSz="914400">
-              <a:lnSpc>
-                <a:spcPct val="100000"/>
-              </a:lnSpc>
+              <a:t>Cấp phác thảo thứ ba</a:t>
+            </a:r>
+            <a:endParaRPr b="0" lang="vi-VN" sz="1800" spc="-1" strike="noStrike">
+              <a:solidFill>
+                <a:srgbClr val="000000"/>
+              </a:solidFill>
+              <a:latin typeface="Arial"/>
+            </a:endParaRPr>
+          </a:p>
+          <a:p>
+            <a:pPr lvl="3" marL="1728000" indent="-216000">
               <a:spcBef>
-                <a:spcPts val="360"/>
+                <a:spcPts val="567"/>
               </a:spcBef>
               <a:buClr>
                 <a:srgbClr val="000000"/>
               </a:buClr>
-              <a:buFont typeface="Arial"/>
-              <a:buChar char="–"/>
-            </a:pPr>
-            <a:r>
-              <a:rPr b="0" lang="en-US" sz="1800" spc="-1" strike="noStrike">
-                <a:solidFill>
-                  <a:schemeClr val="dk1"/>
-                </a:solidFill>
-                <a:latin typeface="Calibri"/>
+              <a:buSzPct val="75000"/>
+              <a:buFont typeface="Symbol" charset="2"/>
+              <a:buChar char=""/>
+            </a:pPr>
+            <a:r>
+              <a:rPr b="0" lang="vi-VN" sz="1800" spc="-1" strike="noStrike">
+                <a:solidFill>
+                  <a:srgbClr val="000000"/>
+                </a:solidFill>
+                <a:latin typeface="Arial"/>
               </a:rPr>
-              <a:t>Fourth level</a:t>
-            </a:r>
-            <a:endParaRPr b="0" lang="en-US" sz="1800" spc="-1" strike="noStrike">
-              <a:solidFill>
-                <a:schemeClr val="dk1"/>
-              </a:solidFill>
-              <a:latin typeface="Calibri"/>
-            </a:endParaRPr>
-          </a:p>
-          <a:p>
-            <a:pPr lvl="4" marL="2057400" indent="-228600" defTabSz="914400">
-              <a:lnSpc>
-                <a:spcPct val="100000"/>
-              </a:lnSpc>
+              <a:t>Cấp phác thảo thứ tư</a:t>
+            </a:r>
+            <a:endParaRPr b="0" lang="vi-VN" sz="1800" spc="-1" strike="noStrike">
+              <a:solidFill>
+                <a:srgbClr val="000000"/>
+              </a:solidFill>
+              <a:latin typeface="Arial"/>
+            </a:endParaRPr>
+          </a:p>
+          <a:p>
+            <a:pPr lvl="4" marL="2160000" indent="-216000">
               <a:spcBef>
-                <a:spcPts val="360"/>
+                <a:spcPts val="283"/>
               </a:spcBef>
               <a:buClr>
                 <a:srgbClr val="000000"/>
               </a:buClr>
-              <a:buFont typeface="Arial"/>
-              <a:buChar char="»"/>
-            </a:pPr>
-            <a:r>
-              <a:rPr b="0" lang="en-US" sz="1800" spc="-1" strike="noStrike">
-                <a:solidFill>
-                  <a:schemeClr val="dk1"/>
-                </a:solidFill>
-                <a:latin typeface="Calibri"/>
+              <a:buSzPct val="45000"/>
+              <a:buFont typeface="Wingdings" charset="2"/>
+              <a:buChar char=""/>
+            </a:pPr>
+            <a:r>
+              <a:rPr b="0" lang="vi-VN" sz="1800" spc="-1" strike="noStrike">
+                <a:solidFill>
+                  <a:srgbClr val="000000"/>
+                </a:solidFill>
+                <a:latin typeface="Arial"/>
               </a:rPr>
-              <a:t>Fifth level</a:t>
-            </a:r>
-            <a:endParaRPr b="0" lang="en-US" sz="1800" spc="-1" strike="noStrike">
-              <a:solidFill>
-                <a:schemeClr val="dk1"/>
-              </a:solidFill>
-              <a:latin typeface="Calibri"/>
+              <a:t>Cấp phác thảo thứ năm</a:t>
+            </a:r>
+            <a:endParaRPr b="0" lang="vi-VN" sz="1800" spc="-1" strike="noStrike">
+              <a:solidFill>
+                <a:srgbClr val="000000"/>
+              </a:solidFill>
+              <a:latin typeface="Arial"/>
+            </a:endParaRPr>
+          </a:p>
+          <a:p>
+            <a:pPr lvl="5" marL="2592000" indent="-216000">
+              <a:spcBef>
+                <a:spcPts val="283"/>
+              </a:spcBef>
+              <a:buClr>
+                <a:srgbClr val="000000"/>
+              </a:buClr>
+              <a:buSzPct val="45000"/>
+              <a:buFont typeface="Wingdings" charset="2"/>
+              <a:buChar char=""/>
+            </a:pPr>
+            <a:r>
+              <a:rPr b="0" lang="vi-VN" sz="1800" spc="-1" strike="noStrike">
+                <a:solidFill>
+                  <a:srgbClr val="000000"/>
+                </a:solidFill>
+                <a:latin typeface="Arial"/>
+              </a:rPr>
+              <a:t>Cấp phác thảo thứ sáu</a:t>
+            </a:r>
+            <a:endParaRPr b="0" lang="vi-VN" sz="1800" spc="-1" strike="noStrike">
+              <a:solidFill>
+                <a:srgbClr val="000000"/>
+              </a:solidFill>
+              <a:latin typeface="Arial"/>
+            </a:endParaRPr>
+          </a:p>
+          <a:p>
+            <a:pPr lvl="6" marL="3024000" indent="-216000">
+              <a:spcBef>
+                <a:spcPts val="283"/>
+              </a:spcBef>
+              <a:buClr>
+                <a:srgbClr val="000000"/>
+              </a:buClr>
+              <a:buSzPct val="45000"/>
+              <a:buFont typeface="Wingdings" charset="2"/>
+              <a:buChar char=""/>
+            </a:pPr>
+            <a:r>
+              <a:rPr b="0" lang="vi-VN" sz="1800" spc="-1" strike="noStrike">
+                <a:solidFill>
+                  <a:srgbClr val="000000"/>
+                </a:solidFill>
+                <a:latin typeface="Arial"/>
+              </a:rPr>
+              <a:t>Cấp phác thảo thứ bảy</a:t>
+            </a:r>
+            <a:endParaRPr b="0" lang="vi-VN" sz="1800" spc="-1" strike="noStrike">
+              <a:solidFill>
+                <a:srgbClr val="000000"/>
+              </a:solidFill>
+              <a:latin typeface="Arial"/>
             </a:endParaRPr>
           </a:p>
         </p:txBody>
       </p:sp>
       <p:sp>
         <p:nvSpPr>
-          <p:cNvPr id="31" name="PlaceHolder 4"/>
+          <p:cNvPr id="25" name="PlaceHolder 4"/>
           <p:cNvSpPr>
             <a:spLocks noGrp="1"/>
           </p:cNvSpPr>
           <p:nvPr>
-            <p:ph type="dt" idx="16"/>
-          </p:nvPr>
-        </p:nvSpPr>
-        <p:spPr>
-          <a:xfrm>
-            <a:off x="457200" y="6356520"/>
-            <a:ext cx="2133360" cy="364680"/>
-          </a:xfrm>
-          <a:prstGeom prst="rect">
-            <a:avLst/>
-          </a:prstGeom>
-          <a:noFill/>
-          <a:ln w="0">
-            <a:noFill/>
-          </a:ln>
-        </p:spPr>
-        <p:txBody>
-          <a:bodyPr lIns="91440" rIns="91440" tIns="45720" bIns="45720" anchor="ctr">
-            <a:noAutofit/>
-          </a:bodyPr>
-          <a:lstStyle>
-            <a:lvl1pPr indent="0" defTabSz="914400">
-              <a:lnSpc>
-                <a:spcPct val="100000"/>
-              </a:lnSpc>
-              <a:buNone/>
-              <a:defRPr b="0" lang="en-US" sz="1200" spc="-1" strike="noStrike">
-                <a:solidFill>
-                  <a:schemeClr val="dk1">
-                    <a:tint val="75000"/>
-                  </a:schemeClr>
-                </a:solidFill>
-                <a:latin typeface="Calibri"/>
-              </a:defRPr>
-            </a:lvl1pPr>
-          </a:lstStyle>
-          <a:p>
-            <a:pPr indent="0" defTabSz="914400">
-              <a:lnSpc>
-                <a:spcPct val="100000"/>
-              </a:lnSpc>
-              <a:buNone/>
-            </a:pPr>
-            <a:r>
-              <a:rPr b="0" lang="en-US" sz="1200" spc="-1" strike="noStrike">
-                <a:solidFill>
-                  <a:schemeClr val="dk1">
-                    <a:tint val="75000"/>
-                  </a:schemeClr>
-                </a:solidFill>
-                <a:latin typeface="Calibri"/>
-              </a:rPr>
-              <a:t>&lt;ngày/giờ&gt;</a:t>
-            </a:r>
-            <a:endParaRPr b="0" lang="vi-VN" sz="1200" spc="-1" strike="noStrike">
-              <a:solidFill>
-                <a:srgbClr val="000000"/>
-              </a:solidFill>
-              <a:latin typeface="Times New Roman"/>
-            </a:endParaRPr>
-          </a:p>
-        </p:txBody>
-      </p:sp>
-      <p:sp>
-        <p:nvSpPr>
-          <p:cNvPr id="32" name="PlaceHolder 5"/>
-          <p:cNvSpPr>
-            <a:spLocks noGrp="1"/>
-          </p:cNvSpPr>
-          <p:nvPr>
-            <p:ph type="ftr" idx="17"/>
+            <p:ph type="ftr" idx="16"/>
           </p:nvPr>
         </p:nvSpPr>
         <p:spPr>
           <a:xfrm>
             <a:off x="3124080" y="6356520"/>
-            <a:ext cx="2895120" cy="364680"/>
+            <a:ext cx="2894760" cy="364320"/>
           </a:xfrm>
           <a:prstGeom prst="rect">
             <a:avLst/>
@@ -4917,7 +3843,13 @@
           </a:bodyPr>
           <a:lstStyle>
             <a:lvl1pPr indent="0" algn="ctr">
+              <a:lnSpc>
+                <a:spcPct val="100000"/>
+              </a:lnSpc>
               <a:buNone/>
+              <a:tabLst>
+                <a:tab algn="l" pos="0"/>
+              </a:tabLst>
               <a:defRPr b="0" lang="vi-VN" sz="1400" spc="-1" strike="noStrike">
                 <a:solidFill>
                   <a:srgbClr val="000000"/>
@@ -4928,7 +3860,13 @@
           </a:lstStyle>
           <a:p>
             <a:pPr indent="0" algn="ctr">
+              <a:lnSpc>
+                <a:spcPct val="100000"/>
+              </a:lnSpc>
               <a:buNone/>
+              <a:tabLst>
+                <a:tab algn="l" pos="0"/>
+              </a:tabLst>
             </a:pPr>
             <a:r>
               <a:rPr b="0" lang="vi-VN" sz="1400" spc="-1" strike="noStrike">
@@ -4950,18 +3888,18 @@
       </p:sp>
       <p:sp>
         <p:nvSpPr>
-          <p:cNvPr id="33" name="PlaceHolder 6"/>
+          <p:cNvPr id="26" name="PlaceHolder 5"/>
           <p:cNvSpPr>
             <a:spLocks noGrp="1"/>
           </p:cNvSpPr>
           <p:nvPr>
-            <p:ph type="sldNum" idx="18"/>
+            <p:ph type="sldNum" idx="17"/>
           </p:nvPr>
         </p:nvSpPr>
         <p:spPr>
           <a:xfrm>
             <a:off x="6553080" y="6356520"/>
-            <a:ext cx="2133360" cy="364680"/>
+            <a:ext cx="2133000" cy="364320"/>
           </a:xfrm>
           <a:prstGeom prst="rect">
             <a:avLst/>
@@ -4981,6 +3919,9 @@
                 <a:spcPct val="100000"/>
               </a:lnSpc>
               <a:buNone/>
+              <a:tabLst>
+                <a:tab algn="l" pos="0"/>
+              </a:tabLst>
               <a:defRPr b="0" lang="en-US" sz="1200" spc="-1" strike="noStrike">
                 <a:solidFill>
                   <a:schemeClr val="dk1">
@@ -4997,8 +3938,11 @@
                 <a:spcPct val="100000"/>
               </a:lnSpc>
               <a:buNone/>
-            </a:pPr>
-            <a:fld id="{860F49EB-BC67-4324-9DE9-270EC526406B}" type="slidenum">
+              <a:tabLst>
+                <a:tab algn="l" pos="0"/>
+              </a:tabLst>
+            </a:pPr>
+            <a:fld id="{6207B3F7-5174-4871-B732-7620C4420606}" type="slidenum">
               <a:rPr b="0" lang="en-US" sz="1200" spc="-1" strike="noStrike">
                 <a:solidFill>
                   <a:schemeClr val="dk1">
@@ -5010,6 +3954,66 @@
               <a:t>&lt;số&gt;</a:t>
             </a:fld>
             <a:endParaRPr b="0" lang="vi-VN" sz="1200" spc="-1" strike="noStrike">
+              <a:solidFill>
+                <a:srgbClr val="000000"/>
+              </a:solidFill>
+              <a:latin typeface="Times New Roman"/>
+            </a:endParaRPr>
+          </a:p>
+        </p:txBody>
+      </p:sp>
+      <p:sp>
+        <p:nvSpPr>
+          <p:cNvPr id="27" name="PlaceHolder 6"/>
+          <p:cNvSpPr>
+            <a:spLocks noGrp="1"/>
+          </p:cNvSpPr>
+          <p:nvPr>
+            <p:ph type="dt" idx="18"/>
+          </p:nvPr>
+        </p:nvSpPr>
+        <p:spPr>
+          <a:xfrm>
+            <a:off x="457200" y="6356520"/>
+            <a:ext cx="2133000" cy="364320"/>
+          </a:xfrm>
+          <a:prstGeom prst="rect">
+            <a:avLst/>
+          </a:prstGeom>
+          <a:noFill/>
+          <a:ln w="0">
+            <a:noFill/>
+          </a:ln>
+        </p:spPr>
+        <p:txBody>
+          <a:bodyPr lIns="91440" rIns="91440" tIns="45720" bIns="45720" anchor="ctr">
+            <a:noAutofit/>
+          </a:bodyPr>
+          <a:lstStyle>
+            <a:lvl1pPr indent="0">
+              <a:buNone/>
+              <a:defRPr b="0" lang="vi-VN" sz="1400" spc="-1" strike="noStrike">
+                <a:solidFill>
+                  <a:srgbClr val="000000"/>
+                </a:solidFill>
+                <a:latin typeface="Times New Roman"/>
+              </a:defRPr>
+            </a:lvl1pPr>
+          </a:lstStyle>
+          <a:p>
+            <a:pPr indent="0">
+              <a:buNone/>
+            </a:pPr>
+            <a:r>
+              <a:rPr b="0" lang="vi-VN" sz="1400" spc="-1" strike="noStrike">
+                <a:solidFill>
+                  <a:srgbClr val="000000"/>
+                </a:solidFill>
+                <a:latin typeface="Times New Roman"/>
+              </a:rPr>
+              <a:t>&lt;ngày/giờ&gt;</a:t>
+            </a:r>
+            <a:endParaRPr b="0" lang="vi-VN" sz="1400" spc="-1" strike="noStrike">
               <a:solidFill>
                 <a:srgbClr val="000000"/>
               </a:solidFill>
@@ -5053,614 +4057,18 @@
       </p:grpSpPr>
       <p:sp>
         <p:nvSpPr>
-          <p:cNvPr id="37" name="PlaceHolder 1"/>
+          <p:cNvPr id="31" name="PlaceHolder 1"/>
           <p:cNvSpPr>
             <a:spLocks noGrp="1"/>
           </p:cNvSpPr>
           <p:nvPr>
-            <p:ph type="title"/>
-          </p:nvPr>
-        </p:nvSpPr>
-        <p:spPr>
-          <a:xfrm>
-            <a:off x="457200" y="274680"/>
-            <a:ext cx="8229240" cy="1142640"/>
-          </a:xfrm>
-          <a:prstGeom prst="rect">
-            <a:avLst/>
-          </a:prstGeom>
-          <a:noFill/>
-          <a:ln w="0">
-            <a:noFill/>
-          </a:ln>
-        </p:spPr>
-        <p:txBody>
-          <a:bodyPr lIns="91440" rIns="91440" tIns="45720" bIns="45720" anchor="ctr">
-            <a:noAutofit/>
-          </a:bodyPr>
-          <a:p>
-            <a:pPr indent="0" algn="ctr" defTabSz="914400">
-              <a:lnSpc>
-                <a:spcPct val="100000"/>
-              </a:lnSpc>
-              <a:buNone/>
-            </a:pPr>
-            <a:r>
-              <a:rPr b="0" lang="en-US" sz="4400" spc="-1" strike="noStrike">
-                <a:solidFill>
-                  <a:schemeClr val="dk1"/>
-                </a:solidFill>
-                <a:latin typeface="Calibri"/>
-              </a:rPr>
-              <a:t>Click to edit Master title style</a:t>
-            </a:r>
-            <a:endParaRPr b="0" lang="en-US" sz="4400" spc="-1" strike="noStrike">
-              <a:solidFill>
-                <a:schemeClr val="dk1"/>
-              </a:solidFill>
-              <a:latin typeface="Calibri"/>
-            </a:endParaRPr>
-          </a:p>
-        </p:txBody>
-      </p:sp>
-      <p:sp>
-        <p:nvSpPr>
-          <p:cNvPr id="38" name="PlaceHolder 2"/>
-          <p:cNvSpPr>
-            <a:spLocks noGrp="1"/>
-          </p:cNvSpPr>
-          <p:nvPr>
-            <p:ph type="body"/>
-          </p:nvPr>
-        </p:nvSpPr>
-        <p:spPr>
-          <a:xfrm>
-            <a:off x="457200" y="1535040"/>
-            <a:ext cx="4039920" cy="639360"/>
-          </a:xfrm>
-          <a:prstGeom prst="rect">
-            <a:avLst/>
-          </a:prstGeom>
-          <a:noFill/>
-          <a:ln w="0">
-            <a:noFill/>
-          </a:ln>
-        </p:spPr>
-        <p:txBody>
-          <a:bodyPr lIns="91440" rIns="91440" tIns="45720" bIns="45720" anchor="b">
-            <a:noAutofit/>
-          </a:bodyPr>
-          <a:p>
-            <a:pPr indent="0" defTabSz="914400">
-              <a:lnSpc>
-                <a:spcPct val="100000"/>
-              </a:lnSpc>
-              <a:spcBef>
-                <a:spcPts val="479"/>
-              </a:spcBef>
-              <a:buNone/>
-              <a:tabLst>
-                <a:tab algn="l" pos="0"/>
-              </a:tabLst>
-            </a:pPr>
-            <a:r>
-              <a:rPr b="1" lang="en-US" sz="2400" spc="-1" strike="noStrike">
-                <a:solidFill>
-                  <a:schemeClr val="dk1"/>
-                </a:solidFill>
-                <a:latin typeface="Calibri"/>
-              </a:rPr>
-              <a:t>Click to edit Master text styles</a:t>
-            </a:r>
-            <a:endParaRPr b="0" lang="en-US" sz="2400" spc="-1" strike="noStrike">
-              <a:solidFill>
-                <a:schemeClr val="dk1"/>
-              </a:solidFill>
-              <a:latin typeface="Calibri"/>
-            </a:endParaRPr>
-          </a:p>
-        </p:txBody>
-      </p:sp>
-      <p:sp>
-        <p:nvSpPr>
-          <p:cNvPr id="39" name="PlaceHolder 3"/>
-          <p:cNvSpPr>
-            <a:spLocks noGrp="1"/>
-          </p:cNvSpPr>
-          <p:nvPr>
-            <p:ph type="body"/>
-          </p:nvPr>
-        </p:nvSpPr>
-        <p:spPr>
-          <a:xfrm>
-            <a:off x="457200" y="2174760"/>
-            <a:ext cx="4039920" cy="3951000"/>
-          </a:xfrm>
-          <a:prstGeom prst="rect">
-            <a:avLst/>
-          </a:prstGeom>
-          <a:noFill/>
-          <a:ln w="0">
-            <a:noFill/>
-          </a:ln>
-        </p:spPr>
-        <p:txBody>
-          <a:bodyPr lIns="91440" rIns="91440" tIns="45720" bIns="45720" anchor="t">
-            <a:noAutofit/>
-          </a:bodyPr>
-          <a:p>
-            <a:pPr marL="343080" indent="-343080" defTabSz="914400">
-              <a:lnSpc>
-                <a:spcPct val="100000"/>
-              </a:lnSpc>
-              <a:spcBef>
-                <a:spcPts val="479"/>
-              </a:spcBef>
-              <a:buClr>
-                <a:srgbClr val="000000"/>
-              </a:buClr>
-              <a:buFont typeface="Arial"/>
-              <a:buChar char="•"/>
-            </a:pPr>
-            <a:r>
-              <a:rPr b="0" lang="en-US" sz="2400" spc="-1" strike="noStrike">
-                <a:solidFill>
-                  <a:schemeClr val="dk1"/>
-                </a:solidFill>
-                <a:latin typeface="Calibri"/>
-              </a:rPr>
-              <a:t>Click to edit Master text styles</a:t>
-            </a:r>
-            <a:endParaRPr b="0" lang="en-US" sz="2400" spc="-1" strike="noStrike">
-              <a:solidFill>
-                <a:schemeClr val="dk1"/>
-              </a:solidFill>
-              <a:latin typeface="Calibri"/>
-            </a:endParaRPr>
-          </a:p>
-          <a:p>
-            <a:pPr lvl="1" marL="743040" indent="-285840" defTabSz="914400">
-              <a:lnSpc>
-                <a:spcPct val="100000"/>
-              </a:lnSpc>
-              <a:spcBef>
-                <a:spcPts val="400"/>
-              </a:spcBef>
-              <a:buClr>
-                <a:srgbClr val="000000"/>
-              </a:buClr>
-              <a:buFont typeface="Arial"/>
-              <a:buChar char="–"/>
-            </a:pPr>
-            <a:r>
-              <a:rPr b="0" lang="en-US" sz="2000" spc="-1" strike="noStrike">
-                <a:solidFill>
-                  <a:schemeClr val="dk1"/>
-                </a:solidFill>
-                <a:latin typeface="Calibri"/>
-              </a:rPr>
-              <a:t>Second level</a:t>
-            </a:r>
-            <a:endParaRPr b="0" lang="en-US" sz="2000" spc="-1" strike="noStrike">
-              <a:solidFill>
-                <a:schemeClr val="dk1"/>
-              </a:solidFill>
-              <a:latin typeface="Calibri"/>
-            </a:endParaRPr>
-          </a:p>
-          <a:p>
-            <a:pPr lvl="2" marL="1143000" indent="-228600" defTabSz="914400">
-              <a:lnSpc>
-                <a:spcPct val="100000"/>
-              </a:lnSpc>
-              <a:spcBef>
-                <a:spcPts val="360"/>
-              </a:spcBef>
-              <a:buClr>
-                <a:srgbClr val="000000"/>
-              </a:buClr>
-              <a:buFont typeface="Arial"/>
-              <a:buChar char="•"/>
-            </a:pPr>
-            <a:r>
-              <a:rPr b="0" lang="en-US" sz="1800" spc="-1" strike="noStrike">
-                <a:solidFill>
-                  <a:schemeClr val="dk1"/>
-                </a:solidFill>
-                <a:latin typeface="Calibri"/>
-              </a:rPr>
-              <a:t>Third level</a:t>
-            </a:r>
-            <a:endParaRPr b="0" lang="en-US" sz="1800" spc="-1" strike="noStrike">
-              <a:solidFill>
-                <a:schemeClr val="dk1"/>
-              </a:solidFill>
-              <a:latin typeface="Calibri"/>
-            </a:endParaRPr>
-          </a:p>
-          <a:p>
-            <a:pPr lvl="3" marL="1600200" indent="-228600" defTabSz="914400">
-              <a:lnSpc>
-                <a:spcPct val="100000"/>
-              </a:lnSpc>
-              <a:spcBef>
-                <a:spcPts val="320"/>
-              </a:spcBef>
-              <a:buClr>
-                <a:srgbClr val="000000"/>
-              </a:buClr>
-              <a:buFont typeface="Arial"/>
-              <a:buChar char="–"/>
-            </a:pPr>
-            <a:r>
-              <a:rPr b="0" lang="en-US" sz="1600" spc="-1" strike="noStrike">
-                <a:solidFill>
-                  <a:schemeClr val="dk1"/>
-                </a:solidFill>
-                <a:latin typeface="Calibri"/>
-              </a:rPr>
-              <a:t>Fourth level</a:t>
-            </a:r>
-            <a:endParaRPr b="0" lang="en-US" sz="1600" spc="-1" strike="noStrike">
-              <a:solidFill>
-                <a:schemeClr val="dk1"/>
-              </a:solidFill>
-              <a:latin typeface="Calibri"/>
-            </a:endParaRPr>
-          </a:p>
-          <a:p>
-            <a:pPr lvl="4" marL="2057400" indent="-228600" defTabSz="914400">
-              <a:lnSpc>
-                <a:spcPct val="100000"/>
-              </a:lnSpc>
-              <a:spcBef>
-                <a:spcPts val="320"/>
-              </a:spcBef>
-              <a:buClr>
-                <a:srgbClr val="000000"/>
-              </a:buClr>
-              <a:buFont typeface="Arial"/>
-              <a:buChar char="»"/>
-            </a:pPr>
-            <a:r>
-              <a:rPr b="0" lang="en-US" sz="1600" spc="-1" strike="noStrike">
-                <a:solidFill>
-                  <a:schemeClr val="dk1"/>
-                </a:solidFill>
-                <a:latin typeface="Calibri"/>
-              </a:rPr>
-              <a:t>Fifth level</a:t>
-            </a:r>
-            <a:endParaRPr b="0" lang="en-US" sz="1600" spc="-1" strike="noStrike">
-              <a:solidFill>
-                <a:schemeClr val="dk1"/>
-              </a:solidFill>
-              <a:latin typeface="Calibri"/>
-            </a:endParaRPr>
-          </a:p>
-        </p:txBody>
-      </p:sp>
-      <p:sp>
-        <p:nvSpPr>
-          <p:cNvPr id="40" name="PlaceHolder 4"/>
-          <p:cNvSpPr>
-            <a:spLocks noGrp="1"/>
-          </p:cNvSpPr>
-          <p:nvPr>
-            <p:ph type="body"/>
-          </p:nvPr>
-        </p:nvSpPr>
-        <p:spPr>
-          <a:xfrm>
-            <a:off x="4645080" y="1535040"/>
-            <a:ext cx="4041360" cy="639360"/>
-          </a:xfrm>
-          <a:prstGeom prst="rect">
-            <a:avLst/>
-          </a:prstGeom>
-          <a:noFill/>
-          <a:ln w="0">
-            <a:noFill/>
-          </a:ln>
-        </p:spPr>
-        <p:txBody>
-          <a:bodyPr lIns="91440" rIns="91440" tIns="45720" bIns="45720" anchor="b">
-            <a:noAutofit/>
-          </a:bodyPr>
-          <a:p>
-            <a:pPr indent="0" defTabSz="914400">
-              <a:lnSpc>
-                <a:spcPct val="100000"/>
-              </a:lnSpc>
-              <a:spcBef>
-                <a:spcPts val="479"/>
-              </a:spcBef>
-              <a:buNone/>
-              <a:tabLst>
-                <a:tab algn="l" pos="0"/>
-              </a:tabLst>
-            </a:pPr>
-            <a:r>
-              <a:rPr b="1" lang="en-US" sz="2400" spc="-1" strike="noStrike">
-                <a:solidFill>
-                  <a:schemeClr val="dk1"/>
-                </a:solidFill>
-                <a:latin typeface="Calibri"/>
-              </a:rPr>
-              <a:t>Click to edit Master text styles</a:t>
-            </a:r>
-            <a:endParaRPr b="0" lang="en-US" sz="2400" spc="-1" strike="noStrike">
-              <a:solidFill>
-                <a:schemeClr val="dk1"/>
-              </a:solidFill>
-              <a:latin typeface="Calibri"/>
-            </a:endParaRPr>
-          </a:p>
-        </p:txBody>
-      </p:sp>
-      <p:sp>
-        <p:nvSpPr>
-          <p:cNvPr id="41" name="PlaceHolder 5"/>
-          <p:cNvSpPr>
-            <a:spLocks noGrp="1"/>
-          </p:cNvSpPr>
-          <p:nvPr>
-            <p:ph type="body"/>
-          </p:nvPr>
-        </p:nvSpPr>
-        <p:spPr>
-          <a:xfrm>
-            <a:off x="4645080" y="2174760"/>
-            <a:ext cx="4041360" cy="3951000"/>
-          </a:xfrm>
-          <a:prstGeom prst="rect">
-            <a:avLst/>
-          </a:prstGeom>
-          <a:noFill/>
-          <a:ln w="0">
-            <a:noFill/>
-          </a:ln>
-        </p:spPr>
-        <p:txBody>
-          <a:bodyPr lIns="91440" rIns="91440" tIns="45720" bIns="45720" anchor="t">
-            <a:noAutofit/>
-          </a:bodyPr>
-          <a:p>
-            <a:pPr marL="343080" indent="-343080" defTabSz="914400">
-              <a:lnSpc>
-                <a:spcPct val="100000"/>
-              </a:lnSpc>
-              <a:spcBef>
-                <a:spcPts val="479"/>
-              </a:spcBef>
-              <a:buClr>
-                <a:srgbClr val="000000"/>
-              </a:buClr>
-              <a:buFont typeface="Arial"/>
-              <a:buChar char="•"/>
-            </a:pPr>
-            <a:r>
-              <a:rPr b="0" lang="en-US" sz="2400" spc="-1" strike="noStrike">
-                <a:solidFill>
-                  <a:schemeClr val="dk1"/>
-                </a:solidFill>
-                <a:latin typeface="Calibri"/>
-              </a:rPr>
-              <a:t>Click to edit Master text styles</a:t>
-            </a:r>
-            <a:endParaRPr b="0" lang="en-US" sz="2400" spc="-1" strike="noStrike">
-              <a:solidFill>
-                <a:schemeClr val="dk1"/>
-              </a:solidFill>
-              <a:latin typeface="Calibri"/>
-            </a:endParaRPr>
-          </a:p>
-          <a:p>
-            <a:pPr lvl="1" marL="743040" indent="-285840" defTabSz="914400">
-              <a:lnSpc>
-                <a:spcPct val="100000"/>
-              </a:lnSpc>
-              <a:spcBef>
-                <a:spcPts val="400"/>
-              </a:spcBef>
-              <a:buClr>
-                <a:srgbClr val="000000"/>
-              </a:buClr>
-              <a:buFont typeface="Arial"/>
-              <a:buChar char="–"/>
-            </a:pPr>
-            <a:r>
-              <a:rPr b="0" lang="en-US" sz="2000" spc="-1" strike="noStrike">
-                <a:solidFill>
-                  <a:schemeClr val="dk1"/>
-                </a:solidFill>
-                <a:latin typeface="Calibri"/>
-              </a:rPr>
-              <a:t>Second level</a:t>
-            </a:r>
-            <a:endParaRPr b="0" lang="en-US" sz="2000" spc="-1" strike="noStrike">
-              <a:solidFill>
-                <a:schemeClr val="dk1"/>
-              </a:solidFill>
-              <a:latin typeface="Calibri"/>
-            </a:endParaRPr>
-          </a:p>
-          <a:p>
-            <a:pPr lvl="2" marL="1143000" indent="-228600" defTabSz="914400">
-              <a:lnSpc>
-                <a:spcPct val="100000"/>
-              </a:lnSpc>
-              <a:spcBef>
-                <a:spcPts val="360"/>
-              </a:spcBef>
-              <a:buClr>
-                <a:srgbClr val="000000"/>
-              </a:buClr>
-              <a:buFont typeface="Arial"/>
-              <a:buChar char="•"/>
-            </a:pPr>
-            <a:r>
-              <a:rPr b="0" lang="en-US" sz="1800" spc="-1" strike="noStrike">
-                <a:solidFill>
-                  <a:schemeClr val="dk1"/>
-                </a:solidFill>
-                <a:latin typeface="Calibri"/>
-              </a:rPr>
-              <a:t>Third level</a:t>
-            </a:r>
-            <a:endParaRPr b="0" lang="en-US" sz="1800" spc="-1" strike="noStrike">
-              <a:solidFill>
-                <a:schemeClr val="dk1"/>
-              </a:solidFill>
-              <a:latin typeface="Calibri"/>
-            </a:endParaRPr>
-          </a:p>
-          <a:p>
-            <a:pPr lvl="3" marL="1600200" indent="-228600" defTabSz="914400">
-              <a:lnSpc>
-                <a:spcPct val="100000"/>
-              </a:lnSpc>
-              <a:spcBef>
-                <a:spcPts val="320"/>
-              </a:spcBef>
-              <a:buClr>
-                <a:srgbClr val="000000"/>
-              </a:buClr>
-              <a:buFont typeface="Arial"/>
-              <a:buChar char="–"/>
-            </a:pPr>
-            <a:r>
-              <a:rPr b="0" lang="en-US" sz="1600" spc="-1" strike="noStrike">
-                <a:solidFill>
-                  <a:schemeClr val="dk1"/>
-                </a:solidFill>
-                <a:latin typeface="Calibri"/>
-              </a:rPr>
-              <a:t>Fourth level</a:t>
-            </a:r>
-            <a:endParaRPr b="0" lang="en-US" sz="1600" spc="-1" strike="noStrike">
-              <a:solidFill>
-                <a:schemeClr val="dk1"/>
-              </a:solidFill>
-              <a:latin typeface="Calibri"/>
-            </a:endParaRPr>
-          </a:p>
-          <a:p>
-            <a:pPr lvl="4" marL="2057400" indent="-228600" defTabSz="914400">
-              <a:lnSpc>
-                <a:spcPct val="100000"/>
-              </a:lnSpc>
-              <a:spcBef>
-                <a:spcPts val="320"/>
-              </a:spcBef>
-              <a:buClr>
-                <a:srgbClr val="000000"/>
-              </a:buClr>
-              <a:buFont typeface="Arial"/>
-              <a:buChar char="»"/>
-            </a:pPr>
-            <a:r>
-              <a:rPr b="0" lang="en-US" sz="1600" spc="-1" strike="noStrike">
-                <a:solidFill>
-                  <a:schemeClr val="dk1"/>
-                </a:solidFill>
-                <a:latin typeface="Calibri"/>
-              </a:rPr>
-              <a:t>Fifth level</a:t>
-            </a:r>
-            <a:endParaRPr b="0" lang="en-US" sz="1600" spc="-1" strike="noStrike">
-              <a:solidFill>
-                <a:schemeClr val="dk1"/>
-              </a:solidFill>
-              <a:latin typeface="Calibri"/>
-            </a:endParaRPr>
-          </a:p>
-        </p:txBody>
-      </p:sp>
-      <p:sp>
-        <p:nvSpPr>
-          <p:cNvPr id="42" name="PlaceHolder 6"/>
-          <p:cNvSpPr>
-            <a:spLocks noGrp="1"/>
-          </p:cNvSpPr>
-          <p:nvPr>
-            <p:ph type="dt" idx="19"/>
-          </p:nvPr>
-        </p:nvSpPr>
-        <p:spPr>
-          <a:xfrm>
-            <a:off x="457200" y="6356520"/>
-            <a:ext cx="2133360" cy="364680"/>
-          </a:xfrm>
-          <a:prstGeom prst="rect">
-            <a:avLst/>
-          </a:prstGeom>
-          <a:noFill/>
-          <a:ln w="0">
-            <a:noFill/>
-          </a:ln>
-        </p:spPr>
-        <p:txBody>
-          <a:bodyPr lIns="91440" rIns="91440" tIns="45720" bIns="45720" anchor="ctr">
-            <a:noAutofit/>
-          </a:bodyPr>
-          <a:lstStyle>
-            <a:lvl1pPr indent="0" defTabSz="914400">
-              <a:lnSpc>
-                <a:spcPct val="100000"/>
-              </a:lnSpc>
-              <a:buNone/>
-              <a:defRPr b="0" lang="en-US" sz="1200" spc="-1" strike="noStrike">
-                <a:solidFill>
-                  <a:schemeClr val="dk1">
-                    <a:tint val="75000"/>
-                  </a:schemeClr>
-                </a:solidFill>
-                <a:latin typeface="Calibri"/>
-              </a:defRPr>
-            </a:lvl1pPr>
-          </a:lstStyle>
-          <a:p>
-            <a:pPr indent="0" defTabSz="914400">
-              <a:lnSpc>
-                <a:spcPct val="100000"/>
-              </a:lnSpc>
-              <a:buNone/>
-            </a:pPr>
-            <a:r>
-              <a:rPr b="0" lang="en-US" sz="1200" spc="-1" strike="noStrike">
-                <a:solidFill>
-                  <a:schemeClr val="dk1">
-                    <a:tint val="75000"/>
-                  </a:schemeClr>
-                </a:solidFill>
-                <a:latin typeface="Calibri"/>
-              </a:rPr>
-              <a:t>&lt;ngày/giờ&gt;</a:t>
-            </a:r>
-            <a:endParaRPr b="0" lang="vi-VN" sz="1200" spc="-1" strike="noStrike">
-              <a:solidFill>
-                <a:srgbClr val="000000"/>
-              </a:solidFill>
-              <a:latin typeface="Times New Roman"/>
-            </a:endParaRPr>
-          </a:p>
-        </p:txBody>
-      </p:sp>
-      <p:sp>
-        <p:nvSpPr>
-          <p:cNvPr id="43" name="PlaceHolder 7"/>
-          <p:cNvSpPr>
-            <a:spLocks noGrp="1"/>
-          </p:cNvSpPr>
-          <p:nvPr>
-            <p:ph type="ftr" idx="20"/>
+            <p:ph type="ftr" idx="19"/>
           </p:nvPr>
         </p:nvSpPr>
         <p:spPr>
           <a:xfrm>
             <a:off x="3124080" y="6356520"/>
-            <a:ext cx="2895120" cy="364680"/>
+            <a:ext cx="2894760" cy="364320"/>
           </a:xfrm>
           <a:prstGeom prst="rect">
             <a:avLst/>
@@ -5676,7 +4084,13 @@
           </a:bodyPr>
           <a:lstStyle>
             <a:lvl1pPr indent="0" algn="ctr">
+              <a:lnSpc>
+                <a:spcPct val="100000"/>
+              </a:lnSpc>
               <a:buNone/>
+              <a:tabLst>
+                <a:tab algn="l" pos="0"/>
+              </a:tabLst>
               <a:defRPr b="0" lang="vi-VN" sz="1400" spc="-1" strike="noStrike">
                 <a:solidFill>
                   <a:srgbClr val="000000"/>
@@ -5687,7 +4101,13 @@
           </a:lstStyle>
           <a:p>
             <a:pPr indent="0" algn="ctr">
+              <a:lnSpc>
+                <a:spcPct val="100000"/>
+              </a:lnSpc>
               <a:buNone/>
+              <a:tabLst>
+                <a:tab algn="l" pos="0"/>
+              </a:tabLst>
             </a:pPr>
             <a:r>
               <a:rPr b="0" lang="vi-VN" sz="1400" spc="-1" strike="noStrike">
@@ -5709,18 +4129,18 @@
       </p:sp>
       <p:sp>
         <p:nvSpPr>
-          <p:cNvPr id="44" name="PlaceHolder 8"/>
+          <p:cNvPr id="32" name="PlaceHolder 2"/>
           <p:cNvSpPr>
             <a:spLocks noGrp="1"/>
           </p:cNvSpPr>
           <p:nvPr>
-            <p:ph type="sldNum" idx="21"/>
+            <p:ph type="sldNum" idx="20"/>
           </p:nvPr>
         </p:nvSpPr>
         <p:spPr>
           <a:xfrm>
             <a:off x="6553080" y="6356520"/>
-            <a:ext cx="2133360" cy="364680"/>
+            <a:ext cx="2133000" cy="364320"/>
           </a:xfrm>
           <a:prstGeom prst="rect">
             <a:avLst/>
@@ -5740,6 +4160,9 @@
                 <a:spcPct val="100000"/>
               </a:lnSpc>
               <a:buNone/>
+              <a:tabLst>
+                <a:tab algn="l" pos="0"/>
+              </a:tabLst>
               <a:defRPr b="0" lang="en-US" sz="1200" spc="-1" strike="noStrike">
                 <a:solidFill>
                   <a:schemeClr val="dk1">
@@ -5756,8 +4179,11 @@
                 <a:spcPct val="100000"/>
               </a:lnSpc>
               <a:buNone/>
-            </a:pPr>
-            <a:fld id="{C6E5190A-C67C-4FAE-A2B1-FB9FD021B1F4}" type="slidenum">
+              <a:tabLst>
+                <a:tab algn="l" pos="0"/>
+              </a:tabLst>
+            </a:pPr>
+            <a:fld id="{82DDF3D2-F929-4F20-81D7-5F3CBF8DAD3E}" type="slidenum">
               <a:rPr b="0" lang="en-US" sz="1200" spc="-1" strike="noStrike">
                 <a:solidFill>
                   <a:schemeClr val="dk1">
@@ -5769,6 +4195,66 @@
               <a:t>&lt;số&gt;</a:t>
             </a:fld>
             <a:endParaRPr b="0" lang="vi-VN" sz="1200" spc="-1" strike="noStrike">
+              <a:solidFill>
+                <a:srgbClr val="000000"/>
+              </a:solidFill>
+              <a:latin typeface="Times New Roman"/>
+            </a:endParaRPr>
+          </a:p>
+        </p:txBody>
+      </p:sp>
+      <p:sp>
+        <p:nvSpPr>
+          <p:cNvPr id="33" name="PlaceHolder 3"/>
+          <p:cNvSpPr>
+            <a:spLocks noGrp="1"/>
+          </p:cNvSpPr>
+          <p:nvPr>
+            <p:ph type="dt" idx="21"/>
+          </p:nvPr>
+        </p:nvSpPr>
+        <p:spPr>
+          <a:xfrm>
+            <a:off x="457200" y="6356520"/>
+            <a:ext cx="2133000" cy="364320"/>
+          </a:xfrm>
+          <a:prstGeom prst="rect">
+            <a:avLst/>
+          </a:prstGeom>
+          <a:noFill/>
+          <a:ln w="0">
+            <a:noFill/>
+          </a:ln>
+        </p:spPr>
+        <p:txBody>
+          <a:bodyPr lIns="91440" rIns="91440" tIns="45720" bIns="45720" anchor="ctr">
+            <a:noAutofit/>
+          </a:bodyPr>
+          <a:lstStyle>
+            <a:lvl1pPr indent="0">
+              <a:buNone/>
+              <a:defRPr b="0" lang="vi-VN" sz="1400" spc="-1" strike="noStrike">
+                <a:solidFill>
+                  <a:srgbClr val="000000"/>
+                </a:solidFill>
+                <a:latin typeface="Times New Roman"/>
+              </a:defRPr>
+            </a:lvl1pPr>
+          </a:lstStyle>
+          <a:p>
+            <a:pPr indent="0">
+              <a:buNone/>
+            </a:pPr>
+            <a:r>
+              <a:rPr b="0" lang="vi-VN" sz="1400" spc="-1" strike="noStrike">
+                <a:solidFill>
+                  <a:srgbClr val="000000"/>
+                </a:solidFill>
+                <a:latin typeface="Times New Roman"/>
+              </a:rPr>
+              <a:t>&lt;ngày/giờ&gt;</a:t>
+            </a:r>
+            <a:endParaRPr b="0" lang="vi-VN" sz="1400" spc="-1" strike="noStrike">
               <a:solidFill>
                 <a:srgbClr val="000000"/>
               </a:solidFill>
@@ -5812,7 +4298,7 @@
       </p:grpSpPr>
       <p:sp>
         <p:nvSpPr>
-          <p:cNvPr id="45" name="PlaceHolder 1"/>
+          <p:cNvPr id="34" name="PlaceHolder 1"/>
           <p:cNvSpPr>
             <a:spLocks noGrp="1"/>
           </p:cNvSpPr>
@@ -5822,8 +4308,8 @@
         </p:nvSpPr>
         <p:spPr>
           <a:xfrm>
-            <a:off x="457200" y="274680"/>
-            <a:ext cx="8229240" cy="1142640"/>
+            <a:off x="914400" y="410400"/>
+            <a:ext cx="16458480" cy="1717200"/>
           </a:xfrm>
           <a:prstGeom prst="rect">
             <a:avLst/>
@@ -5834,118 +4320,45 @@
           </a:ln>
         </p:spPr>
         <p:txBody>
-          <a:bodyPr lIns="91440" rIns="91440" tIns="45720" bIns="45720" anchor="ctr">
+          <a:bodyPr lIns="0" rIns="0" tIns="0" bIns="0" anchor="ctr">
             <a:noAutofit/>
           </a:bodyPr>
           <a:p>
-            <a:pPr indent="0" algn="ctr" defTabSz="914400">
-              <a:lnSpc>
-                <a:spcPct val="100000"/>
-              </a:lnSpc>
+            <a:pPr indent="0">
               <a:buNone/>
             </a:pPr>
             <a:r>
-              <a:rPr b="0" lang="en-US" sz="4400" spc="-1" strike="noStrike">
-                <a:solidFill>
-                  <a:schemeClr val="dk1"/>
-                </a:solidFill>
-                <a:latin typeface="Calibri"/>
+              <a:rPr b="0" lang="vi-VN" sz="1800" spc="-1" strike="noStrike">
+                <a:solidFill>
+                  <a:srgbClr val="000000"/>
+                </a:solidFill>
+                <a:latin typeface="Arial"/>
               </a:rPr>
-              <a:t>Click to edit Master title style</a:t>
-            </a:r>
-            <a:endParaRPr b="0" lang="en-US" sz="4400" spc="-1" strike="noStrike">
-              <a:solidFill>
-                <a:schemeClr val="dk1"/>
-              </a:solidFill>
-              <a:latin typeface="Calibri"/>
+              <a:t>Nhấn để chỉnh sửa định dạng cho tiêu đề</a:t>
+            </a:r>
+            <a:endParaRPr b="0" lang="vi-VN" sz="1800" spc="-1" strike="noStrike">
+              <a:solidFill>
+                <a:srgbClr val="000000"/>
+              </a:solidFill>
+              <a:latin typeface="Arial"/>
             </a:endParaRPr>
           </a:p>
         </p:txBody>
       </p:sp>
       <p:sp>
         <p:nvSpPr>
-          <p:cNvPr id="46" name="PlaceHolder 2"/>
+          <p:cNvPr id="35" name="PlaceHolder 2"/>
           <p:cNvSpPr>
             <a:spLocks noGrp="1"/>
           </p:cNvSpPr>
           <p:nvPr>
-            <p:ph type="dt" idx="22"/>
-          </p:nvPr>
-        </p:nvSpPr>
-        <p:spPr>
-          <a:xfrm>
-            <a:off x="457200" y="6356520"/>
-            <a:ext cx="2133360" cy="364680"/>
-          </a:xfrm>
-          <a:prstGeom prst="rect">
-            <a:avLst/>
-          </a:prstGeom>
-          <a:noFill/>
-          <a:ln w="0">
-            <a:noFill/>
-          </a:ln>
-        </p:spPr>
-        <p:txBody>
-          <a:bodyPr lIns="91440" rIns="91440" tIns="45720" bIns="45720" anchor="ctr">
-            <a:noAutofit/>
-          </a:bodyPr>
-          <a:lstStyle>
-            <a:lvl1pPr indent="0" defTabSz="914400">
-              <a:lnSpc>
-                <a:spcPct val="100000"/>
-              </a:lnSpc>
-              <a:buNone/>
-              <a:defRPr b="0" lang="en-US" sz="1200" spc="-1" strike="noStrike">
-                <a:solidFill>
-                  <a:schemeClr val="dk1">
-                    <a:tint val="75000"/>
-                  </a:schemeClr>
-                </a:solidFill>
-                <a:latin typeface="Calibri"/>
-              </a:defRPr>
-            </a:lvl1pPr>
-          </a:lstStyle>
-          <a:p>
-            <a:pPr indent="0" defTabSz="914400">
-              <a:lnSpc>
-                <a:spcPct val="100000"/>
-              </a:lnSpc>
-              <a:buNone/>
-            </a:pPr>
-            <a:r>
-              <a:rPr b="0" lang="en-US" sz="1200" spc="-1" strike="noStrike">
-                <a:solidFill>
-                  <a:schemeClr val="dk1">
-                    <a:tint val="75000"/>
-                  </a:schemeClr>
-                </a:solidFill>
-                <a:latin typeface="Calibri"/>
-              </a:rPr>
-              <a:t>&lt;ngày/giờ&gt;</a:t>
-            </a:r>
-            <a:endParaRPr b="0" lang="vi-VN" sz="1200" spc="-1" strike="noStrike">
-              <a:solidFill>
-                <a:srgbClr val="000000"/>
-              </a:solidFill>
-              <a:latin typeface="Times New Roman"/>
-            </a:endParaRPr>
-          </a:p>
-        </p:txBody>
-      </p:sp>
-      <p:sp>
-        <p:nvSpPr>
-          <p:cNvPr id="47" name="PlaceHolder 3"/>
-          <p:cNvSpPr>
-            <a:spLocks noGrp="1"/>
-          </p:cNvSpPr>
-          <p:nvPr>
-            <p:ph type="ftr" idx="23"/>
+            <p:ph type="ftr" idx="22"/>
           </p:nvPr>
         </p:nvSpPr>
         <p:spPr>
           <a:xfrm>
             <a:off x="3124080" y="6356520"/>
-            <a:ext cx="2895120" cy="364680"/>
+            <a:ext cx="2894760" cy="364320"/>
           </a:xfrm>
           <a:prstGeom prst="rect">
             <a:avLst/>
@@ -5961,7 +4374,13 @@
           </a:bodyPr>
           <a:lstStyle>
             <a:lvl1pPr indent="0" algn="ctr">
+              <a:lnSpc>
+                <a:spcPct val="100000"/>
+              </a:lnSpc>
               <a:buNone/>
+              <a:tabLst>
+                <a:tab algn="l" pos="0"/>
+              </a:tabLst>
               <a:defRPr b="0" lang="vi-VN" sz="1400" spc="-1" strike="noStrike">
                 <a:solidFill>
                   <a:srgbClr val="000000"/>
@@ -5972,7 +4391,13 @@
           </a:lstStyle>
           <a:p>
             <a:pPr indent="0" algn="ctr">
+              <a:lnSpc>
+                <a:spcPct val="100000"/>
+              </a:lnSpc>
               <a:buNone/>
+              <a:tabLst>
+                <a:tab algn="l" pos="0"/>
+              </a:tabLst>
             </a:pPr>
             <a:r>
               <a:rPr b="0" lang="vi-VN" sz="1400" spc="-1" strike="noStrike">
@@ -5994,18 +4419,18 @@
       </p:sp>
       <p:sp>
         <p:nvSpPr>
-          <p:cNvPr id="48" name="PlaceHolder 4"/>
+          <p:cNvPr id="36" name="PlaceHolder 3"/>
           <p:cNvSpPr>
             <a:spLocks noGrp="1"/>
           </p:cNvSpPr>
           <p:nvPr>
-            <p:ph type="sldNum" idx="24"/>
+            <p:ph type="sldNum" idx="23"/>
           </p:nvPr>
         </p:nvSpPr>
         <p:spPr>
           <a:xfrm>
             <a:off x="6553080" y="6356520"/>
-            <a:ext cx="2133360" cy="364680"/>
+            <a:ext cx="2133000" cy="364320"/>
           </a:xfrm>
           <a:prstGeom prst="rect">
             <a:avLst/>
@@ -6025,6 +4450,9 @@
                 <a:spcPct val="100000"/>
               </a:lnSpc>
               <a:buNone/>
+              <a:tabLst>
+                <a:tab algn="l" pos="0"/>
+              </a:tabLst>
               <a:defRPr b="0" lang="en-US" sz="1200" spc="-1" strike="noStrike">
                 <a:solidFill>
                   <a:schemeClr val="dk1">
@@ -6041,8 +4469,11 @@
                 <a:spcPct val="100000"/>
               </a:lnSpc>
               <a:buNone/>
-            </a:pPr>
-            <a:fld id="{F42F6ECE-B722-4908-B2D1-8A00B579269D}" type="slidenum">
+              <a:tabLst>
+                <a:tab algn="l" pos="0"/>
+              </a:tabLst>
+            </a:pPr>
+            <a:fld id="{990B1961-8ADE-4A31-914A-81E65060DE8C}" type="slidenum">
               <a:rPr b="0" lang="en-US" sz="1200" spc="-1" strike="noStrike">
                 <a:solidFill>
                   <a:schemeClr val="dk1">
@@ -6054,6 +4485,66 @@
               <a:t>&lt;số&gt;</a:t>
             </a:fld>
             <a:endParaRPr b="0" lang="vi-VN" sz="1200" spc="-1" strike="noStrike">
+              <a:solidFill>
+                <a:srgbClr val="000000"/>
+              </a:solidFill>
+              <a:latin typeface="Times New Roman"/>
+            </a:endParaRPr>
+          </a:p>
+        </p:txBody>
+      </p:sp>
+      <p:sp>
+        <p:nvSpPr>
+          <p:cNvPr id="37" name="PlaceHolder 4"/>
+          <p:cNvSpPr>
+            <a:spLocks noGrp="1"/>
+          </p:cNvSpPr>
+          <p:nvPr>
+            <p:ph type="dt" idx="24"/>
+          </p:nvPr>
+        </p:nvSpPr>
+        <p:spPr>
+          <a:xfrm>
+            <a:off x="457200" y="6356520"/>
+            <a:ext cx="2133000" cy="364320"/>
+          </a:xfrm>
+          <a:prstGeom prst="rect">
+            <a:avLst/>
+          </a:prstGeom>
+          <a:noFill/>
+          <a:ln w="0">
+            <a:noFill/>
+          </a:ln>
+        </p:spPr>
+        <p:txBody>
+          <a:bodyPr lIns="91440" rIns="91440" tIns="45720" bIns="45720" anchor="ctr">
+            <a:noAutofit/>
+          </a:bodyPr>
+          <a:lstStyle>
+            <a:lvl1pPr indent="0">
+              <a:buNone/>
+              <a:defRPr b="0" lang="vi-VN" sz="1400" spc="-1" strike="noStrike">
+                <a:solidFill>
+                  <a:srgbClr val="000000"/>
+                </a:solidFill>
+                <a:latin typeface="Times New Roman"/>
+              </a:defRPr>
+            </a:lvl1pPr>
+          </a:lstStyle>
+          <a:p>
+            <a:pPr indent="0">
+              <a:buNone/>
+            </a:pPr>
+            <a:r>
+              <a:rPr b="0" lang="vi-VN" sz="1400" spc="-1" strike="noStrike">
+                <a:solidFill>
+                  <a:srgbClr val="000000"/>
+                </a:solidFill>
+                <a:latin typeface="Times New Roman"/>
+              </a:rPr>
+              <a:t>&lt;ngày/giờ&gt;</a:t>
+            </a:r>
+            <a:endParaRPr b="0" lang="vi-VN" sz="1400" spc="-1" strike="noStrike">
               <a:solidFill>
                 <a:srgbClr val="000000"/>
               </a:solidFill>
@@ -6097,88 +4588,18 @@
       </p:grpSpPr>
       <p:sp>
         <p:nvSpPr>
-          <p:cNvPr id="50" name="PlaceHolder 1"/>
+          <p:cNvPr id="39" name="PlaceHolder 1"/>
           <p:cNvSpPr>
             <a:spLocks noGrp="1"/>
           </p:cNvSpPr>
           <p:nvPr>
-            <p:ph type="dt" idx="25"/>
-          </p:nvPr>
-        </p:nvSpPr>
-        <p:spPr>
-          <a:xfrm>
-            <a:off x="457200" y="6356520"/>
-            <a:ext cx="2133360" cy="364680"/>
-          </a:xfrm>
-          <a:prstGeom prst="rect">
-            <a:avLst/>
-          </a:prstGeom>
-          <a:noFill/>
-          <a:ln w="0">
-            <a:noFill/>
-          </a:ln>
-        </p:spPr>
-        <p:txBody>
-          <a:bodyPr lIns="91440" rIns="91440" tIns="45720" bIns="45720" anchor="ctr">
-            <a:noAutofit/>
-          </a:bodyPr>
-          <a:lstStyle>
-            <a:lvl1pPr indent="0" defTabSz="914400">
-              <a:lnSpc>
-                <a:spcPct val="100000"/>
-              </a:lnSpc>
-              <a:buNone/>
-              <a:defRPr b="0" lang="en-US" sz="1200" spc="-1" strike="noStrike">
-                <a:solidFill>
-                  <a:schemeClr val="dk1">
-                    <a:tint val="75000"/>
-                  </a:schemeClr>
-                </a:solidFill>
-                <a:latin typeface="Calibri"/>
-              </a:defRPr>
-            </a:lvl1pPr>
-          </a:lstStyle>
-          <a:p>
-            <a:pPr indent="0" defTabSz="914400">
-              <a:lnSpc>
-                <a:spcPct val="100000"/>
-              </a:lnSpc>
-              <a:buNone/>
-            </a:pPr>
-            <a:r>
-              <a:rPr b="0" lang="en-US" sz="1200" spc="-1" strike="noStrike">
-                <a:solidFill>
-                  <a:schemeClr val="dk1">
-                    <a:tint val="75000"/>
-                  </a:schemeClr>
-                </a:solidFill>
-                <a:latin typeface="Calibri"/>
-              </a:rPr>
-              <a:t>&lt;ngày/giờ&gt;</a:t>
-            </a:r>
-            <a:endParaRPr b="0" lang="vi-VN" sz="1200" spc="-1" strike="noStrike">
-              <a:solidFill>
-                <a:srgbClr val="000000"/>
-              </a:solidFill>
-              <a:latin typeface="Times New Roman"/>
-            </a:endParaRPr>
-          </a:p>
-        </p:txBody>
-      </p:sp>
-      <p:sp>
-        <p:nvSpPr>
-          <p:cNvPr id="51" name="PlaceHolder 2"/>
-          <p:cNvSpPr>
-            <a:spLocks noGrp="1"/>
-          </p:cNvSpPr>
-          <p:nvPr>
-            <p:ph type="ftr" idx="26"/>
+            <p:ph type="ftr" idx="25"/>
           </p:nvPr>
         </p:nvSpPr>
         <p:spPr>
           <a:xfrm>
             <a:off x="3124080" y="6356520"/>
-            <a:ext cx="2895120" cy="364680"/>
+            <a:ext cx="2894760" cy="364320"/>
           </a:xfrm>
           <a:prstGeom prst="rect">
             <a:avLst/>
@@ -6194,7 +4615,13 @@
           </a:bodyPr>
           <a:lstStyle>
             <a:lvl1pPr indent="0" algn="ctr">
+              <a:lnSpc>
+                <a:spcPct val="100000"/>
+              </a:lnSpc>
               <a:buNone/>
+              <a:tabLst>
+                <a:tab algn="l" pos="0"/>
+              </a:tabLst>
               <a:defRPr b="0" lang="vi-VN" sz="1400" spc="-1" strike="noStrike">
                 <a:solidFill>
                   <a:srgbClr val="000000"/>
@@ -6205,7 +4632,13 @@
           </a:lstStyle>
           <a:p>
             <a:pPr indent="0" algn="ctr">
+              <a:lnSpc>
+                <a:spcPct val="100000"/>
+              </a:lnSpc>
               <a:buNone/>
+              <a:tabLst>
+                <a:tab algn="l" pos="0"/>
+              </a:tabLst>
             </a:pPr>
             <a:r>
               <a:rPr b="0" lang="vi-VN" sz="1400" spc="-1" strike="noStrike">
@@ -6227,18 +4660,18 @@
       </p:sp>
       <p:sp>
         <p:nvSpPr>
-          <p:cNvPr id="52" name="PlaceHolder 3"/>
+          <p:cNvPr id="40" name="PlaceHolder 2"/>
           <p:cNvSpPr>
             <a:spLocks noGrp="1"/>
           </p:cNvSpPr>
           <p:nvPr>
-            <p:ph type="sldNum" idx="27"/>
+            <p:ph type="sldNum" idx="26"/>
           </p:nvPr>
         </p:nvSpPr>
         <p:spPr>
           <a:xfrm>
             <a:off x="6553080" y="6356520"/>
-            <a:ext cx="2133360" cy="364680"/>
+            <a:ext cx="2133000" cy="364320"/>
           </a:xfrm>
           <a:prstGeom prst="rect">
             <a:avLst/>
@@ -6258,6 +4691,9 @@
                 <a:spcPct val="100000"/>
               </a:lnSpc>
               <a:buNone/>
+              <a:tabLst>
+                <a:tab algn="l" pos="0"/>
+              </a:tabLst>
               <a:defRPr b="0" lang="en-US" sz="1200" spc="-1" strike="noStrike">
                 <a:solidFill>
                   <a:schemeClr val="dk1">
@@ -6274,8 +4710,11 @@
                 <a:spcPct val="100000"/>
               </a:lnSpc>
               <a:buNone/>
-            </a:pPr>
-            <a:fld id="{3651A3B4-71B2-40E2-9D54-6B7C98E4A1CF}" type="slidenum">
+              <a:tabLst>
+                <a:tab algn="l" pos="0"/>
+              </a:tabLst>
+            </a:pPr>
+            <a:fld id="{8D0BE348-979C-4A84-A670-3944EF83C1CA}" type="slidenum">
               <a:rPr b="0" lang="en-US" sz="1200" spc="-1" strike="noStrike">
                 <a:solidFill>
                   <a:schemeClr val="dk1">
@@ -6297,7 +4736,67 @@
       </p:sp>
       <p:sp>
         <p:nvSpPr>
-          <p:cNvPr id="53" name="PlaceHolder 4"/>
+          <p:cNvPr id="41" name="PlaceHolder 3"/>
+          <p:cNvSpPr>
+            <a:spLocks noGrp="1"/>
+          </p:cNvSpPr>
+          <p:nvPr>
+            <p:ph type="dt" idx="27"/>
+          </p:nvPr>
+        </p:nvSpPr>
+        <p:spPr>
+          <a:xfrm>
+            <a:off x="457200" y="6356520"/>
+            <a:ext cx="2133000" cy="364320"/>
+          </a:xfrm>
+          <a:prstGeom prst="rect">
+            <a:avLst/>
+          </a:prstGeom>
+          <a:noFill/>
+          <a:ln w="0">
+            <a:noFill/>
+          </a:ln>
+        </p:spPr>
+        <p:txBody>
+          <a:bodyPr lIns="91440" rIns="91440" tIns="45720" bIns="45720" anchor="ctr">
+            <a:noAutofit/>
+          </a:bodyPr>
+          <a:lstStyle>
+            <a:lvl1pPr indent="0">
+              <a:buNone/>
+              <a:defRPr b="0" lang="vi-VN" sz="1400" spc="-1" strike="noStrike">
+                <a:solidFill>
+                  <a:srgbClr val="000000"/>
+                </a:solidFill>
+                <a:latin typeface="Times New Roman"/>
+              </a:defRPr>
+            </a:lvl1pPr>
+          </a:lstStyle>
+          <a:p>
+            <a:pPr indent="0">
+              <a:buNone/>
+            </a:pPr>
+            <a:r>
+              <a:rPr b="0" lang="vi-VN" sz="1400" spc="-1" strike="noStrike">
+                <a:solidFill>
+                  <a:srgbClr val="000000"/>
+                </a:solidFill>
+                <a:latin typeface="Times New Roman"/>
+              </a:rPr>
+              <a:t>&lt;ngày/giờ&gt;</a:t>
+            </a:r>
+            <a:endParaRPr b="0" lang="vi-VN" sz="1400" spc="-1" strike="noStrike">
+              <a:solidFill>
+                <a:srgbClr val="000000"/>
+              </a:solidFill>
+              <a:latin typeface="Times New Roman"/>
+            </a:endParaRPr>
+          </a:p>
+        </p:txBody>
+      </p:sp>
+      <p:sp>
+        <p:nvSpPr>
+          <p:cNvPr id="42" name="PlaceHolder 4"/>
           <p:cNvSpPr>
             <a:spLocks noGrp="1"/>
           </p:cNvSpPr>
@@ -6323,30 +4822,57 @@
             <a:noAutofit/>
           </a:bodyPr>
           <a:p>
-            <a:pPr indent="0">
+            <a:pPr indent="0" algn="ctr">
               <a:buNone/>
             </a:pPr>
             <a:r>
-              <a:rPr b="0" lang="en-US" sz="1800" spc="-1" strike="noStrike">
-                <a:solidFill>
-                  <a:schemeClr val="dk1"/>
-                </a:solidFill>
-                <a:latin typeface="Calibri"/>
+              <a:rPr b="0" lang="vi-VN" sz="4400" spc="-1" strike="noStrike">
+                <a:solidFill>
+                  <a:srgbClr val="000000"/>
+                </a:solidFill>
+                <a:latin typeface="Arial"/>
               </a:rPr>
-              <a:t>Nhấn để chỉnh sửa định dạng cho tiêu đề</a:t>
-            </a:r>
-            <a:endParaRPr b="0" lang="en-US" sz="1800" spc="-1" strike="noStrike">
-              <a:solidFill>
-                <a:schemeClr val="dk1"/>
-              </a:solidFill>
-              <a:latin typeface="Calibri"/>
+              <a:t>Nhấn để </a:t>
+            </a:r>
+            <a:r>
+              <a:rPr b="0" lang="vi-VN" sz="4400" spc="-1" strike="noStrike">
+                <a:solidFill>
+                  <a:srgbClr val="000000"/>
+                </a:solidFill>
+                <a:latin typeface="Arial"/>
+              </a:rPr>
+              <a:t>chỉnh sửa </a:t>
+            </a:r>
+            <a:r>
+              <a:rPr b="0" lang="vi-VN" sz="4400" spc="-1" strike="noStrike">
+                <a:solidFill>
+                  <a:srgbClr val="000000"/>
+                </a:solidFill>
+                <a:latin typeface="Arial"/>
+              </a:rPr>
+              <a:t>định dạng </a:t>
+            </a:r>
+            <a:r>
+              <a:rPr b="0" lang="vi-VN" sz="4400" spc="-1" strike="noStrike">
+                <a:solidFill>
+                  <a:srgbClr val="000000"/>
+                </a:solidFill>
+                <a:latin typeface="Arial"/>
+              </a:rPr>
+              <a:t>cho tiêu đề</a:t>
+            </a:r>
+            <a:endParaRPr b="0" lang="vi-VN" sz="4400" spc="-1" strike="noStrike">
+              <a:solidFill>
+                <a:srgbClr val="000000"/>
+              </a:solidFill>
+              <a:latin typeface="Arial"/>
             </a:endParaRPr>
           </a:p>
         </p:txBody>
       </p:sp>
       <p:sp>
         <p:nvSpPr>
-          <p:cNvPr id="54" name="PlaceHolder 5"/>
+          <p:cNvPr id="43" name="PlaceHolder 5"/>
           <p:cNvSpPr>
             <a:spLocks noGrp="1"/>
           </p:cNvSpPr>
@@ -6384,19 +4910,19 @@
               <a:buChar char=""/>
             </a:pPr>
             <a:r>
-              <a:rPr b="0" lang="en-US" sz="3200" spc="-1" strike="noStrike">
-                <a:solidFill>
-                  <a:schemeClr val="dk1"/>
-                </a:solidFill>
-                <a:latin typeface="Calibri"/>
+              <a:rPr b="0" lang="vi-VN" sz="3200" spc="-1" strike="noStrike">
+                <a:solidFill>
+                  <a:srgbClr val="000000"/>
+                </a:solidFill>
+                <a:latin typeface="Arial"/>
               </a:rPr>
               <a:t>Nhấn để chỉnh sửa định dạng văn bản phác thảo</a:t>
             </a:r>
-            <a:endParaRPr b="0" lang="en-US" sz="3200" spc="-1" strike="noStrike">
-              <a:solidFill>
-                <a:schemeClr val="dk1"/>
-              </a:solidFill>
-              <a:latin typeface="Calibri"/>
+            <a:endParaRPr b="0" lang="vi-VN" sz="3200" spc="-1" strike="noStrike">
+              <a:solidFill>
+                <a:srgbClr val="000000"/>
+              </a:solidFill>
+              <a:latin typeface="Arial"/>
             </a:endParaRPr>
           </a:p>
           <a:p>
@@ -6412,19 +4938,19 @@
               <a:buChar char=""/>
             </a:pPr>
             <a:r>
-              <a:rPr b="0" lang="en-US" sz="2400" spc="-1" strike="noStrike">
-                <a:solidFill>
-                  <a:schemeClr val="dk1"/>
-                </a:solidFill>
-                <a:latin typeface="Calibri"/>
+              <a:rPr b="0" lang="vi-VN" sz="2800" spc="-1" strike="noStrike">
+                <a:solidFill>
+                  <a:srgbClr val="000000"/>
+                </a:solidFill>
+                <a:latin typeface="Arial"/>
               </a:rPr>
               <a:t>Cấp phác thảo thứ hai</a:t>
             </a:r>
-            <a:endParaRPr b="0" lang="en-US" sz="2400" spc="-1" strike="noStrike">
-              <a:solidFill>
-                <a:schemeClr val="dk1"/>
-              </a:solidFill>
-              <a:latin typeface="Calibri"/>
+            <a:endParaRPr b="0" lang="vi-VN" sz="2800" spc="-1" strike="noStrike">
+              <a:solidFill>
+                <a:srgbClr val="000000"/>
+              </a:solidFill>
+              <a:latin typeface="Arial"/>
             </a:endParaRPr>
           </a:p>
           <a:p>
@@ -6440,19 +4966,19 @@
               <a:buChar char=""/>
             </a:pPr>
             <a:r>
-              <a:rPr b="0" lang="en-US" sz="2000" spc="-1" strike="noStrike">
-                <a:solidFill>
-                  <a:schemeClr val="dk1"/>
-                </a:solidFill>
-                <a:latin typeface="Calibri"/>
+              <a:rPr b="0" lang="vi-VN" sz="2400" spc="-1" strike="noStrike">
+                <a:solidFill>
+                  <a:srgbClr val="000000"/>
+                </a:solidFill>
+                <a:latin typeface="Arial"/>
               </a:rPr>
               <a:t>Cấp phác thảo thứ ba</a:t>
             </a:r>
-            <a:endParaRPr b="0" lang="en-US" sz="2000" spc="-1" strike="noStrike">
-              <a:solidFill>
-                <a:schemeClr val="dk1"/>
-              </a:solidFill>
-              <a:latin typeface="Calibri"/>
+            <a:endParaRPr b="0" lang="vi-VN" sz="2400" spc="-1" strike="noStrike">
+              <a:solidFill>
+                <a:srgbClr val="000000"/>
+              </a:solidFill>
+              <a:latin typeface="Arial"/>
             </a:endParaRPr>
           </a:p>
           <a:p>
@@ -6468,19 +4994,19 @@
               <a:buChar char=""/>
             </a:pPr>
             <a:r>
-              <a:rPr b="0" lang="en-US" sz="2000" spc="-1" strike="noStrike">
-                <a:solidFill>
-                  <a:schemeClr val="dk1"/>
-                </a:solidFill>
-                <a:latin typeface="Calibri"/>
+              <a:rPr b="0" lang="vi-VN" sz="2000" spc="-1" strike="noStrike">
+                <a:solidFill>
+                  <a:srgbClr val="000000"/>
+                </a:solidFill>
+                <a:latin typeface="Arial"/>
               </a:rPr>
               <a:t>Cấp phác thảo thứ tư</a:t>
             </a:r>
-            <a:endParaRPr b="0" lang="en-US" sz="2000" spc="-1" strike="noStrike">
-              <a:solidFill>
-                <a:schemeClr val="dk1"/>
-              </a:solidFill>
-              <a:latin typeface="Calibri"/>
+            <a:endParaRPr b="0" lang="vi-VN" sz="2000" spc="-1" strike="noStrike">
+              <a:solidFill>
+                <a:srgbClr val="000000"/>
+              </a:solidFill>
+              <a:latin typeface="Arial"/>
             </a:endParaRPr>
           </a:p>
           <a:p>
@@ -6496,19 +5022,19 @@
               <a:buChar char=""/>
             </a:pPr>
             <a:r>
-              <a:rPr b="0" lang="en-US" sz="2000" spc="-1" strike="noStrike">
-                <a:solidFill>
-                  <a:schemeClr val="dk1"/>
-                </a:solidFill>
-                <a:latin typeface="Calibri"/>
+              <a:rPr b="0" lang="vi-VN" sz="2000" spc="-1" strike="noStrike">
+                <a:solidFill>
+                  <a:srgbClr val="000000"/>
+                </a:solidFill>
+                <a:latin typeface="Arial"/>
               </a:rPr>
               <a:t>Cấp phác thảo thứ năm</a:t>
             </a:r>
-            <a:endParaRPr b="0" lang="en-US" sz="2000" spc="-1" strike="noStrike">
-              <a:solidFill>
-                <a:schemeClr val="dk1"/>
-              </a:solidFill>
-              <a:latin typeface="Calibri"/>
+            <a:endParaRPr b="0" lang="vi-VN" sz="2000" spc="-1" strike="noStrike">
+              <a:solidFill>
+                <a:srgbClr val="000000"/>
+              </a:solidFill>
+              <a:latin typeface="Arial"/>
             </a:endParaRPr>
           </a:p>
           <a:p>
@@ -6524,19 +5050,19 @@
               <a:buChar char=""/>
             </a:pPr>
             <a:r>
-              <a:rPr b="0" lang="en-US" sz="2000" spc="-1" strike="noStrike">
-                <a:solidFill>
-                  <a:schemeClr val="dk1"/>
-                </a:solidFill>
-                <a:latin typeface="Calibri"/>
+              <a:rPr b="0" lang="vi-VN" sz="2000" spc="-1" strike="noStrike">
+                <a:solidFill>
+                  <a:srgbClr val="000000"/>
+                </a:solidFill>
+                <a:latin typeface="Arial"/>
               </a:rPr>
               <a:t>Cấp phác thảo thứ sáu</a:t>
             </a:r>
-            <a:endParaRPr b="0" lang="en-US" sz="2000" spc="-1" strike="noStrike">
-              <a:solidFill>
-                <a:schemeClr val="dk1"/>
-              </a:solidFill>
-              <a:latin typeface="Calibri"/>
+            <a:endParaRPr b="0" lang="vi-VN" sz="2000" spc="-1" strike="noStrike">
+              <a:solidFill>
+                <a:srgbClr val="000000"/>
+              </a:solidFill>
+              <a:latin typeface="Arial"/>
             </a:endParaRPr>
           </a:p>
           <a:p>
@@ -6552,19 +5078,19 @@
               <a:buChar char=""/>
             </a:pPr>
             <a:r>
-              <a:rPr b="0" lang="en-US" sz="2000" spc="-1" strike="noStrike">
-                <a:solidFill>
-                  <a:schemeClr val="dk1"/>
-                </a:solidFill>
-                <a:latin typeface="Calibri"/>
+              <a:rPr b="0" lang="vi-VN" sz="2000" spc="-1" strike="noStrike">
+                <a:solidFill>
+                  <a:srgbClr val="000000"/>
+                </a:solidFill>
+                <a:latin typeface="Arial"/>
               </a:rPr>
               <a:t>Cấp phác thảo thứ bảy</a:t>
             </a:r>
-            <a:endParaRPr b="0" lang="en-US" sz="2000" spc="-1" strike="noStrike">
-              <a:solidFill>
-                <a:schemeClr val="dk1"/>
-              </a:solidFill>
-              <a:latin typeface="Calibri"/>
+            <a:endParaRPr b="0" lang="vi-VN" sz="2000" spc="-1" strike="noStrike">
+              <a:solidFill>
+                <a:srgbClr val="000000"/>
+              </a:solidFill>
+              <a:latin typeface="Arial"/>
             </a:endParaRPr>
           </a:p>
         </p:txBody>
@@ -6604,22 +5130,22 @@
       </p:grpSpPr>
       <p:sp>
         <p:nvSpPr>
-          <p:cNvPr id="67" name="Freeform 9"/>
+          <p:cNvPr id="50" name="Freeform 9"/>
           <p:cNvSpPr/>
           <p:nvPr/>
         </p:nvSpPr>
         <p:spPr>
           <a:xfrm>
             <a:off x="17259480" y="515520"/>
-            <a:ext cx="2270880" cy="2270880"/>
+            <a:ext cx="2270520" cy="2270520"/>
           </a:xfrm>
           <a:custGeom>
             <a:avLst/>
             <a:gdLst>
-              <a:gd name="textAreaLeft" fmla="*/ 0 w 2270880"/>
-              <a:gd name="textAreaRight" fmla="*/ 2271240 w 2270880"/>
-              <a:gd name="textAreaTop" fmla="*/ 0 h 2270880"/>
-              <a:gd name="textAreaBottom" fmla="*/ 2271240 h 2270880"/>
+              <a:gd name="textAreaLeft" fmla="*/ 0 w 2270520"/>
+              <a:gd name="textAreaRight" fmla="*/ 2271240 w 2270520"/>
+              <a:gd name="textAreaTop" fmla="*/ 0 h 2270520"/>
+              <a:gd name="textAreaBottom" fmla="*/ 2271240 h 2270520"/>
             </a:gdLst>
             <a:ahLst/>
             <a:rect l="textAreaLeft" t="textAreaTop" r="textAreaRight" b="textAreaBottom"/>
@@ -6670,6 +5196,11 @@
             <a:noAutofit/>
           </a:bodyPr>
           <a:p>
+            <a:pPr>
+              <a:lnSpc>
+                <a:spcPct val="100000"/>
+              </a:lnSpc>
+            </a:pPr>
             <a:endParaRPr b="0" lang="vi-VN" sz="1800" spc="-1" strike="noStrike">
               <a:solidFill>
                 <a:srgbClr val="000000"/>
@@ -6681,22 +5212,22 @@
       </p:sp>
       <p:sp>
         <p:nvSpPr>
-          <p:cNvPr id="68" name="Freeform 2"/>
+          <p:cNvPr id="51" name="Freeform 2"/>
           <p:cNvSpPr/>
           <p:nvPr/>
         </p:nvSpPr>
         <p:spPr>
           <a:xfrm>
             <a:off x="-1849320" y="0"/>
-            <a:ext cx="15035040" cy="11481120"/>
+            <a:ext cx="15034680" cy="11480760"/>
           </a:xfrm>
           <a:custGeom>
             <a:avLst/>
             <a:gdLst>
-              <a:gd name="textAreaLeft" fmla="*/ 0 w 15035040"/>
-              <a:gd name="textAreaRight" fmla="*/ 15035400 w 15035040"/>
-              <a:gd name="textAreaTop" fmla="*/ 0 h 11481120"/>
-              <a:gd name="textAreaBottom" fmla="*/ 11481480 h 11481120"/>
+              <a:gd name="textAreaLeft" fmla="*/ 0 w 15034680"/>
+              <a:gd name="textAreaRight" fmla="*/ 15035400 w 15034680"/>
+              <a:gd name="textAreaTop" fmla="*/ 0 h 11480760"/>
+              <a:gd name="textAreaBottom" fmla="*/ 11481480 h 11480760"/>
             </a:gdLst>
             <a:ahLst/>
             <a:rect l="textAreaLeft" t="textAreaTop" r="textAreaRight" b="textAreaBottom"/>
@@ -6763,14 +5294,14 @@
       </p:sp>
       <p:sp>
         <p:nvSpPr>
-          <p:cNvPr id="69" name="TextBox 4"/>
+          <p:cNvPr id="52" name="TextBox 4"/>
           <p:cNvSpPr/>
           <p:nvPr/>
         </p:nvSpPr>
         <p:spPr>
           <a:xfrm>
             <a:off x="801360" y="3064320"/>
-            <a:ext cx="9661680" cy="2028600"/>
+            <a:ext cx="9661320" cy="2028600"/>
           </a:xfrm>
           <a:prstGeom prst="rect">
             <a:avLst/>
@@ -6804,7 +5335,7 @@
                 <a:latin typeface="Gill Sans Bold"/>
                 <a:ea typeface="Gill Sans Bold"/>
               </a:rPr>
-              <a:t>Shopee</a:t>
+              <a:t>shInk</a:t>
             </a:r>
             <a:endParaRPr b="0" lang="vi-VN" sz="11410" spc="-1" strike="noStrike">
               <a:solidFill>
@@ -6817,14 +5348,14 @@
       </p:sp>
       <p:sp>
         <p:nvSpPr>
-          <p:cNvPr id="70" name="TextBox 5"/>
+          <p:cNvPr id="53" name="TextBox 5"/>
           <p:cNvSpPr/>
           <p:nvPr/>
         </p:nvSpPr>
         <p:spPr>
           <a:xfrm>
             <a:off x="765360" y="4727160"/>
-            <a:ext cx="9602640" cy="2029320"/>
+            <a:ext cx="9602280" cy="2028960"/>
           </a:xfrm>
           <a:prstGeom prst="rect">
             <a:avLst/>
@@ -6871,14 +5402,14 @@
       </p:sp>
       <p:sp>
         <p:nvSpPr>
-          <p:cNvPr id="71" name="TextBox 7"/>
+          <p:cNvPr id="54" name="TextBox 7"/>
           <p:cNvSpPr/>
           <p:nvPr/>
         </p:nvSpPr>
         <p:spPr>
           <a:xfrm>
             <a:off x="1028880" y="7071840"/>
-            <a:ext cx="7058880" cy="475920"/>
+            <a:ext cx="7058520" cy="475920"/>
           </a:xfrm>
           <a:prstGeom prst="rect">
             <a:avLst/>
@@ -6908,7 +5439,7 @@
               </a:tabLst>
             </a:pPr>
             <a:r>
-              <a:rPr b="1" lang="en-US" sz="2500" spc="248" strike="noStrike">
+              <a:rPr b="1" lang="en-US" sz="2500" spc="245" strike="noStrike">
                 <a:solidFill>
                   <a:srgbClr val="f5f6f7"/>
                 </a:solidFill>
@@ -6928,22 +5459,22 @@
       </p:sp>
       <p:sp>
         <p:nvSpPr>
-          <p:cNvPr id="72" name="Freeform 8"/>
+          <p:cNvPr id="55" name="Freeform 8"/>
           <p:cNvSpPr/>
           <p:nvPr/>
         </p:nvSpPr>
         <p:spPr>
           <a:xfrm>
             <a:off x="-896760" y="8552880"/>
-            <a:ext cx="3467880" cy="3467880"/>
+            <a:ext cx="3467520" cy="3467520"/>
           </a:xfrm>
           <a:custGeom>
             <a:avLst/>
             <a:gdLst>
-              <a:gd name="textAreaLeft" fmla="*/ 0 w 3467880"/>
-              <a:gd name="textAreaRight" fmla="*/ 3468240 w 3467880"/>
-              <a:gd name="textAreaTop" fmla="*/ 0 h 3467880"/>
-              <a:gd name="textAreaBottom" fmla="*/ 3468240 h 3467880"/>
+              <a:gd name="textAreaLeft" fmla="*/ 0 w 3467520"/>
+              <a:gd name="textAreaRight" fmla="*/ 3468240 w 3467520"/>
+              <a:gd name="textAreaTop" fmla="*/ 0 h 3467520"/>
+              <a:gd name="textAreaBottom" fmla="*/ 3468240 h 3467520"/>
             </a:gdLst>
             <a:ahLst/>
             <a:rect l="textAreaLeft" t="textAreaTop" r="textAreaRight" b="textAreaBottom"/>
@@ -6994,6 +5525,11 @@
             <a:noAutofit/>
           </a:bodyPr>
           <a:p>
+            <a:pPr>
+              <a:lnSpc>
+                <a:spcPct val="100000"/>
+              </a:lnSpc>
+            </a:pPr>
             <a:endParaRPr b="0" lang="vi-VN" sz="1800" spc="-1" strike="noStrike">
               <a:solidFill>
                 <a:srgbClr val="000000"/>
@@ -7005,22 +5541,22 @@
       </p:sp>
       <p:sp>
         <p:nvSpPr>
-          <p:cNvPr id="73" name="Freeform 6"/>
+          <p:cNvPr id="56" name="Freeform 6"/>
           <p:cNvSpPr/>
           <p:nvPr/>
         </p:nvSpPr>
         <p:spPr>
           <a:xfrm>
             <a:off x="10976760" y="1212480"/>
-            <a:ext cx="6698160" cy="9074160"/>
+            <a:ext cx="6697800" cy="9073800"/>
           </a:xfrm>
           <a:custGeom>
             <a:avLst/>
             <a:gdLst>
-              <a:gd name="textAreaLeft" fmla="*/ 0 w 6698160"/>
-              <a:gd name="textAreaRight" fmla="*/ 6698520 w 6698160"/>
-              <a:gd name="textAreaTop" fmla="*/ 0 h 9074160"/>
-              <a:gd name="textAreaBottom" fmla="*/ 9074520 h 9074160"/>
+              <a:gd name="textAreaLeft" fmla="*/ 0 w 6697800"/>
+              <a:gd name="textAreaRight" fmla="*/ 6698520 w 6697800"/>
+              <a:gd name="textAreaTop" fmla="*/ 0 h 9073800"/>
+              <a:gd name="textAreaBottom" fmla="*/ 9074520 h 9073800"/>
             </a:gdLst>
             <a:ahLst/>
             <a:rect l="textAreaLeft" t="textAreaTop" r="textAreaRight" b="textAreaBottom"/>
@@ -7071,6 +5607,11 @@
             <a:noAutofit/>
           </a:bodyPr>
           <a:p>
+            <a:pPr>
+              <a:lnSpc>
+                <a:spcPct val="100000"/>
+              </a:lnSpc>
+            </a:pPr>
             <a:endParaRPr b="0" lang="vi-VN" sz="1800" spc="-1" strike="noStrike">
               <a:solidFill>
                 <a:srgbClr val="000000"/>
@@ -7114,22 +5655,22 @@
       </p:grpSpPr>
       <p:sp>
         <p:nvSpPr>
-          <p:cNvPr id="74" name="Freeform 2"/>
+          <p:cNvPr id="57" name="Freeform 2"/>
           <p:cNvSpPr/>
           <p:nvPr/>
         </p:nvSpPr>
         <p:spPr>
           <a:xfrm>
             <a:off x="10085400" y="-4497840"/>
-            <a:ext cx="10740600" cy="11052360"/>
+            <a:ext cx="10740240" cy="11052000"/>
           </a:xfrm>
           <a:custGeom>
             <a:avLst/>
             <a:gdLst>
-              <a:gd name="textAreaLeft" fmla="*/ 0 w 10740600"/>
-              <a:gd name="textAreaRight" fmla="*/ 10740960 w 10740600"/>
-              <a:gd name="textAreaTop" fmla="*/ 0 h 11052360"/>
-              <a:gd name="textAreaBottom" fmla="*/ 11052720 h 11052360"/>
+              <a:gd name="textAreaLeft" fmla="*/ 0 w 10740240"/>
+              <a:gd name="textAreaRight" fmla="*/ 10740960 w 10740240"/>
+              <a:gd name="textAreaTop" fmla="*/ 0 h 11052000"/>
+              <a:gd name="textAreaBottom" fmla="*/ 11052720 h 11052000"/>
             </a:gdLst>
             <a:ahLst/>
             <a:rect l="textAreaLeft" t="textAreaTop" r="textAreaRight" b="textAreaBottom"/>
@@ -7180,6 +5721,11 @@
             <a:noAutofit/>
           </a:bodyPr>
           <a:p>
+            <a:pPr>
+              <a:lnSpc>
+                <a:spcPct val="100000"/>
+              </a:lnSpc>
+            </a:pPr>
             <a:endParaRPr b="0" lang="vi-VN" sz="1800" spc="-1" strike="noStrike">
               <a:solidFill>
                 <a:srgbClr val="000000"/>
@@ -7191,22 +5737,22 @@
       </p:sp>
       <p:sp>
         <p:nvSpPr>
-          <p:cNvPr id="75" name="Freeform 3"/>
+          <p:cNvPr id="58" name="Freeform 3"/>
           <p:cNvSpPr/>
           <p:nvPr/>
         </p:nvSpPr>
         <p:spPr>
           <a:xfrm>
             <a:off x="9492480" y="209160"/>
-            <a:ext cx="7766280" cy="6453000"/>
+            <a:ext cx="7765920" cy="6452640"/>
           </a:xfrm>
           <a:custGeom>
             <a:avLst/>
             <a:gdLst>
-              <a:gd name="textAreaLeft" fmla="*/ 0 w 7766280"/>
-              <a:gd name="textAreaRight" fmla="*/ 7766640 w 7766280"/>
-              <a:gd name="textAreaTop" fmla="*/ 0 h 6453000"/>
-              <a:gd name="textAreaBottom" fmla="*/ 6453360 h 6453000"/>
+              <a:gd name="textAreaLeft" fmla="*/ 0 w 7765920"/>
+              <a:gd name="textAreaRight" fmla="*/ 7766640 w 7765920"/>
+              <a:gd name="textAreaTop" fmla="*/ 0 h 6452640"/>
+              <a:gd name="textAreaBottom" fmla="*/ 6453360 h 6452640"/>
             </a:gdLst>
             <a:ahLst/>
             <a:rect l="textAreaLeft" t="textAreaTop" r="textAreaRight" b="textAreaBottom"/>
@@ -7257,6 +5803,11 @@
             <a:noAutofit/>
           </a:bodyPr>
           <a:p>
+            <a:pPr>
+              <a:lnSpc>
+                <a:spcPct val="100000"/>
+              </a:lnSpc>
+            </a:pPr>
             <a:endParaRPr b="0" lang="vi-VN" sz="1800" spc="-1" strike="noStrike">
               <a:solidFill>
                 <a:srgbClr val="000000"/>
@@ -7268,14 +5819,14 @@
       </p:sp>
       <p:sp>
         <p:nvSpPr>
-          <p:cNvPr id="76" name="TextBox 4"/>
+          <p:cNvPr id="59" name="TextBox 4"/>
           <p:cNvSpPr/>
           <p:nvPr/>
         </p:nvSpPr>
         <p:spPr>
           <a:xfrm>
             <a:off x="7368840" y="7557120"/>
-            <a:ext cx="3305880" cy="475920"/>
+            <a:ext cx="3305520" cy="475920"/>
           </a:xfrm>
           <a:prstGeom prst="rect">
             <a:avLst/>
@@ -7305,7 +5856,7 @@
               </a:tabLst>
             </a:pPr>
             <a:r>
-              <a:rPr b="1" lang="en-US" sz="2500" spc="248" strike="noStrike">
+              <a:rPr b="1" lang="en-US" sz="2500" spc="245" strike="noStrike">
                 <a:solidFill>
                   <a:srgbClr val="f5f6f7"/>
                 </a:solidFill>
@@ -7325,14 +5876,14 @@
       </p:sp>
       <p:sp>
         <p:nvSpPr>
-          <p:cNvPr id="77" name="TextBox 6"/>
+          <p:cNvPr id="60" name="TextBox 6"/>
           <p:cNvSpPr/>
           <p:nvPr/>
         </p:nvSpPr>
         <p:spPr>
           <a:xfrm>
             <a:off x="1491120" y="7557120"/>
-            <a:ext cx="3305880" cy="475920"/>
+            <a:ext cx="3305520" cy="475920"/>
           </a:xfrm>
           <a:prstGeom prst="rect">
             <a:avLst/>
@@ -7362,7 +5913,7 @@
               </a:tabLst>
             </a:pPr>
             <a:r>
-              <a:rPr b="1" lang="en-US" sz="2500" spc="248" strike="noStrike">
+              <a:rPr b="1" lang="en-US" sz="2500" spc="245" strike="noStrike">
                 <a:solidFill>
                   <a:srgbClr val="f5f6f7"/>
                 </a:solidFill>
@@ -7382,14 +5933,14 @@
       </p:sp>
       <p:sp>
         <p:nvSpPr>
-          <p:cNvPr id="78" name="TextBox 7"/>
+          <p:cNvPr id="61" name="TextBox 7"/>
           <p:cNvSpPr/>
           <p:nvPr/>
         </p:nvSpPr>
         <p:spPr>
           <a:xfrm>
             <a:off x="-879120" y="5522400"/>
-            <a:ext cx="12071880" cy="1174320"/>
+            <a:ext cx="12071520" cy="1173960"/>
           </a:xfrm>
           <a:prstGeom prst="rect">
             <a:avLst/>
@@ -7491,14 +6042,14 @@
       </p:sp>
       <p:sp>
         <p:nvSpPr>
-          <p:cNvPr id="79" name="TextBox 10"/>
+          <p:cNvPr id="62" name="TextBox 10"/>
           <p:cNvSpPr/>
           <p:nvPr/>
         </p:nvSpPr>
         <p:spPr>
           <a:xfrm>
             <a:off x="1518480" y="2302560"/>
-            <a:ext cx="7276680" cy="2439000"/>
+            <a:ext cx="7276320" cy="2438640"/>
           </a:xfrm>
           <a:prstGeom prst="rect">
             <a:avLst/>
@@ -7636,22 +6187,22 @@
       </p:grpSpPr>
       <p:sp>
         <p:nvSpPr>
-          <p:cNvPr id="80" name="Freeform 2"/>
+          <p:cNvPr id="63" name="Freeform 2"/>
           <p:cNvSpPr/>
           <p:nvPr/>
         </p:nvSpPr>
         <p:spPr>
           <a:xfrm rot="15759600">
-            <a:off x="7758000" y="-3751560"/>
-            <a:ext cx="13249800" cy="12183120"/>
+            <a:off x="7757640" y="-3751200"/>
+            <a:ext cx="13249440" cy="12182760"/>
           </a:xfrm>
           <a:custGeom>
             <a:avLst/>
             <a:gdLst>
-              <a:gd name="textAreaLeft" fmla="*/ 0 w 13249800"/>
-              <a:gd name="textAreaRight" fmla="*/ 13250160 w 13249800"/>
-              <a:gd name="textAreaTop" fmla="*/ 0 h 12183120"/>
-              <a:gd name="textAreaBottom" fmla="*/ 12183480 h 12183120"/>
+              <a:gd name="textAreaLeft" fmla="*/ 0 w 13249440"/>
+              <a:gd name="textAreaRight" fmla="*/ 13250160 w 13249440"/>
+              <a:gd name="textAreaTop" fmla="*/ 0 h 12182760"/>
+              <a:gd name="textAreaBottom" fmla="*/ 12183480 h 12182760"/>
             </a:gdLst>
             <a:ahLst/>
             <a:rect l="textAreaLeft" t="textAreaTop" r="textAreaRight" b="textAreaBottom"/>
@@ -7702,6 +6253,11 @@
             <a:noAutofit/>
           </a:bodyPr>
           <a:p>
+            <a:pPr>
+              <a:lnSpc>
+                <a:spcPct val="100000"/>
+              </a:lnSpc>
+            </a:pPr>
             <a:endParaRPr b="0" lang="vi-VN" sz="1800" spc="-1" strike="noStrike">
               <a:solidFill>
                 <a:srgbClr val="000000"/>
@@ -7713,22 +6269,22 @@
       </p:sp>
       <p:sp>
         <p:nvSpPr>
-          <p:cNvPr id="81" name="Freeform 3"/>
+          <p:cNvPr id="64" name="Freeform 3"/>
           <p:cNvSpPr/>
           <p:nvPr/>
         </p:nvSpPr>
         <p:spPr>
           <a:xfrm>
             <a:off x="9360000" y="2150640"/>
-            <a:ext cx="8967600" cy="8136000"/>
+            <a:ext cx="8967240" cy="8135640"/>
           </a:xfrm>
           <a:custGeom>
             <a:avLst/>
             <a:gdLst>
-              <a:gd name="textAreaLeft" fmla="*/ 0 w 8967600"/>
-              <a:gd name="textAreaRight" fmla="*/ 8967960 w 8967600"/>
-              <a:gd name="textAreaTop" fmla="*/ 0 h 8136000"/>
-              <a:gd name="textAreaBottom" fmla="*/ 8136360 h 8136000"/>
+              <a:gd name="textAreaLeft" fmla="*/ 0 w 8967240"/>
+              <a:gd name="textAreaRight" fmla="*/ 8967960 w 8967240"/>
+              <a:gd name="textAreaTop" fmla="*/ 0 h 8135640"/>
+              <a:gd name="textAreaBottom" fmla="*/ 8136360 h 8135640"/>
             </a:gdLst>
             <a:ahLst/>
             <a:rect l="textAreaLeft" t="textAreaTop" r="textAreaRight" b="textAreaBottom"/>
@@ -7779,6 +6335,11 @@
             <a:noAutofit/>
           </a:bodyPr>
           <a:p>
+            <a:pPr>
+              <a:lnSpc>
+                <a:spcPct val="100000"/>
+              </a:lnSpc>
+            </a:pPr>
             <a:endParaRPr b="0" lang="vi-VN" sz="1800" spc="-1" strike="noStrike">
               <a:solidFill>
                 <a:srgbClr val="000000"/>
@@ -7790,14 +6351,14 @@
       </p:sp>
       <p:sp>
         <p:nvSpPr>
-          <p:cNvPr id="82" name="TextBox 4"/>
+          <p:cNvPr id="65" name="TextBox 4"/>
           <p:cNvSpPr/>
           <p:nvPr/>
         </p:nvSpPr>
         <p:spPr>
           <a:xfrm>
             <a:off x="1311840" y="4894200"/>
-            <a:ext cx="2730240" cy="475920"/>
+            <a:ext cx="2729880" cy="475920"/>
           </a:xfrm>
           <a:prstGeom prst="rect">
             <a:avLst/>
@@ -7827,7 +6388,7 @@
               </a:tabLst>
             </a:pPr>
             <a:r>
-              <a:rPr b="1" lang="en-US" sz="2500" spc="248" strike="noStrike">
+              <a:rPr b="1" lang="en-US" sz="2500" spc="245" strike="noStrike">
                 <a:solidFill>
                   <a:srgbClr val="f5f6f7"/>
                 </a:solidFill>
@@ -7847,14 +6408,14 @@
       </p:sp>
       <p:sp>
         <p:nvSpPr>
-          <p:cNvPr id="83" name="TextBox 5"/>
+          <p:cNvPr id="66" name="TextBox 5"/>
           <p:cNvSpPr/>
           <p:nvPr/>
         </p:nvSpPr>
         <p:spPr>
           <a:xfrm>
             <a:off x="5283720" y="4895280"/>
-            <a:ext cx="3589560" cy="475920"/>
+            <a:ext cx="3589200" cy="475920"/>
           </a:xfrm>
           <a:prstGeom prst="rect">
             <a:avLst/>
@@ -7884,7 +6445,7 @@
               </a:tabLst>
             </a:pPr>
             <a:r>
-              <a:rPr b="1" lang="en-US" sz="2500" spc="248" strike="noStrike">
+              <a:rPr b="1" lang="en-US" sz="2500" spc="245" strike="noStrike">
                 <a:solidFill>
                   <a:srgbClr val="f5f6f7"/>
                 </a:solidFill>
@@ -7904,14 +6465,14 @@
       </p:sp>
       <p:sp>
         <p:nvSpPr>
-          <p:cNvPr id="84" name="TextBox 6"/>
+          <p:cNvPr id="67" name="TextBox 6"/>
           <p:cNvSpPr/>
           <p:nvPr/>
         </p:nvSpPr>
         <p:spPr>
           <a:xfrm>
             <a:off x="1311840" y="7552080"/>
-            <a:ext cx="3002400" cy="475920"/>
+            <a:ext cx="3002040" cy="475920"/>
           </a:xfrm>
           <a:prstGeom prst="rect">
             <a:avLst/>
@@ -7941,7 +6502,7 @@
               </a:tabLst>
             </a:pPr>
             <a:r>
-              <a:rPr b="1" lang="en-US" sz="2500" spc="248" strike="noStrike">
+              <a:rPr b="1" lang="en-US" sz="2500" spc="245" strike="noStrike">
                 <a:solidFill>
                   <a:srgbClr val="f5f6f7"/>
                 </a:solidFill>
@@ -7961,14 +6522,14 @@
       </p:sp>
       <p:sp>
         <p:nvSpPr>
-          <p:cNvPr id="85" name="TextBox 7"/>
+          <p:cNvPr id="68" name="TextBox 7"/>
           <p:cNvSpPr/>
           <p:nvPr/>
         </p:nvSpPr>
         <p:spPr>
           <a:xfrm>
             <a:off x="5283720" y="7552080"/>
-            <a:ext cx="3457440" cy="475920"/>
+            <a:ext cx="3457080" cy="475920"/>
           </a:xfrm>
           <a:prstGeom prst="rect">
             <a:avLst/>
@@ -7998,7 +6559,7 @@
               </a:tabLst>
             </a:pPr>
             <a:r>
-              <a:rPr b="1" lang="en-US" sz="2500" spc="248" strike="noStrike">
+              <a:rPr b="1" lang="en-US" sz="2500" spc="245" strike="noStrike">
                 <a:solidFill>
                   <a:srgbClr val="f5f6f7"/>
                 </a:solidFill>
@@ -8018,14 +6579,14 @@
       </p:sp>
       <p:sp>
         <p:nvSpPr>
-          <p:cNvPr id="86" name="TextBox 8"/>
+          <p:cNvPr id="69" name="TextBox 8"/>
           <p:cNvSpPr/>
           <p:nvPr/>
         </p:nvSpPr>
         <p:spPr>
           <a:xfrm>
             <a:off x="1166040" y="571680"/>
-            <a:ext cx="8115120" cy="2439000"/>
+            <a:ext cx="8114760" cy="2438640"/>
           </a:xfrm>
           <a:prstGeom prst="rect">
             <a:avLst/>
@@ -8111,14 +6672,14 @@
       </p:sp>
       <p:sp>
         <p:nvSpPr>
-          <p:cNvPr id="87" name="TextBox 12"/>
+          <p:cNvPr id="70" name="TextBox 12"/>
           <p:cNvSpPr/>
           <p:nvPr/>
         </p:nvSpPr>
         <p:spPr>
           <a:xfrm>
             <a:off x="535680" y="3033720"/>
-            <a:ext cx="7693560" cy="6793920"/>
+            <a:ext cx="7693200" cy="6793920"/>
           </a:xfrm>
           <a:prstGeom prst="rect">
             <a:avLst/>
@@ -8150,7 +6711,7 @@
               <a:buChar char="•"/>
             </a:pPr>
             <a:r>
-              <a:rPr b="0" lang="vi-VN" sz="4000" spc="299" strike="noStrike">
+              <a:rPr b="0" lang="vi-VN" sz="4000" spc="296" strike="noStrike">
                 <a:solidFill>
                   <a:srgbClr val="121640"/>
                 </a:solidFill>
@@ -8160,7 +6721,7 @@
               <a:t>Với giao diện thân thiện và dễ sử dụng, shink mang đến trải nghiệm mua sắm trực tuyến thuận tiện cho người dùng</a:t>
             </a:r>
             <a:r>
-              <a:rPr b="0" lang="en-US" sz="4000" spc="299" strike="noStrike">
+              <a:rPr b="0" lang="en-US" sz="4000" spc="296" strike="noStrike">
                 <a:solidFill>
                   <a:srgbClr val="121640"/>
                 </a:solidFill>
@@ -8188,7 +6749,7 @@
               <a:buChar char="•"/>
             </a:pPr>
             <a:r>
-              <a:rPr b="0" lang="vi-VN" sz="4000" spc="299" strike="noStrike">
+              <a:rPr b="0" lang="vi-VN" sz="4000" spc="296" strike="noStrike">
                 <a:solidFill>
                   <a:srgbClr val="121640"/>
                 </a:solidFill>
@@ -8240,13 +6801,13 @@
       </p:grpSpPr>
       <p:graphicFrame>
         <p:nvGraphicFramePr>
-          <p:cNvPr id="88" name="Table 2"/>
+          <p:cNvPr id="71" name="Table 2"/>
           <p:cNvGraphicFramePr/>
           <p:nvPr/>
         </p:nvGraphicFramePr>
         <p:xfrm>
           <a:off x="4533480" y="3737880"/>
-          <a:ext cx="12711240" cy="2811240"/>
+          <a:ext cx="12710520" cy="2810880"/>
         </p:xfrm>
         <a:graphic>
           <a:graphicData uri="http://schemas.openxmlformats.org/drawingml/2006/table">
@@ -8261,7 +6822,7 @@
               <a:tr h="770760">
                 <a:tc>
                   <a:txBody>
-                    <a:bodyPr lIns="174600" rIns="174600" tIns="174600" bIns="174600" anchor="ctr">
+                    <a:bodyPr lIns="174600" rIns="174600" anchor="ctr">
                       <a:noAutofit/>
                     </a:bodyPr>
                     <a:p>
@@ -8274,17 +6835,21 @@
                     </a:p>
                   </a:txBody>
                   <a:tcPr anchor="ctr" marL="174600" marR="174600">
-                    <a:lnL>
+                    <a:lnL w="12240">
                       <a:noFill/>
+                      <a:prstDash val="solid"/>
                     </a:lnL>
-                    <a:lnR>
+                    <a:lnR w="12240">
                       <a:noFill/>
+                      <a:prstDash val="solid"/>
                     </a:lnR>
-                    <a:lnT>
+                    <a:lnT w="12240">
                       <a:noFill/>
+                      <a:prstDash val="solid"/>
                     </a:lnT>
-                    <a:lnB>
+                    <a:lnB w="12240">
                       <a:noFill/>
+                      <a:prstDash val="solid"/>
                     </a:lnB>
                     <a:solidFill>
                       <a:srgbClr val="5769f4"/>
@@ -8293,7 +6858,7 @@
                 </a:tc>
                 <a:tc>
                   <a:txBody>
-                    <a:bodyPr lIns="174600" rIns="174600" tIns="174600" bIns="174600" anchor="ctr">
+                    <a:bodyPr lIns="174600" rIns="174600" anchor="ctr">
                       <a:noAutofit/>
                     </a:bodyPr>
                     <a:p>
@@ -8306,17 +6871,21 @@
                     </a:p>
                   </a:txBody>
                   <a:tcPr anchor="ctr" marL="174600" marR="174600">
-                    <a:lnL>
+                    <a:lnL w="12240">
                       <a:noFill/>
+                      <a:prstDash val="solid"/>
                     </a:lnL>
-                    <a:lnR>
+                    <a:lnR w="12240">
                       <a:noFill/>
+                      <a:prstDash val="solid"/>
                     </a:lnR>
-                    <a:lnT>
+                    <a:lnT w="12240">
                       <a:noFill/>
+                      <a:prstDash val="solid"/>
                     </a:lnT>
-                    <a:lnB>
+                    <a:lnB w="12240">
                       <a:noFill/>
+                      <a:prstDash val="solid"/>
                     </a:lnB>
                     <a:solidFill>
                       <a:srgbClr val="5769f4"/>
@@ -8325,7 +6894,7 @@
                 </a:tc>
                 <a:tc>
                   <a:txBody>
-                    <a:bodyPr lIns="174600" rIns="174600" tIns="174600" bIns="174600" anchor="ctr">
+                    <a:bodyPr lIns="174600" rIns="174600" anchor="ctr">
                       <a:noAutofit/>
                     </a:bodyPr>
                     <a:p>
@@ -8338,17 +6907,21 @@
                     </a:p>
                   </a:txBody>
                   <a:tcPr anchor="ctr" marL="174600" marR="174600">
-                    <a:lnL>
+                    <a:lnL w="12240">
                       <a:noFill/>
+                      <a:prstDash val="solid"/>
                     </a:lnL>
-                    <a:lnR>
+                    <a:lnR w="12240">
                       <a:noFill/>
+                      <a:prstDash val="solid"/>
                     </a:lnR>
-                    <a:lnT>
+                    <a:lnT w="12240">
                       <a:noFill/>
+                      <a:prstDash val="solid"/>
                     </a:lnT>
-                    <a:lnB>
+                    <a:lnB w="12240">
                       <a:noFill/>
+                      <a:prstDash val="solid"/>
                     </a:lnB>
                     <a:solidFill>
                       <a:srgbClr val="5769f4"/>
@@ -8357,7 +6930,7 @@
                 </a:tc>
                 <a:tc>
                   <a:txBody>
-                    <a:bodyPr lIns="174600" rIns="174600" tIns="174600" bIns="174600" anchor="ctr">
+                    <a:bodyPr lIns="174600" rIns="174600" anchor="ctr">
                       <a:noAutofit/>
                     </a:bodyPr>
                     <a:p>
@@ -8370,17 +6943,21 @@
                     </a:p>
                   </a:txBody>
                   <a:tcPr anchor="ctr" marL="174600" marR="174600">
-                    <a:lnL>
+                    <a:lnL w="12240">
                       <a:noFill/>
+                      <a:prstDash val="solid"/>
                     </a:lnL>
-                    <a:lnR>
+                    <a:lnR w="12240">
                       <a:noFill/>
+                      <a:prstDash val="solid"/>
                     </a:lnR>
-                    <a:lnT>
+                    <a:lnT w="12240">
                       <a:noFill/>
+                      <a:prstDash val="solid"/>
                     </a:lnT>
-                    <a:lnB>
+                    <a:lnB w="12240">
                       <a:noFill/>
+                      <a:prstDash val="solid"/>
                     </a:lnB>
                     <a:solidFill>
                       <a:srgbClr val="5769f4"/>
@@ -8391,7 +6968,7 @@
               <a:tr h="680040">
                 <a:tc>
                   <a:txBody>
-                    <a:bodyPr lIns="174600" rIns="174600" tIns="174600" bIns="174600" anchor="ctr">
+                    <a:bodyPr lIns="174600" rIns="174600" anchor="ctr">
                       <a:noAutofit/>
                     </a:bodyPr>
                     <a:p>
@@ -8404,17 +6981,21 @@
                     </a:p>
                   </a:txBody>
                   <a:tcPr anchor="ctr" marL="174600" marR="174600">
-                    <a:lnL>
+                    <a:lnL w="12240">
                       <a:noFill/>
+                      <a:prstDash val="solid"/>
                     </a:lnL>
-                    <a:lnR>
+                    <a:lnR w="12240">
                       <a:noFill/>
+                      <a:prstDash val="solid"/>
                     </a:lnR>
-                    <a:lnT>
+                    <a:lnT w="12240">
                       <a:noFill/>
+                      <a:prstDash val="solid"/>
                     </a:lnT>
-                    <a:lnB>
+                    <a:lnB w="12240">
                       <a:noFill/>
+                      <a:prstDash val="solid"/>
                     </a:lnB>
                     <a:solidFill>
                       <a:srgbClr val="cdd6ff"/>
@@ -8423,7 +7004,7 @@
                 </a:tc>
                 <a:tc>
                   <a:txBody>
-                    <a:bodyPr lIns="174600" rIns="174600" tIns="174600" bIns="174600" anchor="ctr">
+                    <a:bodyPr lIns="174600" rIns="174600" anchor="ctr">
                       <a:noAutofit/>
                     </a:bodyPr>
                     <a:p>
@@ -8436,17 +7017,21 @@
                     </a:p>
                   </a:txBody>
                   <a:tcPr anchor="ctr" marL="174600" marR="174600">
-                    <a:lnL>
+                    <a:lnL w="12240">
                       <a:noFill/>
+                      <a:prstDash val="solid"/>
                     </a:lnL>
-                    <a:lnR>
+                    <a:lnR w="12240">
                       <a:noFill/>
+                      <a:prstDash val="solid"/>
                     </a:lnR>
-                    <a:lnT>
+                    <a:lnT w="12240">
                       <a:noFill/>
+                      <a:prstDash val="solid"/>
                     </a:lnT>
-                    <a:lnB>
+                    <a:lnB w="12240">
                       <a:noFill/>
+                      <a:prstDash val="solid"/>
                     </a:lnB>
                     <a:solidFill>
                       <a:srgbClr val="cdd6ff"/>
@@ -8455,7 +7040,7 @@
                 </a:tc>
                 <a:tc>
                   <a:txBody>
-                    <a:bodyPr lIns="174600" rIns="174600" tIns="174600" bIns="174600" anchor="ctr">
+                    <a:bodyPr lIns="174600" rIns="174600" anchor="ctr">
                       <a:noAutofit/>
                     </a:bodyPr>
                     <a:p>
@@ -8468,17 +7053,21 @@
                     </a:p>
                   </a:txBody>
                   <a:tcPr anchor="ctr" marL="174600" marR="174600">
-                    <a:lnL>
+                    <a:lnL w="12240">
                       <a:noFill/>
+                      <a:prstDash val="solid"/>
                     </a:lnL>
-                    <a:lnR>
+                    <a:lnR w="12240">
                       <a:noFill/>
+                      <a:prstDash val="solid"/>
                     </a:lnR>
-                    <a:lnT>
+                    <a:lnT w="12240">
                       <a:noFill/>
+                      <a:prstDash val="solid"/>
                     </a:lnT>
-                    <a:lnB>
+                    <a:lnB w="12240">
                       <a:noFill/>
+                      <a:prstDash val="solid"/>
                     </a:lnB>
                     <a:solidFill>
                       <a:srgbClr val="cdd6ff"/>
@@ -8487,7 +7076,7 @@
                 </a:tc>
                 <a:tc>
                   <a:txBody>
-                    <a:bodyPr lIns="174600" rIns="174600" tIns="174600" bIns="174600" anchor="ctr">
+                    <a:bodyPr lIns="174600" rIns="174600" anchor="ctr">
                       <a:noAutofit/>
                     </a:bodyPr>
                     <a:p>
@@ -8500,17 +7089,21 @@
                     </a:p>
                   </a:txBody>
                   <a:tcPr anchor="ctr" marL="174600" marR="174600">
-                    <a:lnL>
+                    <a:lnL w="12240">
                       <a:noFill/>
+                      <a:prstDash val="solid"/>
                     </a:lnL>
-                    <a:lnR>
+                    <a:lnR w="12240">
                       <a:noFill/>
+                      <a:prstDash val="solid"/>
                     </a:lnR>
-                    <a:lnT>
+                    <a:lnT w="12240">
                       <a:noFill/>
+                      <a:prstDash val="solid"/>
                     </a:lnT>
-                    <a:lnB>
+                    <a:lnB w="12240">
                       <a:noFill/>
+                      <a:prstDash val="solid"/>
                     </a:lnB>
                     <a:solidFill>
                       <a:srgbClr val="cdd6ff"/>
@@ -8521,7 +7114,7 @@
               <a:tr h="680040">
                 <a:tc>
                   <a:txBody>
-                    <a:bodyPr lIns="174600" rIns="174600" tIns="174600" bIns="174600" anchor="ctr">
+                    <a:bodyPr lIns="174600" rIns="174600" anchor="ctr">
                       <a:noAutofit/>
                     </a:bodyPr>
                     <a:p>
@@ -8534,17 +7127,21 @@
                     </a:p>
                   </a:txBody>
                   <a:tcPr anchor="ctr" marL="174600" marR="174600">
-                    <a:lnL>
+                    <a:lnL w="12240">
                       <a:noFill/>
+                      <a:prstDash val="solid"/>
                     </a:lnL>
-                    <a:lnR>
+                    <a:lnR w="12240">
                       <a:noFill/>
+                      <a:prstDash val="solid"/>
                     </a:lnR>
-                    <a:lnT>
+                    <a:lnT w="12240">
                       <a:noFill/>
+                      <a:prstDash val="solid"/>
                     </a:lnT>
-                    <a:lnB>
+                    <a:lnB w="12240">
                       <a:noFill/>
+                      <a:prstDash val="solid"/>
                     </a:lnB>
                     <a:solidFill>
                       <a:srgbClr val="cdd6ff"/>
@@ -8553,7 +7150,7 @@
                 </a:tc>
                 <a:tc>
                   <a:txBody>
-                    <a:bodyPr lIns="174600" rIns="174600" tIns="174600" bIns="174600" anchor="ctr">
+                    <a:bodyPr lIns="174600" rIns="174600" anchor="ctr">
                       <a:noAutofit/>
                     </a:bodyPr>
                     <a:p>
@@ -8566,17 +7163,21 @@
                     </a:p>
                   </a:txBody>
                   <a:tcPr anchor="ctr" marL="174600" marR="174600">
-                    <a:lnL>
+                    <a:lnL w="12240">
                       <a:noFill/>
+                      <a:prstDash val="solid"/>
                     </a:lnL>
-                    <a:lnR>
+                    <a:lnR w="12240">
                       <a:noFill/>
+                      <a:prstDash val="solid"/>
                     </a:lnR>
-                    <a:lnT>
+                    <a:lnT w="12240">
                       <a:noFill/>
+                      <a:prstDash val="solid"/>
                     </a:lnT>
-                    <a:lnB>
+                    <a:lnB w="12240">
                       <a:noFill/>
+                      <a:prstDash val="solid"/>
                     </a:lnB>
                     <a:solidFill>
                       <a:srgbClr val="cdd6ff"/>
@@ -8585,7 +7186,7 @@
                 </a:tc>
                 <a:tc>
                   <a:txBody>
-                    <a:bodyPr lIns="174600" rIns="174600" tIns="174600" bIns="174600" anchor="ctr">
+                    <a:bodyPr lIns="174600" rIns="174600" anchor="ctr">
                       <a:noAutofit/>
                     </a:bodyPr>
                     <a:p>
@@ -8598,17 +7199,21 @@
                     </a:p>
                   </a:txBody>
                   <a:tcPr anchor="ctr" marL="174600" marR="174600">
-                    <a:lnL>
+                    <a:lnL w="12240">
                       <a:noFill/>
+                      <a:prstDash val="solid"/>
                     </a:lnL>
-                    <a:lnR>
+                    <a:lnR w="12240">
                       <a:noFill/>
+                      <a:prstDash val="solid"/>
                     </a:lnR>
-                    <a:lnT>
+                    <a:lnT w="12240">
                       <a:noFill/>
+                      <a:prstDash val="solid"/>
                     </a:lnT>
-                    <a:lnB>
+                    <a:lnB w="12240">
                       <a:noFill/>
+                      <a:prstDash val="solid"/>
                     </a:lnB>
                     <a:solidFill>
                       <a:srgbClr val="cdd6ff"/>
@@ -8617,7 +7222,7 @@
                 </a:tc>
                 <a:tc>
                   <a:txBody>
-                    <a:bodyPr lIns="174600" rIns="174600" tIns="174600" bIns="174600" anchor="ctr">
+                    <a:bodyPr lIns="174600" rIns="174600" anchor="ctr">
                       <a:noAutofit/>
                     </a:bodyPr>
                     <a:p>
@@ -8630,17 +7235,21 @@
                     </a:p>
                   </a:txBody>
                   <a:tcPr anchor="ctr" marL="174600" marR="174600">
-                    <a:lnL>
+                    <a:lnL w="12240">
                       <a:noFill/>
+                      <a:prstDash val="solid"/>
                     </a:lnL>
-                    <a:lnR>
+                    <a:lnR w="12240">
                       <a:noFill/>
+                      <a:prstDash val="solid"/>
                     </a:lnR>
-                    <a:lnT>
+                    <a:lnT w="12240">
                       <a:noFill/>
+                      <a:prstDash val="solid"/>
                     </a:lnT>
-                    <a:lnB>
+                    <a:lnB w="12240">
                       <a:noFill/>
+                      <a:prstDash val="solid"/>
                     </a:lnB>
                     <a:solidFill>
                       <a:srgbClr val="cdd6ff"/>
@@ -8651,7 +7260,7 @@
               <a:tr h="680040">
                 <a:tc>
                   <a:txBody>
-                    <a:bodyPr lIns="174600" rIns="174600" tIns="174600" bIns="174600" anchor="ctr">
+                    <a:bodyPr lIns="174600" rIns="174600" anchor="ctr">
                       <a:noAutofit/>
                     </a:bodyPr>
                     <a:p>
@@ -8664,17 +7273,21 @@
                     </a:p>
                   </a:txBody>
                   <a:tcPr anchor="ctr" marL="174600" marR="174600">
-                    <a:lnL>
+                    <a:lnL w="12240">
                       <a:noFill/>
+                      <a:prstDash val="solid"/>
                     </a:lnL>
-                    <a:lnR>
+                    <a:lnR w="12240">
                       <a:noFill/>
+                      <a:prstDash val="solid"/>
                     </a:lnR>
-                    <a:lnT>
+                    <a:lnT w="12240">
                       <a:noFill/>
+                      <a:prstDash val="solid"/>
                     </a:lnT>
-                    <a:lnB>
+                    <a:lnB w="12240">
                       <a:noFill/>
+                      <a:prstDash val="solid"/>
                     </a:lnB>
                     <a:solidFill>
                       <a:srgbClr val="cdd6ff"/>
@@ -8683,7 +7296,7 @@
                 </a:tc>
                 <a:tc>
                   <a:txBody>
-                    <a:bodyPr lIns="174600" rIns="174600" tIns="174600" bIns="174600" anchor="ctr">
+                    <a:bodyPr lIns="174600" rIns="174600" anchor="ctr">
                       <a:noAutofit/>
                     </a:bodyPr>
                     <a:p>
@@ -8696,17 +7309,21 @@
                     </a:p>
                   </a:txBody>
                   <a:tcPr anchor="ctr" marL="174600" marR="174600">
-                    <a:lnL>
+                    <a:lnL w="12240">
                       <a:noFill/>
+                      <a:prstDash val="solid"/>
                     </a:lnL>
-                    <a:lnR>
+                    <a:lnR w="12240">
                       <a:noFill/>
+                      <a:prstDash val="solid"/>
                     </a:lnR>
-                    <a:lnT>
+                    <a:lnT w="12240">
                       <a:noFill/>
+                      <a:prstDash val="solid"/>
                     </a:lnT>
-                    <a:lnB>
+                    <a:lnB w="12240">
                       <a:noFill/>
+                      <a:prstDash val="solid"/>
                     </a:lnB>
                     <a:solidFill>
                       <a:srgbClr val="cdd6ff"/>
@@ -8715,7 +7332,7 @@
                 </a:tc>
                 <a:tc>
                   <a:txBody>
-                    <a:bodyPr lIns="174600" rIns="174600" tIns="174600" bIns="174600" anchor="ctr">
+                    <a:bodyPr lIns="174600" rIns="174600" anchor="ctr">
                       <a:noAutofit/>
                     </a:bodyPr>
                     <a:p>
@@ -8728,17 +7345,21 @@
                     </a:p>
                   </a:txBody>
                   <a:tcPr anchor="ctr" marL="174600" marR="174600">
-                    <a:lnL>
+                    <a:lnL w="12240">
                       <a:noFill/>
+                      <a:prstDash val="solid"/>
                     </a:lnL>
-                    <a:lnR>
+                    <a:lnR w="12240">
                       <a:noFill/>
+                      <a:prstDash val="solid"/>
                     </a:lnR>
-                    <a:lnT>
+                    <a:lnT w="12240">
                       <a:noFill/>
+                      <a:prstDash val="solid"/>
                     </a:lnT>
-                    <a:lnB>
+                    <a:lnB w="12240">
                       <a:noFill/>
+                      <a:prstDash val="solid"/>
                     </a:lnB>
                     <a:solidFill>
                       <a:srgbClr val="cdd6ff"/>
@@ -8747,7 +7368,7 @@
                 </a:tc>
                 <a:tc>
                   <a:txBody>
-                    <a:bodyPr lIns="174600" rIns="174600" tIns="174600" bIns="174600" anchor="ctr">
+                    <a:bodyPr lIns="174600" rIns="174600" anchor="ctr">
                       <a:noAutofit/>
                     </a:bodyPr>
                     <a:p>
@@ -8760,17 +7381,21 @@
                     </a:p>
                   </a:txBody>
                   <a:tcPr anchor="ctr" marL="174600" marR="174600">
-                    <a:lnL>
+                    <a:lnL w="12240">
                       <a:noFill/>
+                      <a:prstDash val="solid"/>
                     </a:lnL>
-                    <a:lnR>
+                    <a:lnR w="12240">
                       <a:noFill/>
+                      <a:prstDash val="solid"/>
                     </a:lnR>
-                    <a:lnT>
+                    <a:lnT w="12240">
                       <a:noFill/>
+                      <a:prstDash val="solid"/>
                     </a:lnT>
-                    <a:lnB>
+                    <a:lnB w="12240">
                       <a:noFill/>
+                      <a:prstDash val="solid"/>
                     </a:lnB>
                     <a:solidFill>
                       <a:srgbClr val="cdd6ff"/>
@@ -8784,36 +7409,36 @@
       </p:graphicFrame>
       <p:grpSp>
         <p:nvGrpSpPr>
-          <p:cNvPr id="89" name="Group 3"/>
+          <p:cNvPr id="72" name="Group 3"/>
           <p:cNvGrpSpPr/>
           <p:nvPr/>
         </p:nvGrpSpPr>
         <p:grpSpPr>
           <a:xfrm>
             <a:off x="-5670000" y="-2828520"/>
-            <a:ext cx="8907120" cy="8907120"/>
+            <a:ext cx="8906760" cy="8906760"/>
             <a:chOff x="-5670000" y="-2828520"/>
-            <a:chExt cx="8907120" cy="8907120"/>
+            <a:chExt cx="8906760" cy="8906760"/>
           </a:xfrm>
         </p:grpSpPr>
         <p:sp>
           <p:nvSpPr>
-            <p:cNvPr id="90" name="Freeform 4"/>
+            <p:cNvPr id="73" name="Freeform 4"/>
             <p:cNvSpPr/>
             <p:nvPr/>
           </p:nvSpPr>
           <p:spPr>
             <a:xfrm>
               <a:off x="-5670000" y="-2828520"/>
-              <a:ext cx="8907120" cy="8907120"/>
+              <a:ext cx="8906760" cy="8906760"/>
             </a:xfrm>
             <a:custGeom>
               <a:avLst/>
               <a:gdLst>
-                <a:gd name="textAreaLeft" fmla="*/ 0 w 8907120"/>
-                <a:gd name="textAreaRight" fmla="*/ 8907480 w 8907120"/>
-                <a:gd name="textAreaTop" fmla="*/ 0 h 8907120"/>
-                <a:gd name="textAreaBottom" fmla="*/ 8907480 h 8907120"/>
+                <a:gd name="textAreaLeft" fmla="*/ 0 w 8906760"/>
+                <a:gd name="textAreaRight" fmla="*/ 8907480 w 8906760"/>
+                <a:gd name="textAreaTop" fmla="*/ 0 h 8906760"/>
+                <a:gd name="textAreaBottom" fmla="*/ 8907480 h 8906760"/>
               </a:gdLst>
               <a:ahLst/>
               <a:rect l="textAreaLeft" t="textAreaTop" r="textAreaRight" b="textAreaBottom"/>
@@ -8864,6 +7489,11 @@
               <a:noAutofit/>
             </a:bodyPr>
             <a:p>
+              <a:pPr>
+                <a:lnSpc>
+                  <a:spcPct val="100000"/>
+                </a:lnSpc>
+              </a:pPr>
               <a:endParaRPr b="0" lang="vi-VN" sz="1800" spc="-1" strike="noStrike">
                 <a:solidFill>
                   <a:srgbClr val="ffffff"/>
@@ -8875,14 +7505,14 @@
         </p:sp>
         <p:sp>
           <p:nvSpPr>
-            <p:cNvPr id="91" name="TextBox 5"/>
+            <p:cNvPr id="74" name="TextBox 5"/>
             <p:cNvSpPr/>
             <p:nvPr/>
           </p:nvSpPr>
           <p:spPr>
             <a:xfrm>
               <a:off x="-4834800" y="-2619720"/>
-              <a:ext cx="7237080" cy="7863120"/>
+              <a:ext cx="7236720" cy="7862760"/>
             </a:xfrm>
             <a:prstGeom prst="rect">
               <a:avLst/>
@@ -8920,22 +7550,22 @@
       </p:grpSp>
       <p:sp>
         <p:nvSpPr>
-          <p:cNvPr id="92" name="Freeform 6"/>
+          <p:cNvPr id="75" name="Freeform 6"/>
           <p:cNvSpPr/>
           <p:nvPr/>
         </p:nvSpPr>
         <p:spPr>
           <a:xfrm>
             <a:off x="-2820240" y="2100600"/>
-            <a:ext cx="7748640" cy="8406000"/>
+            <a:ext cx="7748280" cy="8405640"/>
           </a:xfrm>
           <a:custGeom>
             <a:avLst/>
             <a:gdLst>
-              <a:gd name="textAreaLeft" fmla="*/ 0 w 7748640"/>
-              <a:gd name="textAreaRight" fmla="*/ 7749000 w 7748640"/>
-              <a:gd name="textAreaTop" fmla="*/ 0 h 8406000"/>
-              <a:gd name="textAreaBottom" fmla="*/ 8406360 h 8406000"/>
+              <a:gd name="textAreaLeft" fmla="*/ 0 w 7748280"/>
+              <a:gd name="textAreaRight" fmla="*/ 7749000 w 7748280"/>
+              <a:gd name="textAreaTop" fmla="*/ 0 h 8405640"/>
+              <a:gd name="textAreaBottom" fmla="*/ 8406360 h 8405640"/>
             </a:gdLst>
             <a:ahLst/>
             <a:rect l="textAreaLeft" t="textAreaTop" r="textAreaRight" b="textAreaBottom"/>
@@ -8986,6 +7616,11 @@
             <a:noAutofit/>
           </a:bodyPr>
           <a:p>
+            <a:pPr>
+              <a:lnSpc>
+                <a:spcPct val="100000"/>
+              </a:lnSpc>
+            </a:pPr>
             <a:endParaRPr b="0" lang="vi-VN" sz="1800" spc="-1" strike="noStrike">
               <a:solidFill>
                 <a:srgbClr val="000000"/>
@@ -8997,14 +7632,14 @@
       </p:sp>
       <p:sp>
         <p:nvSpPr>
-          <p:cNvPr id="93" name="TextBox 7"/>
+          <p:cNvPr id="76" name="TextBox 7"/>
           <p:cNvSpPr/>
           <p:nvPr/>
         </p:nvSpPr>
         <p:spPr>
           <a:xfrm>
             <a:off x="4928760" y="1465200"/>
-            <a:ext cx="12240000" cy="1219680"/>
+            <a:ext cx="12239640" cy="1219320"/>
           </a:xfrm>
           <a:prstGeom prst="rect">
             <a:avLst/>
@@ -9074,14 +7709,14 @@
       </p:sp>
       <p:sp>
         <p:nvSpPr>
-          <p:cNvPr id="94" name="TextBox 8"/>
+          <p:cNvPr id="77" name="TextBox 8"/>
           <p:cNvSpPr/>
           <p:nvPr/>
         </p:nvSpPr>
         <p:spPr>
           <a:xfrm>
             <a:off x="14072400" y="3912120"/>
-            <a:ext cx="3058200" cy="476640"/>
+            <a:ext cx="3057840" cy="476280"/>
           </a:xfrm>
           <a:prstGeom prst="rect">
             <a:avLst/>
@@ -9111,7 +7746,7 @@
               </a:tabLst>
             </a:pPr>
             <a:r>
-              <a:rPr b="1" lang="en-US" sz="4400" spc="248" strike="noStrike">
+              <a:rPr b="1" lang="en-US" sz="4400" spc="245" strike="noStrike">
                 <a:solidFill>
                   <a:srgbClr val="f5f6f7"/>
                 </a:solidFill>
@@ -9131,14 +7766,14 @@
       </p:sp>
       <p:sp>
         <p:nvSpPr>
-          <p:cNvPr id="95" name="TextBox 9"/>
+          <p:cNvPr id="78" name="TextBox 9"/>
           <p:cNvSpPr/>
           <p:nvPr/>
         </p:nvSpPr>
         <p:spPr>
           <a:xfrm>
             <a:off x="10842120" y="3972240"/>
-            <a:ext cx="3058200" cy="476640"/>
+            <a:ext cx="3057840" cy="476280"/>
           </a:xfrm>
           <a:prstGeom prst="rect">
             <a:avLst/>
@@ -9168,7 +7803,7 @@
               </a:tabLst>
             </a:pPr>
             <a:r>
-              <a:rPr b="1" lang="en-US" sz="4400" spc="248" strike="noStrike">
+              <a:rPr b="1" lang="en-US" sz="4400" spc="245" strike="noStrike">
                 <a:solidFill>
                   <a:srgbClr val="f5f6f7"/>
                 </a:solidFill>
@@ -9188,14 +7823,14 @@
       </p:sp>
       <p:sp>
         <p:nvSpPr>
-          <p:cNvPr id="96" name="TextBox 10"/>
+          <p:cNvPr id="79" name="TextBox 10"/>
           <p:cNvSpPr/>
           <p:nvPr/>
         </p:nvSpPr>
         <p:spPr>
           <a:xfrm>
             <a:off x="7612200" y="3912120"/>
-            <a:ext cx="3058200" cy="476640"/>
+            <a:ext cx="3057840" cy="476280"/>
           </a:xfrm>
           <a:prstGeom prst="rect">
             <a:avLst/>
@@ -9225,7 +7860,7 @@
               </a:tabLst>
             </a:pPr>
             <a:r>
-              <a:rPr b="1" lang="en-US" sz="4400" spc="248" strike="noStrike">
+              <a:rPr b="1" lang="en-US" sz="4400" spc="245" strike="noStrike">
                 <a:solidFill>
                   <a:srgbClr val="f5f6f7"/>
                 </a:solidFill>
@@ -9245,14 +7880,14 @@
       </p:sp>
       <p:sp>
         <p:nvSpPr>
-          <p:cNvPr id="97" name="TextBox 11"/>
+          <p:cNvPr id="80" name="TextBox 11"/>
           <p:cNvSpPr/>
           <p:nvPr/>
         </p:nvSpPr>
         <p:spPr>
           <a:xfrm>
             <a:off x="4343760" y="3972240"/>
-            <a:ext cx="3058200" cy="476640"/>
+            <a:ext cx="3057840" cy="476280"/>
           </a:xfrm>
           <a:prstGeom prst="rect">
             <a:avLst/>
@@ -9282,7 +7917,7 @@
               </a:tabLst>
             </a:pPr>
             <a:r>
-              <a:rPr b="1" lang="en-US" sz="4400" spc="248" strike="noStrike">
+              <a:rPr b="1" lang="en-US" sz="4400" spc="245" strike="noStrike">
                 <a:solidFill>
                   <a:srgbClr val="f5f6f7"/>
                 </a:solidFill>
@@ -9302,14 +7937,14 @@
       </p:sp>
       <p:sp>
         <p:nvSpPr>
-          <p:cNvPr id="98" name="TextBox 12"/>
+          <p:cNvPr id="81" name="TextBox 12"/>
           <p:cNvSpPr/>
           <p:nvPr/>
         </p:nvSpPr>
         <p:spPr>
           <a:xfrm>
             <a:off x="14224680" y="5296680"/>
-            <a:ext cx="2830320" cy="783000"/>
+            <a:ext cx="2829960" cy="782640"/>
           </a:xfrm>
           <a:prstGeom prst="rect">
             <a:avLst/>
@@ -9359,14 +7994,14 @@
       </p:sp>
       <p:sp>
         <p:nvSpPr>
-          <p:cNvPr id="99" name="TextBox 15"/>
+          <p:cNvPr id="82" name="TextBox 15"/>
           <p:cNvSpPr/>
           <p:nvPr/>
         </p:nvSpPr>
         <p:spPr>
           <a:xfrm>
             <a:off x="10956240" y="5296680"/>
-            <a:ext cx="2830320" cy="783000"/>
+            <a:ext cx="2829960" cy="782640"/>
           </a:xfrm>
           <a:prstGeom prst="rect">
             <a:avLst/>
@@ -9416,14 +8051,14 @@
       </p:sp>
       <p:sp>
         <p:nvSpPr>
-          <p:cNvPr id="100" name="TextBox 18"/>
+          <p:cNvPr id="83" name="TextBox 18"/>
           <p:cNvSpPr/>
           <p:nvPr/>
         </p:nvSpPr>
         <p:spPr>
           <a:xfrm>
             <a:off x="7687800" y="5296680"/>
-            <a:ext cx="2830320" cy="783000"/>
+            <a:ext cx="2829960" cy="782640"/>
           </a:xfrm>
           <a:prstGeom prst="rect">
             <a:avLst/>
@@ -9473,14 +8108,14 @@
       </p:sp>
       <p:sp>
         <p:nvSpPr>
-          <p:cNvPr id="101" name="TextBox 21"/>
+          <p:cNvPr id="84" name="TextBox 21"/>
           <p:cNvSpPr/>
           <p:nvPr/>
         </p:nvSpPr>
         <p:spPr>
           <a:xfrm>
             <a:off x="4419360" y="5296680"/>
-            <a:ext cx="2751120" cy="783000"/>
+            <a:ext cx="2750760" cy="782640"/>
           </a:xfrm>
           <a:prstGeom prst="rect">
             <a:avLst/>
@@ -9562,21 +8197,21 @@
       </p:grpSpPr>
       <p:grpSp>
         <p:nvGrpSpPr>
-          <p:cNvPr id="102" name="Group 2"/>
+          <p:cNvPr id="85" name="Group 2"/>
           <p:cNvGrpSpPr/>
           <p:nvPr/>
         </p:nvGrpSpPr>
         <p:grpSpPr>
           <a:xfrm>
             <a:off x="0" y="0"/>
-            <a:ext cx="18287640" cy="10286640"/>
+            <a:ext cx="18287280" cy="10286280"/>
             <a:chOff x="0" y="0"/>
-            <a:chExt cx="18287640" cy="10286640"/>
+            <a:chExt cx="18287280" cy="10286280"/>
           </a:xfrm>
         </p:grpSpPr>
         <p:pic>
           <p:nvPicPr>
-            <p:cNvPr id="103" name="Picture 3" descr=""/>
+            <p:cNvPr id="86" name="Picture 3" descr=""/>
             <p:cNvPicPr/>
             <p:nvPr/>
           </p:nvPicPr>
@@ -9590,7 +8225,7 @@
           <p:spPr>
             <a:xfrm>
               <a:off x="0" y="0"/>
-              <a:ext cx="18287640" cy="10286640"/>
+              <a:ext cx="18287280" cy="10286280"/>
             </a:xfrm>
             <a:prstGeom prst="rect">
               <a:avLst/>
@@ -9603,36 +8238,36 @@
       </p:grpSp>
       <p:grpSp>
         <p:nvGrpSpPr>
-          <p:cNvPr id="104" name="Group 4"/>
+          <p:cNvPr id="87" name="Group 4"/>
           <p:cNvGrpSpPr/>
           <p:nvPr/>
         </p:nvGrpSpPr>
         <p:grpSpPr>
           <a:xfrm>
             <a:off x="-2859480" y="779760"/>
-            <a:ext cx="14184720" cy="7769160"/>
+            <a:ext cx="14184360" cy="7768800"/>
             <a:chOff x="-2859480" y="779760"/>
-            <a:chExt cx="14184720" cy="7769160"/>
+            <a:chExt cx="14184360" cy="7768800"/>
           </a:xfrm>
         </p:grpSpPr>
         <p:sp>
           <p:nvSpPr>
-            <p:cNvPr id="105" name="Freeform 5"/>
+            <p:cNvPr id="88" name="Freeform 5"/>
             <p:cNvSpPr/>
             <p:nvPr/>
           </p:nvSpPr>
           <p:spPr>
             <a:xfrm>
               <a:off x="-2859480" y="1737720"/>
-              <a:ext cx="14184720" cy="6811200"/>
+              <a:ext cx="14184360" cy="6810840"/>
             </a:xfrm>
             <a:custGeom>
               <a:avLst/>
               <a:gdLst>
-                <a:gd name="textAreaLeft" fmla="*/ 0 w 14184720"/>
-                <a:gd name="textAreaRight" fmla="*/ 14185080 w 14184720"/>
-                <a:gd name="textAreaTop" fmla="*/ 0 h 6811200"/>
-                <a:gd name="textAreaBottom" fmla="*/ 6811560 h 6811200"/>
+                <a:gd name="textAreaLeft" fmla="*/ 0 w 14184360"/>
+                <a:gd name="textAreaRight" fmla="*/ 14185080 w 14184360"/>
+                <a:gd name="textAreaTop" fmla="*/ 0 h 6810840"/>
+                <a:gd name="textAreaBottom" fmla="*/ 6811560 h 6810840"/>
               </a:gdLst>
               <a:ahLst/>
               <a:rect l="textAreaLeft" t="textAreaTop" r="textAreaRight" b="textAreaBottom"/>
@@ -9686,6 +8321,11 @@
               <a:noAutofit/>
             </a:bodyPr>
             <a:p>
+              <a:pPr>
+                <a:lnSpc>
+                  <a:spcPct val="100000"/>
+                </a:lnSpc>
+              </a:pPr>
               <a:endParaRPr b="0" lang="vi-VN" sz="1800" spc="-1" strike="noStrike">
                 <a:solidFill>
                   <a:srgbClr val="ffffff"/>
@@ -9697,14 +8337,14 @@
         </p:sp>
         <p:sp>
           <p:nvSpPr>
-            <p:cNvPr id="106" name="TextBox 6"/>
+            <p:cNvPr id="89" name="TextBox 6"/>
             <p:cNvSpPr/>
             <p:nvPr/>
           </p:nvSpPr>
           <p:spPr>
             <a:xfrm>
               <a:off x="-2859480" y="779760"/>
-              <a:ext cx="14184720" cy="7769160"/>
+              <a:ext cx="14184360" cy="7768800"/>
             </a:xfrm>
             <a:prstGeom prst="rect">
               <a:avLst/>
@@ -9742,36 +8382,36 @@
       </p:grpSp>
       <p:grpSp>
         <p:nvGrpSpPr>
-          <p:cNvPr id="107" name="Group 7"/>
+          <p:cNvPr id="90" name="Group 7"/>
           <p:cNvGrpSpPr/>
           <p:nvPr/>
         </p:nvGrpSpPr>
         <p:grpSpPr>
           <a:xfrm>
             <a:off x="-3600720" y="333720"/>
-            <a:ext cx="15666480" cy="7769160"/>
+            <a:ext cx="15666120" cy="7768800"/>
             <a:chOff x="-3600720" y="333720"/>
-            <a:chExt cx="15666480" cy="7769160"/>
+            <a:chExt cx="15666120" cy="7768800"/>
           </a:xfrm>
         </p:grpSpPr>
         <p:sp>
           <p:nvSpPr>
-            <p:cNvPr id="108" name="Freeform 8"/>
+            <p:cNvPr id="91" name="Freeform 8"/>
             <p:cNvSpPr/>
             <p:nvPr/>
           </p:nvSpPr>
           <p:spPr>
             <a:xfrm>
               <a:off x="-3600720" y="1291680"/>
-              <a:ext cx="15666480" cy="6811200"/>
+              <a:ext cx="15666120" cy="6810840"/>
             </a:xfrm>
             <a:custGeom>
               <a:avLst/>
               <a:gdLst>
-                <a:gd name="textAreaLeft" fmla="*/ 0 w 15666480"/>
-                <a:gd name="textAreaRight" fmla="*/ 15666840 w 15666480"/>
-                <a:gd name="textAreaTop" fmla="*/ 0 h 6811200"/>
-                <a:gd name="textAreaBottom" fmla="*/ 6811560 h 6811200"/>
+                <a:gd name="textAreaLeft" fmla="*/ 0 w 15666120"/>
+                <a:gd name="textAreaRight" fmla="*/ 15666840 w 15666120"/>
+                <a:gd name="textAreaTop" fmla="*/ 0 h 6810840"/>
+                <a:gd name="textAreaBottom" fmla="*/ 6811560 h 6810840"/>
               </a:gdLst>
               <a:ahLst/>
               <a:rect l="textAreaLeft" t="textAreaTop" r="textAreaRight" b="textAreaBottom"/>
@@ -9826,6 +8466,11 @@
               <a:noAutofit/>
             </a:bodyPr>
             <a:p>
+              <a:pPr>
+                <a:lnSpc>
+                  <a:spcPct val="100000"/>
+                </a:lnSpc>
+              </a:pPr>
               <a:endParaRPr b="0" lang="vi-VN" sz="1800" spc="-1" strike="noStrike">
                 <a:solidFill>
                   <a:srgbClr val="ffffff"/>
@@ -9837,14 +8482,14 @@
         </p:sp>
         <p:sp>
           <p:nvSpPr>
-            <p:cNvPr id="109" name="TextBox 9"/>
+            <p:cNvPr id="92" name="TextBox 9"/>
             <p:cNvSpPr/>
             <p:nvPr/>
           </p:nvSpPr>
           <p:spPr>
             <a:xfrm>
               <a:off x="-3600720" y="333720"/>
-              <a:ext cx="15666480" cy="7769160"/>
+              <a:ext cx="15666120" cy="7768800"/>
             </a:xfrm>
             <a:prstGeom prst="rect">
               <a:avLst/>
@@ -9882,28 +8527,28 @@
       </p:grpSp>
       <p:grpSp>
         <p:nvGrpSpPr>
-          <p:cNvPr id="110" name="Group 10"/>
+          <p:cNvPr id="93" name="Group 10"/>
           <p:cNvGrpSpPr/>
           <p:nvPr/>
         </p:nvGrpSpPr>
         <p:grpSpPr>
           <a:xfrm>
             <a:off x="1585800" y="4459320"/>
-            <a:ext cx="9380880" cy="1593720"/>
+            <a:ext cx="9380520" cy="1593360"/>
             <a:chOff x="1585800" y="4459320"/>
-            <a:chExt cx="9380880" cy="1593720"/>
+            <a:chExt cx="9380520" cy="1593360"/>
           </a:xfrm>
         </p:grpSpPr>
         <p:sp>
           <p:nvSpPr>
-            <p:cNvPr id="111" name="TextBox 11"/>
+            <p:cNvPr id="94" name="TextBox 11"/>
             <p:cNvSpPr/>
             <p:nvPr/>
           </p:nvSpPr>
           <p:spPr>
             <a:xfrm>
               <a:off x="2705400" y="4459320"/>
-              <a:ext cx="8261280" cy="1219680"/>
+              <a:ext cx="8260920" cy="1219320"/>
             </a:xfrm>
             <a:prstGeom prst="rect">
               <a:avLst/>
@@ -9953,14 +8598,14 @@
         </p:sp>
         <p:sp>
           <p:nvSpPr>
-            <p:cNvPr id="112" name="TextBox 12"/>
+            <p:cNvPr id="95" name="TextBox 12"/>
             <p:cNvSpPr/>
             <p:nvPr/>
           </p:nvSpPr>
           <p:spPr>
             <a:xfrm>
               <a:off x="1585800" y="5690520"/>
-              <a:ext cx="5957640" cy="362520"/>
+              <a:ext cx="5957280" cy="362160"/>
             </a:xfrm>
             <a:prstGeom prst="rect">
               <a:avLst/>
@@ -10002,36 +8647,36 @@
       </p:grpSp>
       <p:grpSp>
         <p:nvGrpSpPr>
-          <p:cNvPr id="113" name="Group 13"/>
+          <p:cNvPr id="96" name="Group 13"/>
           <p:cNvGrpSpPr/>
           <p:nvPr/>
         </p:nvGrpSpPr>
         <p:grpSpPr>
           <a:xfrm>
             <a:off x="9595800" y="759960"/>
-            <a:ext cx="3458520" cy="3458520"/>
+            <a:ext cx="3458160" cy="3458160"/>
             <a:chOff x="9595800" y="759960"/>
-            <a:chExt cx="3458520" cy="3458520"/>
+            <a:chExt cx="3458160" cy="3458160"/>
           </a:xfrm>
         </p:grpSpPr>
         <p:sp>
           <p:nvSpPr>
-            <p:cNvPr id="114" name="Freeform 14"/>
+            <p:cNvPr id="97" name="Freeform 14"/>
             <p:cNvSpPr/>
             <p:nvPr/>
           </p:nvSpPr>
           <p:spPr>
             <a:xfrm>
               <a:off x="9595800" y="759960"/>
-              <a:ext cx="3458520" cy="3458520"/>
+              <a:ext cx="3458160" cy="3458160"/>
             </a:xfrm>
             <a:custGeom>
               <a:avLst/>
               <a:gdLst>
-                <a:gd name="textAreaLeft" fmla="*/ 0 w 3458520"/>
-                <a:gd name="textAreaRight" fmla="*/ 3458880 w 3458520"/>
-                <a:gd name="textAreaTop" fmla="*/ 0 h 3458520"/>
-                <a:gd name="textAreaBottom" fmla="*/ 3458880 h 3458520"/>
+                <a:gd name="textAreaLeft" fmla="*/ 0 w 3458160"/>
+                <a:gd name="textAreaRight" fmla="*/ 3458880 w 3458160"/>
+                <a:gd name="textAreaTop" fmla="*/ 0 h 3458160"/>
+                <a:gd name="textAreaBottom" fmla="*/ 3458880 h 3458160"/>
               </a:gdLst>
               <a:ahLst/>
               <a:rect l="textAreaLeft" t="textAreaTop" r="textAreaRight" b="textAreaBottom"/>
@@ -10082,6 +8727,11 @@
               <a:noAutofit/>
             </a:bodyPr>
             <a:p>
+              <a:pPr>
+                <a:lnSpc>
+                  <a:spcPct val="100000"/>
+                </a:lnSpc>
+              </a:pPr>
               <a:endParaRPr b="0" lang="vi-VN" sz="1800" spc="-1" strike="noStrike">
                 <a:solidFill>
                   <a:srgbClr val="000000"/>
@@ -10093,14 +8743,14 @@
         </p:sp>
         <p:sp>
           <p:nvSpPr>
-            <p:cNvPr id="115" name="TextBox 15"/>
+            <p:cNvPr id="98" name="TextBox 15"/>
             <p:cNvSpPr/>
             <p:nvPr/>
           </p:nvSpPr>
           <p:spPr>
             <a:xfrm>
               <a:off x="9920160" y="840960"/>
-              <a:ext cx="2810160" cy="3053160"/>
+              <a:ext cx="2809800" cy="3052800"/>
             </a:xfrm>
             <a:prstGeom prst="rect">
               <a:avLst/>
@@ -10170,21 +8820,21 @@
       </p:grpSpPr>
       <p:grpSp>
         <p:nvGrpSpPr>
-          <p:cNvPr id="116" name="Group 2"/>
+          <p:cNvPr id="99" name="Group 2"/>
           <p:cNvGrpSpPr/>
           <p:nvPr/>
         </p:nvGrpSpPr>
         <p:grpSpPr>
           <a:xfrm>
             <a:off x="0" y="0"/>
-            <a:ext cx="18287640" cy="10286640"/>
+            <a:ext cx="18287280" cy="10286280"/>
             <a:chOff x="0" y="0"/>
-            <a:chExt cx="18287640" cy="10286640"/>
+            <a:chExt cx="18287280" cy="10286280"/>
           </a:xfrm>
         </p:grpSpPr>
         <p:pic>
           <p:nvPicPr>
-            <p:cNvPr id="117" name="Picture 3" descr=""/>
+            <p:cNvPr id="100" name="Picture 3" descr=""/>
             <p:cNvPicPr/>
             <p:nvPr/>
           </p:nvPicPr>
@@ -10198,7 +8848,7 @@
           <p:spPr>
             <a:xfrm>
               <a:off x="0" y="0"/>
-              <a:ext cx="18287640" cy="10286640"/>
+              <a:ext cx="18287280" cy="10286280"/>
             </a:xfrm>
             <a:prstGeom prst="rect">
               <a:avLst/>
@@ -10211,36 +8861,36 @@
       </p:grpSp>
       <p:grpSp>
         <p:nvGrpSpPr>
-          <p:cNvPr id="118" name="Group 4"/>
+          <p:cNvPr id="101" name="Group 4"/>
           <p:cNvGrpSpPr/>
           <p:nvPr/>
         </p:nvGrpSpPr>
         <p:grpSpPr>
           <a:xfrm>
             <a:off x="-2859480" y="779760"/>
-            <a:ext cx="14184720" cy="7769160"/>
+            <a:ext cx="14184360" cy="7768800"/>
             <a:chOff x="-2859480" y="779760"/>
-            <a:chExt cx="14184720" cy="7769160"/>
+            <a:chExt cx="14184360" cy="7768800"/>
           </a:xfrm>
         </p:grpSpPr>
         <p:sp>
           <p:nvSpPr>
-            <p:cNvPr id="119" name="Freeform 5"/>
+            <p:cNvPr id="102" name="Freeform 5"/>
             <p:cNvSpPr/>
             <p:nvPr/>
           </p:nvSpPr>
           <p:spPr>
             <a:xfrm>
               <a:off x="-2859480" y="1737720"/>
-              <a:ext cx="14184720" cy="6811200"/>
+              <a:ext cx="14184360" cy="6810840"/>
             </a:xfrm>
             <a:custGeom>
               <a:avLst/>
               <a:gdLst>
-                <a:gd name="textAreaLeft" fmla="*/ 0 w 14184720"/>
-                <a:gd name="textAreaRight" fmla="*/ 14185080 w 14184720"/>
-                <a:gd name="textAreaTop" fmla="*/ 0 h 6811200"/>
-                <a:gd name="textAreaBottom" fmla="*/ 6811560 h 6811200"/>
+                <a:gd name="textAreaLeft" fmla="*/ 0 w 14184360"/>
+                <a:gd name="textAreaRight" fmla="*/ 14185080 w 14184360"/>
+                <a:gd name="textAreaTop" fmla="*/ 0 h 6810840"/>
+                <a:gd name="textAreaBottom" fmla="*/ 6811560 h 6810840"/>
               </a:gdLst>
               <a:ahLst/>
               <a:rect l="textAreaLeft" t="textAreaTop" r="textAreaRight" b="textAreaBottom"/>
@@ -10294,6 +8944,11 @@
               <a:noAutofit/>
             </a:bodyPr>
             <a:p>
+              <a:pPr>
+                <a:lnSpc>
+                  <a:spcPct val="100000"/>
+                </a:lnSpc>
+              </a:pPr>
               <a:endParaRPr b="0" lang="vi-VN" sz="1800" spc="-1" strike="noStrike">
                 <a:solidFill>
                   <a:srgbClr val="ffffff"/>
@@ -10305,14 +8960,14 @@
         </p:sp>
         <p:sp>
           <p:nvSpPr>
-            <p:cNvPr id="120" name="TextBox 6"/>
+            <p:cNvPr id="103" name="TextBox 6"/>
             <p:cNvSpPr/>
             <p:nvPr/>
           </p:nvSpPr>
           <p:spPr>
             <a:xfrm>
               <a:off x="-2859480" y="779760"/>
-              <a:ext cx="14184720" cy="7769160"/>
+              <a:ext cx="14184360" cy="7768800"/>
             </a:xfrm>
             <a:prstGeom prst="rect">
               <a:avLst/>
@@ -10350,36 +9005,36 @@
       </p:grpSp>
       <p:grpSp>
         <p:nvGrpSpPr>
-          <p:cNvPr id="121" name="Group 7"/>
+          <p:cNvPr id="104" name="Group 7"/>
           <p:cNvGrpSpPr/>
           <p:nvPr/>
         </p:nvGrpSpPr>
         <p:grpSpPr>
           <a:xfrm>
             <a:off x="-3600720" y="333720"/>
-            <a:ext cx="15666480" cy="7769160"/>
+            <a:ext cx="15666120" cy="7768800"/>
             <a:chOff x="-3600720" y="333720"/>
-            <a:chExt cx="15666480" cy="7769160"/>
+            <a:chExt cx="15666120" cy="7768800"/>
           </a:xfrm>
         </p:grpSpPr>
         <p:sp>
           <p:nvSpPr>
-            <p:cNvPr id="122" name="Freeform 8"/>
+            <p:cNvPr id="105" name="Freeform 8"/>
             <p:cNvSpPr/>
             <p:nvPr/>
           </p:nvSpPr>
           <p:spPr>
             <a:xfrm>
               <a:off x="-3600720" y="1291680"/>
-              <a:ext cx="15666480" cy="6811200"/>
+              <a:ext cx="15666120" cy="6810840"/>
             </a:xfrm>
             <a:custGeom>
               <a:avLst/>
               <a:gdLst>
-                <a:gd name="textAreaLeft" fmla="*/ 0 w 15666480"/>
-                <a:gd name="textAreaRight" fmla="*/ 15666840 w 15666480"/>
-                <a:gd name="textAreaTop" fmla="*/ 0 h 6811200"/>
-                <a:gd name="textAreaBottom" fmla="*/ 6811560 h 6811200"/>
+                <a:gd name="textAreaLeft" fmla="*/ 0 w 15666120"/>
+                <a:gd name="textAreaRight" fmla="*/ 15666840 w 15666120"/>
+                <a:gd name="textAreaTop" fmla="*/ 0 h 6810840"/>
+                <a:gd name="textAreaBottom" fmla="*/ 6811560 h 6810840"/>
               </a:gdLst>
               <a:ahLst/>
               <a:rect l="textAreaLeft" t="textAreaTop" r="textAreaRight" b="textAreaBottom"/>
@@ -10434,6 +9089,11 @@
               <a:noAutofit/>
             </a:bodyPr>
             <a:p>
+              <a:pPr>
+                <a:lnSpc>
+                  <a:spcPct val="100000"/>
+                </a:lnSpc>
+              </a:pPr>
               <a:endParaRPr b="0" lang="vi-VN" sz="1800" spc="-1" strike="noStrike">
                 <a:solidFill>
                   <a:srgbClr val="ffffff"/>
@@ -10445,14 +9105,14 @@
         </p:sp>
         <p:sp>
           <p:nvSpPr>
-            <p:cNvPr id="123" name="TextBox 9"/>
+            <p:cNvPr id="106" name="TextBox 9"/>
             <p:cNvSpPr/>
             <p:nvPr/>
           </p:nvSpPr>
           <p:spPr>
             <a:xfrm>
               <a:off x="-3600720" y="333720"/>
-              <a:ext cx="15666480" cy="7769160"/>
+              <a:ext cx="15666120" cy="7768800"/>
             </a:xfrm>
             <a:prstGeom prst="rect">
               <a:avLst/>
@@ -10490,14 +9150,14 @@
       </p:grpSp>
       <p:sp>
         <p:nvSpPr>
-          <p:cNvPr id="124" name="TextBox 11"/>
+          <p:cNvPr id="107" name="TextBox 11"/>
           <p:cNvSpPr/>
           <p:nvPr/>
         </p:nvSpPr>
         <p:spPr>
           <a:xfrm>
             <a:off x="1585800" y="4097520"/>
-            <a:ext cx="8261280" cy="2439000"/>
+            <a:ext cx="8260920" cy="2438640"/>
           </a:xfrm>
           <a:prstGeom prst="rect">
             <a:avLst/>
@@ -10590,36 +9250,36 @@
       </p:sp>
       <p:grpSp>
         <p:nvGrpSpPr>
-          <p:cNvPr id="125" name="Group 13"/>
+          <p:cNvPr id="108" name="Group 13"/>
           <p:cNvGrpSpPr/>
           <p:nvPr/>
         </p:nvGrpSpPr>
         <p:grpSpPr>
           <a:xfrm>
             <a:off x="9595800" y="759960"/>
-            <a:ext cx="3458520" cy="3458520"/>
+            <a:ext cx="3458160" cy="3458160"/>
             <a:chOff x="9595800" y="759960"/>
-            <a:chExt cx="3458520" cy="3458520"/>
+            <a:chExt cx="3458160" cy="3458160"/>
           </a:xfrm>
         </p:grpSpPr>
         <p:sp>
           <p:nvSpPr>
-            <p:cNvPr id="126" name="Freeform 14"/>
+            <p:cNvPr id="109" name="Freeform 14"/>
             <p:cNvSpPr/>
             <p:nvPr/>
           </p:nvSpPr>
           <p:spPr>
             <a:xfrm>
               <a:off x="9595800" y="759960"/>
-              <a:ext cx="3458520" cy="3458520"/>
+              <a:ext cx="3458160" cy="3458160"/>
             </a:xfrm>
             <a:custGeom>
               <a:avLst/>
               <a:gdLst>
-                <a:gd name="textAreaLeft" fmla="*/ 0 w 3458520"/>
-                <a:gd name="textAreaRight" fmla="*/ 3458880 w 3458520"/>
-                <a:gd name="textAreaTop" fmla="*/ 0 h 3458520"/>
-                <a:gd name="textAreaBottom" fmla="*/ 3458880 h 3458520"/>
+                <a:gd name="textAreaLeft" fmla="*/ 0 w 3458160"/>
+                <a:gd name="textAreaRight" fmla="*/ 3458880 w 3458160"/>
+                <a:gd name="textAreaTop" fmla="*/ 0 h 3458160"/>
+                <a:gd name="textAreaBottom" fmla="*/ 3458880 h 3458160"/>
               </a:gdLst>
               <a:ahLst/>
               <a:rect l="textAreaLeft" t="textAreaTop" r="textAreaRight" b="textAreaBottom"/>
@@ -10670,6 +9330,11 @@
               <a:noAutofit/>
             </a:bodyPr>
             <a:p>
+              <a:pPr>
+                <a:lnSpc>
+                  <a:spcPct val="100000"/>
+                </a:lnSpc>
+              </a:pPr>
               <a:endParaRPr b="0" lang="vi-VN" sz="1800" spc="-1" strike="noStrike">
                 <a:solidFill>
                   <a:srgbClr val="000000"/>
@@ -10681,14 +9346,14 @@
         </p:sp>
         <p:sp>
           <p:nvSpPr>
-            <p:cNvPr id="127" name="TextBox 15"/>
+            <p:cNvPr id="110" name="TextBox 15"/>
             <p:cNvSpPr/>
             <p:nvPr/>
           </p:nvSpPr>
           <p:spPr>
             <a:xfrm>
               <a:off x="9920160" y="840960"/>
-              <a:ext cx="2810160" cy="3053160"/>
+              <a:ext cx="2809800" cy="3052800"/>
             </a:xfrm>
             <a:prstGeom prst="rect">
               <a:avLst/>
@@ -10758,22 +9423,22 @@
       </p:grpSpPr>
       <p:sp>
         <p:nvSpPr>
-          <p:cNvPr id="128" name="Freeform 2"/>
+          <p:cNvPr id="111" name="Freeform 2"/>
           <p:cNvSpPr/>
           <p:nvPr/>
         </p:nvSpPr>
         <p:spPr>
           <a:xfrm rot="8946000">
-            <a:off x="-4672440" y="-4321080"/>
-            <a:ext cx="6757920" cy="7959600"/>
+            <a:off x="-4671720" y="-4320720"/>
+            <a:ext cx="6757560" cy="7959240"/>
           </a:xfrm>
           <a:custGeom>
             <a:avLst/>
             <a:gdLst>
-              <a:gd name="textAreaLeft" fmla="*/ 0 w 6757920"/>
-              <a:gd name="textAreaRight" fmla="*/ 6758280 w 6757920"/>
-              <a:gd name="textAreaTop" fmla="*/ 0 h 7959600"/>
-              <a:gd name="textAreaBottom" fmla="*/ 7959960 h 7959600"/>
+              <a:gd name="textAreaLeft" fmla="*/ 0 w 6757560"/>
+              <a:gd name="textAreaRight" fmla="*/ 6758280 w 6757560"/>
+              <a:gd name="textAreaTop" fmla="*/ 0 h 7959240"/>
+              <a:gd name="textAreaBottom" fmla="*/ 7959960 h 7959240"/>
             </a:gdLst>
             <a:ahLst/>
             <a:rect l="textAreaLeft" t="textAreaTop" r="textAreaRight" b="textAreaBottom"/>
@@ -10824,6 +9489,11 @@
             <a:noAutofit/>
           </a:bodyPr>
           <a:p>
+            <a:pPr>
+              <a:lnSpc>
+                <a:spcPct val="100000"/>
+              </a:lnSpc>
+            </a:pPr>
             <a:endParaRPr b="0" lang="vi-VN" sz="1800" spc="-1" strike="noStrike">
               <a:solidFill>
                 <a:srgbClr val="000000"/>
@@ -10835,22 +9505,22 @@
       </p:sp>
       <p:sp>
         <p:nvSpPr>
-          <p:cNvPr id="129" name="Freeform 3"/>
+          <p:cNvPr id="112" name="Freeform 3"/>
           <p:cNvSpPr/>
           <p:nvPr/>
         </p:nvSpPr>
         <p:spPr>
           <a:xfrm rot="5688600">
-            <a:off x="15846120" y="4104720"/>
-            <a:ext cx="10101960" cy="9288720"/>
+            <a:off x="15846480" y="4104720"/>
+            <a:ext cx="10101600" cy="9288360"/>
           </a:xfrm>
           <a:custGeom>
             <a:avLst/>
             <a:gdLst>
-              <a:gd name="textAreaLeft" fmla="*/ 0 w 10101960"/>
-              <a:gd name="textAreaRight" fmla="*/ 10102320 w 10101960"/>
-              <a:gd name="textAreaTop" fmla="*/ 0 h 9288720"/>
-              <a:gd name="textAreaBottom" fmla="*/ 9289080 h 9288720"/>
+              <a:gd name="textAreaLeft" fmla="*/ 0 w 10101600"/>
+              <a:gd name="textAreaRight" fmla="*/ 10102320 w 10101600"/>
+              <a:gd name="textAreaTop" fmla="*/ 0 h 9288360"/>
+              <a:gd name="textAreaBottom" fmla="*/ 9289080 h 9288360"/>
             </a:gdLst>
             <a:ahLst/>
             <a:rect l="textAreaLeft" t="textAreaTop" r="textAreaRight" b="textAreaBottom"/>
@@ -10901,6 +9571,11 @@
             <a:noAutofit/>
           </a:bodyPr>
           <a:p>
+            <a:pPr>
+              <a:lnSpc>
+                <a:spcPct val="100000"/>
+              </a:lnSpc>
+            </a:pPr>
             <a:endParaRPr b="0" lang="vi-VN" sz="1800" spc="-1" strike="noStrike">
               <a:solidFill>
                 <a:srgbClr val="000000"/>
@@ -10912,22 +9587,22 @@
       </p:sp>
       <p:sp>
         <p:nvSpPr>
-          <p:cNvPr id="130" name="Freeform 4"/>
+          <p:cNvPr id="113" name="Freeform 4"/>
           <p:cNvSpPr/>
           <p:nvPr/>
         </p:nvSpPr>
         <p:spPr>
           <a:xfrm>
             <a:off x="6162120" y="3327120"/>
-            <a:ext cx="5963400" cy="5931000"/>
+            <a:ext cx="5963040" cy="5930640"/>
           </a:xfrm>
           <a:custGeom>
             <a:avLst/>
             <a:gdLst>
-              <a:gd name="textAreaLeft" fmla="*/ 0 w 5963400"/>
-              <a:gd name="textAreaRight" fmla="*/ 5963760 w 5963400"/>
-              <a:gd name="textAreaTop" fmla="*/ 0 h 5931000"/>
-              <a:gd name="textAreaBottom" fmla="*/ 5931360 h 5931000"/>
+              <a:gd name="textAreaLeft" fmla="*/ 0 w 5963040"/>
+              <a:gd name="textAreaRight" fmla="*/ 5963760 w 5963040"/>
+              <a:gd name="textAreaTop" fmla="*/ 0 h 5930640"/>
+              <a:gd name="textAreaBottom" fmla="*/ 5931360 h 5930640"/>
             </a:gdLst>
             <a:ahLst/>
             <a:rect l="textAreaLeft" t="textAreaTop" r="textAreaRight" b="textAreaBottom"/>
@@ -10978,6 +9653,11 @@
             <a:noAutofit/>
           </a:bodyPr>
           <a:p>
+            <a:pPr>
+              <a:lnSpc>
+                <a:spcPct val="100000"/>
+              </a:lnSpc>
+            </a:pPr>
             <a:endParaRPr b="0" lang="vi-VN" sz="1800" spc="-1" strike="noStrike">
               <a:solidFill>
                 <a:srgbClr val="000000"/>
@@ -10989,14 +9669,14 @@
       </p:sp>
       <p:sp>
         <p:nvSpPr>
-          <p:cNvPr id="131" name="TextBox 5"/>
+          <p:cNvPr id="114" name="TextBox 5"/>
           <p:cNvSpPr/>
           <p:nvPr/>
         </p:nvSpPr>
         <p:spPr>
           <a:xfrm>
             <a:off x="1653120" y="4194000"/>
-            <a:ext cx="4560840" cy="782280"/>
+            <a:ext cx="4560480" cy="782280"/>
           </a:xfrm>
           <a:prstGeom prst="rect">
             <a:avLst/>
@@ -11043,14 +9723,14 @@
       </p:sp>
       <p:sp>
         <p:nvSpPr>
-          <p:cNvPr id="132" name="TextBox 7"/>
+          <p:cNvPr id="115" name="TextBox 7"/>
           <p:cNvSpPr/>
           <p:nvPr/>
         </p:nvSpPr>
         <p:spPr>
           <a:xfrm>
             <a:off x="2913120" y="7891200"/>
-            <a:ext cx="3992400" cy="782280"/>
+            <a:ext cx="3992040" cy="782280"/>
           </a:xfrm>
           <a:prstGeom prst="rect">
             <a:avLst/>
@@ -11097,14 +9777,14 @@
       </p:sp>
       <p:sp>
         <p:nvSpPr>
-          <p:cNvPr id="133" name="TextBox 8"/>
+          <p:cNvPr id="116" name="TextBox 8"/>
           <p:cNvSpPr/>
           <p:nvPr/>
         </p:nvSpPr>
         <p:spPr>
           <a:xfrm>
             <a:off x="1653120" y="7233840"/>
-            <a:ext cx="3493800" cy="475920"/>
+            <a:ext cx="3493440" cy="475920"/>
           </a:xfrm>
           <a:prstGeom prst="rect">
             <a:avLst/>
@@ -11134,7 +9814,7 @@
               </a:tabLst>
             </a:pPr>
             <a:r>
-              <a:rPr b="1" lang="en-US" sz="2500" spc="248" strike="noStrike">
+              <a:rPr b="1" lang="en-US" sz="2500" spc="245" strike="noStrike">
                 <a:solidFill>
                   <a:srgbClr val="f5f6f7"/>
                 </a:solidFill>
@@ -11154,14 +9834,14 @@
       </p:sp>
       <p:sp>
         <p:nvSpPr>
-          <p:cNvPr id="134" name="TextBox 9"/>
+          <p:cNvPr id="117" name="TextBox 9"/>
           <p:cNvSpPr/>
           <p:nvPr/>
         </p:nvSpPr>
         <p:spPr>
           <a:xfrm>
             <a:off x="11866320" y="4141080"/>
-            <a:ext cx="3992400" cy="391680"/>
+            <a:ext cx="3992040" cy="391320"/>
           </a:xfrm>
           <a:prstGeom prst="rect">
             <a:avLst/>
@@ -11208,14 +9888,14 @@
       </p:sp>
       <p:sp>
         <p:nvSpPr>
-          <p:cNvPr id="135" name="TextBox 10"/>
+          <p:cNvPr id="118" name="TextBox 10"/>
           <p:cNvSpPr/>
           <p:nvPr/>
         </p:nvSpPr>
         <p:spPr>
           <a:xfrm>
             <a:off x="13218120" y="3551400"/>
-            <a:ext cx="3432960" cy="475920"/>
+            <a:ext cx="3432600" cy="475920"/>
           </a:xfrm>
           <a:prstGeom prst="rect">
             <a:avLst/>
@@ -11245,7 +9925,7 @@
               </a:tabLst>
             </a:pPr>
             <a:r>
-              <a:rPr b="1" lang="en-US" sz="2500" spc="248" strike="noStrike">
+              <a:rPr b="1" lang="en-US" sz="2500" spc="245" strike="noStrike">
                 <a:solidFill>
                   <a:srgbClr val="f5f6f7"/>
                 </a:solidFill>
@@ -11265,14 +9945,14 @@
       </p:sp>
       <p:sp>
         <p:nvSpPr>
-          <p:cNvPr id="136" name="TextBox 11"/>
+          <p:cNvPr id="119" name="TextBox 11"/>
           <p:cNvSpPr/>
           <p:nvPr/>
         </p:nvSpPr>
         <p:spPr>
           <a:xfrm>
             <a:off x="11225880" y="7891200"/>
-            <a:ext cx="4704840" cy="391680"/>
+            <a:ext cx="4704480" cy="391320"/>
           </a:xfrm>
           <a:prstGeom prst="rect">
             <a:avLst/>
@@ -11319,14 +9999,14 @@
       </p:sp>
       <p:sp>
         <p:nvSpPr>
-          <p:cNvPr id="137" name="TextBox 12"/>
+          <p:cNvPr id="120" name="TextBox 12"/>
           <p:cNvSpPr/>
           <p:nvPr/>
         </p:nvSpPr>
         <p:spPr>
           <a:xfrm>
             <a:off x="12993480" y="7233840"/>
-            <a:ext cx="3657600" cy="475920"/>
+            <a:ext cx="3657240" cy="475920"/>
           </a:xfrm>
           <a:prstGeom prst="rect">
             <a:avLst/>
@@ -11356,7 +10036,7 @@
               </a:tabLst>
             </a:pPr>
             <a:r>
-              <a:rPr b="1" lang="en-US" sz="2500" spc="248" strike="noStrike">
+              <a:rPr b="1" lang="en-US" sz="2500" spc="245" strike="noStrike">
                 <a:solidFill>
                   <a:srgbClr val="f5f6f7"/>
                 </a:solidFill>
@@ -11376,14 +10056,14 @@
       </p:sp>
       <p:sp>
         <p:nvSpPr>
-          <p:cNvPr id="138" name="TextBox 13"/>
+          <p:cNvPr id="121" name="TextBox 13"/>
           <p:cNvSpPr/>
           <p:nvPr/>
         </p:nvSpPr>
         <p:spPr>
           <a:xfrm>
             <a:off x="3422160" y="1173600"/>
-            <a:ext cx="11443680" cy="1219680"/>
+            <a:ext cx="11443320" cy="1219320"/>
           </a:xfrm>
           <a:prstGeom prst="rect">
             <a:avLst/>
@@ -11468,22 +10148,22 @@
       </p:grpSpPr>
       <p:sp>
         <p:nvSpPr>
-          <p:cNvPr id="139" name="Freeform 2"/>
+          <p:cNvPr id="122" name="Freeform 2"/>
           <p:cNvSpPr/>
           <p:nvPr/>
         </p:nvSpPr>
         <p:spPr>
           <a:xfrm flipH="1">
-            <a:off x="10640880" y="-801360"/>
-            <a:ext cx="15035040" cy="11481120"/>
+            <a:off x="10640160" y="-801360"/>
+            <a:ext cx="15034680" cy="11480760"/>
           </a:xfrm>
           <a:custGeom>
             <a:avLst/>
             <a:gdLst>
-              <a:gd name="textAreaLeft" fmla="*/ 360 w 15035040"/>
-              <a:gd name="textAreaRight" fmla="*/ 15035760 w 15035040"/>
-              <a:gd name="textAreaTop" fmla="*/ 0 h 11481120"/>
-              <a:gd name="textAreaBottom" fmla="*/ 11481480 h 11481120"/>
+              <a:gd name="textAreaLeft" fmla="*/ 360 w 15034680"/>
+              <a:gd name="textAreaRight" fmla="*/ 15035760 w 15034680"/>
+              <a:gd name="textAreaTop" fmla="*/ 0 h 11480760"/>
+              <a:gd name="textAreaBottom" fmla="*/ 11481480 h 11480760"/>
             </a:gdLst>
             <a:ahLst/>
             <a:rect l="textAreaLeft" t="textAreaTop" r="textAreaRight" b="textAreaBottom"/>
@@ -11534,6 +10214,11 @@
             <a:noAutofit/>
           </a:bodyPr>
           <a:p>
+            <a:pPr>
+              <a:lnSpc>
+                <a:spcPct val="100000"/>
+              </a:lnSpc>
+            </a:pPr>
             <a:endParaRPr b="0" lang="vi-VN" sz="1800" spc="-1" strike="noStrike">
               <a:solidFill>
                 <a:srgbClr val="000000"/>
@@ -11545,22 +10230,22 @@
       </p:sp>
       <p:sp>
         <p:nvSpPr>
-          <p:cNvPr id="140" name="Freeform 3"/>
+          <p:cNvPr id="123" name="Freeform 3"/>
           <p:cNvSpPr/>
           <p:nvPr/>
         </p:nvSpPr>
         <p:spPr>
           <a:xfrm>
             <a:off x="10640880" y="1375560"/>
-            <a:ext cx="6618240" cy="8124840"/>
+            <a:ext cx="6617880" cy="8124480"/>
           </a:xfrm>
           <a:custGeom>
             <a:avLst/>
             <a:gdLst>
-              <a:gd name="textAreaLeft" fmla="*/ 0 w 6618240"/>
-              <a:gd name="textAreaRight" fmla="*/ 6618600 w 6618240"/>
-              <a:gd name="textAreaTop" fmla="*/ 0 h 8124840"/>
-              <a:gd name="textAreaBottom" fmla="*/ 8125200 h 8124840"/>
+              <a:gd name="textAreaLeft" fmla="*/ 0 w 6617880"/>
+              <a:gd name="textAreaRight" fmla="*/ 6618600 w 6617880"/>
+              <a:gd name="textAreaTop" fmla="*/ 0 h 8124480"/>
+              <a:gd name="textAreaBottom" fmla="*/ 8125200 h 8124480"/>
             </a:gdLst>
             <a:ahLst/>
             <a:rect l="textAreaLeft" t="textAreaTop" r="textAreaRight" b="textAreaBottom"/>
@@ -11611,6 +10296,11 @@
             <a:noAutofit/>
           </a:bodyPr>
           <a:p>
+            <a:pPr>
+              <a:lnSpc>
+                <a:spcPct val="100000"/>
+              </a:lnSpc>
+            </a:pPr>
             <a:endParaRPr b="0" lang="vi-VN" sz="1800" spc="-1" strike="noStrike">
               <a:solidFill>
                 <a:srgbClr val="000000"/>
@@ -11622,14 +10312,14 @@
       </p:sp>
       <p:sp>
         <p:nvSpPr>
-          <p:cNvPr id="141" name="TextBox 9"/>
+          <p:cNvPr id="124" name="TextBox 9"/>
           <p:cNvSpPr/>
           <p:nvPr/>
         </p:nvSpPr>
         <p:spPr>
           <a:xfrm>
             <a:off x="1392840" y="1804320"/>
-            <a:ext cx="9191520" cy="2439000"/>
+            <a:ext cx="9191160" cy="2438640"/>
           </a:xfrm>
           <a:prstGeom prst="rect">
             <a:avLst/>
@@ -11699,14 +10389,14 @@
       </p:sp>
       <p:sp>
         <p:nvSpPr>
-          <p:cNvPr id="142" name="TextBox 4"/>
+          <p:cNvPr id="125" name="TextBox 4"/>
           <p:cNvSpPr/>
           <p:nvPr/>
         </p:nvSpPr>
         <p:spPr>
           <a:xfrm>
             <a:off x="1028880" y="4275000"/>
-            <a:ext cx="6324120" cy="2832840"/>
+            <a:ext cx="6323760" cy="2832840"/>
           </a:xfrm>
           <a:prstGeom prst="rect">
             <a:avLst/>
@@ -11869,50 +10559,50 @@
       </p:grpSpPr>
       <p:grpSp>
         <p:nvGrpSpPr>
-          <p:cNvPr id="143" name="Group 2"/>
+          <p:cNvPr id="126" name="Group 2"/>
           <p:cNvGrpSpPr/>
           <p:nvPr/>
         </p:nvGrpSpPr>
         <p:grpSpPr>
           <a:xfrm>
-            <a:off x="15914520" y="-535320"/>
-            <a:ext cx="1986840" cy="1728360"/>
-            <a:chOff x="15914520" y="-535320"/>
-            <a:chExt cx="1986840" cy="1728360"/>
+            <a:off x="15914880" y="-534960"/>
+            <a:ext cx="1986480" cy="1728000"/>
+            <a:chOff x="15914880" y="-534960"/>
+            <a:chExt cx="1986480" cy="1728000"/>
           </a:xfrm>
         </p:grpSpPr>
         <p:grpSp>
           <p:nvGrpSpPr>
-            <p:cNvPr id="144" name="Group 3"/>
+            <p:cNvPr id="127" name="Group 3"/>
             <p:cNvGrpSpPr/>
             <p:nvPr/>
           </p:nvGrpSpPr>
           <p:grpSpPr>
             <a:xfrm>
-              <a:off x="15914520" y="-535320"/>
-              <a:ext cx="1728360" cy="1728360"/>
-              <a:chOff x="15914520" y="-535320"/>
-              <a:chExt cx="1728360" cy="1728360"/>
+              <a:off x="15914880" y="-534960"/>
+              <a:ext cx="1728000" cy="1728000"/>
+              <a:chOff x="15914880" y="-534960"/>
+              <a:chExt cx="1728000" cy="1728000"/>
             </a:xfrm>
           </p:grpSpPr>
           <p:sp>
             <p:nvSpPr>
-              <p:cNvPr id="145" name="Freeform 4"/>
+              <p:cNvPr id="128" name="Freeform 4"/>
               <p:cNvSpPr/>
               <p:nvPr/>
             </p:nvSpPr>
             <p:spPr>
               <a:xfrm rot="10800000">
-                <a:off x="15914520" y="-535320"/>
-                <a:ext cx="1728360" cy="1728360"/>
+                <a:off x="15914880" y="-534960"/>
+                <a:ext cx="1728000" cy="1728000"/>
               </a:xfrm>
               <a:custGeom>
                 <a:avLst/>
                 <a:gdLst>
-                  <a:gd name="textAreaLeft" fmla="*/ 0 w 1728360"/>
-                  <a:gd name="textAreaRight" fmla="*/ 1728720 w 1728360"/>
-                  <a:gd name="textAreaTop" fmla="*/ 0 h 1728360"/>
-                  <a:gd name="textAreaBottom" fmla="*/ 1728720 h 1728360"/>
+                  <a:gd name="textAreaLeft" fmla="*/ 0 w 1728000"/>
+                  <a:gd name="textAreaRight" fmla="*/ 1728720 w 1728000"/>
+                  <a:gd name="textAreaTop" fmla="*/ 0 h 1728000"/>
+                  <a:gd name="textAreaBottom" fmla="*/ 1728720 h 1728000"/>
                 </a:gdLst>
                 <a:ahLst/>
                 <a:rect l="textAreaLeft" t="textAreaTop" r="textAreaRight" b="textAreaBottom"/>
@@ -11963,6 +10653,11 @@
                 <a:noAutofit/>
               </a:bodyPr>
               <a:p>
+                <a:pPr>
+                  <a:lnSpc>
+                    <a:spcPct val="100000"/>
+                  </a:lnSpc>
+                </a:pPr>
                 <a:endParaRPr b="0" lang="vi-VN" sz="1800" spc="-1" strike="noStrike">
                   <a:solidFill>
                     <a:srgbClr val="000000"/>
@@ -11975,22 +10670,22 @@
         </p:grpSp>
         <p:sp>
           <p:nvSpPr>
-            <p:cNvPr id="146" name="Freeform 5"/>
+            <p:cNvPr id="129" name="Freeform 5"/>
             <p:cNvSpPr/>
             <p:nvPr/>
           </p:nvSpPr>
           <p:spPr>
             <a:xfrm rot="10800000">
-              <a:off x="16173000" y="-535320"/>
-              <a:ext cx="1728360" cy="1728360"/>
+              <a:off x="16173360" y="-534960"/>
+              <a:ext cx="1728000" cy="1728000"/>
             </a:xfrm>
             <a:custGeom>
               <a:avLst/>
               <a:gdLst>
-                <a:gd name="textAreaLeft" fmla="*/ 0 w 1728360"/>
-                <a:gd name="textAreaRight" fmla="*/ 1728720 w 1728360"/>
-                <a:gd name="textAreaTop" fmla="*/ 0 h 1728360"/>
-                <a:gd name="textAreaBottom" fmla="*/ 1728720 h 1728360"/>
+                <a:gd name="textAreaLeft" fmla="*/ 0 w 1728000"/>
+                <a:gd name="textAreaRight" fmla="*/ 1728720 w 1728000"/>
+                <a:gd name="textAreaTop" fmla="*/ 0 h 1728000"/>
+                <a:gd name="textAreaBottom" fmla="*/ 1728720 h 1728000"/>
               </a:gdLst>
               <a:ahLst/>
               <a:rect l="textAreaLeft" t="textAreaTop" r="textAreaRight" b="textAreaBottom"/>
@@ -12041,6 +10736,11 @@
               <a:noAutofit/>
             </a:bodyPr>
             <a:p>
+              <a:pPr>
+                <a:lnSpc>
+                  <a:spcPct val="100000"/>
+                </a:lnSpc>
+              </a:pPr>
               <a:endParaRPr b="0" lang="vi-VN" sz="1800" spc="-1" strike="noStrike">
                 <a:solidFill>
                   <a:srgbClr val="000000"/>
@@ -12053,14 +10753,14 @@
       </p:grpSp>
       <p:sp>
         <p:nvSpPr>
-          <p:cNvPr id="147" name="AutoShape 6"/>
+          <p:cNvPr id="130" name="AutoShape 6"/>
           <p:cNvSpPr/>
           <p:nvPr/>
         </p:nvSpPr>
         <p:spPr>
           <a:xfrm>
             <a:off x="0" y="0"/>
-            <a:ext cx="9442800" cy="10286640"/>
+            <a:ext cx="9442440" cy="10286280"/>
           </a:xfrm>
           <a:prstGeom prst="rect">
             <a:avLst/>
@@ -12083,6 +10783,11 @@
             <a:noAutofit/>
           </a:bodyPr>
           <a:p>
+            <a:pPr>
+              <a:lnSpc>
+                <a:spcPct val="100000"/>
+              </a:lnSpc>
+            </a:pPr>
             <a:endParaRPr b="0" lang="vi-VN" sz="1800" spc="-1" strike="noStrike">
               <a:solidFill>
                 <a:srgbClr val="ffffff"/>
@@ -12094,50 +10799,50 @@
       </p:sp>
       <p:grpSp>
         <p:nvGrpSpPr>
-          <p:cNvPr id="148" name="Group 7"/>
+          <p:cNvPr id="131" name="Group 7"/>
           <p:cNvGrpSpPr/>
           <p:nvPr/>
         </p:nvGrpSpPr>
         <p:grpSpPr>
           <a:xfrm>
             <a:off x="8616600" y="474120"/>
-            <a:ext cx="1652400" cy="1437480"/>
+            <a:ext cx="1652040" cy="1437120"/>
             <a:chOff x="8616600" y="474120"/>
-            <a:chExt cx="1652400" cy="1437480"/>
+            <a:chExt cx="1652040" cy="1437120"/>
           </a:xfrm>
         </p:grpSpPr>
         <p:grpSp>
           <p:nvGrpSpPr>
-            <p:cNvPr id="149" name="Group 8"/>
+            <p:cNvPr id="132" name="Group 8"/>
             <p:cNvGrpSpPr/>
             <p:nvPr/>
           </p:nvGrpSpPr>
           <p:grpSpPr>
             <a:xfrm>
               <a:off x="8831520" y="474120"/>
-              <a:ext cx="1437480" cy="1437480"/>
+              <a:ext cx="1437120" cy="1437120"/>
               <a:chOff x="8831520" y="474120"/>
-              <a:chExt cx="1437480" cy="1437480"/>
+              <a:chExt cx="1437120" cy="1437120"/>
             </a:xfrm>
           </p:grpSpPr>
           <p:sp>
             <p:nvSpPr>
-              <p:cNvPr id="150" name="Freeform 9"/>
+              <p:cNvPr id="133" name="Freeform 9"/>
               <p:cNvSpPr/>
               <p:nvPr/>
             </p:nvSpPr>
             <p:spPr>
               <a:xfrm>
                 <a:off x="8831520" y="474120"/>
-                <a:ext cx="1437480" cy="1437480"/>
+                <a:ext cx="1437120" cy="1437120"/>
               </a:xfrm>
               <a:custGeom>
                 <a:avLst/>
                 <a:gdLst>
-                  <a:gd name="textAreaLeft" fmla="*/ 0 w 1437480"/>
-                  <a:gd name="textAreaRight" fmla="*/ 1437840 w 1437480"/>
-                  <a:gd name="textAreaTop" fmla="*/ 0 h 1437480"/>
-                  <a:gd name="textAreaBottom" fmla="*/ 1437840 h 1437480"/>
+                  <a:gd name="textAreaLeft" fmla="*/ 0 w 1437120"/>
+                  <a:gd name="textAreaRight" fmla="*/ 1437840 w 1437120"/>
+                  <a:gd name="textAreaTop" fmla="*/ 0 h 1437120"/>
+                  <a:gd name="textAreaBottom" fmla="*/ 1437840 h 1437120"/>
                 </a:gdLst>
                 <a:ahLst/>
                 <a:rect l="textAreaLeft" t="textAreaTop" r="textAreaRight" b="textAreaBottom"/>
@@ -12188,6 +10893,11 @@
                 <a:noAutofit/>
               </a:bodyPr>
               <a:p>
+                <a:pPr>
+                  <a:lnSpc>
+                    <a:spcPct val="100000"/>
+                  </a:lnSpc>
+                </a:pPr>
                 <a:endParaRPr b="0" lang="vi-VN" sz="1800" spc="-1" strike="noStrike">
                   <a:solidFill>
                     <a:srgbClr val="000000"/>
@@ -12200,22 +10910,22 @@
         </p:grpSp>
         <p:sp>
           <p:nvSpPr>
-            <p:cNvPr id="151" name="Freeform 10"/>
+            <p:cNvPr id="134" name="Freeform 10"/>
             <p:cNvSpPr/>
             <p:nvPr/>
           </p:nvSpPr>
           <p:spPr>
             <a:xfrm>
               <a:off x="8616600" y="474120"/>
-              <a:ext cx="1437480" cy="1437480"/>
+              <a:ext cx="1437120" cy="1437120"/>
             </a:xfrm>
             <a:custGeom>
               <a:avLst/>
               <a:gdLst>
-                <a:gd name="textAreaLeft" fmla="*/ 0 w 1437480"/>
-                <a:gd name="textAreaRight" fmla="*/ 1437840 w 1437480"/>
-                <a:gd name="textAreaTop" fmla="*/ 0 h 1437480"/>
-                <a:gd name="textAreaBottom" fmla="*/ 1437840 h 1437480"/>
+                <a:gd name="textAreaLeft" fmla="*/ 0 w 1437120"/>
+                <a:gd name="textAreaRight" fmla="*/ 1437840 w 1437120"/>
+                <a:gd name="textAreaTop" fmla="*/ 0 h 1437120"/>
+                <a:gd name="textAreaBottom" fmla="*/ 1437840 h 1437120"/>
               </a:gdLst>
               <a:ahLst/>
               <a:rect l="textAreaLeft" t="textAreaTop" r="textAreaRight" b="textAreaBottom"/>
@@ -12266,6 +10976,11 @@
               <a:noAutofit/>
             </a:bodyPr>
             <a:p>
+              <a:pPr>
+                <a:lnSpc>
+                  <a:spcPct val="100000"/>
+                </a:lnSpc>
+              </a:pPr>
               <a:endParaRPr b="0" lang="vi-VN" sz="1800" spc="-1" strike="noStrike">
                 <a:solidFill>
                   <a:srgbClr val="000000"/>
@@ -12278,22 +10993,22 @@
       </p:grpSp>
       <p:sp>
         <p:nvSpPr>
-          <p:cNvPr id="152" name="Freeform 11"/>
+          <p:cNvPr id="135" name="Freeform 11"/>
           <p:cNvSpPr/>
           <p:nvPr/>
         </p:nvSpPr>
         <p:spPr>
           <a:xfrm>
             <a:off x="0" y="632160"/>
-            <a:ext cx="9335160" cy="10652400"/>
+            <a:ext cx="9334800" cy="10652040"/>
           </a:xfrm>
           <a:custGeom>
             <a:avLst/>
             <a:gdLst>
-              <a:gd name="textAreaLeft" fmla="*/ 0 w 9335160"/>
-              <a:gd name="textAreaRight" fmla="*/ 9335520 w 9335160"/>
-              <a:gd name="textAreaTop" fmla="*/ 0 h 10652400"/>
-              <a:gd name="textAreaBottom" fmla="*/ 10652760 h 10652400"/>
+              <a:gd name="textAreaLeft" fmla="*/ 0 w 9334800"/>
+              <a:gd name="textAreaRight" fmla="*/ 9335520 w 9334800"/>
+              <a:gd name="textAreaTop" fmla="*/ 0 h 10652040"/>
+              <a:gd name="textAreaBottom" fmla="*/ 10652760 h 10652040"/>
             </a:gdLst>
             <a:ahLst/>
             <a:rect l="textAreaLeft" t="textAreaTop" r="textAreaRight" b="textAreaBottom"/>
@@ -12344,6 +11059,11 @@
             <a:noAutofit/>
           </a:bodyPr>
           <a:p>
+            <a:pPr>
+              <a:lnSpc>
+                <a:spcPct val="100000"/>
+              </a:lnSpc>
+            </a:pPr>
             <a:endParaRPr b="0" lang="vi-VN" sz="1800" spc="-1" strike="noStrike">
               <a:solidFill>
                 <a:srgbClr val="000000"/>
@@ -12355,14 +11075,14 @@
       </p:sp>
       <p:sp>
         <p:nvSpPr>
-          <p:cNvPr id="153" name="TextBox 12"/>
+          <p:cNvPr id="136" name="TextBox 12"/>
           <p:cNvSpPr/>
           <p:nvPr/>
         </p:nvSpPr>
         <p:spPr>
           <a:xfrm>
             <a:off x="10054440" y="4312080"/>
-            <a:ext cx="7204320" cy="1675800"/>
+            <a:ext cx="7203960" cy="1675800"/>
           </a:xfrm>
           <a:prstGeom prst="rect">
             <a:avLst/>
@@ -12412,50 +11132,50 @@
       </p:sp>
       <p:grpSp>
         <p:nvGrpSpPr>
-          <p:cNvPr id="154" name="Group 14"/>
+          <p:cNvPr id="137" name="Group 14"/>
           <p:cNvGrpSpPr/>
           <p:nvPr/>
         </p:nvGrpSpPr>
         <p:grpSpPr>
           <a:xfrm>
             <a:off x="14693400" y="9413280"/>
-            <a:ext cx="2008800" cy="1747440"/>
+            <a:ext cx="2008440" cy="1747080"/>
             <a:chOff x="14693400" y="9413280"/>
-            <a:chExt cx="2008800" cy="1747440"/>
+            <a:chExt cx="2008440" cy="1747080"/>
           </a:xfrm>
         </p:grpSpPr>
         <p:grpSp>
           <p:nvGrpSpPr>
-            <p:cNvPr id="155" name="Group 15"/>
+            <p:cNvPr id="138" name="Group 15"/>
             <p:cNvGrpSpPr/>
             <p:nvPr/>
           </p:nvGrpSpPr>
           <p:grpSpPr>
             <a:xfrm>
               <a:off x="14954760" y="9413280"/>
-              <a:ext cx="1747440" cy="1747440"/>
+              <a:ext cx="1747080" cy="1747080"/>
               <a:chOff x="14954760" y="9413280"/>
-              <a:chExt cx="1747440" cy="1747440"/>
+              <a:chExt cx="1747080" cy="1747080"/>
             </a:xfrm>
           </p:grpSpPr>
           <p:sp>
             <p:nvSpPr>
-              <p:cNvPr id="156" name="Freeform 16"/>
+              <p:cNvPr id="139" name="Freeform 16"/>
               <p:cNvSpPr/>
               <p:nvPr/>
             </p:nvSpPr>
             <p:spPr>
               <a:xfrm>
                 <a:off x="14954760" y="9413280"/>
-                <a:ext cx="1747440" cy="1747440"/>
+                <a:ext cx="1747080" cy="1747080"/>
               </a:xfrm>
               <a:custGeom>
                 <a:avLst/>
                 <a:gdLst>
-                  <a:gd name="textAreaLeft" fmla="*/ 0 w 1747440"/>
-                  <a:gd name="textAreaRight" fmla="*/ 1747800 w 1747440"/>
-                  <a:gd name="textAreaTop" fmla="*/ 0 h 1747440"/>
-                  <a:gd name="textAreaBottom" fmla="*/ 1747800 h 1747440"/>
+                  <a:gd name="textAreaLeft" fmla="*/ 0 w 1747080"/>
+                  <a:gd name="textAreaRight" fmla="*/ 1747800 w 1747080"/>
+                  <a:gd name="textAreaTop" fmla="*/ 0 h 1747080"/>
+                  <a:gd name="textAreaBottom" fmla="*/ 1747800 h 1747080"/>
                 </a:gdLst>
                 <a:ahLst/>
                 <a:rect l="textAreaLeft" t="textAreaTop" r="textAreaRight" b="textAreaBottom"/>
@@ -12506,6 +11226,11 @@
                 <a:noAutofit/>
               </a:bodyPr>
               <a:p>
+                <a:pPr>
+                  <a:lnSpc>
+                    <a:spcPct val="100000"/>
+                  </a:lnSpc>
+                </a:pPr>
                 <a:endParaRPr b="0" lang="vi-VN" sz="1800" spc="-1" strike="noStrike">
                   <a:solidFill>
                     <a:srgbClr val="000000"/>
@@ -12518,22 +11243,22 @@
         </p:grpSp>
         <p:sp>
           <p:nvSpPr>
-            <p:cNvPr id="157" name="Freeform 17"/>
+            <p:cNvPr id="140" name="Freeform 17"/>
             <p:cNvSpPr/>
             <p:nvPr/>
           </p:nvSpPr>
           <p:spPr>
             <a:xfrm>
               <a:off x="14693400" y="9413280"/>
-              <a:ext cx="1747440" cy="1747440"/>
+              <a:ext cx="1747080" cy="1747080"/>
             </a:xfrm>
             <a:custGeom>
               <a:avLst/>
               <a:gdLst>
-                <a:gd name="textAreaLeft" fmla="*/ 0 w 1747440"/>
-                <a:gd name="textAreaRight" fmla="*/ 1747800 w 1747440"/>
-                <a:gd name="textAreaTop" fmla="*/ 0 h 1747440"/>
-                <a:gd name="textAreaBottom" fmla="*/ 1747800 h 1747440"/>
+                <a:gd name="textAreaLeft" fmla="*/ 0 w 1747080"/>
+                <a:gd name="textAreaRight" fmla="*/ 1747800 w 1747080"/>
+                <a:gd name="textAreaTop" fmla="*/ 0 h 1747080"/>
+                <a:gd name="textAreaBottom" fmla="*/ 1747800 h 1747080"/>
               </a:gdLst>
               <a:ahLst/>
               <a:rect l="textAreaLeft" t="textAreaTop" r="textAreaRight" b="textAreaBottom"/>
@@ -12584,6 +11309,11 @@
               <a:noAutofit/>
             </a:bodyPr>
             <a:p>
+              <a:pPr>
+                <a:lnSpc>
+                  <a:spcPct val="100000"/>
+                </a:lnSpc>
+              </a:pPr>
               <a:endParaRPr b="0" lang="vi-VN" sz="1800" spc="-1" strike="noStrike">
                 <a:solidFill>
                   <a:srgbClr val="000000"/>

--- a/PP/Bản sao của Minimal Illustrative Digital Marketing Proposal Presentation.pptx
+++ b/PP/Bản sao của Minimal Illustrative Digital Marketing Proposal Presentation.pptx
@@ -161,7 +161,7 @@
         <p:txBody>
           <a:bodyPr/>
           <a:p>
-            <a:fld id="{95664B0A-5164-4D58-B10D-873C683D3227}" type="slidenum">
+            <a:fld id="{EF554FC2-84B5-4C34-9EF2-FE1560129EC7}" type="slidenum">
               <a:t>&lt;#&gt;</a:t>
             </a:fld>
           </a:p>
@@ -244,7 +244,7 @@
         <p:txBody>
           <a:bodyPr/>
           <a:p>
-            <a:fld id="{55520BB2-924F-4870-858B-199B5F9F08AB}" type="slidenum">
+            <a:fld id="{6D75B2B9-0F06-4051-835A-F02F2F861D50}" type="slidenum">
               <a:t>&lt;#&gt;</a:t>
             </a:fld>
           </a:p>
@@ -327,7 +327,7 @@
         <p:txBody>
           <a:bodyPr/>
           <a:p>
-            <a:fld id="{8CB930BB-7B13-47A8-9A29-D4BC8D110C79}" type="slidenum">
+            <a:fld id="{C54653E3-D154-457B-97CA-A1F4DB12CCA9}" type="slidenum">
               <a:t>&lt;#&gt;</a:t>
             </a:fld>
           </a:p>
@@ -410,7 +410,7 @@
         <p:txBody>
           <a:bodyPr/>
           <a:p>
-            <a:fld id="{B8C405F9-82A2-4A5A-9460-B9B45E506A8C}" type="slidenum">
+            <a:fld id="{C3DCEEA0-F04D-4161-94D4-E6C5D7BE83AB}" type="slidenum">
               <a:t>&lt;#&gt;</a:t>
             </a:fld>
           </a:p>
@@ -493,7 +493,7 @@
         <p:txBody>
           <a:bodyPr/>
           <a:p>
-            <a:fld id="{7ABBE4A6-C41B-4830-8F45-C4EB9F65FA32}" type="slidenum">
+            <a:fld id="{A67E9D2D-58FB-4C23-9C0F-3E55AACA346D}" type="slidenum">
               <a:t>&lt;#&gt;</a:t>
             </a:fld>
           </a:p>
@@ -659,7 +659,7 @@
         <p:txBody>
           <a:bodyPr/>
           <a:p>
-            <a:fld id="{4CA45A92-60EA-4798-9B75-F5AA2BB7540D}" type="slidenum">
+            <a:fld id="{697220DB-67BE-4516-8383-BDDE89123899}" type="slidenum">
               <a:t>&lt;#&gt;</a:t>
             </a:fld>
           </a:p>
@@ -742,7 +742,7 @@
         <p:txBody>
           <a:bodyPr/>
           <a:p>
-            <a:fld id="{AF23DD0C-D8E2-496D-933D-77DC6139F460}" type="slidenum">
+            <a:fld id="{C2C499DC-A54B-41F4-BF83-E603E8F2FAE0}" type="slidenum">
               <a:t>&lt;#&gt;</a:t>
             </a:fld>
           </a:p>
@@ -951,7 +951,7 @@
         <p:txBody>
           <a:bodyPr/>
           <a:p>
-            <a:fld id="{DD12A452-E316-4880-8863-D2753ABDBC34}" type="slidenum">
+            <a:fld id="{15E01D1A-B8E5-478C-A9F8-B7B2E6AE8EA4}" type="slidenum">
               <a:t>&lt;#&gt;</a:t>
             </a:fld>
           </a:p>
@@ -1034,7 +1034,7 @@
         <p:txBody>
           <a:bodyPr/>
           <a:p>
-            <a:fld id="{2D9582C8-9B9E-4DBA-96AC-4954277207A0}" type="slidenum">
+            <a:fld id="{2C8225EB-0122-42BF-A833-5742071581E1}" type="slidenum">
               <a:t>&lt;#&gt;</a:t>
             </a:fld>
           </a:p>
@@ -1157,7 +1157,7 @@
         <p:txBody>
           <a:bodyPr/>
           <a:p>
-            <a:fld id="{42B460ED-7DC7-43F1-BA7D-AB92D26FD41B}" type="slidenum">
+            <a:fld id="{925C9109-6C77-4D5D-863A-6996304348E9}" type="slidenum">
               <a:t>&lt;#&gt;</a:t>
             </a:fld>
           </a:p>
@@ -1240,7 +1240,7 @@
         <p:txBody>
           <a:bodyPr/>
           <a:p>
-            <a:fld id="{CE9359FE-0AC7-43F4-9442-3B840184FCA8}" type="slidenum">
+            <a:fld id="{AC1BA126-4309-4EFB-BF25-2D90F4B71DD9}" type="slidenum">
               <a:t>&lt;#&gt;</a:t>
             </a:fld>
           </a:p>
@@ -1358,7 +1358,7 @@
         <p:spPr>
           <a:xfrm>
             <a:off x="3124080" y="6356520"/>
-            <a:ext cx="2894760" cy="364320"/>
+            <a:ext cx="2894400" cy="363960"/>
           </a:xfrm>
           <a:prstGeom prst="rect">
             <a:avLst/>
@@ -1430,7 +1430,7 @@
         <p:spPr>
           <a:xfrm>
             <a:off x="6553080" y="6356520"/>
-            <a:ext cx="2133000" cy="364320"/>
+            <a:ext cx="2132640" cy="363960"/>
           </a:xfrm>
           <a:prstGeom prst="rect">
             <a:avLst/>
@@ -1473,7 +1473,7 @@
                 <a:tab algn="l" pos="0"/>
               </a:tabLst>
             </a:pPr>
-            <a:fld id="{EB972296-0F62-4C79-B9D5-693C5575126C}" type="slidenum">
+            <a:fld id="{8C630C05-AD26-4B80-BFBA-CCF09107622C}" type="slidenum">
               <a:rPr b="0" lang="en-US" sz="1200" spc="-1" strike="noStrike">
                 <a:solidFill>
                   <a:schemeClr val="dk1">
@@ -1506,7 +1506,7 @@
         <p:spPr>
           <a:xfrm>
             <a:off x="457200" y="6356520"/>
-            <a:ext cx="2133000" cy="364320"/>
+            <a:ext cx="2132640" cy="363960"/>
           </a:xfrm>
           <a:prstGeom prst="rect">
             <a:avLst/>
@@ -1599,7 +1599,7 @@
         <p:spPr>
           <a:xfrm>
             <a:off x="3124080" y="6356520"/>
-            <a:ext cx="2894760" cy="364320"/>
+            <a:ext cx="2894400" cy="363960"/>
           </a:xfrm>
           <a:prstGeom prst="rect">
             <a:avLst/>
@@ -1671,7 +1671,7 @@
         <p:spPr>
           <a:xfrm>
             <a:off x="6553080" y="6356520"/>
-            <a:ext cx="2133000" cy="364320"/>
+            <a:ext cx="2132640" cy="363960"/>
           </a:xfrm>
           <a:prstGeom prst="rect">
             <a:avLst/>
@@ -1714,7 +1714,7 @@
                 <a:tab algn="l" pos="0"/>
               </a:tabLst>
             </a:pPr>
-            <a:fld id="{D7A2945E-204B-44F0-A515-0245AD066727}" type="slidenum">
+            <a:fld id="{463141D3-E07C-424D-BFBD-21BCEAA84FBF}" type="slidenum">
               <a:rPr b="0" lang="en-US" sz="1200" spc="-1" strike="noStrike">
                 <a:solidFill>
                   <a:schemeClr val="dk1">
@@ -1747,7 +1747,7 @@
         <p:spPr>
           <a:xfrm>
             <a:off x="457200" y="6356520"/>
-            <a:ext cx="2133000" cy="364320"/>
+            <a:ext cx="2132640" cy="363960"/>
           </a:xfrm>
           <a:prstGeom prst="rect">
             <a:avLst/>
@@ -1840,7 +1840,7 @@
         <p:spPr>
           <a:xfrm>
             <a:off x="3124080" y="6356520"/>
-            <a:ext cx="2894760" cy="364320"/>
+            <a:ext cx="2894400" cy="363960"/>
           </a:xfrm>
           <a:prstGeom prst="rect">
             <a:avLst/>
@@ -1912,7 +1912,7 @@
         <p:spPr>
           <a:xfrm>
             <a:off x="6553080" y="6356520"/>
-            <a:ext cx="2133000" cy="364320"/>
+            <a:ext cx="2132640" cy="363960"/>
           </a:xfrm>
           <a:prstGeom prst="rect">
             <a:avLst/>
@@ -1955,7 +1955,7 @@
                 <a:tab algn="l" pos="0"/>
               </a:tabLst>
             </a:pPr>
-            <a:fld id="{A3F68C0B-B65A-4932-9454-9AEE32E69A59}" type="slidenum">
+            <a:fld id="{4D986E01-9492-4713-8696-2620516CDA06}" type="slidenum">
               <a:rPr b="0" lang="en-US" sz="1200" spc="-1" strike="noStrike">
                 <a:solidFill>
                   <a:schemeClr val="dk1">
@@ -1988,7 +1988,7 @@
         <p:spPr>
           <a:xfrm>
             <a:off x="457200" y="6356520"/>
-            <a:ext cx="2133000" cy="364320"/>
+            <a:ext cx="2132640" cy="363960"/>
           </a:xfrm>
           <a:prstGeom prst="rect">
             <a:avLst/>
@@ -2081,7 +2081,7 @@
         <p:spPr>
           <a:xfrm>
             <a:off x="3124080" y="6356520"/>
-            <a:ext cx="2894760" cy="364320"/>
+            <a:ext cx="2894400" cy="363960"/>
           </a:xfrm>
           <a:prstGeom prst="rect">
             <a:avLst/>
@@ -2153,7 +2153,7 @@
         <p:spPr>
           <a:xfrm>
             <a:off x="6553080" y="6356520"/>
-            <a:ext cx="2133000" cy="364320"/>
+            <a:ext cx="2132640" cy="363960"/>
           </a:xfrm>
           <a:prstGeom prst="rect">
             <a:avLst/>
@@ -2196,7 +2196,7 @@
                 <a:tab algn="l" pos="0"/>
               </a:tabLst>
             </a:pPr>
-            <a:fld id="{D03CEBF6-118D-46CF-B153-4AD32E95141E}" type="slidenum">
+            <a:fld id="{2E330467-FCEA-4054-8E20-7EAFAD040F50}" type="slidenum">
               <a:rPr b="0" lang="en-US" sz="1200" spc="-1" strike="noStrike">
                 <a:solidFill>
                   <a:schemeClr val="dk1">
@@ -2229,7 +2229,7 @@
         <p:spPr>
           <a:xfrm>
             <a:off x="457200" y="6356520"/>
-            <a:ext cx="2133000" cy="364320"/>
+            <a:ext cx="2132640" cy="363960"/>
           </a:xfrm>
           <a:prstGeom prst="rect">
             <a:avLst/>
@@ -2322,7 +2322,7 @@
         <p:spPr>
           <a:xfrm>
             <a:off x="3124080" y="6356520"/>
-            <a:ext cx="2894760" cy="364320"/>
+            <a:ext cx="2894400" cy="363960"/>
           </a:xfrm>
           <a:prstGeom prst="rect">
             <a:avLst/>
@@ -2394,7 +2394,7 @@
         <p:spPr>
           <a:xfrm>
             <a:off x="6553080" y="6356520"/>
-            <a:ext cx="2133000" cy="364320"/>
+            <a:ext cx="2132640" cy="363960"/>
           </a:xfrm>
           <a:prstGeom prst="rect">
             <a:avLst/>
@@ -2437,7 +2437,7 @@
                 <a:tab algn="l" pos="0"/>
               </a:tabLst>
             </a:pPr>
-            <a:fld id="{8D5E24C6-ADF6-4836-8346-B827256A9826}" type="slidenum">
+            <a:fld id="{0AAC44E0-9DE5-4238-88F0-BAB68B32622D}" type="slidenum">
               <a:rPr b="0" lang="en-US" sz="1200" spc="-1" strike="noStrike">
                 <a:solidFill>
                   <a:schemeClr val="dk1">
@@ -2470,7 +2470,7 @@
         <p:spPr>
           <a:xfrm>
             <a:off x="457200" y="6356520"/>
-            <a:ext cx="2133000" cy="364320"/>
+            <a:ext cx="2132640" cy="363960"/>
           </a:xfrm>
           <a:prstGeom prst="rect">
             <a:avLst/>
@@ -2837,7 +2837,7 @@
         <p:spPr>
           <a:xfrm>
             <a:off x="3124080" y="6356520"/>
-            <a:ext cx="2894760" cy="364320"/>
+            <a:ext cx="2894400" cy="363960"/>
           </a:xfrm>
           <a:prstGeom prst="rect">
             <a:avLst/>
@@ -2909,7 +2909,7 @@
         <p:spPr>
           <a:xfrm>
             <a:off x="6553080" y="6356520"/>
-            <a:ext cx="2133000" cy="364320"/>
+            <a:ext cx="2132640" cy="363960"/>
           </a:xfrm>
           <a:prstGeom prst="rect">
             <a:avLst/>
@@ -2952,7 +2952,7 @@
                 <a:tab algn="l" pos="0"/>
               </a:tabLst>
             </a:pPr>
-            <a:fld id="{8B862EC2-F97F-46D5-BD7E-1A6377BE9BA6}" type="slidenum">
+            <a:fld id="{F2DEAB6B-0EA1-4603-BA2D-D20EB6CDC4D6}" type="slidenum">
               <a:rPr b="0" lang="en-US" sz="1200" spc="-1" strike="noStrike">
                 <a:solidFill>
                   <a:schemeClr val="dk1">
@@ -2985,7 +2985,7 @@
         <p:spPr>
           <a:xfrm>
             <a:off x="457200" y="6356520"/>
-            <a:ext cx="2133000" cy="364320"/>
+            <a:ext cx="2132640" cy="363960"/>
           </a:xfrm>
           <a:prstGeom prst="rect">
             <a:avLst/>
@@ -3078,7 +3078,7 @@
         <p:spPr>
           <a:xfrm>
             <a:off x="3124080" y="6356520"/>
-            <a:ext cx="2894760" cy="364320"/>
+            <a:ext cx="2894400" cy="363960"/>
           </a:xfrm>
           <a:prstGeom prst="rect">
             <a:avLst/>
@@ -3150,7 +3150,7 @@
         <p:spPr>
           <a:xfrm>
             <a:off x="6553080" y="6356520"/>
-            <a:ext cx="2133000" cy="364320"/>
+            <a:ext cx="2132640" cy="363960"/>
           </a:xfrm>
           <a:prstGeom prst="rect">
             <a:avLst/>
@@ -3193,7 +3193,7 @@
                 <a:tab algn="l" pos="0"/>
               </a:tabLst>
             </a:pPr>
-            <a:fld id="{964A0C8B-4DE2-4B78-AB73-CCCEF4AA895E}" type="slidenum">
+            <a:fld id="{2136CA94-68EA-4579-BA11-BAA909B62EAC}" type="slidenum">
               <a:rPr b="0" lang="en-US" sz="1200" spc="-1" strike="noStrike">
                 <a:solidFill>
                   <a:schemeClr val="dk1">
@@ -3226,7 +3226,7 @@
         <p:spPr>
           <a:xfrm>
             <a:off x="457200" y="6356520"/>
-            <a:ext cx="2133000" cy="364320"/>
+            <a:ext cx="2132640" cy="363960"/>
           </a:xfrm>
           <a:prstGeom prst="rect">
             <a:avLst/>
@@ -3344,16 +3344,7 @@
                 </a:solidFill>
                 <a:latin typeface="Arial"/>
               </a:rPr>
-              <a:t>Nhấn để chỉnh sửa định </a:t>
-            </a:r>
-            <a:r>
-              <a:rPr b="0" lang="vi-VN" sz="1800" spc="-1" strike="noStrike">
-                <a:solidFill>
-                  <a:srgbClr val="000000"/>
-                </a:solidFill>
-                <a:latin typeface="Arial"/>
-              </a:rPr>
-              <a:t>dạng cho tiêu đề</a:t>
+              <a:t>Nhấn để chỉnh sửa định dạng cho tiêu đề</a:t>
             </a:r>
             <a:endParaRPr b="0" lang="vi-VN" sz="1800" spc="-1" strike="noStrike">
               <a:solidFill>
@@ -3827,7 +3818,7 @@
         <p:spPr>
           <a:xfrm>
             <a:off x="3124080" y="6356520"/>
-            <a:ext cx="2894760" cy="364320"/>
+            <a:ext cx="2894400" cy="363960"/>
           </a:xfrm>
           <a:prstGeom prst="rect">
             <a:avLst/>
@@ -3899,7 +3890,7 @@
         <p:spPr>
           <a:xfrm>
             <a:off x="6553080" y="6356520"/>
-            <a:ext cx="2133000" cy="364320"/>
+            <a:ext cx="2132640" cy="363960"/>
           </a:xfrm>
           <a:prstGeom prst="rect">
             <a:avLst/>
@@ -3942,7 +3933,7 @@
                 <a:tab algn="l" pos="0"/>
               </a:tabLst>
             </a:pPr>
-            <a:fld id="{6207B3F7-5174-4871-B732-7620C4420606}" type="slidenum">
+            <a:fld id="{B2400A1E-25D4-4521-90A3-8EB6C3F28F57}" type="slidenum">
               <a:rPr b="0" lang="en-US" sz="1200" spc="-1" strike="noStrike">
                 <a:solidFill>
                   <a:schemeClr val="dk1">
@@ -3975,7 +3966,7 @@
         <p:spPr>
           <a:xfrm>
             <a:off x="457200" y="6356520"/>
-            <a:ext cx="2133000" cy="364320"/>
+            <a:ext cx="2132640" cy="363960"/>
           </a:xfrm>
           <a:prstGeom prst="rect">
             <a:avLst/>
@@ -4068,7 +4059,7 @@
         <p:spPr>
           <a:xfrm>
             <a:off x="3124080" y="6356520"/>
-            <a:ext cx="2894760" cy="364320"/>
+            <a:ext cx="2894400" cy="363960"/>
           </a:xfrm>
           <a:prstGeom prst="rect">
             <a:avLst/>
@@ -4140,7 +4131,7 @@
         <p:spPr>
           <a:xfrm>
             <a:off x="6553080" y="6356520"/>
-            <a:ext cx="2133000" cy="364320"/>
+            <a:ext cx="2132640" cy="363960"/>
           </a:xfrm>
           <a:prstGeom prst="rect">
             <a:avLst/>
@@ -4183,7 +4174,7 @@
                 <a:tab algn="l" pos="0"/>
               </a:tabLst>
             </a:pPr>
-            <a:fld id="{82DDF3D2-F929-4F20-81D7-5F3CBF8DAD3E}" type="slidenum">
+            <a:fld id="{421F7B68-8277-4F2D-8611-19B967F4438B}" type="slidenum">
               <a:rPr b="0" lang="en-US" sz="1200" spc="-1" strike="noStrike">
                 <a:solidFill>
                   <a:schemeClr val="dk1">
@@ -4216,7 +4207,7 @@
         <p:spPr>
           <a:xfrm>
             <a:off x="457200" y="6356520"/>
-            <a:ext cx="2133000" cy="364320"/>
+            <a:ext cx="2132640" cy="363960"/>
           </a:xfrm>
           <a:prstGeom prst="rect">
             <a:avLst/>
@@ -4334,7 +4325,16 @@
                 </a:solidFill>
                 <a:latin typeface="Arial"/>
               </a:rPr>
-              <a:t>Nhấn để chỉnh sửa định dạng cho tiêu đề</a:t>
+              <a:t>Nhấn để chỉnh sửa định </a:t>
+            </a:r>
+            <a:r>
+              <a:rPr b="0" lang="vi-VN" sz="1800" spc="-1" strike="noStrike">
+                <a:solidFill>
+                  <a:srgbClr val="000000"/>
+                </a:solidFill>
+                <a:latin typeface="Arial"/>
+              </a:rPr>
+              <a:t>dạng cho tiêu đề</a:t>
             </a:r>
             <a:endParaRPr b="0" lang="vi-VN" sz="1800" spc="-1" strike="noStrike">
               <a:solidFill>
@@ -4358,7 +4358,7 @@
         <p:spPr>
           <a:xfrm>
             <a:off x="3124080" y="6356520"/>
-            <a:ext cx="2894760" cy="364320"/>
+            <a:ext cx="2894400" cy="363960"/>
           </a:xfrm>
           <a:prstGeom prst="rect">
             <a:avLst/>
@@ -4430,7 +4430,7 @@
         <p:spPr>
           <a:xfrm>
             <a:off x="6553080" y="6356520"/>
-            <a:ext cx="2133000" cy="364320"/>
+            <a:ext cx="2132640" cy="363960"/>
           </a:xfrm>
           <a:prstGeom prst="rect">
             <a:avLst/>
@@ -4473,7 +4473,7 @@
                 <a:tab algn="l" pos="0"/>
               </a:tabLst>
             </a:pPr>
-            <a:fld id="{990B1961-8ADE-4A31-914A-81E65060DE8C}" type="slidenum">
+            <a:fld id="{F67B8E3C-DDCB-45DD-A059-34759750DCA4}" type="slidenum">
               <a:rPr b="0" lang="en-US" sz="1200" spc="-1" strike="noStrike">
                 <a:solidFill>
                   <a:schemeClr val="dk1">
@@ -4506,7 +4506,7 @@
         <p:spPr>
           <a:xfrm>
             <a:off x="457200" y="6356520"/>
-            <a:ext cx="2133000" cy="364320"/>
+            <a:ext cx="2132640" cy="363960"/>
           </a:xfrm>
           <a:prstGeom prst="rect">
             <a:avLst/>
@@ -4599,7 +4599,7 @@
         <p:spPr>
           <a:xfrm>
             <a:off x="3124080" y="6356520"/>
-            <a:ext cx="2894760" cy="364320"/>
+            <a:ext cx="2894400" cy="363960"/>
           </a:xfrm>
           <a:prstGeom prst="rect">
             <a:avLst/>
@@ -4671,7 +4671,7 @@
         <p:spPr>
           <a:xfrm>
             <a:off x="6553080" y="6356520"/>
-            <a:ext cx="2133000" cy="364320"/>
+            <a:ext cx="2132640" cy="363960"/>
           </a:xfrm>
           <a:prstGeom prst="rect">
             <a:avLst/>
@@ -4714,7 +4714,7 @@
                 <a:tab algn="l" pos="0"/>
               </a:tabLst>
             </a:pPr>
-            <a:fld id="{8D0BE348-979C-4A84-A670-3944EF83C1CA}" type="slidenum">
+            <a:fld id="{1EA7667B-299D-4DA1-A6F6-9603EE556DD4}" type="slidenum">
               <a:rPr b="0" lang="en-US" sz="1200" spc="-1" strike="noStrike">
                 <a:solidFill>
                   <a:schemeClr val="dk1">
@@ -4747,7 +4747,7 @@
         <p:spPr>
           <a:xfrm>
             <a:off x="457200" y="6356520"/>
-            <a:ext cx="2133000" cy="364320"/>
+            <a:ext cx="2132640" cy="363960"/>
           </a:xfrm>
           <a:prstGeom prst="rect">
             <a:avLst/>
@@ -4832,34 +4832,7 @@
                 </a:solidFill>
                 <a:latin typeface="Arial"/>
               </a:rPr>
-              <a:t>Nhấn để </a:t>
-            </a:r>
-            <a:r>
-              <a:rPr b="0" lang="vi-VN" sz="4400" spc="-1" strike="noStrike">
-                <a:solidFill>
-                  <a:srgbClr val="000000"/>
-                </a:solidFill>
-                <a:latin typeface="Arial"/>
-              </a:rPr>
-              <a:t>chỉnh sửa </a:t>
-            </a:r>
-            <a:r>
-              <a:rPr b="0" lang="vi-VN" sz="4400" spc="-1" strike="noStrike">
-                <a:solidFill>
-                  <a:srgbClr val="000000"/>
-                </a:solidFill>
-                <a:latin typeface="Arial"/>
-              </a:rPr>
-              <a:t>định dạng </a:t>
-            </a:r>
-            <a:r>
-              <a:rPr b="0" lang="vi-VN" sz="4400" spc="-1" strike="noStrike">
-                <a:solidFill>
-                  <a:srgbClr val="000000"/>
-                </a:solidFill>
-                <a:latin typeface="Arial"/>
-              </a:rPr>
-              <a:t>cho tiêu đề</a:t>
+              <a:t>Nhấn để chỉnh sửa định dạng cho tiêu đề</a:t>
             </a:r>
             <a:endParaRPr b="0" lang="vi-VN" sz="4400" spc="-1" strike="noStrike">
               <a:solidFill>
@@ -5137,15 +5110,15 @@
         <p:spPr>
           <a:xfrm>
             <a:off x="17259480" y="515520"/>
-            <a:ext cx="2270520" cy="2270520"/>
+            <a:ext cx="2270160" cy="2270160"/>
           </a:xfrm>
           <a:custGeom>
             <a:avLst/>
             <a:gdLst>
-              <a:gd name="textAreaLeft" fmla="*/ 0 w 2270520"/>
-              <a:gd name="textAreaRight" fmla="*/ 2271240 w 2270520"/>
-              <a:gd name="textAreaTop" fmla="*/ 0 h 2270520"/>
-              <a:gd name="textAreaBottom" fmla="*/ 2271240 h 2270520"/>
+              <a:gd name="textAreaLeft" fmla="*/ 0 w 2270160"/>
+              <a:gd name="textAreaRight" fmla="*/ 2271240 w 2270160"/>
+              <a:gd name="textAreaTop" fmla="*/ 0 h 2270160"/>
+              <a:gd name="textAreaBottom" fmla="*/ 2271240 h 2270160"/>
             </a:gdLst>
             <a:ahLst/>
             <a:rect l="textAreaLeft" t="textAreaTop" r="textAreaRight" b="textAreaBottom"/>
@@ -5219,15 +5192,15 @@
         <p:spPr>
           <a:xfrm>
             <a:off x="-1849320" y="0"/>
-            <a:ext cx="15034680" cy="11480760"/>
+            <a:ext cx="15034320" cy="11480400"/>
           </a:xfrm>
           <a:custGeom>
             <a:avLst/>
             <a:gdLst>
-              <a:gd name="textAreaLeft" fmla="*/ 0 w 15034680"/>
-              <a:gd name="textAreaRight" fmla="*/ 15035400 w 15034680"/>
-              <a:gd name="textAreaTop" fmla="*/ 0 h 11480760"/>
-              <a:gd name="textAreaBottom" fmla="*/ 11481480 h 11480760"/>
+              <a:gd name="textAreaLeft" fmla="*/ 0 w 15034320"/>
+              <a:gd name="textAreaRight" fmla="*/ 15035400 w 15034320"/>
+              <a:gd name="textAreaTop" fmla="*/ 0 h 11480400"/>
+              <a:gd name="textAreaBottom" fmla="*/ 11481480 h 11480400"/>
             </a:gdLst>
             <a:ahLst/>
             <a:rect l="textAreaLeft" t="textAreaTop" r="textAreaRight" b="textAreaBottom"/>
@@ -5301,7 +5274,7 @@
         <p:spPr>
           <a:xfrm>
             <a:off x="801360" y="3064320"/>
-            <a:ext cx="9661320" cy="2028600"/>
+            <a:ext cx="9660960" cy="2028600"/>
           </a:xfrm>
           <a:prstGeom prst="rect">
             <a:avLst/>
@@ -5355,7 +5328,7 @@
         <p:spPr>
           <a:xfrm>
             <a:off x="765360" y="4727160"/>
-            <a:ext cx="9602280" cy="2028960"/>
+            <a:ext cx="9601920" cy="2028600"/>
           </a:xfrm>
           <a:prstGeom prst="rect">
             <a:avLst/>
@@ -5409,7 +5382,7 @@
         <p:spPr>
           <a:xfrm>
             <a:off x="1028880" y="7071840"/>
-            <a:ext cx="7058520" cy="475920"/>
+            <a:ext cx="7058160" cy="475920"/>
           </a:xfrm>
           <a:prstGeom prst="rect">
             <a:avLst/>
@@ -5439,7 +5412,7 @@
               </a:tabLst>
             </a:pPr>
             <a:r>
-              <a:rPr b="1" lang="en-US" sz="2500" spc="245" strike="noStrike">
+              <a:rPr b="1" lang="en-US" sz="2500" spc="242" strike="noStrike">
                 <a:solidFill>
                   <a:srgbClr val="f5f6f7"/>
                 </a:solidFill>
@@ -5466,15 +5439,15 @@
         <p:spPr>
           <a:xfrm>
             <a:off x="-896760" y="8552880"/>
-            <a:ext cx="3467520" cy="3467520"/>
+            <a:ext cx="3467160" cy="3467160"/>
           </a:xfrm>
           <a:custGeom>
             <a:avLst/>
             <a:gdLst>
-              <a:gd name="textAreaLeft" fmla="*/ 0 w 3467520"/>
-              <a:gd name="textAreaRight" fmla="*/ 3468240 w 3467520"/>
-              <a:gd name="textAreaTop" fmla="*/ 0 h 3467520"/>
-              <a:gd name="textAreaBottom" fmla="*/ 3468240 h 3467520"/>
+              <a:gd name="textAreaLeft" fmla="*/ 0 w 3467160"/>
+              <a:gd name="textAreaRight" fmla="*/ 3468240 w 3467160"/>
+              <a:gd name="textAreaTop" fmla="*/ 0 h 3467160"/>
+              <a:gd name="textAreaBottom" fmla="*/ 3468240 h 3467160"/>
             </a:gdLst>
             <a:ahLst/>
             <a:rect l="textAreaLeft" t="textAreaTop" r="textAreaRight" b="textAreaBottom"/>
@@ -5547,16 +5520,16 @@
         </p:nvSpPr>
         <p:spPr>
           <a:xfrm>
-            <a:off x="10976760" y="1212480"/>
-            <a:ext cx="6697800" cy="9073800"/>
+            <a:off x="11122560" y="1440000"/>
+            <a:ext cx="6697440" cy="9073440"/>
           </a:xfrm>
           <a:custGeom>
             <a:avLst/>
             <a:gdLst>
-              <a:gd name="textAreaLeft" fmla="*/ 0 w 6697800"/>
-              <a:gd name="textAreaRight" fmla="*/ 6698520 w 6697800"/>
-              <a:gd name="textAreaTop" fmla="*/ 0 h 9073800"/>
-              <a:gd name="textAreaBottom" fmla="*/ 9074520 h 9073800"/>
+              <a:gd name="textAreaLeft" fmla="*/ 0 w 6697440"/>
+              <a:gd name="textAreaRight" fmla="*/ 6698520 w 6697440"/>
+              <a:gd name="textAreaTop" fmla="*/ 0 h 9073440"/>
+              <a:gd name="textAreaBottom" fmla="*/ 9074520 h 9073440"/>
             </a:gdLst>
             <a:ahLst/>
             <a:rect l="textAreaLeft" t="textAreaTop" r="textAreaRight" b="textAreaBottom"/>
@@ -5662,15 +5635,15 @@
         <p:spPr>
           <a:xfrm>
             <a:off x="10085400" y="-4497840"/>
-            <a:ext cx="10740240" cy="11052000"/>
+            <a:ext cx="10739880" cy="11051640"/>
           </a:xfrm>
           <a:custGeom>
             <a:avLst/>
             <a:gdLst>
-              <a:gd name="textAreaLeft" fmla="*/ 0 w 10740240"/>
-              <a:gd name="textAreaRight" fmla="*/ 10740960 w 10740240"/>
-              <a:gd name="textAreaTop" fmla="*/ 0 h 11052000"/>
-              <a:gd name="textAreaBottom" fmla="*/ 11052720 h 11052000"/>
+              <a:gd name="textAreaLeft" fmla="*/ 0 w 10739880"/>
+              <a:gd name="textAreaRight" fmla="*/ 10740960 w 10739880"/>
+              <a:gd name="textAreaTop" fmla="*/ 0 h 11051640"/>
+              <a:gd name="textAreaBottom" fmla="*/ 11052720 h 11051640"/>
             </a:gdLst>
             <a:ahLst/>
             <a:rect l="textAreaLeft" t="textAreaTop" r="textAreaRight" b="textAreaBottom"/>
@@ -5744,15 +5717,15 @@
         <p:spPr>
           <a:xfrm>
             <a:off x="9492480" y="209160"/>
-            <a:ext cx="7765920" cy="6452640"/>
+            <a:ext cx="7765560" cy="6452280"/>
           </a:xfrm>
           <a:custGeom>
             <a:avLst/>
             <a:gdLst>
-              <a:gd name="textAreaLeft" fmla="*/ 0 w 7765920"/>
-              <a:gd name="textAreaRight" fmla="*/ 7766640 w 7765920"/>
-              <a:gd name="textAreaTop" fmla="*/ 0 h 6452640"/>
-              <a:gd name="textAreaBottom" fmla="*/ 6453360 h 6452640"/>
+              <a:gd name="textAreaLeft" fmla="*/ 0 w 7765560"/>
+              <a:gd name="textAreaRight" fmla="*/ 7766640 w 7765560"/>
+              <a:gd name="textAreaTop" fmla="*/ 0 h 6452280"/>
+              <a:gd name="textAreaBottom" fmla="*/ 6453360 h 6452280"/>
             </a:gdLst>
             <a:ahLst/>
             <a:rect l="textAreaLeft" t="textAreaTop" r="textAreaRight" b="textAreaBottom"/>
@@ -5826,7 +5799,7 @@
         <p:spPr>
           <a:xfrm>
             <a:off x="7368840" y="7557120"/>
-            <a:ext cx="3305520" cy="475920"/>
+            <a:ext cx="3305160" cy="475920"/>
           </a:xfrm>
           <a:prstGeom prst="rect">
             <a:avLst/>
@@ -5856,7 +5829,7 @@
               </a:tabLst>
             </a:pPr>
             <a:r>
-              <a:rPr b="1" lang="en-US" sz="2500" spc="245" strike="noStrike">
+              <a:rPr b="1" lang="en-US" sz="2500" spc="242" strike="noStrike">
                 <a:solidFill>
                   <a:srgbClr val="f5f6f7"/>
                 </a:solidFill>
@@ -5883,7 +5856,7 @@
         <p:spPr>
           <a:xfrm>
             <a:off x="1491120" y="7557120"/>
-            <a:ext cx="3305520" cy="475920"/>
+            <a:ext cx="3305160" cy="475920"/>
           </a:xfrm>
           <a:prstGeom prst="rect">
             <a:avLst/>
@@ -5913,7 +5886,7 @@
               </a:tabLst>
             </a:pPr>
             <a:r>
-              <a:rPr b="1" lang="en-US" sz="2500" spc="245" strike="noStrike">
+              <a:rPr b="1" lang="en-US" sz="2500" spc="242" strike="noStrike">
                 <a:solidFill>
                   <a:srgbClr val="f5f6f7"/>
                 </a:solidFill>
@@ -5940,7 +5913,7 @@
         <p:spPr>
           <a:xfrm>
             <a:off x="-879120" y="5522400"/>
-            <a:ext cx="12071520" cy="1173960"/>
+            <a:ext cx="12071160" cy="1173600"/>
           </a:xfrm>
           <a:prstGeom prst="rect">
             <a:avLst/>
@@ -6049,7 +6022,7 @@
         <p:spPr>
           <a:xfrm>
             <a:off x="1518480" y="2302560"/>
-            <a:ext cx="7276320" cy="2438640"/>
+            <a:ext cx="7275960" cy="2438280"/>
           </a:xfrm>
           <a:prstGeom prst="rect">
             <a:avLst/>
@@ -6142,7 +6115,7 @@
                 <a:latin typeface="Gill Sans Bold"/>
                 <a:ea typeface="Gill Sans Bold"/>
               </a:rPr>
-              <a:t>Shopee</a:t>
+              <a:t>shInk</a:t>
             </a:r>
             <a:endParaRPr b="0" lang="vi-VN" sz="8000" spc="-1" strike="noStrike">
               <a:solidFill>
@@ -6193,16 +6166,16 @@
         </p:nvSpPr>
         <p:spPr>
           <a:xfrm rot="15759600">
-            <a:off x="7757640" y="-3751200"/>
-            <a:ext cx="13249440" cy="12182760"/>
+            <a:off x="7757280" y="-3750840"/>
+            <a:ext cx="13249080" cy="12182400"/>
           </a:xfrm>
           <a:custGeom>
             <a:avLst/>
             <a:gdLst>
-              <a:gd name="textAreaLeft" fmla="*/ 0 w 13249440"/>
-              <a:gd name="textAreaRight" fmla="*/ 13250160 w 13249440"/>
-              <a:gd name="textAreaTop" fmla="*/ 0 h 12182760"/>
-              <a:gd name="textAreaBottom" fmla="*/ 12183480 h 12182760"/>
+              <a:gd name="textAreaLeft" fmla="*/ 0 w 13249080"/>
+              <a:gd name="textAreaRight" fmla="*/ 13250160 w 13249080"/>
+              <a:gd name="textAreaTop" fmla="*/ 0 h 12182400"/>
+              <a:gd name="textAreaBottom" fmla="*/ 12183480 h 12182400"/>
             </a:gdLst>
             <a:ahLst/>
             <a:rect l="textAreaLeft" t="textAreaTop" r="textAreaRight" b="textAreaBottom"/>
@@ -6276,15 +6249,15 @@
         <p:spPr>
           <a:xfrm>
             <a:off x="9360000" y="2150640"/>
-            <a:ext cx="8967240" cy="8135640"/>
+            <a:ext cx="8966880" cy="8135280"/>
           </a:xfrm>
           <a:custGeom>
             <a:avLst/>
             <a:gdLst>
-              <a:gd name="textAreaLeft" fmla="*/ 0 w 8967240"/>
-              <a:gd name="textAreaRight" fmla="*/ 8967960 w 8967240"/>
-              <a:gd name="textAreaTop" fmla="*/ 0 h 8135640"/>
-              <a:gd name="textAreaBottom" fmla="*/ 8136360 h 8135640"/>
+              <a:gd name="textAreaLeft" fmla="*/ 0 w 8966880"/>
+              <a:gd name="textAreaRight" fmla="*/ 8967960 w 8966880"/>
+              <a:gd name="textAreaTop" fmla="*/ 0 h 8135280"/>
+              <a:gd name="textAreaBottom" fmla="*/ 8136360 h 8135280"/>
             </a:gdLst>
             <a:ahLst/>
             <a:rect l="textAreaLeft" t="textAreaTop" r="textAreaRight" b="textAreaBottom"/>
@@ -6358,7 +6331,7 @@
         <p:spPr>
           <a:xfrm>
             <a:off x="1311840" y="4894200"/>
-            <a:ext cx="2729880" cy="475920"/>
+            <a:ext cx="2729520" cy="475920"/>
           </a:xfrm>
           <a:prstGeom prst="rect">
             <a:avLst/>
@@ -6388,7 +6361,7 @@
               </a:tabLst>
             </a:pPr>
             <a:r>
-              <a:rPr b="1" lang="en-US" sz="2500" spc="245" strike="noStrike">
+              <a:rPr b="1" lang="en-US" sz="2500" spc="242" strike="noStrike">
                 <a:solidFill>
                   <a:srgbClr val="f5f6f7"/>
                 </a:solidFill>
@@ -6415,7 +6388,7 @@
         <p:spPr>
           <a:xfrm>
             <a:off x="5283720" y="4895280"/>
-            <a:ext cx="3589200" cy="475920"/>
+            <a:ext cx="3588840" cy="475920"/>
           </a:xfrm>
           <a:prstGeom prst="rect">
             <a:avLst/>
@@ -6445,7 +6418,7 @@
               </a:tabLst>
             </a:pPr>
             <a:r>
-              <a:rPr b="1" lang="en-US" sz="2500" spc="245" strike="noStrike">
+              <a:rPr b="1" lang="en-US" sz="2500" spc="242" strike="noStrike">
                 <a:solidFill>
                   <a:srgbClr val="f5f6f7"/>
                 </a:solidFill>
@@ -6472,7 +6445,7 @@
         <p:spPr>
           <a:xfrm>
             <a:off x="1311840" y="7552080"/>
-            <a:ext cx="3002040" cy="475920"/>
+            <a:ext cx="3001680" cy="475920"/>
           </a:xfrm>
           <a:prstGeom prst="rect">
             <a:avLst/>
@@ -6502,7 +6475,7 @@
               </a:tabLst>
             </a:pPr>
             <a:r>
-              <a:rPr b="1" lang="en-US" sz="2500" spc="245" strike="noStrike">
+              <a:rPr b="1" lang="en-US" sz="2500" spc="242" strike="noStrike">
                 <a:solidFill>
                   <a:srgbClr val="f5f6f7"/>
                 </a:solidFill>
@@ -6529,7 +6502,7 @@
         <p:spPr>
           <a:xfrm>
             <a:off x="5283720" y="7552080"/>
-            <a:ext cx="3457080" cy="475920"/>
+            <a:ext cx="3456720" cy="475920"/>
           </a:xfrm>
           <a:prstGeom prst="rect">
             <a:avLst/>
@@ -6559,7 +6532,7 @@
               </a:tabLst>
             </a:pPr>
             <a:r>
-              <a:rPr b="1" lang="en-US" sz="2500" spc="245" strike="noStrike">
+              <a:rPr b="1" lang="en-US" sz="2500" spc="242" strike="noStrike">
                 <a:solidFill>
                   <a:srgbClr val="f5f6f7"/>
                 </a:solidFill>
@@ -6586,7 +6559,7 @@
         <p:spPr>
           <a:xfrm>
             <a:off x="1166040" y="571680"/>
-            <a:ext cx="8114760" cy="2438640"/>
+            <a:ext cx="8114400" cy="2438280"/>
           </a:xfrm>
           <a:prstGeom prst="rect">
             <a:avLst/>
@@ -6679,7 +6652,7 @@
         <p:spPr>
           <a:xfrm>
             <a:off x="535680" y="3033720"/>
-            <a:ext cx="7693200" cy="6793920"/>
+            <a:ext cx="7692840" cy="6793920"/>
           </a:xfrm>
           <a:prstGeom prst="rect">
             <a:avLst/>
@@ -6711,7 +6684,7 @@
               <a:buChar char="•"/>
             </a:pPr>
             <a:r>
-              <a:rPr b="0" lang="vi-VN" sz="4000" spc="296" strike="noStrike">
+              <a:rPr b="0" lang="vi-VN" sz="4000" spc="293" strike="noStrike">
                 <a:solidFill>
                   <a:srgbClr val="121640"/>
                 </a:solidFill>
@@ -6721,7 +6694,7 @@
               <a:t>Với giao diện thân thiện và dễ sử dụng, shink mang đến trải nghiệm mua sắm trực tuyến thuận tiện cho người dùng</a:t>
             </a:r>
             <a:r>
-              <a:rPr b="0" lang="en-US" sz="4000" spc="296" strike="noStrike">
+              <a:rPr b="0" lang="en-US" sz="4000" spc="293" strike="noStrike">
                 <a:solidFill>
                   <a:srgbClr val="121640"/>
                 </a:solidFill>
@@ -6749,7 +6722,7 @@
               <a:buChar char="•"/>
             </a:pPr>
             <a:r>
-              <a:rPr b="0" lang="vi-VN" sz="4000" spc="296" strike="noStrike">
+              <a:rPr b="0" lang="vi-VN" sz="4000" spc="293" strike="noStrike">
                 <a:solidFill>
                   <a:srgbClr val="121640"/>
                 </a:solidFill>
@@ -7416,9 +7389,9 @@
         <p:grpSpPr>
           <a:xfrm>
             <a:off x="-5670000" y="-2828520"/>
-            <a:ext cx="8906760" cy="8906760"/>
+            <a:ext cx="8906400" cy="8906400"/>
             <a:chOff x="-5670000" y="-2828520"/>
-            <a:chExt cx="8906760" cy="8906760"/>
+            <a:chExt cx="8906400" cy="8906400"/>
           </a:xfrm>
         </p:grpSpPr>
         <p:sp>
@@ -7430,15 +7403,15 @@
           <p:spPr>
             <a:xfrm>
               <a:off x="-5670000" y="-2828520"/>
-              <a:ext cx="8906760" cy="8906760"/>
+              <a:ext cx="8906400" cy="8906400"/>
             </a:xfrm>
             <a:custGeom>
               <a:avLst/>
               <a:gdLst>
-                <a:gd name="textAreaLeft" fmla="*/ 0 w 8906760"/>
-                <a:gd name="textAreaRight" fmla="*/ 8907480 w 8906760"/>
-                <a:gd name="textAreaTop" fmla="*/ 0 h 8906760"/>
-                <a:gd name="textAreaBottom" fmla="*/ 8907480 h 8906760"/>
+                <a:gd name="textAreaLeft" fmla="*/ 0 w 8906400"/>
+                <a:gd name="textAreaRight" fmla="*/ 8907480 w 8906400"/>
+                <a:gd name="textAreaTop" fmla="*/ 0 h 8906400"/>
+                <a:gd name="textAreaBottom" fmla="*/ 8907480 h 8906400"/>
               </a:gdLst>
               <a:ahLst/>
               <a:rect l="textAreaLeft" t="textAreaTop" r="textAreaRight" b="textAreaBottom"/>
@@ -7512,7 +7485,7 @@
           <p:spPr>
             <a:xfrm>
               <a:off x="-4834800" y="-2619720"/>
-              <a:ext cx="7236720" cy="7862760"/>
+              <a:ext cx="7236360" cy="7862400"/>
             </a:xfrm>
             <a:prstGeom prst="rect">
               <a:avLst/>
@@ -7557,15 +7530,15 @@
         <p:spPr>
           <a:xfrm>
             <a:off x="-2820240" y="2100600"/>
-            <a:ext cx="7748280" cy="8405640"/>
+            <a:ext cx="7747920" cy="8405280"/>
           </a:xfrm>
           <a:custGeom>
             <a:avLst/>
             <a:gdLst>
-              <a:gd name="textAreaLeft" fmla="*/ 0 w 7748280"/>
-              <a:gd name="textAreaRight" fmla="*/ 7749000 w 7748280"/>
-              <a:gd name="textAreaTop" fmla="*/ 0 h 8405640"/>
-              <a:gd name="textAreaBottom" fmla="*/ 8406360 h 8405640"/>
+              <a:gd name="textAreaLeft" fmla="*/ 0 w 7747920"/>
+              <a:gd name="textAreaRight" fmla="*/ 7749000 w 7747920"/>
+              <a:gd name="textAreaTop" fmla="*/ 0 h 8405280"/>
+              <a:gd name="textAreaBottom" fmla="*/ 8406360 h 8405280"/>
             </a:gdLst>
             <a:ahLst/>
             <a:rect l="textAreaLeft" t="textAreaTop" r="textAreaRight" b="textAreaBottom"/>
@@ -7639,7 +7612,7 @@
         <p:spPr>
           <a:xfrm>
             <a:off x="4928760" y="1465200"/>
-            <a:ext cx="12239640" cy="1219320"/>
+            <a:ext cx="12239280" cy="1218960"/>
           </a:xfrm>
           <a:prstGeom prst="rect">
             <a:avLst/>
@@ -7716,7 +7689,7 @@
         <p:spPr>
           <a:xfrm>
             <a:off x="14072400" y="3912120"/>
-            <a:ext cx="3057840" cy="476280"/>
+            <a:ext cx="3057480" cy="475920"/>
           </a:xfrm>
           <a:prstGeom prst="rect">
             <a:avLst/>
@@ -7746,7 +7719,7 @@
               </a:tabLst>
             </a:pPr>
             <a:r>
-              <a:rPr b="1" lang="en-US" sz="4400" spc="245" strike="noStrike">
+              <a:rPr b="1" lang="en-US" sz="4400" spc="242" strike="noStrike">
                 <a:solidFill>
                   <a:srgbClr val="f5f6f7"/>
                 </a:solidFill>
@@ -7773,7 +7746,7 @@
         <p:spPr>
           <a:xfrm>
             <a:off x="10842120" y="3972240"/>
-            <a:ext cx="3057840" cy="476280"/>
+            <a:ext cx="3057480" cy="475920"/>
           </a:xfrm>
           <a:prstGeom prst="rect">
             <a:avLst/>
@@ -7803,7 +7776,7 @@
               </a:tabLst>
             </a:pPr>
             <a:r>
-              <a:rPr b="1" lang="en-US" sz="4400" spc="245" strike="noStrike">
+              <a:rPr b="1" lang="en-US" sz="4400" spc="242" strike="noStrike">
                 <a:solidFill>
                   <a:srgbClr val="f5f6f7"/>
                 </a:solidFill>
@@ -7830,7 +7803,7 @@
         <p:spPr>
           <a:xfrm>
             <a:off x="7612200" y="3912120"/>
-            <a:ext cx="3057840" cy="476280"/>
+            <a:ext cx="3057480" cy="475920"/>
           </a:xfrm>
           <a:prstGeom prst="rect">
             <a:avLst/>
@@ -7860,7 +7833,7 @@
               </a:tabLst>
             </a:pPr>
             <a:r>
-              <a:rPr b="1" lang="en-US" sz="4400" spc="245" strike="noStrike">
+              <a:rPr b="1" lang="en-US" sz="4400" spc="242" strike="noStrike">
                 <a:solidFill>
                   <a:srgbClr val="f5f6f7"/>
                 </a:solidFill>
@@ -7887,7 +7860,7 @@
         <p:spPr>
           <a:xfrm>
             <a:off x="4343760" y="3972240"/>
-            <a:ext cx="3057840" cy="476280"/>
+            <a:ext cx="3057480" cy="475920"/>
           </a:xfrm>
           <a:prstGeom prst="rect">
             <a:avLst/>
@@ -7917,7 +7890,7 @@
               </a:tabLst>
             </a:pPr>
             <a:r>
-              <a:rPr b="1" lang="en-US" sz="4400" spc="245" strike="noStrike">
+              <a:rPr b="1" lang="en-US" sz="4400" spc="242" strike="noStrike">
                 <a:solidFill>
                   <a:srgbClr val="f5f6f7"/>
                 </a:solidFill>
@@ -7944,7 +7917,7 @@
         <p:spPr>
           <a:xfrm>
             <a:off x="14224680" y="5296680"/>
-            <a:ext cx="2829960" cy="782640"/>
+            <a:ext cx="2829600" cy="782280"/>
           </a:xfrm>
           <a:prstGeom prst="rect">
             <a:avLst/>
@@ -8001,7 +7974,7 @@
         <p:spPr>
           <a:xfrm>
             <a:off x="10956240" y="5296680"/>
-            <a:ext cx="2829960" cy="782640"/>
+            <a:ext cx="2829600" cy="782280"/>
           </a:xfrm>
           <a:prstGeom prst="rect">
             <a:avLst/>
@@ -8058,7 +8031,7 @@
         <p:spPr>
           <a:xfrm>
             <a:off x="7687800" y="5296680"/>
-            <a:ext cx="2829960" cy="782640"/>
+            <a:ext cx="2829600" cy="782280"/>
           </a:xfrm>
           <a:prstGeom prst="rect">
             <a:avLst/>
@@ -8115,7 +8088,7 @@
         <p:spPr>
           <a:xfrm>
             <a:off x="4419360" y="5296680"/>
-            <a:ext cx="2750760" cy="782640"/>
+            <a:ext cx="2750400" cy="782280"/>
           </a:xfrm>
           <a:prstGeom prst="rect">
             <a:avLst/>
@@ -8204,9 +8177,9 @@
         <p:grpSpPr>
           <a:xfrm>
             <a:off x="0" y="0"/>
-            <a:ext cx="18287280" cy="10286280"/>
+            <a:ext cx="18286920" cy="10285920"/>
             <a:chOff x="0" y="0"/>
-            <a:chExt cx="18287280" cy="10286280"/>
+            <a:chExt cx="18286920" cy="10285920"/>
           </a:xfrm>
         </p:grpSpPr>
         <p:pic>
@@ -8225,7 +8198,7 @@
           <p:spPr>
             <a:xfrm>
               <a:off x="0" y="0"/>
-              <a:ext cx="18287280" cy="10286280"/>
+              <a:ext cx="18286920" cy="10285920"/>
             </a:xfrm>
             <a:prstGeom prst="rect">
               <a:avLst/>
@@ -8245,9 +8218,9 @@
         <p:grpSpPr>
           <a:xfrm>
             <a:off x="-2859480" y="779760"/>
-            <a:ext cx="14184360" cy="7768800"/>
+            <a:ext cx="14184000" cy="7768440"/>
             <a:chOff x="-2859480" y="779760"/>
-            <a:chExt cx="14184360" cy="7768800"/>
+            <a:chExt cx="14184000" cy="7768440"/>
           </a:xfrm>
         </p:grpSpPr>
         <p:sp>
@@ -8259,15 +8232,15 @@
           <p:spPr>
             <a:xfrm>
               <a:off x="-2859480" y="1737720"/>
-              <a:ext cx="14184360" cy="6810840"/>
+              <a:ext cx="14184000" cy="6810480"/>
             </a:xfrm>
             <a:custGeom>
               <a:avLst/>
               <a:gdLst>
-                <a:gd name="textAreaLeft" fmla="*/ 0 w 14184360"/>
-                <a:gd name="textAreaRight" fmla="*/ 14185080 w 14184360"/>
-                <a:gd name="textAreaTop" fmla="*/ 0 h 6810840"/>
-                <a:gd name="textAreaBottom" fmla="*/ 6811560 h 6810840"/>
+                <a:gd name="textAreaLeft" fmla="*/ 0 w 14184000"/>
+                <a:gd name="textAreaRight" fmla="*/ 14185080 w 14184000"/>
+                <a:gd name="textAreaTop" fmla="*/ 0 h 6810480"/>
+                <a:gd name="textAreaBottom" fmla="*/ 6811560 h 6810480"/>
               </a:gdLst>
               <a:ahLst/>
               <a:rect l="textAreaLeft" t="textAreaTop" r="textAreaRight" b="textAreaBottom"/>
@@ -8344,7 +8317,7 @@
           <p:spPr>
             <a:xfrm>
               <a:off x="-2859480" y="779760"/>
-              <a:ext cx="14184360" cy="7768800"/>
+              <a:ext cx="14184000" cy="7768440"/>
             </a:xfrm>
             <a:prstGeom prst="rect">
               <a:avLst/>
@@ -8389,9 +8362,9 @@
         <p:grpSpPr>
           <a:xfrm>
             <a:off x="-3600720" y="333720"/>
-            <a:ext cx="15666120" cy="7768800"/>
+            <a:ext cx="15665760" cy="7768440"/>
             <a:chOff x="-3600720" y="333720"/>
-            <a:chExt cx="15666120" cy="7768800"/>
+            <a:chExt cx="15665760" cy="7768440"/>
           </a:xfrm>
         </p:grpSpPr>
         <p:sp>
@@ -8403,15 +8376,15 @@
           <p:spPr>
             <a:xfrm>
               <a:off x="-3600720" y="1291680"/>
-              <a:ext cx="15666120" cy="6810840"/>
+              <a:ext cx="15665760" cy="6810480"/>
             </a:xfrm>
             <a:custGeom>
               <a:avLst/>
               <a:gdLst>
-                <a:gd name="textAreaLeft" fmla="*/ 0 w 15666120"/>
-                <a:gd name="textAreaRight" fmla="*/ 15666840 w 15666120"/>
-                <a:gd name="textAreaTop" fmla="*/ 0 h 6810840"/>
-                <a:gd name="textAreaBottom" fmla="*/ 6811560 h 6810840"/>
+                <a:gd name="textAreaLeft" fmla="*/ 0 w 15665760"/>
+                <a:gd name="textAreaRight" fmla="*/ 15666840 w 15665760"/>
+                <a:gd name="textAreaTop" fmla="*/ 0 h 6810480"/>
+                <a:gd name="textAreaBottom" fmla="*/ 6811560 h 6810480"/>
               </a:gdLst>
               <a:ahLst/>
               <a:rect l="textAreaLeft" t="textAreaTop" r="textAreaRight" b="textAreaBottom"/>
@@ -8489,7 +8462,7 @@
           <p:spPr>
             <a:xfrm>
               <a:off x="-3600720" y="333720"/>
-              <a:ext cx="15666120" cy="7768800"/>
+              <a:ext cx="15665760" cy="7768440"/>
             </a:xfrm>
             <a:prstGeom prst="rect">
               <a:avLst/>
@@ -8534,9 +8507,9 @@
         <p:grpSpPr>
           <a:xfrm>
             <a:off x="1585800" y="4459320"/>
-            <a:ext cx="9380520" cy="1593360"/>
+            <a:ext cx="9380160" cy="1593000"/>
             <a:chOff x="1585800" y="4459320"/>
-            <a:chExt cx="9380520" cy="1593360"/>
+            <a:chExt cx="9380160" cy="1593000"/>
           </a:xfrm>
         </p:grpSpPr>
         <p:sp>
@@ -8548,7 +8521,7 @@
           <p:spPr>
             <a:xfrm>
               <a:off x="2705400" y="4459320"/>
-              <a:ext cx="8260920" cy="1219320"/>
+              <a:ext cx="8260560" cy="1218960"/>
             </a:xfrm>
             <a:prstGeom prst="rect">
               <a:avLst/>
@@ -8605,7 +8578,7 @@
           <p:spPr>
             <a:xfrm>
               <a:off x="1585800" y="5690520"/>
-              <a:ext cx="5957280" cy="362160"/>
+              <a:ext cx="5956920" cy="361800"/>
             </a:xfrm>
             <a:prstGeom prst="rect">
               <a:avLst/>
@@ -8654,9 +8627,9 @@
         <p:grpSpPr>
           <a:xfrm>
             <a:off x="9595800" y="759960"/>
-            <a:ext cx="3458160" cy="3458160"/>
+            <a:ext cx="3457800" cy="3457800"/>
             <a:chOff x="9595800" y="759960"/>
-            <a:chExt cx="3458160" cy="3458160"/>
+            <a:chExt cx="3457800" cy="3457800"/>
           </a:xfrm>
         </p:grpSpPr>
         <p:sp>
@@ -8668,15 +8641,15 @@
           <p:spPr>
             <a:xfrm>
               <a:off x="9595800" y="759960"/>
-              <a:ext cx="3458160" cy="3458160"/>
+              <a:ext cx="3457800" cy="3457800"/>
             </a:xfrm>
             <a:custGeom>
               <a:avLst/>
               <a:gdLst>
-                <a:gd name="textAreaLeft" fmla="*/ 0 w 3458160"/>
-                <a:gd name="textAreaRight" fmla="*/ 3458880 w 3458160"/>
-                <a:gd name="textAreaTop" fmla="*/ 0 h 3458160"/>
-                <a:gd name="textAreaBottom" fmla="*/ 3458880 h 3458160"/>
+                <a:gd name="textAreaLeft" fmla="*/ 0 w 3457800"/>
+                <a:gd name="textAreaRight" fmla="*/ 3458880 w 3457800"/>
+                <a:gd name="textAreaTop" fmla="*/ 0 h 3457800"/>
+                <a:gd name="textAreaBottom" fmla="*/ 3458880 h 3457800"/>
               </a:gdLst>
               <a:ahLst/>
               <a:rect l="textAreaLeft" t="textAreaTop" r="textAreaRight" b="textAreaBottom"/>
@@ -8750,7 +8723,7 @@
           <p:spPr>
             <a:xfrm>
               <a:off x="9920160" y="840960"/>
-              <a:ext cx="2809800" cy="3052800"/>
+              <a:ext cx="2809440" cy="3052440"/>
             </a:xfrm>
             <a:prstGeom prst="rect">
               <a:avLst/>
@@ -8827,9 +8800,9 @@
         <p:grpSpPr>
           <a:xfrm>
             <a:off x="0" y="0"/>
-            <a:ext cx="18287280" cy="10286280"/>
+            <a:ext cx="18286920" cy="10285920"/>
             <a:chOff x="0" y="0"/>
-            <a:chExt cx="18287280" cy="10286280"/>
+            <a:chExt cx="18286920" cy="10285920"/>
           </a:xfrm>
         </p:grpSpPr>
         <p:pic>
@@ -8848,7 +8821,7 @@
           <p:spPr>
             <a:xfrm>
               <a:off x="0" y="0"/>
-              <a:ext cx="18287280" cy="10286280"/>
+              <a:ext cx="18286920" cy="10285920"/>
             </a:xfrm>
             <a:prstGeom prst="rect">
               <a:avLst/>
@@ -8868,9 +8841,9 @@
         <p:grpSpPr>
           <a:xfrm>
             <a:off x="-2859480" y="779760"/>
-            <a:ext cx="14184360" cy="7768800"/>
+            <a:ext cx="14184000" cy="7768440"/>
             <a:chOff x="-2859480" y="779760"/>
-            <a:chExt cx="14184360" cy="7768800"/>
+            <a:chExt cx="14184000" cy="7768440"/>
           </a:xfrm>
         </p:grpSpPr>
         <p:sp>
@@ -8882,15 +8855,15 @@
           <p:spPr>
             <a:xfrm>
               <a:off x="-2859480" y="1737720"/>
-              <a:ext cx="14184360" cy="6810840"/>
+              <a:ext cx="14184000" cy="6810480"/>
             </a:xfrm>
             <a:custGeom>
               <a:avLst/>
               <a:gdLst>
-                <a:gd name="textAreaLeft" fmla="*/ 0 w 14184360"/>
-                <a:gd name="textAreaRight" fmla="*/ 14185080 w 14184360"/>
-                <a:gd name="textAreaTop" fmla="*/ 0 h 6810840"/>
-                <a:gd name="textAreaBottom" fmla="*/ 6811560 h 6810840"/>
+                <a:gd name="textAreaLeft" fmla="*/ 0 w 14184000"/>
+                <a:gd name="textAreaRight" fmla="*/ 14185080 w 14184000"/>
+                <a:gd name="textAreaTop" fmla="*/ 0 h 6810480"/>
+                <a:gd name="textAreaBottom" fmla="*/ 6811560 h 6810480"/>
               </a:gdLst>
               <a:ahLst/>
               <a:rect l="textAreaLeft" t="textAreaTop" r="textAreaRight" b="textAreaBottom"/>
@@ -8967,7 +8940,7 @@
           <p:spPr>
             <a:xfrm>
               <a:off x="-2859480" y="779760"/>
-              <a:ext cx="14184360" cy="7768800"/>
+              <a:ext cx="14184000" cy="7768440"/>
             </a:xfrm>
             <a:prstGeom prst="rect">
               <a:avLst/>
@@ -9012,9 +8985,9 @@
         <p:grpSpPr>
           <a:xfrm>
             <a:off x="-3600720" y="333720"/>
-            <a:ext cx="15666120" cy="7768800"/>
+            <a:ext cx="15665760" cy="7768440"/>
             <a:chOff x="-3600720" y="333720"/>
-            <a:chExt cx="15666120" cy="7768800"/>
+            <a:chExt cx="15665760" cy="7768440"/>
           </a:xfrm>
         </p:grpSpPr>
         <p:sp>
@@ -9026,15 +8999,15 @@
           <p:spPr>
             <a:xfrm>
               <a:off x="-3600720" y="1291680"/>
-              <a:ext cx="15666120" cy="6810840"/>
+              <a:ext cx="15665760" cy="6810480"/>
             </a:xfrm>
             <a:custGeom>
               <a:avLst/>
               <a:gdLst>
-                <a:gd name="textAreaLeft" fmla="*/ 0 w 15666120"/>
-                <a:gd name="textAreaRight" fmla="*/ 15666840 w 15666120"/>
-                <a:gd name="textAreaTop" fmla="*/ 0 h 6810840"/>
-                <a:gd name="textAreaBottom" fmla="*/ 6811560 h 6810840"/>
+                <a:gd name="textAreaLeft" fmla="*/ 0 w 15665760"/>
+                <a:gd name="textAreaRight" fmla="*/ 15666840 w 15665760"/>
+                <a:gd name="textAreaTop" fmla="*/ 0 h 6810480"/>
+                <a:gd name="textAreaBottom" fmla="*/ 6811560 h 6810480"/>
               </a:gdLst>
               <a:ahLst/>
               <a:rect l="textAreaLeft" t="textAreaTop" r="textAreaRight" b="textAreaBottom"/>
@@ -9112,7 +9085,7 @@
           <p:spPr>
             <a:xfrm>
               <a:off x="-3600720" y="333720"/>
-              <a:ext cx="15666120" cy="7768800"/>
+              <a:ext cx="15665760" cy="7768440"/>
             </a:xfrm>
             <a:prstGeom prst="rect">
               <a:avLst/>
@@ -9157,7 +9130,7 @@
         <p:spPr>
           <a:xfrm>
             <a:off x="1585800" y="4097520"/>
-            <a:ext cx="8260920" cy="2438640"/>
+            <a:ext cx="8260560" cy="2438280"/>
           </a:xfrm>
           <a:prstGeom prst="rect">
             <a:avLst/>
@@ -9257,9 +9230,9 @@
         <p:grpSpPr>
           <a:xfrm>
             <a:off x="9595800" y="759960"/>
-            <a:ext cx="3458160" cy="3458160"/>
+            <a:ext cx="3457800" cy="3457800"/>
             <a:chOff x="9595800" y="759960"/>
-            <a:chExt cx="3458160" cy="3458160"/>
+            <a:chExt cx="3457800" cy="3457800"/>
           </a:xfrm>
         </p:grpSpPr>
         <p:sp>
@@ -9271,15 +9244,15 @@
           <p:spPr>
             <a:xfrm>
               <a:off x="9595800" y="759960"/>
-              <a:ext cx="3458160" cy="3458160"/>
+              <a:ext cx="3457800" cy="3457800"/>
             </a:xfrm>
             <a:custGeom>
               <a:avLst/>
               <a:gdLst>
-                <a:gd name="textAreaLeft" fmla="*/ 0 w 3458160"/>
-                <a:gd name="textAreaRight" fmla="*/ 3458880 w 3458160"/>
-                <a:gd name="textAreaTop" fmla="*/ 0 h 3458160"/>
-                <a:gd name="textAreaBottom" fmla="*/ 3458880 h 3458160"/>
+                <a:gd name="textAreaLeft" fmla="*/ 0 w 3457800"/>
+                <a:gd name="textAreaRight" fmla="*/ 3458880 w 3457800"/>
+                <a:gd name="textAreaTop" fmla="*/ 0 h 3457800"/>
+                <a:gd name="textAreaBottom" fmla="*/ 3458880 h 3457800"/>
               </a:gdLst>
               <a:ahLst/>
               <a:rect l="textAreaLeft" t="textAreaTop" r="textAreaRight" b="textAreaBottom"/>
@@ -9353,7 +9326,7 @@
           <p:spPr>
             <a:xfrm>
               <a:off x="9920160" y="840960"/>
-              <a:ext cx="2809800" cy="3052800"/>
+              <a:ext cx="2809440" cy="3052440"/>
             </a:xfrm>
             <a:prstGeom prst="rect">
               <a:avLst/>
@@ -9429,16 +9402,16 @@
         </p:nvSpPr>
         <p:spPr>
           <a:xfrm rot="8946000">
-            <a:off x="-4671720" y="-4320720"/>
-            <a:ext cx="6757560" cy="7959240"/>
+            <a:off x="-4671000" y="-4320360"/>
+            <a:ext cx="6757200" cy="7958880"/>
           </a:xfrm>
           <a:custGeom>
             <a:avLst/>
             <a:gdLst>
-              <a:gd name="textAreaLeft" fmla="*/ 0 w 6757560"/>
-              <a:gd name="textAreaRight" fmla="*/ 6758280 w 6757560"/>
-              <a:gd name="textAreaTop" fmla="*/ 0 h 7959240"/>
-              <a:gd name="textAreaBottom" fmla="*/ 7959960 h 7959240"/>
+              <a:gd name="textAreaLeft" fmla="*/ 0 w 6757200"/>
+              <a:gd name="textAreaRight" fmla="*/ 6758280 w 6757200"/>
+              <a:gd name="textAreaTop" fmla="*/ 0 h 7958880"/>
+              <a:gd name="textAreaBottom" fmla="*/ 7959960 h 7958880"/>
             </a:gdLst>
             <a:ahLst/>
             <a:rect l="textAreaLeft" t="textAreaTop" r="textAreaRight" b="textAreaBottom"/>
@@ -9511,16 +9484,16 @@
         </p:nvSpPr>
         <p:spPr>
           <a:xfrm rot="5688600">
-            <a:off x="15846480" y="4104720"/>
-            <a:ext cx="10101600" cy="9288360"/>
+            <a:off x="15846840" y="4104720"/>
+            <a:ext cx="10101240" cy="9288000"/>
           </a:xfrm>
           <a:custGeom>
             <a:avLst/>
             <a:gdLst>
-              <a:gd name="textAreaLeft" fmla="*/ 0 w 10101600"/>
-              <a:gd name="textAreaRight" fmla="*/ 10102320 w 10101600"/>
-              <a:gd name="textAreaTop" fmla="*/ 0 h 9288360"/>
-              <a:gd name="textAreaBottom" fmla="*/ 9289080 h 9288360"/>
+              <a:gd name="textAreaLeft" fmla="*/ 0 w 10101240"/>
+              <a:gd name="textAreaRight" fmla="*/ 10102320 w 10101240"/>
+              <a:gd name="textAreaTop" fmla="*/ 0 h 9288000"/>
+              <a:gd name="textAreaBottom" fmla="*/ 9289080 h 9288000"/>
             </a:gdLst>
             <a:ahLst/>
             <a:rect l="textAreaLeft" t="textAreaTop" r="textAreaRight" b="textAreaBottom"/>
@@ -9594,15 +9567,15 @@
         <p:spPr>
           <a:xfrm>
             <a:off x="6162120" y="3327120"/>
-            <a:ext cx="5963040" cy="5930640"/>
+            <a:ext cx="5962680" cy="5930280"/>
           </a:xfrm>
           <a:custGeom>
             <a:avLst/>
             <a:gdLst>
-              <a:gd name="textAreaLeft" fmla="*/ 0 w 5963040"/>
-              <a:gd name="textAreaRight" fmla="*/ 5963760 w 5963040"/>
-              <a:gd name="textAreaTop" fmla="*/ 0 h 5930640"/>
-              <a:gd name="textAreaBottom" fmla="*/ 5931360 h 5930640"/>
+              <a:gd name="textAreaLeft" fmla="*/ 0 w 5962680"/>
+              <a:gd name="textAreaRight" fmla="*/ 5963760 w 5962680"/>
+              <a:gd name="textAreaTop" fmla="*/ 0 h 5930280"/>
+              <a:gd name="textAreaBottom" fmla="*/ 5931360 h 5930280"/>
             </a:gdLst>
             <a:ahLst/>
             <a:rect l="textAreaLeft" t="textAreaTop" r="textAreaRight" b="textAreaBottom"/>
@@ -9676,7 +9649,7 @@
         <p:spPr>
           <a:xfrm>
             <a:off x="1653120" y="4194000"/>
-            <a:ext cx="4560480" cy="782280"/>
+            <a:ext cx="4560120" cy="782280"/>
           </a:xfrm>
           <a:prstGeom prst="rect">
             <a:avLst/>
@@ -9730,7 +9703,7 @@
         <p:spPr>
           <a:xfrm>
             <a:off x="2913120" y="7891200"/>
-            <a:ext cx="3992040" cy="782280"/>
+            <a:ext cx="3991680" cy="782280"/>
           </a:xfrm>
           <a:prstGeom prst="rect">
             <a:avLst/>
@@ -9784,7 +9757,7 @@
         <p:spPr>
           <a:xfrm>
             <a:off x="1653120" y="7233840"/>
-            <a:ext cx="3493440" cy="475920"/>
+            <a:ext cx="3493080" cy="475920"/>
           </a:xfrm>
           <a:prstGeom prst="rect">
             <a:avLst/>
@@ -9814,7 +9787,7 @@
               </a:tabLst>
             </a:pPr>
             <a:r>
-              <a:rPr b="1" lang="en-US" sz="2500" spc="245" strike="noStrike">
+              <a:rPr b="1" lang="en-US" sz="2500" spc="242" strike="noStrike">
                 <a:solidFill>
                   <a:srgbClr val="f5f6f7"/>
                 </a:solidFill>
@@ -9841,7 +9814,7 @@
         <p:spPr>
           <a:xfrm>
             <a:off x="11866320" y="4141080"/>
-            <a:ext cx="3992040" cy="391320"/>
+            <a:ext cx="3991680" cy="390960"/>
           </a:xfrm>
           <a:prstGeom prst="rect">
             <a:avLst/>
@@ -9895,7 +9868,7 @@
         <p:spPr>
           <a:xfrm>
             <a:off x="13218120" y="3551400"/>
-            <a:ext cx="3432600" cy="475920"/>
+            <a:ext cx="3432240" cy="475920"/>
           </a:xfrm>
           <a:prstGeom prst="rect">
             <a:avLst/>
@@ -9925,7 +9898,7 @@
               </a:tabLst>
             </a:pPr>
             <a:r>
-              <a:rPr b="1" lang="en-US" sz="2500" spc="245" strike="noStrike">
+              <a:rPr b="1" lang="en-US" sz="2500" spc="242" strike="noStrike">
                 <a:solidFill>
                   <a:srgbClr val="f5f6f7"/>
                 </a:solidFill>
@@ -9952,7 +9925,7 @@
         <p:spPr>
           <a:xfrm>
             <a:off x="11225880" y="7891200"/>
-            <a:ext cx="4704480" cy="391320"/>
+            <a:ext cx="4704120" cy="390960"/>
           </a:xfrm>
           <a:prstGeom prst="rect">
             <a:avLst/>
@@ -10006,7 +9979,7 @@
         <p:spPr>
           <a:xfrm>
             <a:off x="12993480" y="7233840"/>
-            <a:ext cx="3657240" cy="475920"/>
+            <a:ext cx="3656880" cy="475920"/>
           </a:xfrm>
           <a:prstGeom prst="rect">
             <a:avLst/>
@@ -10036,7 +10009,7 @@
               </a:tabLst>
             </a:pPr>
             <a:r>
-              <a:rPr b="1" lang="en-US" sz="2500" spc="245" strike="noStrike">
+              <a:rPr b="1" lang="en-US" sz="2500" spc="242" strike="noStrike">
                 <a:solidFill>
                   <a:srgbClr val="f5f6f7"/>
                 </a:solidFill>
@@ -10063,7 +10036,7 @@
         <p:spPr>
           <a:xfrm>
             <a:off x="3422160" y="1173600"/>
-            <a:ext cx="11443320" cy="1219320"/>
+            <a:ext cx="11442960" cy="1218960"/>
           </a:xfrm>
           <a:prstGeom prst="rect">
             <a:avLst/>
@@ -10155,15 +10128,15 @@
         <p:spPr>
           <a:xfrm flipH="1">
             <a:off x="10640160" y="-801360"/>
-            <a:ext cx="15034680" cy="11480760"/>
+            <a:ext cx="15034320" cy="11480400"/>
           </a:xfrm>
           <a:custGeom>
             <a:avLst/>
             <a:gdLst>
-              <a:gd name="textAreaLeft" fmla="*/ 360 w 15034680"/>
-              <a:gd name="textAreaRight" fmla="*/ 15035760 w 15034680"/>
-              <a:gd name="textAreaTop" fmla="*/ 0 h 11480760"/>
-              <a:gd name="textAreaBottom" fmla="*/ 11481480 h 11480760"/>
+              <a:gd name="textAreaLeft" fmla="*/ 720 w 15034320"/>
+              <a:gd name="textAreaRight" fmla="*/ 15036120 w 15034320"/>
+              <a:gd name="textAreaTop" fmla="*/ 0 h 11480400"/>
+              <a:gd name="textAreaBottom" fmla="*/ 11481480 h 11480400"/>
             </a:gdLst>
             <a:ahLst/>
             <a:rect l="textAreaLeft" t="textAreaTop" r="textAreaRight" b="textAreaBottom"/>
@@ -10237,15 +10210,15 @@
         <p:spPr>
           <a:xfrm>
             <a:off x="10640880" y="1375560"/>
-            <a:ext cx="6617880" cy="8124480"/>
+            <a:ext cx="6617520" cy="8124120"/>
           </a:xfrm>
           <a:custGeom>
             <a:avLst/>
             <a:gdLst>
-              <a:gd name="textAreaLeft" fmla="*/ 0 w 6617880"/>
-              <a:gd name="textAreaRight" fmla="*/ 6618600 w 6617880"/>
-              <a:gd name="textAreaTop" fmla="*/ 0 h 8124480"/>
-              <a:gd name="textAreaBottom" fmla="*/ 8125200 h 8124480"/>
+              <a:gd name="textAreaLeft" fmla="*/ 0 w 6617520"/>
+              <a:gd name="textAreaRight" fmla="*/ 6618600 w 6617520"/>
+              <a:gd name="textAreaTop" fmla="*/ 0 h 8124120"/>
+              <a:gd name="textAreaBottom" fmla="*/ 8125200 h 8124120"/>
             </a:gdLst>
             <a:ahLst/>
             <a:rect l="textAreaLeft" t="textAreaTop" r="textAreaRight" b="textAreaBottom"/>
@@ -10319,7 +10292,7 @@
         <p:spPr>
           <a:xfrm>
             <a:off x="1392840" y="1804320"/>
-            <a:ext cx="9191160" cy="2438640"/>
+            <a:ext cx="9190800" cy="2438280"/>
           </a:xfrm>
           <a:prstGeom prst="rect">
             <a:avLst/>
@@ -10396,7 +10369,7 @@
         <p:spPr>
           <a:xfrm>
             <a:off x="1028880" y="4275000"/>
-            <a:ext cx="6323760" cy="2832840"/>
+            <a:ext cx="6323400" cy="2832840"/>
           </a:xfrm>
           <a:prstGeom prst="rect">
             <a:avLst/>
@@ -10565,10 +10538,10 @@
         </p:nvGrpSpPr>
         <p:grpSpPr>
           <a:xfrm>
-            <a:off x="15914880" y="-534960"/>
-            <a:ext cx="1986480" cy="1728000"/>
-            <a:chOff x="15914880" y="-534960"/>
-            <a:chExt cx="1986480" cy="1728000"/>
+            <a:off x="15915240" y="-534600"/>
+            <a:ext cx="1986120" cy="1727640"/>
+            <a:chOff x="15915240" y="-534600"/>
+            <a:chExt cx="1986120" cy="1727640"/>
           </a:xfrm>
         </p:grpSpPr>
         <p:grpSp>
@@ -10579,10 +10552,10 @@
           </p:nvGrpSpPr>
           <p:grpSpPr>
             <a:xfrm>
-              <a:off x="15914880" y="-534960"/>
-              <a:ext cx="1728000" cy="1728000"/>
-              <a:chOff x="15914880" y="-534960"/>
-              <a:chExt cx="1728000" cy="1728000"/>
+              <a:off x="15915240" y="-534600"/>
+              <a:ext cx="1727640" cy="1727640"/>
+              <a:chOff x="15915240" y="-534600"/>
+              <a:chExt cx="1727640" cy="1727640"/>
             </a:xfrm>
           </p:grpSpPr>
           <p:sp>
@@ -10593,16 +10566,16 @@
             </p:nvSpPr>
             <p:spPr>
               <a:xfrm rot="10800000">
-                <a:off x="15914880" y="-534960"/>
-                <a:ext cx="1728000" cy="1728000"/>
+                <a:off x="15915240" y="-534600"/>
+                <a:ext cx="1727640" cy="1727640"/>
               </a:xfrm>
               <a:custGeom>
                 <a:avLst/>
                 <a:gdLst>
-                  <a:gd name="textAreaLeft" fmla="*/ 0 w 1728000"/>
-                  <a:gd name="textAreaRight" fmla="*/ 1728720 w 1728000"/>
-                  <a:gd name="textAreaTop" fmla="*/ 0 h 1728000"/>
-                  <a:gd name="textAreaBottom" fmla="*/ 1728720 h 1728000"/>
+                  <a:gd name="textAreaLeft" fmla="*/ 0 w 1727640"/>
+                  <a:gd name="textAreaRight" fmla="*/ 1728720 w 1727640"/>
+                  <a:gd name="textAreaTop" fmla="*/ 0 h 1727640"/>
+                  <a:gd name="textAreaBottom" fmla="*/ 1728720 h 1727640"/>
                 </a:gdLst>
                 <a:ahLst/>
                 <a:rect l="textAreaLeft" t="textAreaTop" r="textAreaRight" b="textAreaBottom"/>
@@ -10676,16 +10649,16 @@
           </p:nvSpPr>
           <p:spPr>
             <a:xfrm rot="10800000">
-              <a:off x="16173360" y="-534960"/>
-              <a:ext cx="1728000" cy="1728000"/>
+              <a:off x="16173720" y="-534600"/>
+              <a:ext cx="1727640" cy="1727640"/>
             </a:xfrm>
             <a:custGeom>
               <a:avLst/>
               <a:gdLst>
-                <a:gd name="textAreaLeft" fmla="*/ 0 w 1728000"/>
-                <a:gd name="textAreaRight" fmla="*/ 1728720 w 1728000"/>
-                <a:gd name="textAreaTop" fmla="*/ 0 h 1728000"/>
-                <a:gd name="textAreaBottom" fmla="*/ 1728720 h 1728000"/>
+                <a:gd name="textAreaLeft" fmla="*/ 0 w 1727640"/>
+                <a:gd name="textAreaRight" fmla="*/ 1728720 w 1727640"/>
+                <a:gd name="textAreaTop" fmla="*/ 0 h 1727640"/>
+                <a:gd name="textAreaBottom" fmla="*/ 1728720 h 1727640"/>
               </a:gdLst>
               <a:ahLst/>
               <a:rect l="textAreaLeft" t="textAreaTop" r="textAreaRight" b="textAreaBottom"/>
@@ -10760,7 +10733,7 @@
         <p:spPr>
           <a:xfrm>
             <a:off x="0" y="0"/>
-            <a:ext cx="9442440" cy="10286280"/>
+            <a:ext cx="9442080" cy="10285920"/>
           </a:xfrm>
           <a:prstGeom prst="rect">
             <a:avLst/>
@@ -10806,9 +10779,9 @@
         <p:grpSpPr>
           <a:xfrm>
             <a:off x="8616600" y="474120"/>
-            <a:ext cx="1652040" cy="1437120"/>
+            <a:ext cx="1651680" cy="1436760"/>
             <a:chOff x="8616600" y="474120"/>
-            <a:chExt cx="1652040" cy="1437120"/>
+            <a:chExt cx="1651680" cy="1436760"/>
           </a:xfrm>
         </p:grpSpPr>
         <p:grpSp>
@@ -10820,9 +10793,9 @@
           <p:grpSpPr>
             <a:xfrm>
               <a:off x="8831520" y="474120"/>
-              <a:ext cx="1437120" cy="1437120"/>
+              <a:ext cx="1436760" cy="1436760"/>
               <a:chOff x="8831520" y="474120"/>
-              <a:chExt cx="1437120" cy="1437120"/>
+              <a:chExt cx="1436760" cy="1436760"/>
             </a:xfrm>
           </p:grpSpPr>
           <p:sp>
@@ -10834,15 +10807,15 @@
             <p:spPr>
               <a:xfrm>
                 <a:off x="8831520" y="474120"/>
-                <a:ext cx="1437120" cy="1437120"/>
+                <a:ext cx="1436760" cy="1436760"/>
               </a:xfrm>
               <a:custGeom>
                 <a:avLst/>
                 <a:gdLst>
-                  <a:gd name="textAreaLeft" fmla="*/ 0 w 1437120"/>
-                  <a:gd name="textAreaRight" fmla="*/ 1437840 w 1437120"/>
-                  <a:gd name="textAreaTop" fmla="*/ 0 h 1437120"/>
-                  <a:gd name="textAreaBottom" fmla="*/ 1437840 h 1437120"/>
+                  <a:gd name="textAreaLeft" fmla="*/ 0 w 1436760"/>
+                  <a:gd name="textAreaRight" fmla="*/ 1437840 w 1436760"/>
+                  <a:gd name="textAreaTop" fmla="*/ 0 h 1436760"/>
+                  <a:gd name="textAreaBottom" fmla="*/ 1437840 h 1436760"/>
                 </a:gdLst>
                 <a:ahLst/>
                 <a:rect l="textAreaLeft" t="textAreaTop" r="textAreaRight" b="textAreaBottom"/>
@@ -10917,15 +10890,15 @@
           <p:spPr>
             <a:xfrm>
               <a:off x="8616600" y="474120"/>
-              <a:ext cx="1437120" cy="1437120"/>
+              <a:ext cx="1436760" cy="1436760"/>
             </a:xfrm>
             <a:custGeom>
               <a:avLst/>
               <a:gdLst>
-                <a:gd name="textAreaLeft" fmla="*/ 0 w 1437120"/>
-                <a:gd name="textAreaRight" fmla="*/ 1437840 w 1437120"/>
-                <a:gd name="textAreaTop" fmla="*/ 0 h 1437120"/>
-                <a:gd name="textAreaBottom" fmla="*/ 1437840 h 1437120"/>
+                <a:gd name="textAreaLeft" fmla="*/ 0 w 1436760"/>
+                <a:gd name="textAreaRight" fmla="*/ 1437840 w 1436760"/>
+                <a:gd name="textAreaTop" fmla="*/ 0 h 1436760"/>
+                <a:gd name="textAreaBottom" fmla="*/ 1437840 h 1436760"/>
               </a:gdLst>
               <a:ahLst/>
               <a:rect l="textAreaLeft" t="textAreaTop" r="textAreaRight" b="textAreaBottom"/>
@@ -11000,15 +10973,15 @@
         <p:spPr>
           <a:xfrm>
             <a:off x="0" y="632160"/>
-            <a:ext cx="9334800" cy="10652040"/>
+            <a:ext cx="9334440" cy="10651680"/>
           </a:xfrm>
           <a:custGeom>
             <a:avLst/>
             <a:gdLst>
-              <a:gd name="textAreaLeft" fmla="*/ 0 w 9334800"/>
-              <a:gd name="textAreaRight" fmla="*/ 9335520 w 9334800"/>
-              <a:gd name="textAreaTop" fmla="*/ 0 h 10652040"/>
-              <a:gd name="textAreaBottom" fmla="*/ 10652760 h 10652040"/>
+              <a:gd name="textAreaLeft" fmla="*/ 0 w 9334440"/>
+              <a:gd name="textAreaRight" fmla="*/ 9335520 w 9334440"/>
+              <a:gd name="textAreaTop" fmla="*/ 0 h 10651680"/>
+              <a:gd name="textAreaBottom" fmla="*/ 10652760 h 10651680"/>
             </a:gdLst>
             <a:ahLst/>
             <a:rect l="textAreaLeft" t="textAreaTop" r="textAreaRight" b="textAreaBottom"/>
@@ -11082,7 +11055,7 @@
         <p:spPr>
           <a:xfrm>
             <a:off x="10054440" y="4312080"/>
-            <a:ext cx="7203960" cy="1675800"/>
+            <a:ext cx="7203600" cy="1675800"/>
           </a:xfrm>
           <a:prstGeom prst="rect">
             <a:avLst/>
@@ -11139,9 +11112,9 @@
         <p:grpSpPr>
           <a:xfrm>
             <a:off x="14693400" y="9413280"/>
-            <a:ext cx="2008440" cy="1747080"/>
+            <a:ext cx="2008080" cy="1746720"/>
             <a:chOff x="14693400" y="9413280"/>
-            <a:chExt cx="2008440" cy="1747080"/>
+            <a:chExt cx="2008080" cy="1746720"/>
           </a:xfrm>
         </p:grpSpPr>
         <p:grpSp>
@@ -11153,9 +11126,9 @@
           <p:grpSpPr>
             <a:xfrm>
               <a:off x="14954760" y="9413280"/>
-              <a:ext cx="1747080" cy="1747080"/>
+              <a:ext cx="1746720" cy="1746720"/>
               <a:chOff x="14954760" y="9413280"/>
-              <a:chExt cx="1747080" cy="1747080"/>
+              <a:chExt cx="1746720" cy="1746720"/>
             </a:xfrm>
           </p:grpSpPr>
           <p:sp>
@@ -11167,15 +11140,15 @@
             <p:spPr>
               <a:xfrm>
                 <a:off x="14954760" y="9413280"/>
-                <a:ext cx="1747080" cy="1747080"/>
+                <a:ext cx="1746720" cy="1746720"/>
               </a:xfrm>
               <a:custGeom>
                 <a:avLst/>
                 <a:gdLst>
-                  <a:gd name="textAreaLeft" fmla="*/ 0 w 1747080"/>
-                  <a:gd name="textAreaRight" fmla="*/ 1747800 w 1747080"/>
-                  <a:gd name="textAreaTop" fmla="*/ 0 h 1747080"/>
-                  <a:gd name="textAreaBottom" fmla="*/ 1747800 h 1747080"/>
+                  <a:gd name="textAreaLeft" fmla="*/ 0 w 1746720"/>
+                  <a:gd name="textAreaRight" fmla="*/ 1747800 w 1746720"/>
+                  <a:gd name="textAreaTop" fmla="*/ 0 h 1746720"/>
+                  <a:gd name="textAreaBottom" fmla="*/ 1747800 h 1746720"/>
                 </a:gdLst>
                 <a:ahLst/>
                 <a:rect l="textAreaLeft" t="textAreaTop" r="textAreaRight" b="textAreaBottom"/>
@@ -11250,15 +11223,15 @@
           <p:spPr>
             <a:xfrm>
               <a:off x="14693400" y="9413280"/>
-              <a:ext cx="1747080" cy="1747080"/>
+              <a:ext cx="1746720" cy="1746720"/>
             </a:xfrm>
             <a:custGeom>
               <a:avLst/>
               <a:gdLst>
-                <a:gd name="textAreaLeft" fmla="*/ 0 w 1747080"/>
-                <a:gd name="textAreaRight" fmla="*/ 1747800 w 1747080"/>
-                <a:gd name="textAreaTop" fmla="*/ 0 h 1747080"/>
-                <a:gd name="textAreaBottom" fmla="*/ 1747800 h 1747080"/>
+                <a:gd name="textAreaLeft" fmla="*/ 0 w 1746720"/>
+                <a:gd name="textAreaRight" fmla="*/ 1747800 w 1746720"/>
+                <a:gd name="textAreaTop" fmla="*/ 0 h 1746720"/>
+                <a:gd name="textAreaBottom" fmla="*/ 1747800 h 1746720"/>
               </a:gdLst>
               <a:ahLst/>
               <a:rect l="textAreaLeft" t="textAreaTop" r="textAreaRight" b="textAreaBottom"/>

--- a/PP/Bản sao của Minimal Illustrative Digital Marketing Proposal Presentation.pptx
+++ b/PP/Bản sao của Minimal Illustrative Digital Marketing Proposal Presentation.pptx
@@ -161,7 +161,7 @@
         <p:txBody>
           <a:bodyPr/>
           <a:p>
-            <a:fld id="{EF554FC2-84B5-4C34-9EF2-FE1560129EC7}" type="slidenum">
+            <a:fld id="{250CA3A0-4982-4899-8D0C-5406513F069A}" type="slidenum">
               <a:t>&lt;#&gt;</a:t>
             </a:fld>
           </a:p>
@@ -244,7 +244,7 @@
         <p:txBody>
           <a:bodyPr/>
           <a:p>
-            <a:fld id="{6D75B2B9-0F06-4051-835A-F02F2F861D50}" type="slidenum">
+            <a:fld id="{D9B96B52-AE8B-4FB1-8999-43A23B4EC5FC}" type="slidenum">
               <a:t>&lt;#&gt;</a:t>
             </a:fld>
           </a:p>
@@ -327,7 +327,7 @@
         <p:txBody>
           <a:bodyPr/>
           <a:p>
-            <a:fld id="{C54653E3-D154-457B-97CA-A1F4DB12CCA9}" type="slidenum">
+            <a:fld id="{64E609A7-A781-4E4A-B1CF-BFED05BB395C}" type="slidenum">
               <a:t>&lt;#&gt;</a:t>
             </a:fld>
           </a:p>
@@ -410,7 +410,7 @@
         <p:txBody>
           <a:bodyPr/>
           <a:p>
-            <a:fld id="{C3DCEEA0-F04D-4161-94D4-E6C5D7BE83AB}" type="slidenum">
+            <a:fld id="{845FA7AD-D862-4740-AFCF-603BC987C6AE}" type="slidenum">
               <a:t>&lt;#&gt;</a:t>
             </a:fld>
           </a:p>
@@ -493,7 +493,7 @@
         <p:txBody>
           <a:bodyPr/>
           <a:p>
-            <a:fld id="{A67E9D2D-58FB-4C23-9C0F-3E55AACA346D}" type="slidenum">
+            <a:fld id="{C5E8DF5E-B77E-4C0E-A8B6-8A97ACC7B1A1}" type="slidenum">
               <a:t>&lt;#&gt;</a:t>
             </a:fld>
           </a:p>
@@ -659,7 +659,7 @@
         <p:txBody>
           <a:bodyPr/>
           <a:p>
-            <a:fld id="{697220DB-67BE-4516-8383-BDDE89123899}" type="slidenum">
+            <a:fld id="{273E4240-103D-4905-A506-70CDDFEACB1E}" type="slidenum">
               <a:t>&lt;#&gt;</a:t>
             </a:fld>
           </a:p>
@@ -742,7 +742,7 @@
         <p:txBody>
           <a:bodyPr/>
           <a:p>
-            <a:fld id="{C2C499DC-A54B-41F4-BF83-E603E8F2FAE0}" type="slidenum">
+            <a:fld id="{D3EEC5A5-8D24-47A9-B878-43D07CC1F07C}" type="slidenum">
               <a:t>&lt;#&gt;</a:t>
             </a:fld>
           </a:p>
@@ -951,7 +951,7 @@
         <p:txBody>
           <a:bodyPr/>
           <a:p>
-            <a:fld id="{15E01D1A-B8E5-478C-A9F8-B7B2E6AE8EA4}" type="slidenum">
+            <a:fld id="{9430ADDB-4CA4-40D2-A638-6916E40C0A40}" type="slidenum">
               <a:t>&lt;#&gt;</a:t>
             </a:fld>
           </a:p>
@@ -1034,7 +1034,7 @@
         <p:txBody>
           <a:bodyPr/>
           <a:p>
-            <a:fld id="{2C8225EB-0122-42BF-A833-5742071581E1}" type="slidenum">
+            <a:fld id="{465A472C-5876-4F85-9CD4-5029F7193A60}" type="slidenum">
               <a:t>&lt;#&gt;</a:t>
             </a:fld>
           </a:p>
@@ -1157,7 +1157,7 @@
         <p:txBody>
           <a:bodyPr/>
           <a:p>
-            <a:fld id="{925C9109-6C77-4D5D-863A-6996304348E9}" type="slidenum">
+            <a:fld id="{47E215FA-CF15-4E6C-91B0-DF5CFF0CA488}" type="slidenum">
               <a:t>&lt;#&gt;</a:t>
             </a:fld>
           </a:p>
@@ -1240,7 +1240,7 @@
         <p:txBody>
           <a:bodyPr/>
           <a:p>
-            <a:fld id="{AC1BA126-4309-4EFB-BF25-2D90F4B71DD9}" type="slidenum">
+            <a:fld id="{FAEE04FD-830A-4750-ABB1-1756A6E99B3B}" type="slidenum">
               <a:t>&lt;#&gt;</a:t>
             </a:fld>
           </a:p>
@@ -1358,7 +1358,7 @@
         <p:spPr>
           <a:xfrm>
             <a:off x="3124080" y="6356520"/>
-            <a:ext cx="2894400" cy="363960"/>
+            <a:ext cx="2894040" cy="363600"/>
           </a:xfrm>
           <a:prstGeom prst="rect">
             <a:avLst/>
@@ -1430,7 +1430,7 @@
         <p:spPr>
           <a:xfrm>
             <a:off x="6553080" y="6356520"/>
-            <a:ext cx="2132640" cy="363960"/>
+            <a:ext cx="2132280" cy="363600"/>
           </a:xfrm>
           <a:prstGeom prst="rect">
             <a:avLst/>
@@ -1473,7 +1473,7 @@
                 <a:tab algn="l" pos="0"/>
               </a:tabLst>
             </a:pPr>
-            <a:fld id="{8C630C05-AD26-4B80-BFBA-CCF09107622C}" type="slidenum">
+            <a:fld id="{4BDD2828-CB9B-4C2A-AF43-5B1E752F8E78}" type="slidenum">
               <a:rPr b="0" lang="en-US" sz="1200" spc="-1" strike="noStrike">
                 <a:solidFill>
                   <a:schemeClr val="dk1">
@@ -1506,7 +1506,7 @@
         <p:spPr>
           <a:xfrm>
             <a:off x="457200" y="6356520"/>
-            <a:ext cx="2132640" cy="363960"/>
+            <a:ext cx="2132280" cy="363600"/>
           </a:xfrm>
           <a:prstGeom prst="rect">
             <a:avLst/>
@@ -1599,7 +1599,7 @@
         <p:spPr>
           <a:xfrm>
             <a:off x="3124080" y="6356520"/>
-            <a:ext cx="2894400" cy="363960"/>
+            <a:ext cx="2894040" cy="363600"/>
           </a:xfrm>
           <a:prstGeom prst="rect">
             <a:avLst/>
@@ -1671,7 +1671,7 @@
         <p:spPr>
           <a:xfrm>
             <a:off x="6553080" y="6356520"/>
-            <a:ext cx="2132640" cy="363960"/>
+            <a:ext cx="2132280" cy="363600"/>
           </a:xfrm>
           <a:prstGeom prst="rect">
             <a:avLst/>
@@ -1714,7 +1714,7 @@
                 <a:tab algn="l" pos="0"/>
               </a:tabLst>
             </a:pPr>
-            <a:fld id="{463141D3-E07C-424D-BFBD-21BCEAA84FBF}" type="slidenum">
+            <a:fld id="{006EA73A-2880-4129-9264-178B2AAD3BBC}" type="slidenum">
               <a:rPr b="0" lang="en-US" sz="1200" spc="-1" strike="noStrike">
                 <a:solidFill>
                   <a:schemeClr val="dk1">
@@ -1747,7 +1747,7 @@
         <p:spPr>
           <a:xfrm>
             <a:off x="457200" y="6356520"/>
-            <a:ext cx="2132640" cy="363960"/>
+            <a:ext cx="2132280" cy="363600"/>
           </a:xfrm>
           <a:prstGeom prst="rect">
             <a:avLst/>
@@ -1840,7 +1840,7 @@
         <p:spPr>
           <a:xfrm>
             <a:off x="3124080" y="6356520"/>
-            <a:ext cx="2894400" cy="363960"/>
+            <a:ext cx="2894040" cy="363600"/>
           </a:xfrm>
           <a:prstGeom prst="rect">
             <a:avLst/>
@@ -1912,7 +1912,7 @@
         <p:spPr>
           <a:xfrm>
             <a:off x="6553080" y="6356520"/>
-            <a:ext cx="2132640" cy="363960"/>
+            <a:ext cx="2132280" cy="363600"/>
           </a:xfrm>
           <a:prstGeom prst="rect">
             <a:avLst/>
@@ -1955,7 +1955,7 @@
                 <a:tab algn="l" pos="0"/>
               </a:tabLst>
             </a:pPr>
-            <a:fld id="{4D986E01-9492-4713-8696-2620516CDA06}" type="slidenum">
+            <a:fld id="{F7749A4F-7FB8-4A50-BB30-07646D52ECB5}" type="slidenum">
               <a:rPr b="0" lang="en-US" sz="1200" spc="-1" strike="noStrike">
                 <a:solidFill>
                   <a:schemeClr val="dk1">
@@ -1988,7 +1988,7 @@
         <p:spPr>
           <a:xfrm>
             <a:off x="457200" y="6356520"/>
-            <a:ext cx="2132640" cy="363960"/>
+            <a:ext cx="2132280" cy="363600"/>
           </a:xfrm>
           <a:prstGeom prst="rect">
             <a:avLst/>
@@ -2081,7 +2081,7 @@
         <p:spPr>
           <a:xfrm>
             <a:off x="3124080" y="6356520"/>
-            <a:ext cx="2894400" cy="363960"/>
+            <a:ext cx="2894040" cy="363600"/>
           </a:xfrm>
           <a:prstGeom prst="rect">
             <a:avLst/>
@@ -2153,7 +2153,7 @@
         <p:spPr>
           <a:xfrm>
             <a:off x="6553080" y="6356520"/>
-            <a:ext cx="2132640" cy="363960"/>
+            <a:ext cx="2132280" cy="363600"/>
           </a:xfrm>
           <a:prstGeom prst="rect">
             <a:avLst/>
@@ -2196,7 +2196,7 @@
                 <a:tab algn="l" pos="0"/>
               </a:tabLst>
             </a:pPr>
-            <a:fld id="{2E330467-FCEA-4054-8E20-7EAFAD040F50}" type="slidenum">
+            <a:fld id="{ECAE6CD1-462E-4172-A4DF-F2D7D0D5A63C}" type="slidenum">
               <a:rPr b="0" lang="en-US" sz="1200" spc="-1" strike="noStrike">
                 <a:solidFill>
                   <a:schemeClr val="dk1">
@@ -2229,7 +2229,7 @@
         <p:spPr>
           <a:xfrm>
             <a:off x="457200" y="6356520"/>
-            <a:ext cx="2132640" cy="363960"/>
+            <a:ext cx="2132280" cy="363600"/>
           </a:xfrm>
           <a:prstGeom prst="rect">
             <a:avLst/>
@@ -2322,7 +2322,7 @@
         <p:spPr>
           <a:xfrm>
             <a:off x="3124080" y="6356520"/>
-            <a:ext cx="2894400" cy="363960"/>
+            <a:ext cx="2894040" cy="363600"/>
           </a:xfrm>
           <a:prstGeom prst="rect">
             <a:avLst/>
@@ -2394,7 +2394,7 @@
         <p:spPr>
           <a:xfrm>
             <a:off x="6553080" y="6356520"/>
-            <a:ext cx="2132640" cy="363960"/>
+            <a:ext cx="2132280" cy="363600"/>
           </a:xfrm>
           <a:prstGeom prst="rect">
             <a:avLst/>
@@ -2437,7 +2437,7 @@
                 <a:tab algn="l" pos="0"/>
               </a:tabLst>
             </a:pPr>
-            <a:fld id="{0AAC44E0-9DE5-4238-88F0-BAB68B32622D}" type="slidenum">
+            <a:fld id="{B20C9967-8ED0-4424-BA9F-238584C27285}" type="slidenum">
               <a:rPr b="0" lang="en-US" sz="1200" spc="-1" strike="noStrike">
                 <a:solidFill>
                   <a:schemeClr val="dk1">
@@ -2470,7 +2470,7 @@
         <p:spPr>
           <a:xfrm>
             <a:off x="457200" y="6356520"/>
-            <a:ext cx="2132640" cy="363960"/>
+            <a:ext cx="2132280" cy="363600"/>
           </a:xfrm>
           <a:prstGeom prst="rect">
             <a:avLst/>
@@ -2837,7 +2837,7 @@
         <p:spPr>
           <a:xfrm>
             <a:off x="3124080" y="6356520"/>
-            <a:ext cx="2894400" cy="363960"/>
+            <a:ext cx="2894040" cy="363600"/>
           </a:xfrm>
           <a:prstGeom prst="rect">
             <a:avLst/>
@@ -2909,7 +2909,7 @@
         <p:spPr>
           <a:xfrm>
             <a:off x="6553080" y="6356520"/>
-            <a:ext cx="2132640" cy="363960"/>
+            <a:ext cx="2132280" cy="363600"/>
           </a:xfrm>
           <a:prstGeom prst="rect">
             <a:avLst/>
@@ -2952,7 +2952,7 @@
                 <a:tab algn="l" pos="0"/>
               </a:tabLst>
             </a:pPr>
-            <a:fld id="{F2DEAB6B-0EA1-4603-BA2D-D20EB6CDC4D6}" type="slidenum">
+            <a:fld id="{C626BE3D-BB7B-4569-ABF0-5D42C67F9105}" type="slidenum">
               <a:rPr b="0" lang="en-US" sz="1200" spc="-1" strike="noStrike">
                 <a:solidFill>
                   <a:schemeClr val="dk1">
@@ -2985,7 +2985,7 @@
         <p:spPr>
           <a:xfrm>
             <a:off x="457200" y="6356520"/>
-            <a:ext cx="2132640" cy="363960"/>
+            <a:ext cx="2132280" cy="363600"/>
           </a:xfrm>
           <a:prstGeom prst="rect">
             <a:avLst/>
@@ -3078,7 +3078,7 @@
         <p:spPr>
           <a:xfrm>
             <a:off x="3124080" y="6356520"/>
-            <a:ext cx="2894400" cy="363960"/>
+            <a:ext cx="2894040" cy="363600"/>
           </a:xfrm>
           <a:prstGeom prst="rect">
             <a:avLst/>
@@ -3150,7 +3150,7 @@
         <p:spPr>
           <a:xfrm>
             <a:off x="6553080" y="6356520"/>
-            <a:ext cx="2132640" cy="363960"/>
+            <a:ext cx="2132280" cy="363600"/>
           </a:xfrm>
           <a:prstGeom prst="rect">
             <a:avLst/>
@@ -3193,7 +3193,7 @@
                 <a:tab algn="l" pos="0"/>
               </a:tabLst>
             </a:pPr>
-            <a:fld id="{2136CA94-68EA-4579-BA11-BAA909B62EAC}" type="slidenum">
+            <a:fld id="{CD26CB25-21BC-41F0-873F-F6BEFF21DAE2}" type="slidenum">
               <a:rPr b="0" lang="en-US" sz="1200" spc="-1" strike="noStrike">
                 <a:solidFill>
                   <a:schemeClr val="dk1">
@@ -3226,7 +3226,7 @@
         <p:spPr>
           <a:xfrm>
             <a:off x="457200" y="6356520"/>
-            <a:ext cx="2132640" cy="363960"/>
+            <a:ext cx="2132280" cy="363600"/>
           </a:xfrm>
           <a:prstGeom prst="rect">
             <a:avLst/>
@@ -3818,7 +3818,7 @@
         <p:spPr>
           <a:xfrm>
             <a:off x="3124080" y="6356520"/>
-            <a:ext cx="2894400" cy="363960"/>
+            <a:ext cx="2894040" cy="363600"/>
           </a:xfrm>
           <a:prstGeom prst="rect">
             <a:avLst/>
@@ -3890,7 +3890,7 @@
         <p:spPr>
           <a:xfrm>
             <a:off x="6553080" y="6356520"/>
-            <a:ext cx="2132640" cy="363960"/>
+            <a:ext cx="2132280" cy="363600"/>
           </a:xfrm>
           <a:prstGeom prst="rect">
             <a:avLst/>
@@ -3933,7 +3933,7 @@
                 <a:tab algn="l" pos="0"/>
               </a:tabLst>
             </a:pPr>
-            <a:fld id="{B2400A1E-25D4-4521-90A3-8EB6C3F28F57}" type="slidenum">
+            <a:fld id="{D8024B4C-70DB-46C4-93AD-C405791EDEEA}" type="slidenum">
               <a:rPr b="0" lang="en-US" sz="1200" spc="-1" strike="noStrike">
                 <a:solidFill>
                   <a:schemeClr val="dk1">
@@ -3966,7 +3966,7 @@
         <p:spPr>
           <a:xfrm>
             <a:off x="457200" y="6356520"/>
-            <a:ext cx="2132640" cy="363960"/>
+            <a:ext cx="2132280" cy="363600"/>
           </a:xfrm>
           <a:prstGeom prst="rect">
             <a:avLst/>
@@ -4059,7 +4059,7 @@
         <p:spPr>
           <a:xfrm>
             <a:off x="3124080" y="6356520"/>
-            <a:ext cx="2894400" cy="363960"/>
+            <a:ext cx="2894040" cy="363600"/>
           </a:xfrm>
           <a:prstGeom prst="rect">
             <a:avLst/>
@@ -4131,7 +4131,7 @@
         <p:spPr>
           <a:xfrm>
             <a:off x="6553080" y="6356520"/>
-            <a:ext cx="2132640" cy="363960"/>
+            <a:ext cx="2132280" cy="363600"/>
           </a:xfrm>
           <a:prstGeom prst="rect">
             <a:avLst/>
@@ -4174,7 +4174,7 @@
                 <a:tab algn="l" pos="0"/>
               </a:tabLst>
             </a:pPr>
-            <a:fld id="{421F7B68-8277-4F2D-8611-19B967F4438B}" type="slidenum">
+            <a:fld id="{1A674A38-8DDC-4B93-AB6D-5363189685A1}" type="slidenum">
               <a:rPr b="0" lang="en-US" sz="1200" spc="-1" strike="noStrike">
                 <a:solidFill>
                   <a:schemeClr val="dk1">
@@ -4207,7 +4207,7 @@
         <p:spPr>
           <a:xfrm>
             <a:off x="457200" y="6356520"/>
-            <a:ext cx="2132640" cy="363960"/>
+            <a:ext cx="2132280" cy="363600"/>
           </a:xfrm>
           <a:prstGeom prst="rect">
             <a:avLst/>
@@ -4325,16 +4325,7 @@
                 </a:solidFill>
                 <a:latin typeface="Arial"/>
               </a:rPr>
-              <a:t>Nhấn để chỉnh sửa định </a:t>
-            </a:r>
-            <a:r>
-              <a:rPr b="0" lang="vi-VN" sz="1800" spc="-1" strike="noStrike">
-                <a:solidFill>
-                  <a:srgbClr val="000000"/>
-                </a:solidFill>
-                <a:latin typeface="Arial"/>
-              </a:rPr>
-              <a:t>dạng cho tiêu đề</a:t>
+              <a:t>Nhấn để chỉnh sửa định dạng cho tiêu đề</a:t>
             </a:r>
             <a:endParaRPr b="0" lang="vi-VN" sz="1800" spc="-1" strike="noStrike">
               <a:solidFill>
@@ -4358,7 +4349,7 @@
         <p:spPr>
           <a:xfrm>
             <a:off x="3124080" y="6356520"/>
-            <a:ext cx="2894400" cy="363960"/>
+            <a:ext cx="2894040" cy="363600"/>
           </a:xfrm>
           <a:prstGeom prst="rect">
             <a:avLst/>
@@ -4430,7 +4421,7 @@
         <p:spPr>
           <a:xfrm>
             <a:off x="6553080" y="6356520"/>
-            <a:ext cx="2132640" cy="363960"/>
+            <a:ext cx="2132280" cy="363600"/>
           </a:xfrm>
           <a:prstGeom prst="rect">
             <a:avLst/>
@@ -4473,7 +4464,7 @@
                 <a:tab algn="l" pos="0"/>
               </a:tabLst>
             </a:pPr>
-            <a:fld id="{F67B8E3C-DDCB-45DD-A059-34759750DCA4}" type="slidenum">
+            <a:fld id="{C4C22024-51CD-432D-A8BB-6B7578291FD8}" type="slidenum">
               <a:rPr b="0" lang="en-US" sz="1200" spc="-1" strike="noStrike">
                 <a:solidFill>
                   <a:schemeClr val="dk1">
@@ -4506,7 +4497,7 @@
         <p:spPr>
           <a:xfrm>
             <a:off x="457200" y="6356520"/>
-            <a:ext cx="2132640" cy="363960"/>
+            <a:ext cx="2132280" cy="363600"/>
           </a:xfrm>
           <a:prstGeom prst="rect">
             <a:avLst/>
@@ -4599,7 +4590,7 @@
         <p:spPr>
           <a:xfrm>
             <a:off x="3124080" y="6356520"/>
-            <a:ext cx="2894400" cy="363960"/>
+            <a:ext cx="2894040" cy="363600"/>
           </a:xfrm>
           <a:prstGeom prst="rect">
             <a:avLst/>
@@ -4671,7 +4662,7 @@
         <p:spPr>
           <a:xfrm>
             <a:off x="6553080" y="6356520"/>
-            <a:ext cx="2132640" cy="363960"/>
+            <a:ext cx="2132280" cy="363600"/>
           </a:xfrm>
           <a:prstGeom prst="rect">
             <a:avLst/>
@@ -4714,7 +4705,7 @@
                 <a:tab algn="l" pos="0"/>
               </a:tabLst>
             </a:pPr>
-            <a:fld id="{1EA7667B-299D-4DA1-A6F6-9603EE556DD4}" type="slidenum">
+            <a:fld id="{CADEB070-6CA7-41A2-B41B-8F60468F8615}" type="slidenum">
               <a:rPr b="0" lang="en-US" sz="1200" spc="-1" strike="noStrike">
                 <a:solidFill>
                   <a:schemeClr val="dk1">
@@ -4747,7 +4738,7 @@
         <p:spPr>
           <a:xfrm>
             <a:off x="457200" y="6356520"/>
-            <a:ext cx="2132640" cy="363960"/>
+            <a:ext cx="2132280" cy="363600"/>
           </a:xfrm>
           <a:prstGeom prst="rect">
             <a:avLst/>
@@ -5110,15 +5101,15 @@
         <p:spPr>
           <a:xfrm>
             <a:off x="17259480" y="515520"/>
-            <a:ext cx="2270160" cy="2270160"/>
+            <a:ext cx="2269800" cy="2269800"/>
           </a:xfrm>
           <a:custGeom>
             <a:avLst/>
             <a:gdLst>
-              <a:gd name="textAreaLeft" fmla="*/ 0 w 2270160"/>
-              <a:gd name="textAreaRight" fmla="*/ 2271240 w 2270160"/>
-              <a:gd name="textAreaTop" fmla="*/ 0 h 2270160"/>
-              <a:gd name="textAreaBottom" fmla="*/ 2271240 h 2270160"/>
+              <a:gd name="textAreaLeft" fmla="*/ 0 w 2269800"/>
+              <a:gd name="textAreaRight" fmla="*/ 2271240 w 2269800"/>
+              <a:gd name="textAreaTop" fmla="*/ 0 h 2269800"/>
+              <a:gd name="textAreaBottom" fmla="*/ 2271240 h 2269800"/>
             </a:gdLst>
             <a:ahLst/>
             <a:rect l="textAreaLeft" t="textAreaTop" r="textAreaRight" b="textAreaBottom"/>
@@ -5192,15 +5183,15 @@
         <p:spPr>
           <a:xfrm>
             <a:off x="-1849320" y="0"/>
-            <a:ext cx="15034320" cy="11480400"/>
+            <a:ext cx="15033960" cy="11480040"/>
           </a:xfrm>
           <a:custGeom>
             <a:avLst/>
             <a:gdLst>
-              <a:gd name="textAreaLeft" fmla="*/ 0 w 15034320"/>
-              <a:gd name="textAreaRight" fmla="*/ 15035400 w 15034320"/>
-              <a:gd name="textAreaTop" fmla="*/ 0 h 11480400"/>
-              <a:gd name="textAreaBottom" fmla="*/ 11481480 h 11480400"/>
+              <a:gd name="textAreaLeft" fmla="*/ 0 w 15033960"/>
+              <a:gd name="textAreaRight" fmla="*/ 15035400 w 15033960"/>
+              <a:gd name="textAreaTop" fmla="*/ 0 h 11480040"/>
+              <a:gd name="textAreaBottom" fmla="*/ 11481480 h 11480040"/>
             </a:gdLst>
             <a:ahLst/>
             <a:rect l="textAreaLeft" t="textAreaTop" r="textAreaRight" b="textAreaBottom"/>
@@ -5274,7 +5265,7 @@
         <p:spPr>
           <a:xfrm>
             <a:off x="801360" y="3064320"/>
-            <a:ext cx="9660960" cy="2028600"/>
+            <a:ext cx="9660600" cy="2028600"/>
           </a:xfrm>
           <a:prstGeom prst="rect">
             <a:avLst/>
@@ -5328,7 +5319,7 @@
         <p:spPr>
           <a:xfrm>
             <a:off x="765360" y="4727160"/>
-            <a:ext cx="9601920" cy="2028600"/>
+            <a:ext cx="9601560" cy="2028600"/>
           </a:xfrm>
           <a:prstGeom prst="rect">
             <a:avLst/>
@@ -5382,7 +5373,7 @@
         <p:spPr>
           <a:xfrm>
             <a:off x="1028880" y="7071840"/>
-            <a:ext cx="7058160" cy="475920"/>
+            <a:ext cx="7057800" cy="475920"/>
           </a:xfrm>
           <a:prstGeom prst="rect">
             <a:avLst/>
@@ -5412,7 +5403,7 @@
               </a:tabLst>
             </a:pPr>
             <a:r>
-              <a:rPr b="1" lang="en-US" sz="2500" spc="242" strike="noStrike">
+              <a:rPr b="1" lang="en-US" sz="2500" spc="239" strike="noStrike">
                 <a:solidFill>
                   <a:srgbClr val="f5f6f7"/>
                 </a:solidFill>
@@ -5439,15 +5430,15 @@
         <p:spPr>
           <a:xfrm>
             <a:off x="-896760" y="8552880"/>
-            <a:ext cx="3467160" cy="3467160"/>
+            <a:ext cx="3466800" cy="3466800"/>
           </a:xfrm>
           <a:custGeom>
             <a:avLst/>
             <a:gdLst>
-              <a:gd name="textAreaLeft" fmla="*/ 0 w 3467160"/>
-              <a:gd name="textAreaRight" fmla="*/ 3468240 w 3467160"/>
-              <a:gd name="textAreaTop" fmla="*/ 0 h 3467160"/>
-              <a:gd name="textAreaBottom" fmla="*/ 3468240 h 3467160"/>
+              <a:gd name="textAreaLeft" fmla="*/ 0 w 3466800"/>
+              <a:gd name="textAreaRight" fmla="*/ 3468240 w 3466800"/>
+              <a:gd name="textAreaTop" fmla="*/ 0 h 3466800"/>
+              <a:gd name="textAreaBottom" fmla="*/ 3468240 h 3466800"/>
             </a:gdLst>
             <a:ahLst/>
             <a:rect l="textAreaLeft" t="textAreaTop" r="textAreaRight" b="textAreaBottom"/>
@@ -5521,15 +5512,15 @@
         <p:spPr>
           <a:xfrm>
             <a:off x="11122560" y="1440000"/>
-            <a:ext cx="6697440" cy="9073440"/>
+            <a:ext cx="6697080" cy="9073080"/>
           </a:xfrm>
           <a:custGeom>
             <a:avLst/>
             <a:gdLst>
-              <a:gd name="textAreaLeft" fmla="*/ 0 w 6697440"/>
-              <a:gd name="textAreaRight" fmla="*/ 6698520 w 6697440"/>
-              <a:gd name="textAreaTop" fmla="*/ 0 h 9073440"/>
-              <a:gd name="textAreaBottom" fmla="*/ 9074520 h 9073440"/>
+              <a:gd name="textAreaLeft" fmla="*/ 0 w 6697080"/>
+              <a:gd name="textAreaRight" fmla="*/ 6698520 w 6697080"/>
+              <a:gd name="textAreaTop" fmla="*/ 0 h 9073080"/>
+              <a:gd name="textAreaBottom" fmla="*/ 9074520 h 9073080"/>
             </a:gdLst>
             <a:ahLst/>
             <a:rect l="textAreaLeft" t="textAreaTop" r="textAreaRight" b="textAreaBottom"/>
@@ -5635,15 +5626,15 @@
         <p:spPr>
           <a:xfrm>
             <a:off x="10085400" y="-4497840"/>
-            <a:ext cx="10739880" cy="11051640"/>
+            <a:ext cx="10739520" cy="11051280"/>
           </a:xfrm>
           <a:custGeom>
             <a:avLst/>
             <a:gdLst>
-              <a:gd name="textAreaLeft" fmla="*/ 0 w 10739880"/>
-              <a:gd name="textAreaRight" fmla="*/ 10740960 w 10739880"/>
-              <a:gd name="textAreaTop" fmla="*/ 0 h 11051640"/>
-              <a:gd name="textAreaBottom" fmla="*/ 11052720 h 11051640"/>
+              <a:gd name="textAreaLeft" fmla="*/ 0 w 10739520"/>
+              <a:gd name="textAreaRight" fmla="*/ 10740960 w 10739520"/>
+              <a:gd name="textAreaTop" fmla="*/ 0 h 11051280"/>
+              <a:gd name="textAreaBottom" fmla="*/ 11052720 h 11051280"/>
             </a:gdLst>
             <a:ahLst/>
             <a:rect l="textAreaLeft" t="textAreaTop" r="textAreaRight" b="textAreaBottom"/>
@@ -5717,15 +5708,15 @@
         <p:spPr>
           <a:xfrm>
             <a:off x="9492480" y="209160"/>
-            <a:ext cx="7765560" cy="6452280"/>
+            <a:ext cx="7765200" cy="6451920"/>
           </a:xfrm>
           <a:custGeom>
             <a:avLst/>
             <a:gdLst>
-              <a:gd name="textAreaLeft" fmla="*/ 0 w 7765560"/>
-              <a:gd name="textAreaRight" fmla="*/ 7766640 w 7765560"/>
-              <a:gd name="textAreaTop" fmla="*/ 0 h 6452280"/>
-              <a:gd name="textAreaBottom" fmla="*/ 6453360 h 6452280"/>
+              <a:gd name="textAreaLeft" fmla="*/ 0 w 7765200"/>
+              <a:gd name="textAreaRight" fmla="*/ 7766640 w 7765200"/>
+              <a:gd name="textAreaTop" fmla="*/ 0 h 6451920"/>
+              <a:gd name="textAreaBottom" fmla="*/ 6453360 h 6451920"/>
             </a:gdLst>
             <a:ahLst/>
             <a:rect l="textAreaLeft" t="textAreaTop" r="textAreaRight" b="textAreaBottom"/>
@@ -5799,7 +5790,7 @@
         <p:spPr>
           <a:xfrm>
             <a:off x="7368840" y="7557120"/>
-            <a:ext cx="3305160" cy="475920"/>
+            <a:ext cx="3304800" cy="475920"/>
           </a:xfrm>
           <a:prstGeom prst="rect">
             <a:avLst/>
@@ -5829,7 +5820,7 @@
               </a:tabLst>
             </a:pPr>
             <a:r>
-              <a:rPr b="1" lang="en-US" sz="2500" spc="242" strike="noStrike">
+              <a:rPr b="1" lang="en-US" sz="2500" spc="239" strike="noStrike">
                 <a:solidFill>
                   <a:srgbClr val="f5f6f7"/>
                 </a:solidFill>
@@ -5856,7 +5847,7 @@
         <p:spPr>
           <a:xfrm>
             <a:off x="1491120" y="7557120"/>
-            <a:ext cx="3305160" cy="475920"/>
+            <a:ext cx="3304800" cy="475920"/>
           </a:xfrm>
           <a:prstGeom prst="rect">
             <a:avLst/>
@@ -5886,7 +5877,7 @@
               </a:tabLst>
             </a:pPr>
             <a:r>
-              <a:rPr b="1" lang="en-US" sz="2500" spc="242" strike="noStrike">
+              <a:rPr b="1" lang="en-US" sz="2500" spc="239" strike="noStrike">
                 <a:solidFill>
                   <a:srgbClr val="f5f6f7"/>
                 </a:solidFill>
@@ -5913,7 +5904,7 @@
         <p:spPr>
           <a:xfrm>
             <a:off x="-879120" y="5522400"/>
-            <a:ext cx="12071160" cy="1173600"/>
+            <a:ext cx="12070800" cy="1173600"/>
           </a:xfrm>
           <a:prstGeom prst="rect">
             <a:avLst/>
@@ -6022,7 +6013,7 @@
         <p:spPr>
           <a:xfrm>
             <a:off x="1518480" y="2302560"/>
-            <a:ext cx="7275960" cy="2438280"/>
+            <a:ext cx="7275600" cy="2438280"/>
           </a:xfrm>
           <a:prstGeom prst="rect">
             <a:avLst/>
@@ -6166,16 +6157,16 @@
         </p:nvSpPr>
         <p:spPr>
           <a:xfrm rot="15759600">
-            <a:off x="7757280" y="-3750840"/>
-            <a:ext cx="13249080" cy="12182400"/>
+            <a:off x="7756920" y="-3750480"/>
+            <a:ext cx="13248720" cy="12182040"/>
           </a:xfrm>
           <a:custGeom>
             <a:avLst/>
             <a:gdLst>
-              <a:gd name="textAreaLeft" fmla="*/ 0 w 13249080"/>
-              <a:gd name="textAreaRight" fmla="*/ 13250160 w 13249080"/>
-              <a:gd name="textAreaTop" fmla="*/ 0 h 12182400"/>
-              <a:gd name="textAreaBottom" fmla="*/ 12183480 h 12182400"/>
+              <a:gd name="textAreaLeft" fmla="*/ 0 w 13248720"/>
+              <a:gd name="textAreaRight" fmla="*/ 13250160 w 13248720"/>
+              <a:gd name="textAreaTop" fmla="*/ 0 h 12182040"/>
+              <a:gd name="textAreaBottom" fmla="*/ 12183480 h 12182040"/>
             </a:gdLst>
             <a:ahLst/>
             <a:rect l="textAreaLeft" t="textAreaTop" r="textAreaRight" b="textAreaBottom"/>
@@ -6249,15 +6240,15 @@
         <p:spPr>
           <a:xfrm>
             <a:off x="9360000" y="2150640"/>
-            <a:ext cx="8966880" cy="8135280"/>
+            <a:ext cx="8966520" cy="8134920"/>
           </a:xfrm>
           <a:custGeom>
             <a:avLst/>
             <a:gdLst>
-              <a:gd name="textAreaLeft" fmla="*/ 0 w 8966880"/>
-              <a:gd name="textAreaRight" fmla="*/ 8967960 w 8966880"/>
-              <a:gd name="textAreaTop" fmla="*/ 0 h 8135280"/>
-              <a:gd name="textAreaBottom" fmla="*/ 8136360 h 8135280"/>
+              <a:gd name="textAreaLeft" fmla="*/ 0 w 8966520"/>
+              <a:gd name="textAreaRight" fmla="*/ 8967960 w 8966520"/>
+              <a:gd name="textAreaTop" fmla="*/ 0 h 8134920"/>
+              <a:gd name="textAreaBottom" fmla="*/ 8136360 h 8134920"/>
             </a:gdLst>
             <a:ahLst/>
             <a:rect l="textAreaLeft" t="textAreaTop" r="textAreaRight" b="textAreaBottom"/>
@@ -6331,7 +6322,7 @@
         <p:spPr>
           <a:xfrm>
             <a:off x="1311840" y="4894200"/>
-            <a:ext cx="2729520" cy="475920"/>
+            <a:ext cx="2729160" cy="475920"/>
           </a:xfrm>
           <a:prstGeom prst="rect">
             <a:avLst/>
@@ -6361,7 +6352,7 @@
               </a:tabLst>
             </a:pPr>
             <a:r>
-              <a:rPr b="1" lang="en-US" sz="2500" spc="242" strike="noStrike">
+              <a:rPr b="1" lang="en-US" sz="2500" spc="239" strike="noStrike">
                 <a:solidFill>
                   <a:srgbClr val="f5f6f7"/>
                 </a:solidFill>
@@ -6388,7 +6379,7 @@
         <p:spPr>
           <a:xfrm>
             <a:off x="5283720" y="4895280"/>
-            <a:ext cx="3588840" cy="475920"/>
+            <a:ext cx="3588480" cy="475920"/>
           </a:xfrm>
           <a:prstGeom prst="rect">
             <a:avLst/>
@@ -6418,7 +6409,7 @@
               </a:tabLst>
             </a:pPr>
             <a:r>
-              <a:rPr b="1" lang="en-US" sz="2500" spc="242" strike="noStrike">
+              <a:rPr b="1" lang="en-US" sz="2500" spc="239" strike="noStrike">
                 <a:solidFill>
                   <a:srgbClr val="f5f6f7"/>
                 </a:solidFill>
@@ -6445,7 +6436,7 @@
         <p:spPr>
           <a:xfrm>
             <a:off x="1311840" y="7552080"/>
-            <a:ext cx="3001680" cy="475920"/>
+            <a:ext cx="3001320" cy="475920"/>
           </a:xfrm>
           <a:prstGeom prst="rect">
             <a:avLst/>
@@ -6475,7 +6466,7 @@
               </a:tabLst>
             </a:pPr>
             <a:r>
-              <a:rPr b="1" lang="en-US" sz="2500" spc="242" strike="noStrike">
+              <a:rPr b="1" lang="en-US" sz="2500" spc="239" strike="noStrike">
                 <a:solidFill>
                   <a:srgbClr val="f5f6f7"/>
                 </a:solidFill>
@@ -6502,7 +6493,7 @@
         <p:spPr>
           <a:xfrm>
             <a:off x="5283720" y="7552080"/>
-            <a:ext cx="3456720" cy="475920"/>
+            <a:ext cx="3456360" cy="475920"/>
           </a:xfrm>
           <a:prstGeom prst="rect">
             <a:avLst/>
@@ -6532,7 +6523,7 @@
               </a:tabLst>
             </a:pPr>
             <a:r>
-              <a:rPr b="1" lang="en-US" sz="2500" spc="242" strike="noStrike">
+              <a:rPr b="1" lang="en-US" sz="2500" spc="239" strike="noStrike">
                 <a:solidFill>
                   <a:srgbClr val="f5f6f7"/>
                 </a:solidFill>
@@ -6559,7 +6550,7 @@
         <p:spPr>
           <a:xfrm>
             <a:off x="1166040" y="571680"/>
-            <a:ext cx="8114400" cy="2438280"/>
+            <a:ext cx="8114040" cy="2438280"/>
           </a:xfrm>
           <a:prstGeom prst="rect">
             <a:avLst/>
@@ -6652,7 +6643,7 @@
         <p:spPr>
           <a:xfrm>
             <a:off x="535680" y="3033720"/>
-            <a:ext cx="7692840" cy="6793920"/>
+            <a:ext cx="7692480" cy="6793920"/>
           </a:xfrm>
           <a:prstGeom prst="rect">
             <a:avLst/>
@@ -6684,7 +6675,7 @@
               <a:buChar char="•"/>
             </a:pPr>
             <a:r>
-              <a:rPr b="0" lang="vi-VN" sz="4000" spc="293" strike="noStrike">
+              <a:rPr b="0" lang="vi-VN" sz="4000" spc="290" strike="noStrike">
                 <a:solidFill>
                   <a:srgbClr val="121640"/>
                 </a:solidFill>
@@ -6694,7 +6685,7 @@
               <a:t>Với giao diện thân thiện và dễ sử dụng, shink mang đến trải nghiệm mua sắm trực tuyến thuận tiện cho người dùng</a:t>
             </a:r>
             <a:r>
-              <a:rPr b="0" lang="en-US" sz="4000" spc="293" strike="noStrike">
+              <a:rPr b="0" lang="en-US" sz="4000" spc="290" strike="noStrike">
                 <a:solidFill>
                   <a:srgbClr val="121640"/>
                 </a:solidFill>
@@ -6722,7 +6713,7 @@
               <a:buChar char="•"/>
             </a:pPr>
             <a:r>
-              <a:rPr b="0" lang="vi-VN" sz="4000" spc="293" strike="noStrike">
+              <a:rPr b="0" lang="vi-VN" sz="4000" spc="290" strike="noStrike">
                 <a:solidFill>
                   <a:srgbClr val="121640"/>
                 </a:solidFill>
@@ -7389,9 +7380,9 @@
         <p:grpSpPr>
           <a:xfrm>
             <a:off x="-5670000" y="-2828520"/>
-            <a:ext cx="8906400" cy="8906400"/>
+            <a:ext cx="8906040" cy="8906040"/>
             <a:chOff x="-5670000" y="-2828520"/>
-            <a:chExt cx="8906400" cy="8906400"/>
+            <a:chExt cx="8906040" cy="8906040"/>
           </a:xfrm>
         </p:grpSpPr>
         <p:sp>
@@ -7403,15 +7394,15 @@
           <p:spPr>
             <a:xfrm>
               <a:off x="-5670000" y="-2828520"/>
-              <a:ext cx="8906400" cy="8906400"/>
+              <a:ext cx="8906040" cy="8906040"/>
             </a:xfrm>
             <a:custGeom>
               <a:avLst/>
               <a:gdLst>
-                <a:gd name="textAreaLeft" fmla="*/ 0 w 8906400"/>
-                <a:gd name="textAreaRight" fmla="*/ 8907480 w 8906400"/>
-                <a:gd name="textAreaTop" fmla="*/ 0 h 8906400"/>
-                <a:gd name="textAreaBottom" fmla="*/ 8907480 h 8906400"/>
+                <a:gd name="textAreaLeft" fmla="*/ 0 w 8906040"/>
+                <a:gd name="textAreaRight" fmla="*/ 8907480 w 8906040"/>
+                <a:gd name="textAreaTop" fmla="*/ 0 h 8906040"/>
+                <a:gd name="textAreaBottom" fmla="*/ 8907480 h 8906040"/>
               </a:gdLst>
               <a:ahLst/>
               <a:rect l="textAreaLeft" t="textAreaTop" r="textAreaRight" b="textAreaBottom"/>
@@ -7485,7 +7476,7 @@
           <p:spPr>
             <a:xfrm>
               <a:off x="-4834800" y="-2619720"/>
-              <a:ext cx="7236360" cy="7862400"/>
+              <a:ext cx="7236000" cy="7862040"/>
             </a:xfrm>
             <a:prstGeom prst="rect">
               <a:avLst/>
@@ -7530,15 +7521,15 @@
         <p:spPr>
           <a:xfrm>
             <a:off x="-2820240" y="2100600"/>
-            <a:ext cx="7747920" cy="8405280"/>
+            <a:ext cx="7747560" cy="8404920"/>
           </a:xfrm>
           <a:custGeom>
             <a:avLst/>
             <a:gdLst>
-              <a:gd name="textAreaLeft" fmla="*/ 0 w 7747920"/>
-              <a:gd name="textAreaRight" fmla="*/ 7749000 w 7747920"/>
-              <a:gd name="textAreaTop" fmla="*/ 0 h 8405280"/>
-              <a:gd name="textAreaBottom" fmla="*/ 8406360 h 8405280"/>
+              <a:gd name="textAreaLeft" fmla="*/ 0 w 7747560"/>
+              <a:gd name="textAreaRight" fmla="*/ 7749000 w 7747560"/>
+              <a:gd name="textAreaTop" fmla="*/ 0 h 8404920"/>
+              <a:gd name="textAreaBottom" fmla="*/ 8406360 h 8404920"/>
             </a:gdLst>
             <a:ahLst/>
             <a:rect l="textAreaLeft" t="textAreaTop" r="textAreaRight" b="textAreaBottom"/>
@@ -7612,7 +7603,7 @@
         <p:spPr>
           <a:xfrm>
             <a:off x="4928760" y="1465200"/>
-            <a:ext cx="12239280" cy="1218960"/>
+            <a:ext cx="12238920" cy="1218960"/>
           </a:xfrm>
           <a:prstGeom prst="rect">
             <a:avLst/>
@@ -7689,7 +7680,7 @@
         <p:spPr>
           <a:xfrm>
             <a:off x="14072400" y="3912120"/>
-            <a:ext cx="3057480" cy="475920"/>
+            <a:ext cx="3057120" cy="475920"/>
           </a:xfrm>
           <a:prstGeom prst="rect">
             <a:avLst/>
@@ -7719,7 +7710,7 @@
               </a:tabLst>
             </a:pPr>
             <a:r>
-              <a:rPr b="1" lang="en-US" sz="4400" spc="242" strike="noStrike">
+              <a:rPr b="1" lang="en-US" sz="4400" spc="239" strike="noStrike">
                 <a:solidFill>
                   <a:srgbClr val="f5f6f7"/>
                 </a:solidFill>
@@ -7746,7 +7737,7 @@
         <p:spPr>
           <a:xfrm>
             <a:off x="10842120" y="3972240"/>
-            <a:ext cx="3057480" cy="475920"/>
+            <a:ext cx="3057120" cy="475920"/>
           </a:xfrm>
           <a:prstGeom prst="rect">
             <a:avLst/>
@@ -7776,7 +7767,7 @@
               </a:tabLst>
             </a:pPr>
             <a:r>
-              <a:rPr b="1" lang="en-US" sz="4400" spc="242" strike="noStrike">
+              <a:rPr b="1" lang="en-US" sz="4400" spc="239" strike="noStrike">
                 <a:solidFill>
                   <a:srgbClr val="f5f6f7"/>
                 </a:solidFill>
@@ -7803,7 +7794,7 @@
         <p:spPr>
           <a:xfrm>
             <a:off x="7612200" y="3912120"/>
-            <a:ext cx="3057480" cy="475920"/>
+            <a:ext cx="3057120" cy="475920"/>
           </a:xfrm>
           <a:prstGeom prst="rect">
             <a:avLst/>
@@ -7833,7 +7824,7 @@
               </a:tabLst>
             </a:pPr>
             <a:r>
-              <a:rPr b="1" lang="en-US" sz="4400" spc="242" strike="noStrike">
+              <a:rPr b="1" lang="en-US" sz="4400" spc="239" strike="noStrike">
                 <a:solidFill>
                   <a:srgbClr val="f5f6f7"/>
                 </a:solidFill>
@@ -7860,7 +7851,7 @@
         <p:spPr>
           <a:xfrm>
             <a:off x="4343760" y="3972240"/>
-            <a:ext cx="3057480" cy="475920"/>
+            <a:ext cx="3057120" cy="475920"/>
           </a:xfrm>
           <a:prstGeom prst="rect">
             <a:avLst/>
@@ -7890,7 +7881,7 @@
               </a:tabLst>
             </a:pPr>
             <a:r>
-              <a:rPr b="1" lang="en-US" sz="4400" spc="242" strike="noStrike">
+              <a:rPr b="1" lang="en-US" sz="4400" spc="239" strike="noStrike">
                 <a:solidFill>
                   <a:srgbClr val="f5f6f7"/>
                 </a:solidFill>
@@ -7917,7 +7908,7 @@
         <p:spPr>
           <a:xfrm>
             <a:off x="14224680" y="5296680"/>
-            <a:ext cx="2829600" cy="782280"/>
+            <a:ext cx="2829240" cy="782280"/>
           </a:xfrm>
           <a:prstGeom prst="rect">
             <a:avLst/>
@@ -7974,7 +7965,7 @@
         <p:spPr>
           <a:xfrm>
             <a:off x="10956240" y="5296680"/>
-            <a:ext cx="2829600" cy="782280"/>
+            <a:ext cx="2829240" cy="782280"/>
           </a:xfrm>
           <a:prstGeom prst="rect">
             <a:avLst/>
@@ -8031,7 +8022,7 @@
         <p:spPr>
           <a:xfrm>
             <a:off x="7687800" y="5296680"/>
-            <a:ext cx="2829600" cy="782280"/>
+            <a:ext cx="2829240" cy="782280"/>
           </a:xfrm>
           <a:prstGeom prst="rect">
             <a:avLst/>
@@ -8088,7 +8079,7 @@
         <p:spPr>
           <a:xfrm>
             <a:off x="4419360" y="5296680"/>
-            <a:ext cx="2750400" cy="782280"/>
+            <a:ext cx="2750040" cy="782280"/>
           </a:xfrm>
           <a:prstGeom prst="rect">
             <a:avLst/>
@@ -8125,7 +8116,7 @@
                 <a:latin typeface="Times New Roman"/>
                 <a:ea typeface="Public Sans"/>
               </a:rPr>
-              <a:t>Thiết kế app Shopee</a:t>
+              <a:t>Thiết kế app shInk</a:t>
             </a:r>
             <a:endParaRPr b="0" lang="vi-VN" sz="3200" spc="-1" strike="noStrike">
               <a:solidFill>
@@ -8177,9 +8168,9 @@
         <p:grpSpPr>
           <a:xfrm>
             <a:off x="0" y="0"/>
-            <a:ext cx="18286920" cy="10285920"/>
+            <a:ext cx="18286560" cy="10285560"/>
             <a:chOff x="0" y="0"/>
-            <a:chExt cx="18286920" cy="10285920"/>
+            <a:chExt cx="18286560" cy="10285560"/>
           </a:xfrm>
         </p:grpSpPr>
         <p:pic>
@@ -8198,7 +8189,7 @@
           <p:spPr>
             <a:xfrm>
               <a:off x="0" y="0"/>
-              <a:ext cx="18286920" cy="10285920"/>
+              <a:ext cx="18286560" cy="10285560"/>
             </a:xfrm>
             <a:prstGeom prst="rect">
               <a:avLst/>
@@ -8218,9 +8209,9 @@
         <p:grpSpPr>
           <a:xfrm>
             <a:off x="-2859480" y="779760"/>
-            <a:ext cx="14184000" cy="7768440"/>
+            <a:ext cx="14183640" cy="7768080"/>
             <a:chOff x="-2859480" y="779760"/>
-            <a:chExt cx="14184000" cy="7768440"/>
+            <a:chExt cx="14183640" cy="7768080"/>
           </a:xfrm>
         </p:grpSpPr>
         <p:sp>
@@ -8232,15 +8223,15 @@
           <p:spPr>
             <a:xfrm>
               <a:off x="-2859480" y="1737720"/>
-              <a:ext cx="14184000" cy="6810480"/>
+              <a:ext cx="14183640" cy="6810120"/>
             </a:xfrm>
             <a:custGeom>
               <a:avLst/>
               <a:gdLst>
-                <a:gd name="textAreaLeft" fmla="*/ 0 w 14184000"/>
-                <a:gd name="textAreaRight" fmla="*/ 14185080 w 14184000"/>
-                <a:gd name="textAreaTop" fmla="*/ 0 h 6810480"/>
-                <a:gd name="textAreaBottom" fmla="*/ 6811560 h 6810480"/>
+                <a:gd name="textAreaLeft" fmla="*/ 0 w 14183640"/>
+                <a:gd name="textAreaRight" fmla="*/ 14185080 w 14183640"/>
+                <a:gd name="textAreaTop" fmla="*/ 0 h 6810120"/>
+                <a:gd name="textAreaBottom" fmla="*/ 6811560 h 6810120"/>
               </a:gdLst>
               <a:ahLst/>
               <a:rect l="textAreaLeft" t="textAreaTop" r="textAreaRight" b="textAreaBottom"/>
@@ -8317,7 +8308,7 @@
           <p:spPr>
             <a:xfrm>
               <a:off x="-2859480" y="779760"/>
-              <a:ext cx="14184000" cy="7768440"/>
+              <a:ext cx="14183640" cy="7768080"/>
             </a:xfrm>
             <a:prstGeom prst="rect">
               <a:avLst/>
@@ -8362,9 +8353,9 @@
         <p:grpSpPr>
           <a:xfrm>
             <a:off x="-3600720" y="333720"/>
-            <a:ext cx="15665760" cy="7768440"/>
+            <a:ext cx="15665400" cy="7768080"/>
             <a:chOff x="-3600720" y="333720"/>
-            <a:chExt cx="15665760" cy="7768440"/>
+            <a:chExt cx="15665400" cy="7768080"/>
           </a:xfrm>
         </p:grpSpPr>
         <p:sp>
@@ -8376,15 +8367,15 @@
           <p:spPr>
             <a:xfrm>
               <a:off x="-3600720" y="1291680"/>
-              <a:ext cx="15665760" cy="6810480"/>
+              <a:ext cx="15665400" cy="6810120"/>
             </a:xfrm>
             <a:custGeom>
               <a:avLst/>
               <a:gdLst>
-                <a:gd name="textAreaLeft" fmla="*/ 0 w 15665760"/>
-                <a:gd name="textAreaRight" fmla="*/ 15666840 w 15665760"/>
-                <a:gd name="textAreaTop" fmla="*/ 0 h 6810480"/>
-                <a:gd name="textAreaBottom" fmla="*/ 6811560 h 6810480"/>
+                <a:gd name="textAreaLeft" fmla="*/ 0 w 15665400"/>
+                <a:gd name="textAreaRight" fmla="*/ 15666840 w 15665400"/>
+                <a:gd name="textAreaTop" fmla="*/ 0 h 6810120"/>
+                <a:gd name="textAreaBottom" fmla="*/ 6811560 h 6810120"/>
               </a:gdLst>
               <a:ahLst/>
               <a:rect l="textAreaLeft" t="textAreaTop" r="textAreaRight" b="textAreaBottom"/>
@@ -8462,7 +8453,7 @@
           <p:spPr>
             <a:xfrm>
               <a:off x="-3600720" y="333720"/>
-              <a:ext cx="15665760" cy="7768440"/>
+              <a:ext cx="15665400" cy="7768080"/>
             </a:xfrm>
             <a:prstGeom prst="rect">
               <a:avLst/>
@@ -8507,9 +8498,9 @@
         <p:grpSpPr>
           <a:xfrm>
             <a:off x="1585800" y="4459320"/>
-            <a:ext cx="9380160" cy="1593000"/>
+            <a:ext cx="9379800" cy="1592640"/>
             <a:chOff x="1585800" y="4459320"/>
-            <a:chExt cx="9380160" cy="1593000"/>
+            <a:chExt cx="9379800" cy="1592640"/>
           </a:xfrm>
         </p:grpSpPr>
         <p:sp>
@@ -8521,7 +8512,7 @@
           <p:spPr>
             <a:xfrm>
               <a:off x="2705400" y="4459320"/>
-              <a:ext cx="8260560" cy="1218960"/>
+              <a:ext cx="8260200" cy="1218960"/>
             </a:xfrm>
             <a:prstGeom prst="rect">
               <a:avLst/>
@@ -8578,7 +8569,7 @@
           <p:spPr>
             <a:xfrm>
               <a:off x="1585800" y="5690520"/>
-              <a:ext cx="5956920" cy="361800"/>
+              <a:ext cx="5956560" cy="361440"/>
             </a:xfrm>
             <a:prstGeom prst="rect">
               <a:avLst/>
@@ -8627,9 +8618,9 @@
         <p:grpSpPr>
           <a:xfrm>
             <a:off x="9595800" y="759960"/>
-            <a:ext cx="3457800" cy="3457800"/>
+            <a:ext cx="3457440" cy="3457440"/>
             <a:chOff x="9595800" y="759960"/>
-            <a:chExt cx="3457800" cy="3457800"/>
+            <a:chExt cx="3457440" cy="3457440"/>
           </a:xfrm>
         </p:grpSpPr>
         <p:sp>
@@ -8641,15 +8632,15 @@
           <p:spPr>
             <a:xfrm>
               <a:off x="9595800" y="759960"/>
-              <a:ext cx="3457800" cy="3457800"/>
+              <a:ext cx="3457440" cy="3457440"/>
             </a:xfrm>
             <a:custGeom>
               <a:avLst/>
               <a:gdLst>
-                <a:gd name="textAreaLeft" fmla="*/ 0 w 3457800"/>
-                <a:gd name="textAreaRight" fmla="*/ 3458880 w 3457800"/>
-                <a:gd name="textAreaTop" fmla="*/ 0 h 3457800"/>
-                <a:gd name="textAreaBottom" fmla="*/ 3458880 h 3457800"/>
+                <a:gd name="textAreaLeft" fmla="*/ 0 w 3457440"/>
+                <a:gd name="textAreaRight" fmla="*/ 3458880 w 3457440"/>
+                <a:gd name="textAreaTop" fmla="*/ 0 h 3457440"/>
+                <a:gd name="textAreaBottom" fmla="*/ 3458880 h 3457440"/>
               </a:gdLst>
               <a:ahLst/>
               <a:rect l="textAreaLeft" t="textAreaTop" r="textAreaRight" b="textAreaBottom"/>
@@ -8723,7 +8714,7 @@
           <p:spPr>
             <a:xfrm>
               <a:off x="9920160" y="840960"/>
-              <a:ext cx="2809440" cy="3052440"/>
+              <a:ext cx="2809080" cy="3052080"/>
             </a:xfrm>
             <a:prstGeom prst="rect">
               <a:avLst/>
@@ -8800,9 +8791,9 @@
         <p:grpSpPr>
           <a:xfrm>
             <a:off x="0" y="0"/>
-            <a:ext cx="18286920" cy="10285920"/>
+            <a:ext cx="18286560" cy="10285560"/>
             <a:chOff x="0" y="0"/>
-            <a:chExt cx="18286920" cy="10285920"/>
+            <a:chExt cx="18286560" cy="10285560"/>
           </a:xfrm>
         </p:grpSpPr>
         <p:pic>
@@ -8821,7 +8812,7 @@
           <p:spPr>
             <a:xfrm>
               <a:off x="0" y="0"/>
-              <a:ext cx="18286920" cy="10285920"/>
+              <a:ext cx="18286560" cy="10285560"/>
             </a:xfrm>
             <a:prstGeom prst="rect">
               <a:avLst/>
@@ -8841,9 +8832,9 @@
         <p:grpSpPr>
           <a:xfrm>
             <a:off x="-2859480" y="779760"/>
-            <a:ext cx="14184000" cy="7768440"/>
+            <a:ext cx="14183640" cy="7768080"/>
             <a:chOff x="-2859480" y="779760"/>
-            <a:chExt cx="14184000" cy="7768440"/>
+            <a:chExt cx="14183640" cy="7768080"/>
           </a:xfrm>
         </p:grpSpPr>
         <p:sp>
@@ -8855,15 +8846,15 @@
           <p:spPr>
             <a:xfrm>
               <a:off x="-2859480" y="1737720"/>
-              <a:ext cx="14184000" cy="6810480"/>
+              <a:ext cx="14183640" cy="6810120"/>
             </a:xfrm>
             <a:custGeom>
               <a:avLst/>
               <a:gdLst>
-                <a:gd name="textAreaLeft" fmla="*/ 0 w 14184000"/>
-                <a:gd name="textAreaRight" fmla="*/ 14185080 w 14184000"/>
-                <a:gd name="textAreaTop" fmla="*/ 0 h 6810480"/>
-                <a:gd name="textAreaBottom" fmla="*/ 6811560 h 6810480"/>
+                <a:gd name="textAreaLeft" fmla="*/ 0 w 14183640"/>
+                <a:gd name="textAreaRight" fmla="*/ 14185080 w 14183640"/>
+                <a:gd name="textAreaTop" fmla="*/ 0 h 6810120"/>
+                <a:gd name="textAreaBottom" fmla="*/ 6811560 h 6810120"/>
               </a:gdLst>
               <a:ahLst/>
               <a:rect l="textAreaLeft" t="textAreaTop" r="textAreaRight" b="textAreaBottom"/>
@@ -8940,7 +8931,7 @@
           <p:spPr>
             <a:xfrm>
               <a:off x="-2859480" y="779760"/>
-              <a:ext cx="14184000" cy="7768440"/>
+              <a:ext cx="14183640" cy="7768080"/>
             </a:xfrm>
             <a:prstGeom prst="rect">
               <a:avLst/>
@@ -8985,9 +8976,9 @@
         <p:grpSpPr>
           <a:xfrm>
             <a:off x="-3600720" y="333720"/>
-            <a:ext cx="15665760" cy="7768440"/>
+            <a:ext cx="15665400" cy="7768080"/>
             <a:chOff x="-3600720" y="333720"/>
-            <a:chExt cx="15665760" cy="7768440"/>
+            <a:chExt cx="15665400" cy="7768080"/>
           </a:xfrm>
         </p:grpSpPr>
         <p:sp>
@@ -8999,15 +8990,15 @@
           <p:spPr>
             <a:xfrm>
               <a:off x="-3600720" y="1291680"/>
-              <a:ext cx="15665760" cy="6810480"/>
+              <a:ext cx="15665400" cy="6810120"/>
             </a:xfrm>
             <a:custGeom>
               <a:avLst/>
               <a:gdLst>
-                <a:gd name="textAreaLeft" fmla="*/ 0 w 15665760"/>
-                <a:gd name="textAreaRight" fmla="*/ 15666840 w 15665760"/>
-                <a:gd name="textAreaTop" fmla="*/ 0 h 6810480"/>
-                <a:gd name="textAreaBottom" fmla="*/ 6811560 h 6810480"/>
+                <a:gd name="textAreaLeft" fmla="*/ 0 w 15665400"/>
+                <a:gd name="textAreaRight" fmla="*/ 15666840 w 15665400"/>
+                <a:gd name="textAreaTop" fmla="*/ 0 h 6810120"/>
+                <a:gd name="textAreaBottom" fmla="*/ 6811560 h 6810120"/>
               </a:gdLst>
               <a:ahLst/>
               <a:rect l="textAreaLeft" t="textAreaTop" r="textAreaRight" b="textAreaBottom"/>
@@ -9085,7 +9076,7 @@
           <p:spPr>
             <a:xfrm>
               <a:off x="-3600720" y="333720"/>
-              <a:ext cx="15665760" cy="7768440"/>
+              <a:ext cx="15665400" cy="7768080"/>
             </a:xfrm>
             <a:prstGeom prst="rect">
               <a:avLst/>
@@ -9130,7 +9121,7 @@
         <p:spPr>
           <a:xfrm>
             <a:off x="1585800" y="4097520"/>
-            <a:ext cx="8260560" cy="2438280"/>
+            <a:ext cx="8260200" cy="2438280"/>
           </a:xfrm>
           <a:prstGeom prst="rect">
             <a:avLst/>
@@ -9230,9 +9221,9 @@
         <p:grpSpPr>
           <a:xfrm>
             <a:off x="9595800" y="759960"/>
-            <a:ext cx="3457800" cy="3457800"/>
+            <a:ext cx="3457440" cy="3457440"/>
             <a:chOff x="9595800" y="759960"/>
-            <a:chExt cx="3457800" cy="3457800"/>
+            <a:chExt cx="3457440" cy="3457440"/>
           </a:xfrm>
         </p:grpSpPr>
         <p:sp>
@@ -9244,15 +9235,15 @@
           <p:spPr>
             <a:xfrm>
               <a:off x="9595800" y="759960"/>
-              <a:ext cx="3457800" cy="3457800"/>
+              <a:ext cx="3457440" cy="3457440"/>
             </a:xfrm>
             <a:custGeom>
               <a:avLst/>
               <a:gdLst>
-                <a:gd name="textAreaLeft" fmla="*/ 0 w 3457800"/>
-                <a:gd name="textAreaRight" fmla="*/ 3458880 w 3457800"/>
-                <a:gd name="textAreaTop" fmla="*/ 0 h 3457800"/>
-                <a:gd name="textAreaBottom" fmla="*/ 3458880 h 3457800"/>
+                <a:gd name="textAreaLeft" fmla="*/ 0 w 3457440"/>
+                <a:gd name="textAreaRight" fmla="*/ 3458880 w 3457440"/>
+                <a:gd name="textAreaTop" fmla="*/ 0 h 3457440"/>
+                <a:gd name="textAreaBottom" fmla="*/ 3458880 h 3457440"/>
               </a:gdLst>
               <a:ahLst/>
               <a:rect l="textAreaLeft" t="textAreaTop" r="textAreaRight" b="textAreaBottom"/>
@@ -9326,7 +9317,7 @@
           <p:spPr>
             <a:xfrm>
               <a:off x="9920160" y="840960"/>
-              <a:ext cx="2809440" cy="3052440"/>
+              <a:ext cx="2809080" cy="3052080"/>
             </a:xfrm>
             <a:prstGeom prst="rect">
               <a:avLst/>
@@ -9402,16 +9393,16 @@
         </p:nvSpPr>
         <p:spPr>
           <a:xfrm rot="8946000">
-            <a:off x="-4671000" y="-4320360"/>
-            <a:ext cx="6757200" cy="7958880"/>
+            <a:off x="-4670280" y="-4320000"/>
+            <a:ext cx="6756840" cy="7958520"/>
           </a:xfrm>
           <a:custGeom>
             <a:avLst/>
             <a:gdLst>
-              <a:gd name="textAreaLeft" fmla="*/ 0 w 6757200"/>
-              <a:gd name="textAreaRight" fmla="*/ 6758280 w 6757200"/>
-              <a:gd name="textAreaTop" fmla="*/ 0 h 7958880"/>
-              <a:gd name="textAreaBottom" fmla="*/ 7959960 h 7958880"/>
+              <a:gd name="textAreaLeft" fmla="*/ 0 w 6756840"/>
+              <a:gd name="textAreaRight" fmla="*/ 6758280 w 6756840"/>
+              <a:gd name="textAreaTop" fmla="*/ 0 h 7958520"/>
+              <a:gd name="textAreaBottom" fmla="*/ 7959960 h 7958520"/>
             </a:gdLst>
             <a:ahLst/>
             <a:rect l="textAreaLeft" t="textAreaTop" r="textAreaRight" b="textAreaBottom"/>
@@ -9485,15 +9476,15 @@
         <p:spPr>
           <a:xfrm rot="5688600">
             <a:off x="15846840" y="4104720"/>
-            <a:ext cx="10101240" cy="9288000"/>
+            <a:ext cx="10100880" cy="9287640"/>
           </a:xfrm>
           <a:custGeom>
             <a:avLst/>
             <a:gdLst>
-              <a:gd name="textAreaLeft" fmla="*/ 0 w 10101240"/>
-              <a:gd name="textAreaRight" fmla="*/ 10102320 w 10101240"/>
-              <a:gd name="textAreaTop" fmla="*/ 0 h 9288000"/>
-              <a:gd name="textAreaBottom" fmla="*/ 9289080 h 9288000"/>
+              <a:gd name="textAreaLeft" fmla="*/ 0 w 10100880"/>
+              <a:gd name="textAreaRight" fmla="*/ 10102320 w 10100880"/>
+              <a:gd name="textAreaTop" fmla="*/ 0 h 9287640"/>
+              <a:gd name="textAreaBottom" fmla="*/ 9289080 h 9287640"/>
             </a:gdLst>
             <a:ahLst/>
             <a:rect l="textAreaLeft" t="textAreaTop" r="textAreaRight" b="textAreaBottom"/>
@@ -9567,15 +9558,15 @@
         <p:spPr>
           <a:xfrm>
             <a:off x="6162120" y="3327120"/>
-            <a:ext cx="5962680" cy="5930280"/>
+            <a:ext cx="5962320" cy="5929920"/>
           </a:xfrm>
           <a:custGeom>
             <a:avLst/>
             <a:gdLst>
-              <a:gd name="textAreaLeft" fmla="*/ 0 w 5962680"/>
-              <a:gd name="textAreaRight" fmla="*/ 5963760 w 5962680"/>
-              <a:gd name="textAreaTop" fmla="*/ 0 h 5930280"/>
-              <a:gd name="textAreaBottom" fmla="*/ 5931360 h 5930280"/>
+              <a:gd name="textAreaLeft" fmla="*/ 0 w 5962320"/>
+              <a:gd name="textAreaRight" fmla="*/ 5963760 w 5962320"/>
+              <a:gd name="textAreaTop" fmla="*/ 0 h 5929920"/>
+              <a:gd name="textAreaBottom" fmla="*/ 5931360 h 5929920"/>
             </a:gdLst>
             <a:ahLst/>
             <a:rect l="textAreaLeft" t="textAreaTop" r="textAreaRight" b="textAreaBottom"/>
@@ -9649,7 +9640,7 @@
         <p:spPr>
           <a:xfrm>
             <a:off x="1653120" y="4194000"/>
-            <a:ext cx="4560120" cy="782280"/>
+            <a:ext cx="4559760" cy="782280"/>
           </a:xfrm>
           <a:prstGeom prst="rect">
             <a:avLst/>
@@ -9703,7 +9694,7 @@
         <p:spPr>
           <a:xfrm>
             <a:off x="2913120" y="7891200"/>
-            <a:ext cx="3991680" cy="782280"/>
+            <a:ext cx="3991320" cy="782280"/>
           </a:xfrm>
           <a:prstGeom prst="rect">
             <a:avLst/>
@@ -9757,7 +9748,7 @@
         <p:spPr>
           <a:xfrm>
             <a:off x="1653120" y="7233840"/>
-            <a:ext cx="3493080" cy="475920"/>
+            <a:ext cx="3492720" cy="475920"/>
           </a:xfrm>
           <a:prstGeom prst="rect">
             <a:avLst/>
@@ -9787,7 +9778,7 @@
               </a:tabLst>
             </a:pPr>
             <a:r>
-              <a:rPr b="1" lang="en-US" sz="2500" spc="242" strike="noStrike">
+              <a:rPr b="1" lang="en-US" sz="2500" spc="239" strike="noStrike">
                 <a:solidFill>
                   <a:srgbClr val="f5f6f7"/>
                 </a:solidFill>
@@ -9814,7 +9805,7 @@
         <p:spPr>
           <a:xfrm>
             <a:off x="11866320" y="4141080"/>
-            <a:ext cx="3991680" cy="390960"/>
+            <a:ext cx="3991320" cy="390960"/>
           </a:xfrm>
           <a:prstGeom prst="rect">
             <a:avLst/>
@@ -9868,7 +9859,7 @@
         <p:spPr>
           <a:xfrm>
             <a:off x="13218120" y="3551400"/>
-            <a:ext cx="3432240" cy="475920"/>
+            <a:ext cx="3431880" cy="475920"/>
           </a:xfrm>
           <a:prstGeom prst="rect">
             <a:avLst/>
@@ -9898,7 +9889,7 @@
               </a:tabLst>
             </a:pPr>
             <a:r>
-              <a:rPr b="1" lang="en-US" sz="2500" spc="242" strike="noStrike">
+              <a:rPr b="1" lang="en-US" sz="2500" spc="239" strike="noStrike">
                 <a:solidFill>
                   <a:srgbClr val="f5f6f7"/>
                 </a:solidFill>
@@ -9925,7 +9916,7 @@
         <p:spPr>
           <a:xfrm>
             <a:off x="11225880" y="7891200"/>
-            <a:ext cx="4704120" cy="390960"/>
+            <a:ext cx="4703760" cy="390960"/>
           </a:xfrm>
           <a:prstGeom prst="rect">
             <a:avLst/>
@@ -9979,7 +9970,7 @@
         <p:spPr>
           <a:xfrm>
             <a:off x="12993480" y="7233840"/>
-            <a:ext cx="3656880" cy="475920"/>
+            <a:ext cx="3656520" cy="475920"/>
           </a:xfrm>
           <a:prstGeom prst="rect">
             <a:avLst/>
@@ -10009,7 +10000,7 @@
               </a:tabLst>
             </a:pPr>
             <a:r>
-              <a:rPr b="1" lang="en-US" sz="2500" spc="242" strike="noStrike">
+              <a:rPr b="1" lang="en-US" sz="2500" spc="239" strike="noStrike">
                 <a:solidFill>
                   <a:srgbClr val="f5f6f7"/>
                 </a:solidFill>
@@ -10036,7 +10027,7 @@
         <p:spPr>
           <a:xfrm>
             <a:off x="3422160" y="1173600"/>
-            <a:ext cx="11442960" cy="1218960"/>
+            <a:ext cx="11442600" cy="1218960"/>
           </a:xfrm>
           <a:prstGeom prst="rect">
             <a:avLst/>
@@ -10127,16 +10118,16 @@
         </p:nvSpPr>
         <p:spPr>
           <a:xfrm flipH="1">
-            <a:off x="10640160" y="-801360"/>
-            <a:ext cx="15034320" cy="11480400"/>
+            <a:off x="10639440" y="-801360"/>
+            <a:ext cx="15033960" cy="11480040"/>
           </a:xfrm>
           <a:custGeom>
             <a:avLst/>
             <a:gdLst>
-              <a:gd name="textAreaLeft" fmla="*/ 720 w 15034320"/>
-              <a:gd name="textAreaRight" fmla="*/ 15036120 w 15034320"/>
-              <a:gd name="textAreaTop" fmla="*/ 0 h 11480400"/>
-              <a:gd name="textAreaBottom" fmla="*/ 11481480 h 11480400"/>
+              <a:gd name="textAreaLeft" fmla="*/ 720 w 15033960"/>
+              <a:gd name="textAreaRight" fmla="*/ 15036120 w 15033960"/>
+              <a:gd name="textAreaTop" fmla="*/ 0 h 11480040"/>
+              <a:gd name="textAreaBottom" fmla="*/ 11481480 h 11480040"/>
             </a:gdLst>
             <a:ahLst/>
             <a:rect l="textAreaLeft" t="textAreaTop" r="textAreaRight" b="textAreaBottom"/>
@@ -10210,15 +10201,15 @@
         <p:spPr>
           <a:xfrm>
             <a:off x="10640880" y="1375560"/>
-            <a:ext cx="6617520" cy="8124120"/>
+            <a:ext cx="6617160" cy="8123760"/>
           </a:xfrm>
           <a:custGeom>
             <a:avLst/>
             <a:gdLst>
-              <a:gd name="textAreaLeft" fmla="*/ 0 w 6617520"/>
-              <a:gd name="textAreaRight" fmla="*/ 6618600 w 6617520"/>
-              <a:gd name="textAreaTop" fmla="*/ 0 h 8124120"/>
-              <a:gd name="textAreaBottom" fmla="*/ 8125200 h 8124120"/>
+              <a:gd name="textAreaLeft" fmla="*/ 0 w 6617160"/>
+              <a:gd name="textAreaRight" fmla="*/ 6618600 w 6617160"/>
+              <a:gd name="textAreaTop" fmla="*/ 0 h 8123760"/>
+              <a:gd name="textAreaBottom" fmla="*/ 8125200 h 8123760"/>
             </a:gdLst>
             <a:ahLst/>
             <a:rect l="textAreaLeft" t="textAreaTop" r="textAreaRight" b="textAreaBottom"/>
@@ -10292,7 +10283,7 @@
         <p:spPr>
           <a:xfrm>
             <a:off x="1392840" y="1804320"/>
-            <a:ext cx="9190800" cy="2438280"/>
+            <a:ext cx="9190440" cy="2438280"/>
           </a:xfrm>
           <a:prstGeom prst="rect">
             <a:avLst/>
@@ -10369,7 +10360,7 @@
         <p:spPr>
           <a:xfrm>
             <a:off x="1028880" y="4275000"/>
-            <a:ext cx="6323400" cy="2832840"/>
+            <a:ext cx="6323040" cy="2832840"/>
           </a:xfrm>
           <a:prstGeom prst="rect">
             <a:avLst/>
@@ -10538,10 +10529,10 @@
         </p:nvGrpSpPr>
         <p:grpSpPr>
           <a:xfrm>
-            <a:off x="15915240" y="-534600"/>
-            <a:ext cx="1986120" cy="1727640"/>
-            <a:chOff x="15915240" y="-534600"/>
-            <a:chExt cx="1986120" cy="1727640"/>
+            <a:off x="15915600" y="-534240"/>
+            <a:ext cx="1985760" cy="1727280"/>
+            <a:chOff x="15915600" y="-534240"/>
+            <a:chExt cx="1985760" cy="1727280"/>
           </a:xfrm>
         </p:grpSpPr>
         <p:grpSp>
@@ -10552,10 +10543,10 @@
           </p:nvGrpSpPr>
           <p:grpSpPr>
             <a:xfrm>
-              <a:off x="15915240" y="-534600"/>
-              <a:ext cx="1727640" cy="1727640"/>
-              <a:chOff x="15915240" y="-534600"/>
-              <a:chExt cx="1727640" cy="1727640"/>
+              <a:off x="15915600" y="-534240"/>
+              <a:ext cx="1727280" cy="1727280"/>
+              <a:chOff x="15915600" y="-534240"/>
+              <a:chExt cx="1727280" cy="1727280"/>
             </a:xfrm>
           </p:grpSpPr>
           <p:sp>
@@ -10566,16 +10557,16 @@
             </p:nvSpPr>
             <p:spPr>
               <a:xfrm rot="10800000">
-                <a:off x="15915240" y="-534600"/>
-                <a:ext cx="1727640" cy="1727640"/>
+                <a:off x="15915600" y="-534240"/>
+                <a:ext cx="1727280" cy="1727280"/>
               </a:xfrm>
               <a:custGeom>
                 <a:avLst/>
                 <a:gdLst>
-                  <a:gd name="textAreaLeft" fmla="*/ 0 w 1727640"/>
-                  <a:gd name="textAreaRight" fmla="*/ 1728720 w 1727640"/>
-                  <a:gd name="textAreaTop" fmla="*/ 0 h 1727640"/>
-                  <a:gd name="textAreaBottom" fmla="*/ 1728720 h 1727640"/>
+                  <a:gd name="textAreaLeft" fmla="*/ 0 w 1727280"/>
+                  <a:gd name="textAreaRight" fmla="*/ 1728720 w 1727280"/>
+                  <a:gd name="textAreaTop" fmla="*/ 0 h 1727280"/>
+                  <a:gd name="textAreaBottom" fmla="*/ 1728720 h 1727280"/>
                 </a:gdLst>
                 <a:ahLst/>
                 <a:rect l="textAreaLeft" t="textAreaTop" r="textAreaRight" b="textAreaBottom"/>
@@ -10649,16 +10640,16 @@
           </p:nvSpPr>
           <p:spPr>
             <a:xfrm rot="10800000">
-              <a:off x="16173720" y="-534600"/>
-              <a:ext cx="1727640" cy="1727640"/>
+              <a:off x="16174080" y="-534240"/>
+              <a:ext cx="1727280" cy="1727280"/>
             </a:xfrm>
             <a:custGeom>
               <a:avLst/>
               <a:gdLst>
-                <a:gd name="textAreaLeft" fmla="*/ 0 w 1727640"/>
-                <a:gd name="textAreaRight" fmla="*/ 1728720 w 1727640"/>
-                <a:gd name="textAreaTop" fmla="*/ 0 h 1727640"/>
-                <a:gd name="textAreaBottom" fmla="*/ 1728720 h 1727640"/>
+                <a:gd name="textAreaLeft" fmla="*/ 0 w 1727280"/>
+                <a:gd name="textAreaRight" fmla="*/ 1728720 w 1727280"/>
+                <a:gd name="textAreaTop" fmla="*/ 0 h 1727280"/>
+                <a:gd name="textAreaBottom" fmla="*/ 1728720 h 1727280"/>
               </a:gdLst>
               <a:ahLst/>
               <a:rect l="textAreaLeft" t="textAreaTop" r="textAreaRight" b="textAreaBottom"/>
@@ -10733,7 +10724,7 @@
         <p:spPr>
           <a:xfrm>
             <a:off x="0" y="0"/>
-            <a:ext cx="9442080" cy="10285920"/>
+            <a:ext cx="9441720" cy="10285560"/>
           </a:xfrm>
           <a:prstGeom prst="rect">
             <a:avLst/>
@@ -10779,9 +10770,9 @@
         <p:grpSpPr>
           <a:xfrm>
             <a:off x="8616600" y="474120"/>
-            <a:ext cx="1651680" cy="1436760"/>
+            <a:ext cx="1651320" cy="1436400"/>
             <a:chOff x="8616600" y="474120"/>
-            <a:chExt cx="1651680" cy="1436760"/>
+            <a:chExt cx="1651320" cy="1436400"/>
           </a:xfrm>
         </p:grpSpPr>
         <p:grpSp>
@@ -10793,9 +10784,9 @@
           <p:grpSpPr>
             <a:xfrm>
               <a:off x="8831520" y="474120"/>
-              <a:ext cx="1436760" cy="1436760"/>
+              <a:ext cx="1436400" cy="1436400"/>
               <a:chOff x="8831520" y="474120"/>
-              <a:chExt cx="1436760" cy="1436760"/>
+              <a:chExt cx="1436400" cy="1436400"/>
             </a:xfrm>
           </p:grpSpPr>
           <p:sp>
@@ -10807,15 +10798,15 @@
             <p:spPr>
               <a:xfrm>
                 <a:off x="8831520" y="474120"/>
-                <a:ext cx="1436760" cy="1436760"/>
+                <a:ext cx="1436400" cy="1436400"/>
               </a:xfrm>
               <a:custGeom>
                 <a:avLst/>
                 <a:gdLst>
-                  <a:gd name="textAreaLeft" fmla="*/ 0 w 1436760"/>
-                  <a:gd name="textAreaRight" fmla="*/ 1437840 w 1436760"/>
-                  <a:gd name="textAreaTop" fmla="*/ 0 h 1436760"/>
-                  <a:gd name="textAreaBottom" fmla="*/ 1437840 h 1436760"/>
+                  <a:gd name="textAreaLeft" fmla="*/ 0 w 1436400"/>
+                  <a:gd name="textAreaRight" fmla="*/ 1437840 w 1436400"/>
+                  <a:gd name="textAreaTop" fmla="*/ 0 h 1436400"/>
+                  <a:gd name="textAreaBottom" fmla="*/ 1437840 h 1436400"/>
                 </a:gdLst>
                 <a:ahLst/>
                 <a:rect l="textAreaLeft" t="textAreaTop" r="textAreaRight" b="textAreaBottom"/>
@@ -10890,15 +10881,15 @@
           <p:spPr>
             <a:xfrm>
               <a:off x="8616600" y="474120"/>
-              <a:ext cx="1436760" cy="1436760"/>
+              <a:ext cx="1436400" cy="1436400"/>
             </a:xfrm>
             <a:custGeom>
               <a:avLst/>
               <a:gdLst>
-                <a:gd name="textAreaLeft" fmla="*/ 0 w 1436760"/>
-                <a:gd name="textAreaRight" fmla="*/ 1437840 w 1436760"/>
-                <a:gd name="textAreaTop" fmla="*/ 0 h 1436760"/>
-                <a:gd name="textAreaBottom" fmla="*/ 1437840 h 1436760"/>
+                <a:gd name="textAreaLeft" fmla="*/ 0 w 1436400"/>
+                <a:gd name="textAreaRight" fmla="*/ 1437840 w 1436400"/>
+                <a:gd name="textAreaTop" fmla="*/ 0 h 1436400"/>
+                <a:gd name="textAreaBottom" fmla="*/ 1437840 h 1436400"/>
               </a:gdLst>
               <a:ahLst/>
               <a:rect l="textAreaLeft" t="textAreaTop" r="textAreaRight" b="textAreaBottom"/>
@@ -10973,15 +10964,15 @@
         <p:spPr>
           <a:xfrm>
             <a:off x="0" y="632160"/>
-            <a:ext cx="9334440" cy="10651680"/>
+            <a:ext cx="9334080" cy="10651320"/>
           </a:xfrm>
           <a:custGeom>
             <a:avLst/>
             <a:gdLst>
-              <a:gd name="textAreaLeft" fmla="*/ 0 w 9334440"/>
-              <a:gd name="textAreaRight" fmla="*/ 9335520 w 9334440"/>
-              <a:gd name="textAreaTop" fmla="*/ 0 h 10651680"/>
-              <a:gd name="textAreaBottom" fmla="*/ 10652760 h 10651680"/>
+              <a:gd name="textAreaLeft" fmla="*/ 0 w 9334080"/>
+              <a:gd name="textAreaRight" fmla="*/ 9335520 w 9334080"/>
+              <a:gd name="textAreaTop" fmla="*/ 0 h 10651320"/>
+              <a:gd name="textAreaBottom" fmla="*/ 10652760 h 10651320"/>
             </a:gdLst>
             <a:ahLst/>
             <a:rect l="textAreaLeft" t="textAreaTop" r="textAreaRight" b="textAreaBottom"/>
@@ -11055,7 +11046,7 @@
         <p:spPr>
           <a:xfrm>
             <a:off x="10054440" y="4312080"/>
-            <a:ext cx="7203600" cy="1675800"/>
+            <a:ext cx="7203240" cy="1675800"/>
           </a:xfrm>
           <a:prstGeom prst="rect">
             <a:avLst/>
@@ -11112,9 +11103,9 @@
         <p:grpSpPr>
           <a:xfrm>
             <a:off x="14693400" y="9413280"/>
-            <a:ext cx="2008080" cy="1746720"/>
+            <a:ext cx="2007720" cy="1746360"/>
             <a:chOff x="14693400" y="9413280"/>
-            <a:chExt cx="2008080" cy="1746720"/>
+            <a:chExt cx="2007720" cy="1746360"/>
           </a:xfrm>
         </p:grpSpPr>
         <p:grpSp>
@@ -11126,9 +11117,9 @@
           <p:grpSpPr>
             <a:xfrm>
               <a:off x="14954760" y="9413280"/>
-              <a:ext cx="1746720" cy="1746720"/>
+              <a:ext cx="1746360" cy="1746360"/>
               <a:chOff x="14954760" y="9413280"/>
-              <a:chExt cx="1746720" cy="1746720"/>
+              <a:chExt cx="1746360" cy="1746360"/>
             </a:xfrm>
           </p:grpSpPr>
           <p:sp>
@@ -11140,15 +11131,15 @@
             <p:spPr>
               <a:xfrm>
                 <a:off x="14954760" y="9413280"/>
-                <a:ext cx="1746720" cy="1746720"/>
+                <a:ext cx="1746360" cy="1746360"/>
               </a:xfrm>
               <a:custGeom>
                 <a:avLst/>
                 <a:gdLst>
-                  <a:gd name="textAreaLeft" fmla="*/ 0 w 1746720"/>
-                  <a:gd name="textAreaRight" fmla="*/ 1747800 w 1746720"/>
-                  <a:gd name="textAreaTop" fmla="*/ 0 h 1746720"/>
-                  <a:gd name="textAreaBottom" fmla="*/ 1747800 h 1746720"/>
+                  <a:gd name="textAreaLeft" fmla="*/ 0 w 1746360"/>
+                  <a:gd name="textAreaRight" fmla="*/ 1747800 w 1746360"/>
+                  <a:gd name="textAreaTop" fmla="*/ 0 h 1746360"/>
+                  <a:gd name="textAreaBottom" fmla="*/ 1747800 h 1746360"/>
                 </a:gdLst>
                 <a:ahLst/>
                 <a:rect l="textAreaLeft" t="textAreaTop" r="textAreaRight" b="textAreaBottom"/>
@@ -11223,15 +11214,15 @@
           <p:spPr>
             <a:xfrm>
               <a:off x="14693400" y="9413280"/>
-              <a:ext cx="1746720" cy="1746720"/>
+              <a:ext cx="1746360" cy="1746360"/>
             </a:xfrm>
             <a:custGeom>
               <a:avLst/>
               <a:gdLst>
-                <a:gd name="textAreaLeft" fmla="*/ 0 w 1746720"/>
-                <a:gd name="textAreaRight" fmla="*/ 1747800 w 1746720"/>
-                <a:gd name="textAreaTop" fmla="*/ 0 h 1746720"/>
-                <a:gd name="textAreaBottom" fmla="*/ 1747800 h 1746720"/>
+                <a:gd name="textAreaLeft" fmla="*/ 0 w 1746360"/>
+                <a:gd name="textAreaRight" fmla="*/ 1747800 w 1746360"/>
+                <a:gd name="textAreaTop" fmla="*/ 0 h 1746360"/>
+                <a:gd name="textAreaBottom" fmla="*/ 1747800 h 1746360"/>
               </a:gdLst>
               <a:ahLst/>
               <a:rect l="textAreaLeft" t="textAreaTop" r="textAreaRight" b="textAreaBottom"/>
